--- a/docs/pptx/Android Project - Group 1 - Becerra Stauner Taxil.pptx
+++ b/docs/pptx/Android Project - Group 1 - Becerra Stauner Taxil.pptx
@@ -272,7 +272,7 @@
           <a:p>
             <a:fld id="{740F9424-0255-4D43-B038-239F44EC230E}" type="datetimeFigureOut">
               <a:rPr lang="en-FR" smtClean="0"/>
-              <a:t>02/12/2020</a:t>
+              <a:t>07/12/2020</a:t>
             </a:fld>
             <a:endParaRPr lang="en-FR"/>
           </a:p>
@@ -472,7 +472,7 @@
           <a:p>
             <a:fld id="{740F9424-0255-4D43-B038-239F44EC230E}" type="datetimeFigureOut">
               <a:rPr lang="en-FR" smtClean="0"/>
-              <a:t>02/12/2020</a:t>
+              <a:t>07/12/2020</a:t>
             </a:fld>
             <a:endParaRPr lang="en-FR"/>
           </a:p>
@@ -682,7 +682,7 @@
           <a:p>
             <a:fld id="{740F9424-0255-4D43-B038-239F44EC230E}" type="datetimeFigureOut">
               <a:rPr lang="en-FR" smtClean="0"/>
-              <a:t>02/12/2020</a:t>
+              <a:t>07/12/2020</a:t>
             </a:fld>
             <a:endParaRPr lang="en-FR"/>
           </a:p>
@@ -882,7 +882,7 @@
           <a:p>
             <a:fld id="{740F9424-0255-4D43-B038-239F44EC230E}" type="datetimeFigureOut">
               <a:rPr lang="en-FR" smtClean="0"/>
-              <a:t>02/12/2020</a:t>
+              <a:t>07/12/2020</a:t>
             </a:fld>
             <a:endParaRPr lang="en-FR"/>
           </a:p>
@@ -1158,7 +1158,7 @@
           <a:p>
             <a:fld id="{740F9424-0255-4D43-B038-239F44EC230E}" type="datetimeFigureOut">
               <a:rPr lang="en-FR" smtClean="0"/>
-              <a:t>02/12/2020</a:t>
+              <a:t>07/12/2020</a:t>
             </a:fld>
             <a:endParaRPr lang="en-FR"/>
           </a:p>
@@ -1426,7 +1426,7 @@
           <a:p>
             <a:fld id="{740F9424-0255-4D43-B038-239F44EC230E}" type="datetimeFigureOut">
               <a:rPr lang="en-FR" smtClean="0"/>
-              <a:t>02/12/2020</a:t>
+              <a:t>07/12/2020</a:t>
             </a:fld>
             <a:endParaRPr lang="en-FR"/>
           </a:p>
@@ -1841,7 +1841,7 @@
           <a:p>
             <a:fld id="{740F9424-0255-4D43-B038-239F44EC230E}" type="datetimeFigureOut">
               <a:rPr lang="en-FR" smtClean="0"/>
-              <a:t>02/12/2020</a:t>
+              <a:t>07/12/2020</a:t>
             </a:fld>
             <a:endParaRPr lang="en-FR"/>
           </a:p>
@@ -1983,7 +1983,7 @@
           <a:p>
             <a:fld id="{740F9424-0255-4D43-B038-239F44EC230E}" type="datetimeFigureOut">
               <a:rPr lang="en-FR" smtClean="0"/>
-              <a:t>02/12/2020</a:t>
+              <a:t>07/12/2020</a:t>
             </a:fld>
             <a:endParaRPr lang="en-FR"/>
           </a:p>
@@ -2096,7 +2096,7 @@
           <a:p>
             <a:fld id="{740F9424-0255-4D43-B038-239F44EC230E}" type="datetimeFigureOut">
               <a:rPr lang="en-FR" smtClean="0"/>
-              <a:t>02/12/2020</a:t>
+              <a:t>07/12/2020</a:t>
             </a:fld>
             <a:endParaRPr lang="en-FR"/>
           </a:p>
@@ -2409,7 +2409,7 @@
           <a:p>
             <a:fld id="{740F9424-0255-4D43-B038-239F44EC230E}" type="datetimeFigureOut">
               <a:rPr lang="en-FR" smtClean="0"/>
-              <a:t>02/12/2020</a:t>
+              <a:t>07/12/2020</a:t>
             </a:fld>
             <a:endParaRPr lang="en-FR"/>
           </a:p>
@@ -2698,7 +2698,7 @@
           <a:p>
             <a:fld id="{740F9424-0255-4D43-B038-239F44EC230E}" type="datetimeFigureOut">
               <a:rPr lang="en-FR" smtClean="0"/>
-              <a:t>02/12/2020</a:t>
+              <a:t>07/12/2020</a:t>
             </a:fld>
             <a:endParaRPr lang="en-FR"/>
           </a:p>
@@ -2941,7 +2941,7 @@
           <a:p>
             <a:fld id="{740F9424-0255-4D43-B038-239F44EC230E}" type="datetimeFigureOut">
               <a:rPr lang="en-FR" smtClean="0"/>
-              <a:t>02/12/2020</a:t>
+              <a:t>07/12/2020</a:t>
             </a:fld>
             <a:endParaRPr lang="en-FR"/>
           </a:p>
@@ -3344,6 +3344,14 @@
 <file path=ppt/slides/slide1.xml><?xml version="1.0" encoding="utf-8"?>
 <p:sld xmlns:a="http://schemas.openxmlformats.org/drawingml/2006/main" xmlns:r="http://schemas.openxmlformats.org/officeDocument/2006/relationships" xmlns:p="http://schemas.openxmlformats.org/presentationml/2006/main">
   <p:cSld>
+    <p:bg>
+      <p:bgPr>
+        <a:solidFill>
+          <a:schemeClr val="bg1"/>
+        </a:solidFill>
+        <a:effectLst/>
+      </p:bgPr>
+    </p:bg>
     <p:spTree>
       <p:nvGrpSpPr>
         <p:cNvPr id="1" name=""/>
@@ -3360,6 +3368,137 @@
       </p:grpSpPr>
       <p:sp>
         <p:nvSpPr>
+          <p:cNvPr id="10" name="Rectangle 9">
+            <a:extLst>
+              <a:ext uri="{FF2B5EF4-FFF2-40B4-BE49-F238E27FC236}">
+                <a16:creationId xmlns:a16="http://schemas.microsoft.com/office/drawing/2014/main" id="{35555856-9970-4BC3-9AA9-6A917F53AFBD}"/>
+              </a:ext>
+              <a:ext uri="{C183D7F6-B498-43B3-948B-1728B52AA6E4}">
+                <adec:decorative xmlns:adec="http://schemas.microsoft.com/office/drawing/2017/decorative" val="1"/>
+              </a:ext>
+            </a:extLst>
+          </p:cNvPr>
+          <p:cNvSpPr>
+            <a:spLocks noGrp="1" noRot="1" noChangeAspect="1" noMove="1" noResize="1" noEditPoints="1" noAdjustHandles="1" noChangeArrowheads="1" noChangeShapeType="1" noTextEdit="1"/>
+          </p:cNvSpPr>
+          <p:nvPr>
+            <p:extLst>
+              <p:ext uri="{386F3935-93C4-4BCD-93E2-E3B085C9AB24}">
+                <p16:designElem xmlns:p16="http://schemas.microsoft.com/office/powerpoint/2015/main" val="1"/>
+              </p:ext>
+            </p:extLst>
+          </p:nvPr>
+        </p:nvSpPr>
+        <p:spPr>
+          <a:xfrm flipH="1">
+            <a:off x="0" y="0"/>
+            <a:ext cx="6421721" cy="6858000"/>
+          </a:xfrm>
+          <a:prstGeom prst="rect">
+            <a:avLst/>
+          </a:prstGeom>
+          <a:gradFill>
+            <a:gsLst>
+              <a:gs pos="0">
+                <a:schemeClr val="accent1">
+                  <a:lumMod val="100000"/>
+                  <a:alpha val="82000"/>
+                </a:schemeClr>
+              </a:gs>
+              <a:gs pos="25000">
+                <a:schemeClr val="accent1">
+                  <a:alpha val="60000"/>
+                </a:schemeClr>
+              </a:gs>
+              <a:gs pos="94000">
+                <a:schemeClr val="bg2">
+                  <a:lumMod val="75000"/>
+                </a:schemeClr>
+              </a:gs>
+              <a:gs pos="100000">
+                <a:schemeClr val="bg2">
+                  <a:lumMod val="75000"/>
+                </a:schemeClr>
+              </a:gs>
+            </a:gsLst>
+            <a:lin ang="4200000" scaled="0"/>
+          </a:gradFill>
+          <a:ln>
+            <a:noFill/>
+          </a:ln>
+        </p:spPr>
+        <p:style>
+          <a:lnRef idx="2">
+            <a:schemeClr val="accent1">
+              <a:shade val="50000"/>
+            </a:schemeClr>
+          </a:lnRef>
+          <a:fillRef idx="1">
+            <a:schemeClr val="accent1"/>
+          </a:fillRef>
+          <a:effectRef idx="0">
+            <a:schemeClr val="accent1"/>
+          </a:effectRef>
+          <a:fontRef idx="minor">
+            <a:schemeClr val="lt1"/>
+          </a:fontRef>
+        </p:style>
+        <p:txBody>
+          <a:bodyPr rtlCol="0" anchor="ctr"/>
+          <a:lstStyle/>
+          <a:p>
+            <a:pPr algn="ctr"/>
+            <a:endParaRPr lang="en-US"/>
+          </a:p>
+        </p:txBody>
+      </p:sp>
+      <p:pic>
+        <p:nvPicPr>
+          <p:cNvPr id="12" name="Picture 11">
+            <a:extLst>
+              <a:ext uri="{FF2B5EF4-FFF2-40B4-BE49-F238E27FC236}">
+                <a16:creationId xmlns:a16="http://schemas.microsoft.com/office/drawing/2014/main" id="{7F487851-BFAF-46D8-A1ED-50CAD6E46F59}"/>
+              </a:ext>
+              <a:ext uri="{C183D7F6-B498-43B3-948B-1728B52AA6E4}">
+                <adec:decorative xmlns:adec="http://schemas.microsoft.com/office/drawing/2017/decorative" val="1"/>
+              </a:ext>
+            </a:extLst>
+          </p:cNvPr>
+          <p:cNvPicPr>
+            <a:picLocks noGrp="1" noRot="1" noChangeAspect="1" noMove="1" noResize="1" noEditPoints="1" noAdjustHandles="1" noChangeArrowheads="1" noChangeShapeType="1" noCrop="1"/>
+          </p:cNvPicPr>
+          <p:nvPr>
+            <p:extLst>
+              <p:ext uri="{386F3935-93C4-4BCD-93E2-E3B085C9AB24}">
+                <p16:designElem xmlns:p16="http://schemas.microsoft.com/office/powerpoint/2015/main" val="1"/>
+              </p:ext>
+            </p:extLst>
+          </p:nvPr>
+        </p:nvPicPr>
+        <p:blipFill>
+          <a:blip r:embed="rId2">
+            <a:extLst>
+              <a:ext uri="{28A0092B-C50C-407E-A947-70E740481C1C}">
+                <a14:useLocalDpi xmlns:a14="http://schemas.microsoft.com/office/drawing/2010/main" val="0"/>
+              </a:ext>
+            </a:extLst>
+          </a:blip>
+          <a:stretch>
+            <a:fillRect/>
+          </a:stretch>
+        </p:blipFill>
+        <p:spPr>
+          <a:xfrm>
+            <a:off x="0" y="0"/>
+            <a:ext cx="12192000" cy="6858000"/>
+          </a:xfrm>
+          <a:prstGeom prst="rect">
+            <a:avLst/>
+          </a:prstGeom>
+        </p:spPr>
+      </p:pic>
+      <p:sp>
+        <p:nvSpPr>
           <p:cNvPr id="2" name="Title 1">
             <a:extLst>
               <a:ext uri="{FF2B5EF4-FFF2-40B4-BE49-F238E27FC236}">
@@ -3374,13 +3513,25 @@
             <p:ph type="ctrTitle"/>
           </p:nvPr>
         </p:nvSpPr>
-        <p:spPr/>
-        <p:txBody>
-          <a:bodyPr/>
-          <a:lstStyle/>
-          <a:p>
-            <a:r>
-              <a:rPr lang="en-FR" dirty="0"/>
+        <p:spPr>
+          <a:xfrm>
+            <a:off x="6590662" y="4267832"/>
+            <a:ext cx="4805996" cy="1297115"/>
+          </a:xfrm>
+        </p:spPr>
+        <p:txBody>
+          <a:bodyPr anchor="t">
+            <a:normAutofit/>
+          </a:bodyPr>
+          <a:lstStyle/>
+          <a:p>
+            <a:pPr algn="l"/>
+            <a:r>
+              <a:rPr lang="en-FR" sz="4400">
+                <a:solidFill>
+                  <a:srgbClr val="000000"/>
+                </a:solidFill>
+              </a:rPr>
               <a:t>Projet Android</a:t>
             </a:r>
           </a:p>
@@ -3402,32 +3553,315 @@
             <p:ph type="subTitle" idx="1"/>
           </p:nvPr>
         </p:nvSpPr>
-        <p:spPr/>
-        <p:txBody>
-          <a:bodyPr/>
-          <a:lstStyle/>
-          <a:p>
-            <a:r>
-              <a:rPr lang="en-FR" dirty="0"/>
+        <p:spPr>
+          <a:xfrm>
+            <a:off x="6590966" y="3428999"/>
+            <a:ext cx="4805691" cy="838831"/>
+          </a:xfrm>
+        </p:spPr>
+        <p:txBody>
+          <a:bodyPr anchor="b">
+            <a:normAutofit/>
+          </a:bodyPr>
+          <a:lstStyle/>
+          <a:p>
+            <a:pPr algn="l"/>
+            <a:r>
+              <a:rPr lang="en-FR" sz="1500">
+                <a:solidFill>
+                  <a:srgbClr val="000000"/>
+                </a:solidFill>
+              </a:rPr>
               <a:t>Groupe 1</a:t>
             </a:r>
           </a:p>
           <a:p>
-            <a:r>
-              <a:rPr lang="en-FR" dirty="0"/>
+            <a:pPr algn="l"/>
+            <a:r>
+              <a:rPr lang="en-FR" sz="1500">
+                <a:solidFill>
+                  <a:srgbClr val="000000"/>
+                </a:solidFill>
+              </a:rPr>
               <a:t>Benjamin BECERRA - Clément S</a:t>
             </a:r>
             <a:r>
-              <a:rPr lang="en-GB" dirty="0"/>
+              <a:rPr lang="en-GB" sz="1500">
+                <a:solidFill>
+                  <a:srgbClr val="000000"/>
+                </a:solidFill>
+              </a:rPr>
               <a:t>TAUNER</a:t>
             </a:r>
             <a:r>
-              <a:rPr lang="en-FR" dirty="0"/>
+              <a:rPr lang="en-FR" sz="1500">
+                <a:solidFill>
+                  <a:srgbClr val="000000"/>
+                </a:solidFill>
+              </a:rPr>
               <a:t> – Thibault TAXIL</a:t>
             </a:r>
           </a:p>
         </p:txBody>
       </p:sp>
+      <p:sp>
+        <p:nvSpPr>
+          <p:cNvPr id="14" name="Freeform 50">
+            <a:extLst>
+              <a:ext uri="{FF2B5EF4-FFF2-40B4-BE49-F238E27FC236}">
+                <a16:creationId xmlns:a16="http://schemas.microsoft.com/office/drawing/2014/main" id="{13722DD7-BA73-4776-93A3-94491FEF7260}"/>
+              </a:ext>
+              <a:ext uri="{C183D7F6-B498-43B3-948B-1728B52AA6E4}">
+                <adec:decorative xmlns:adec="http://schemas.microsoft.com/office/drawing/2017/decorative" val="1"/>
+              </a:ext>
+            </a:extLst>
+          </p:cNvPr>
+          <p:cNvSpPr>
+            <a:spLocks noGrp="1" noRot="1" noChangeAspect="1" noMove="1" noResize="1" noEditPoints="1" noAdjustHandles="1" noChangeArrowheads="1" noChangeShapeType="1" noTextEdit="1"/>
+          </p:cNvSpPr>
+          <p:nvPr>
+            <p:extLst>
+              <p:ext uri="{386F3935-93C4-4BCD-93E2-E3B085C9AB24}">
+                <p16:designElem xmlns:p16="http://schemas.microsoft.com/office/powerpoint/2015/main" val="1"/>
+              </p:ext>
+            </p:extLst>
+          </p:nvPr>
+        </p:nvSpPr>
+        <p:spPr>
+          <a:xfrm flipH="1">
+            <a:off x="0" y="581159"/>
+            <a:ext cx="5464879" cy="6276841"/>
+          </a:xfrm>
+          <a:custGeom>
+            <a:avLst/>
+            <a:gdLst>
+              <a:gd name="connsiteX0" fmla="*/ 3299930 w 5464879"/>
+              <a:gd name="connsiteY0" fmla="*/ 0 h 6276841"/>
+              <a:gd name="connsiteX1" fmla="*/ 5398992 w 5464879"/>
+              <a:gd name="connsiteY1" fmla="*/ 753544 h 6276841"/>
+              <a:gd name="connsiteX2" fmla="*/ 5464879 w 5464879"/>
+              <a:gd name="connsiteY2" fmla="*/ 813426 h 6276841"/>
+              <a:gd name="connsiteX3" fmla="*/ 5464879 w 5464879"/>
+              <a:gd name="connsiteY3" fmla="*/ 5786434 h 6276841"/>
+              <a:gd name="connsiteX4" fmla="*/ 5398992 w 5464879"/>
+              <a:gd name="connsiteY4" fmla="*/ 5846317 h 6276841"/>
+              <a:gd name="connsiteX5" fmla="*/ 4872873 w 5464879"/>
+              <a:gd name="connsiteY5" fmla="*/ 6201577 h 6276841"/>
+              <a:gd name="connsiteX6" fmla="*/ 4716632 w 5464879"/>
+              <a:gd name="connsiteY6" fmla="*/ 6276841 h 6276841"/>
+              <a:gd name="connsiteX7" fmla="*/ 1883227 w 5464879"/>
+              <a:gd name="connsiteY7" fmla="*/ 6276841 h 6276841"/>
+              <a:gd name="connsiteX8" fmla="*/ 1726987 w 5464879"/>
+              <a:gd name="connsiteY8" fmla="*/ 6201577 h 6276841"/>
+              <a:gd name="connsiteX9" fmla="*/ 0 w 5464879"/>
+              <a:gd name="connsiteY9" fmla="*/ 3299930 h 6276841"/>
+              <a:gd name="connsiteX10" fmla="*/ 3299930 w 5464879"/>
+              <a:gd name="connsiteY10" fmla="*/ 0 h 6276841"/>
+            </a:gdLst>
+            <a:ahLst/>
+            <a:cxnLst>
+              <a:cxn ang="0">
+                <a:pos x="connsiteX0" y="connsiteY0"/>
+              </a:cxn>
+              <a:cxn ang="0">
+                <a:pos x="connsiteX1" y="connsiteY1"/>
+              </a:cxn>
+              <a:cxn ang="0">
+                <a:pos x="connsiteX2" y="connsiteY2"/>
+              </a:cxn>
+              <a:cxn ang="0">
+                <a:pos x="connsiteX3" y="connsiteY3"/>
+              </a:cxn>
+              <a:cxn ang="0">
+                <a:pos x="connsiteX4" y="connsiteY4"/>
+              </a:cxn>
+              <a:cxn ang="0">
+                <a:pos x="connsiteX5" y="connsiteY5"/>
+              </a:cxn>
+              <a:cxn ang="0">
+                <a:pos x="connsiteX6" y="connsiteY6"/>
+              </a:cxn>
+              <a:cxn ang="0">
+                <a:pos x="connsiteX7" y="connsiteY7"/>
+              </a:cxn>
+              <a:cxn ang="0">
+                <a:pos x="connsiteX8" y="connsiteY8"/>
+              </a:cxn>
+              <a:cxn ang="0">
+                <a:pos x="connsiteX9" y="connsiteY9"/>
+              </a:cxn>
+              <a:cxn ang="0">
+                <a:pos x="connsiteX10" y="connsiteY10"/>
+              </a:cxn>
+            </a:cxnLst>
+            <a:rect l="l" t="t" r="r" b="b"/>
+            <a:pathLst>
+              <a:path w="5464879" h="6276841">
+                <a:moveTo>
+                  <a:pt x="3299930" y="0"/>
+                </a:moveTo>
+                <a:cubicBezTo>
+                  <a:pt x="4097274" y="0"/>
+                  <a:pt x="4828569" y="282789"/>
+                  <a:pt x="5398992" y="753544"/>
+                </a:cubicBezTo>
+                <a:lnTo>
+                  <a:pt x="5464879" y="813426"/>
+                </a:lnTo>
+                <a:lnTo>
+                  <a:pt x="5464879" y="5786434"/>
+                </a:lnTo>
+                <a:lnTo>
+                  <a:pt x="5398992" y="5846317"/>
+                </a:lnTo>
+                <a:cubicBezTo>
+                  <a:pt x="5236014" y="5980818"/>
+                  <a:pt x="5059904" y="6099975"/>
+                  <a:pt x="4872873" y="6201577"/>
+                </a:cubicBezTo>
+                <a:lnTo>
+                  <a:pt x="4716632" y="6276841"/>
+                </a:lnTo>
+                <a:lnTo>
+                  <a:pt x="1883227" y="6276841"/>
+                </a:lnTo>
+                <a:lnTo>
+                  <a:pt x="1726987" y="6201577"/>
+                </a:lnTo>
+                <a:cubicBezTo>
+                  <a:pt x="698316" y="5642769"/>
+                  <a:pt x="0" y="4552900"/>
+                  <a:pt x="0" y="3299930"/>
+                </a:cubicBezTo>
+                <a:cubicBezTo>
+                  <a:pt x="0" y="1477429"/>
+                  <a:pt x="1477429" y="0"/>
+                  <a:pt x="3299930" y="0"/>
+                </a:cubicBezTo>
+                <a:close/>
+              </a:path>
+            </a:pathLst>
+          </a:custGeom>
+          <a:solidFill>
+            <a:srgbClr val="FFFFFF"/>
+          </a:solidFill>
+          <a:ln>
+            <a:gradFill>
+              <a:gsLst>
+                <a:gs pos="0">
+                  <a:schemeClr val="accent1">
+                    <a:lumMod val="40000"/>
+                    <a:lumOff val="60000"/>
+                  </a:schemeClr>
+                </a:gs>
+                <a:gs pos="23000">
+                  <a:schemeClr val="accent1">
+                    <a:lumMod val="45000"/>
+                    <a:lumOff val="55000"/>
+                  </a:schemeClr>
+                </a:gs>
+                <a:gs pos="83000">
+                  <a:schemeClr val="bg2">
+                    <a:lumMod val="75000"/>
+                  </a:schemeClr>
+                </a:gs>
+                <a:gs pos="100000">
+                  <a:schemeClr val="bg2">
+                    <a:lumMod val="75000"/>
+                  </a:schemeClr>
+                </a:gs>
+              </a:gsLst>
+              <a:lin ang="5400000" scaled="1"/>
+            </a:gradFill>
+          </a:ln>
+        </p:spPr>
+        <p:style>
+          <a:lnRef idx="2">
+            <a:schemeClr val="accent1">
+              <a:shade val="50000"/>
+            </a:schemeClr>
+          </a:lnRef>
+          <a:fillRef idx="1">
+            <a:schemeClr val="accent1"/>
+          </a:fillRef>
+          <a:effectRef idx="0">
+            <a:schemeClr val="accent1"/>
+          </a:effectRef>
+          <a:fontRef idx="minor">
+            <a:schemeClr val="lt1"/>
+          </a:fontRef>
+        </p:style>
+        <p:txBody>
+          <a:bodyPr wrap="square" rtlCol="0" anchor="ctr">
+            <a:noAutofit/>
+          </a:bodyPr>
+          <a:lstStyle/>
+          <a:p>
+            <a:pPr algn="ctr"/>
+            <a:endParaRPr lang="en-US"/>
+          </a:p>
+        </p:txBody>
+      </p:sp>
+      <p:pic>
+        <p:nvPicPr>
+          <p:cNvPr id="7" name="Graphic 6" descr="Smart Phone">
+            <a:extLst>
+              <a:ext uri="{FF2B5EF4-FFF2-40B4-BE49-F238E27FC236}">
+                <a16:creationId xmlns:a16="http://schemas.microsoft.com/office/drawing/2014/main" id="{EF6D71F9-DA48-46EA-88A4-1249B3E3199E}"/>
+              </a:ext>
+            </a:extLst>
+          </p:cNvPr>
+          <p:cNvPicPr>
+            <a:picLocks noChangeAspect="1"/>
+          </p:cNvPicPr>
+          <p:nvPr/>
+        </p:nvPicPr>
+        <p:blipFill>
+          <a:blip r:embed="rId3">
+            <a:extLst>
+              <a:ext uri="{28A0092B-C50C-407E-A947-70E740481C1C}">
+                <a14:useLocalDpi xmlns:a14="http://schemas.microsoft.com/office/drawing/2010/main" val="0"/>
+              </a:ext>
+              <a:ext uri="{96DAC541-7B7A-43D3-8B79-37D633B846F1}">
+                <asvg:svgBlip xmlns:asvg="http://schemas.microsoft.com/office/drawing/2016/SVG/main" r:embed="rId4"/>
+              </a:ext>
+            </a:extLst>
+          </a:blip>
+          <a:stretch>
+            <a:fillRect/>
+          </a:stretch>
+        </p:blipFill>
+        <p:spPr>
+          <a:xfrm>
+            <a:off x="340470" y="1815320"/>
+            <a:ext cx="4141760" cy="4141760"/>
+          </a:xfrm>
+          <a:custGeom>
+            <a:avLst/>
+            <a:gdLst/>
+            <a:ahLst/>
+            <a:cxnLst/>
+            <a:rect l="l" t="t" r="r" b="b"/>
+            <a:pathLst>
+              <a:path w="4141760" h="4377846">
+                <a:moveTo>
+                  <a:pt x="0" y="0"/>
+                </a:moveTo>
+                <a:lnTo>
+                  <a:pt x="4141760" y="0"/>
+                </a:lnTo>
+                <a:lnTo>
+                  <a:pt x="4141760" y="4377846"/>
+                </a:lnTo>
+                <a:lnTo>
+                  <a:pt x="0" y="4377846"/>
+                </a:lnTo>
+                <a:close/>
+              </a:path>
+            </a:pathLst>
+          </a:custGeom>
+        </p:spPr>
+      </p:pic>
     </p:spTree>
     <p:extLst>
       <p:ext uri="{BB962C8B-B14F-4D97-AF65-F5344CB8AC3E}">

--- a/docs/pptx/Android Project - Group 1 - Becerra Stauner Taxil.pptx
+++ b/docs/pptx/Android Project - Group 1 - Becerra Stauner Taxil.pptx
@@ -4,20 +4,22 @@
   <p:sldMasterIdLst>
     <p:sldMasterId id="2147483648" r:id="rId1"/>
   </p:sldMasterIdLst>
+  <p:notesMasterIdLst>
+    <p:notesMasterId r:id="rId14"/>
+  </p:notesMasterIdLst>
   <p:sldIdLst>
     <p:sldId id="256" r:id="rId2"/>
     <p:sldId id="257" r:id="rId3"/>
     <p:sldId id="258" r:id="rId4"/>
     <p:sldId id="259" r:id="rId5"/>
-    <p:sldId id="262" r:id="rId6"/>
-    <p:sldId id="268" r:id="rId7"/>
-    <p:sldId id="261" r:id="rId8"/>
-    <p:sldId id="263" r:id="rId9"/>
-    <p:sldId id="265" r:id="rId10"/>
-    <p:sldId id="264" r:id="rId11"/>
-    <p:sldId id="266" r:id="rId12"/>
-    <p:sldId id="267" r:id="rId13"/>
-    <p:sldId id="260" r:id="rId14"/>
+    <p:sldId id="270" r:id="rId6"/>
+    <p:sldId id="261" r:id="rId7"/>
+    <p:sldId id="263" r:id="rId8"/>
+    <p:sldId id="265" r:id="rId9"/>
+    <p:sldId id="264" r:id="rId10"/>
+    <p:sldId id="266" r:id="rId11"/>
+    <p:sldId id="267" r:id="rId12"/>
+    <p:sldId id="260" r:id="rId13"/>
   </p:sldIdLst>
   <p:sldSz cx="12192000" cy="6858000"/>
   <p:notesSz cx="6858000" cy="9144000"/>
@@ -1046,15 +1048,15 @@
 </file>
 
 <file path=ppt/diagrams/colors2.xml><?xml version="1.0" encoding="utf-8"?>
-<dgm:colorsDef xmlns:dgm="http://schemas.openxmlformats.org/drawingml/2006/diagram" xmlns:a="http://schemas.openxmlformats.org/drawingml/2006/main" uniqueId="urn:microsoft.com/office/officeart/2005/8/colors/colorful5">
+<dgm:colorsDef xmlns:dgm="http://schemas.openxmlformats.org/drawingml/2006/diagram" xmlns:a="http://schemas.openxmlformats.org/drawingml/2006/main" uniqueId="urn:microsoft.com/office/officeart/2018/5/colors/Iconchunking_neutralbg_accent1_2">
   <dgm:title val=""/>
   <dgm:desc val=""/>
   <dgm:catLst>
-    <dgm:cat type="colorful" pri="10500"/>
+    <dgm:cat type="accent1" pri="11200"/>
   </dgm:catLst>
   <dgm:styleLbl name="node0">
     <dgm:fillClrLst meth="repeat">
-      <a:schemeClr val="accent4"/>
+      <a:schemeClr val="accent1"/>
     </dgm:fillClrLst>
     <dgm:linClrLst meth="repeat">
       <a:schemeClr val="lt1"/>
@@ -1064,10 +1066,35 @@
     <dgm:txFillClrLst/>
     <dgm:txEffectClrLst/>
   </dgm:styleLbl>
+  <dgm:styleLbl name="alignNode1">
+    <dgm:fillClrLst meth="repeat">
+      <a:schemeClr val="accent1"/>
+    </dgm:fillClrLst>
+    <dgm:linClrLst meth="repeat">
+      <a:schemeClr val="accent1"/>
+    </dgm:linClrLst>
+    <dgm:effectClrLst/>
+    <dgm:txLinClrLst/>
+    <dgm:txFillClrLst/>
+    <dgm:txEffectClrLst/>
+  </dgm:styleLbl>
   <dgm:styleLbl name="node1">
-    <dgm:fillClrLst>
-      <a:schemeClr val="accent5"/>
-      <a:schemeClr val="accent6"/>
+    <dgm:fillClrLst meth="repeat">
+      <a:schemeClr val="accent1"/>
+    </dgm:fillClrLst>
+    <dgm:linClrLst meth="repeat">
+      <a:schemeClr val="lt1">
+        <a:alpha val="0"/>
+      </a:schemeClr>
+    </dgm:linClrLst>
+    <dgm:effectClrLst/>
+    <dgm:txLinClrLst/>
+    <dgm:txFillClrLst/>
+    <dgm:txEffectClrLst/>
+  </dgm:styleLbl>
+  <dgm:styleLbl name="lnNode1">
+    <dgm:fillClrLst meth="repeat">
+      <a:schemeClr val="accent1"/>
     </dgm:fillClrLst>
     <dgm:linClrLst meth="repeat">
       <a:schemeClr val="lt1"/>
@@ -1077,24 +1104,23 @@
     <dgm:txFillClrLst/>
     <dgm:txEffectClrLst/>
   </dgm:styleLbl>
-  <dgm:styleLbl name="alignNode1">
-    <dgm:fillClrLst>
-      <a:schemeClr val="accent5"/>
-      <a:schemeClr val="accent6"/>
-    </dgm:fillClrLst>
-    <dgm:linClrLst>
-      <a:schemeClr val="accent5"/>
-      <a:schemeClr val="accent6"/>
+  <dgm:styleLbl name="vennNode1">
+    <dgm:fillClrLst meth="repeat">
+      <a:schemeClr val="accent1">
+        <a:alpha val="50000"/>
+      </a:schemeClr>
+    </dgm:fillClrLst>
+    <dgm:linClrLst meth="repeat">
+      <a:schemeClr val="lt1"/>
     </dgm:linClrLst>
     <dgm:effectClrLst/>
     <dgm:txLinClrLst/>
     <dgm:txFillClrLst/>
     <dgm:txEffectClrLst/>
   </dgm:styleLbl>
-  <dgm:styleLbl name="lnNode1">
-    <dgm:fillClrLst>
-      <a:schemeClr val="accent5"/>
-      <a:schemeClr val="accent6"/>
+  <dgm:styleLbl name="node2">
+    <dgm:fillClrLst meth="repeat">
+      <a:schemeClr val="accent1"/>
     </dgm:fillClrLst>
     <dgm:linClrLst meth="repeat">
       <a:schemeClr val="lt1"/>
@@ -1104,14 +1130,9 @@
     <dgm:txFillClrLst/>
     <dgm:txEffectClrLst/>
   </dgm:styleLbl>
-  <dgm:styleLbl name="vennNode1">
-    <dgm:fillClrLst>
-      <a:schemeClr val="accent5">
-        <a:alpha val="50000"/>
-      </a:schemeClr>
-      <a:schemeClr val="accent6">
-        <a:alpha val="50000"/>
-      </a:schemeClr>
+  <dgm:styleLbl name="node3">
+    <dgm:fillClrLst meth="repeat">
+      <a:schemeClr val="accent1"/>
     </dgm:fillClrLst>
     <dgm:linClrLst meth="repeat">
       <a:schemeClr val="lt1"/>
@@ -1121,9 +1142,9 @@
     <dgm:txFillClrLst/>
     <dgm:txEffectClrLst/>
   </dgm:styleLbl>
-  <dgm:styleLbl name="node2">
-    <dgm:fillClrLst>
-      <a:schemeClr val="accent6"/>
+  <dgm:styleLbl name="node4">
+    <dgm:fillClrLst meth="repeat">
+      <a:schemeClr val="accent1"/>
     </dgm:fillClrLst>
     <dgm:linClrLst meth="repeat">
       <a:schemeClr val="lt1"/>
@@ -1133,36 +1154,9 @@
     <dgm:txFillClrLst/>
     <dgm:txEffectClrLst/>
   </dgm:styleLbl>
-  <dgm:styleLbl name="node3">
-    <dgm:fillClrLst>
-      <a:schemeClr val="accent1"/>
-    </dgm:fillClrLst>
-    <dgm:linClrLst meth="repeat">
-      <a:schemeClr val="lt1"/>
-    </dgm:linClrLst>
-    <dgm:effectClrLst/>
-    <dgm:txLinClrLst/>
-    <dgm:txFillClrLst/>
-    <dgm:txEffectClrLst/>
-  </dgm:styleLbl>
-  <dgm:styleLbl name="node4">
-    <dgm:fillClrLst>
-      <a:schemeClr val="accent2"/>
-    </dgm:fillClrLst>
-    <dgm:linClrLst meth="repeat">
-      <a:schemeClr val="lt1"/>
-    </dgm:linClrLst>
-    <dgm:effectClrLst/>
-    <dgm:txLinClrLst/>
-    <dgm:txFillClrLst/>
-    <dgm:txEffectClrLst/>
-  </dgm:styleLbl>
   <dgm:styleLbl name="fgImgPlace1">
-    <dgm:fillClrLst>
-      <a:schemeClr val="accent5">
-        <a:tint val="50000"/>
-      </a:schemeClr>
-      <a:schemeClr val="accent6">
+    <dgm:fillClrLst meth="repeat">
+      <a:schemeClr val="accent1">
         <a:tint val="50000"/>
       </a:schemeClr>
     </dgm:fillClrLst>
@@ -1177,12 +1171,9 @@
     <dgm:txEffectClrLst/>
   </dgm:styleLbl>
   <dgm:styleLbl name="alignImgPlace1">
-    <dgm:fillClrLst>
-      <a:schemeClr val="accent5">
+    <dgm:fillClrLst meth="repeat">
+      <a:schemeClr val="accent1">
         <a:tint val="50000"/>
-      </a:schemeClr>
-      <a:schemeClr val="accent6">
-        <a:tint val="20000"/>
       </a:schemeClr>
     </dgm:fillClrLst>
     <dgm:linClrLst meth="repeat">
@@ -1196,12 +1187,9 @@
     <dgm:txEffectClrLst/>
   </dgm:styleLbl>
   <dgm:styleLbl name="bgImgPlace1">
-    <dgm:fillClrLst>
-      <a:schemeClr val="accent5">
+    <dgm:fillClrLst meth="repeat">
+      <a:schemeClr val="accent1">
         <a:tint val="50000"/>
-      </a:schemeClr>
-      <a:schemeClr val="accent6">
-        <a:tint val="20000"/>
       </a:schemeClr>
     </dgm:fillClrLst>
     <dgm:linClrLst meth="repeat">
@@ -1215,9 +1203,86 @@
     <dgm:txEffectClrLst/>
   </dgm:styleLbl>
   <dgm:styleLbl name="sibTrans2D1">
-    <dgm:fillClrLst>
-      <a:schemeClr val="accent5"/>
-      <a:schemeClr val="accent6"/>
+    <dgm:fillClrLst meth="repeat">
+      <a:schemeClr val="accent1">
+        <a:tint val="60000"/>
+      </a:schemeClr>
+    </dgm:fillClrLst>
+    <dgm:linClrLst meth="repeat">
+      <a:schemeClr val="accent1">
+        <a:tint val="60000"/>
+      </a:schemeClr>
+    </dgm:linClrLst>
+    <dgm:effectClrLst/>
+    <dgm:txLinClrLst/>
+    <dgm:txFillClrLst/>
+    <dgm:txEffectClrLst/>
+  </dgm:styleLbl>
+  <dgm:styleLbl name="fgSibTrans2D1">
+    <dgm:fillClrLst meth="repeat">
+      <a:schemeClr val="accent1">
+        <a:tint val="60000"/>
+      </a:schemeClr>
+    </dgm:fillClrLst>
+    <dgm:linClrLst meth="repeat">
+      <a:schemeClr val="accent1">
+        <a:tint val="60000"/>
+      </a:schemeClr>
+    </dgm:linClrLst>
+    <dgm:effectClrLst/>
+    <dgm:txLinClrLst/>
+    <dgm:txFillClrLst/>
+    <dgm:txEffectClrLst/>
+  </dgm:styleLbl>
+  <dgm:styleLbl name="bgSibTrans2D1">
+    <dgm:fillClrLst meth="repeat">
+      <a:schemeClr val="accent1">
+        <a:tint val="60000"/>
+      </a:schemeClr>
+    </dgm:fillClrLst>
+    <dgm:linClrLst meth="repeat">
+      <a:schemeClr val="accent1">
+        <a:tint val="60000"/>
+      </a:schemeClr>
+    </dgm:linClrLst>
+    <dgm:effectClrLst/>
+    <dgm:txLinClrLst/>
+    <dgm:txFillClrLst/>
+    <dgm:txEffectClrLst/>
+  </dgm:styleLbl>
+  <dgm:styleLbl name="sibTrans1D1">
+    <dgm:fillClrLst meth="repeat">
+      <a:schemeClr val="accent1"/>
+    </dgm:fillClrLst>
+    <dgm:linClrLst meth="repeat">
+      <a:schemeClr val="accent1"/>
+    </dgm:linClrLst>
+    <dgm:effectClrLst/>
+    <dgm:txLinClrLst/>
+    <dgm:txFillClrLst meth="repeat">
+      <a:schemeClr val="tx1"/>
+    </dgm:txFillClrLst>
+    <dgm:txEffectClrLst/>
+  </dgm:styleLbl>
+  <dgm:styleLbl name="callout">
+    <dgm:fillClrLst meth="repeat">
+      <a:schemeClr val="accent1"/>
+    </dgm:fillClrLst>
+    <dgm:linClrLst meth="repeat">
+      <a:schemeClr val="accent1">
+        <a:tint val="50000"/>
+      </a:schemeClr>
+    </dgm:linClrLst>
+    <dgm:effectClrLst/>
+    <dgm:txLinClrLst/>
+    <dgm:txFillClrLst meth="repeat">
+      <a:schemeClr val="tx1"/>
+    </dgm:txFillClrLst>
+    <dgm:txEffectClrLst/>
+  </dgm:styleLbl>
+  <dgm:styleLbl name="asst0">
+    <dgm:fillClrLst meth="repeat">
+      <a:schemeClr val="accent1"/>
     </dgm:fillClrLst>
     <dgm:linClrLst meth="repeat">
       <a:schemeClr val="lt1"/>
@@ -1227,13 +1292,64 @@
     <dgm:txFillClrLst/>
     <dgm:txEffectClrLst/>
   </dgm:styleLbl>
-  <dgm:styleLbl name="fgSibTrans2D1">
-    <dgm:fillClrLst>
-      <a:schemeClr val="accent5"/>
-      <a:schemeClr val="accent6"/>
+  <dgm:styleLbl name="asst1">
+    <dgm:fillClrLst meth="repeat">
+      <a:schemeClr val="accent1"/>
     </dgm:fillClrLst>
     <dgm:linClrLst meth="repeat">
       <a:schemeClr val="lt1"/>
+    </dgm:linClrLst>
+    <dgm:effectClrLst/>
+    <dgm:txLinClrLst/>
+    <dgm:txFillClrLst/>
+    <dgm:txEffectClrLst/>
+  </dgm:styleLbl>
+  <dgm:styleLbl name="asst2">
+    <dgm:fillClrLst meth="repeat">
+      <a:schemeClr val="accent1"/>
+    </dgm:fillClrLst>
+    <dgm:linClrLst meth="repeat">
+      <a:schemeClr val="lt1"/>
+    </dgm:linClrLst>
+    <dgm:effectClrLst/>
+    <dgm:txLinClrLst/>
+    <dgm:txFillClrLst/>
+    <dgm:txEffectClrLst/>
+  </dgm:styleLbl>
+  <dgm:styleLbl name="asst3">
+    <dgm:fillClrLst meth="repeat">
+      <a:schemeClr val="accent1"/>
+    </dgm:fillClrLst>
+    <dgm:linClrLst meth="repeat">
+      <a:schemeClr val="lt1"/>
+    </dgm:linClrLst>
+    <dgm:effectClrLst/>
+    <dgm:txLinClrLst/>
+    <dgm:txFillClrLst/>
+    <dgm:txEffectClrLst/>
+  </dgm:styleLbl>
+  <dgm:styleLbl name="asst4">
+    <dgm:fillClrLst meth="repeat">
+      <a:schemeClr val="accent1"/>
+    </dgm:fillClrLst>
+    <dgm:linClrLst meth="repeat">
+      <a:schemeClr val="lt1"/>
+    </dgm:linClrLst>
+    <dgm:effectClrLst/>
+    <dgm:txLinClrLst/>
+    <dgm:txFillClrLst/>
+    <dgm:txEffectClrLst/>
+  </dgm:styleLbl>
+  <dgm:styleLbl name="parChTrans2D1">
+    <dgm:fillClrLst meth="repeat">
+      <a:schemeClr val="accent1">
+        <a:tint val="60000"/>
+      </a:schemeClr>
+    </dgm:fillClrLst>
+    <dgm:linClrLst meth="repeat">
+      <a:schemeClr val="accent1">
+        <a:tint val="60000"/>
+      </a:schemeClr>
     </dgm:linClrLst>
     <dgm:effectClrLst/>
     <dgm:txLinClrLst/>
@@ -1242,13 +1358,12 @@
     </dgm:txFillClrLst>
     <dgm:txEffectClrLst/>
   </dgm:styleLbl>
-  <dgm:styleLbl name="bgSibTrans2D1">
-    <dgm:fillClrLst>
-      <a:schemeClr val="accent5"/>
-      <a:schemeClr val="accent6"/>
-    </dgm:fillClrLst>
-    <dgm:linClrLst meth="repeat">
-      <a:schemeClr val="lt1"/>
+  <dgm:styleLbl name="parChTrans2D2">
+    <dgm:fillClrLst meth="repeat">
+      <a:schemeClr val="accent1"/>
+    </dgm:fillClrLst>
+    <dgm:linClrLst meth="repeat">
+      <a:schemeClr val="accent1"/>
     </dgm:linClrLst>
     <dgm:effectClrLst/>
     <dgm:txLinClrLst/>
@@ -1257,11 +1372,42 @@
     </dgm:txFillClrLst>
     <dgm:txEffectClrLst/>
   </dgm:styleLbl>
-  <dgm:styleLbl name="sibTrans1D1">
-    <dgm:fillClrLst/>
-    <dgm:linClrLst>
-      <a:schemeClr val="accent5"/>
-      <a:schemeClr val="accent6"/>
+  <dgm:styleLbl name="parChTrans2D3">
+    <dgm:fillClrLst meth="repeat">
+      <a:schemeClr val="accent1"/>
+    </dgm:fillClrLst>
+    <dgm:linClrLst meth="repeat">
+      <a:schemeClr val="accent1"/>
+    </dgm:linClrLst>
+    <dgm:effectClrLst/>
+    <dgm:txLinClrLst/>
+    <dgm:txFillClrLst meth="repeat">
+      <a:schemeClr val="lt1"/>
+    </dgm:txFillClrLst>
+    <dgm:txEffectClrLst/>
+  </dgm:styleLbl>
+  <dgm:styleLbl name="parChTrans2D4">
+    <dgm:fillClrLst meth="repeat">
+      <a:schemeClr val="accent1"/>
+    </dgm:fillClrLst>
+    <dgm:linClrLst meth="repeat">
+      <a:schemeClr val="accent1"/>
+    </dgm:linClrLst>
+    <dgm:effectClrLst/>
+    <dgm:txLinClrLst/>
+    <dgm:txFillClrLst meth="repeat">
+      <a:schemeClr val="lt1"/>
+    </dgm:txFillClrLst>
+    <dgm:txEffectClrLst/>
+  </dgm:styleLbl>
+  <dgm:styleLbl name="parChTrans1D1">
+    <dgm:fillClrLst meth="repeat">
+      <a:schemeClr val="accent1"/>
+    </dgm:fillClrLst>
+    <dgm:linClrLst meth="repeat">
+      <a:schemeClr val="accent1">
+        <a:shade val="60000"/>
+      </a:schemeClr>
     </dgm:linClrLst>
     <dgm:effectClrLst/>
     <dgm:txLinClrLst/>
@@ -1270,13 +1416,13 @@
     </dgm:txFillClrLst>
     <dgm:txEffectClrLst/>
   </dgm:styleLbl>
-  <dgm:styleLbl name="callout">
-    <dgm:fillClrLst meth="repeat">
-      <a:schemeClr val="accent5"/>
-    </dgm:fillClrLst>
-    <dgm:linClrLst meth="repeat">
-      <a:schemeClr val="accent5">
-        <a:tint val="50000"/>
+  <dgm:styleLbl name="parChTrans1D2">
+    <dgm:fillClrLst meth="repeat">
+      <a:schemeClr val="accent1"/>
+    </dgm:fillClrLst>
+    <dgm:linClrLst meth="repeat">
+      <a:schemeClr val="accent1">
+        <a:shade val="60000"/>
       </a:schemeClr>
     </dgm:linClrLst>
     <dgm:effectClrLst/>
@@ -1286,76 +1432,308 @@
     </dgm:txFillClrLst>
     <dgm:txEffectClrLst/>
   </dgm:styleLbl>
-  <dgm:styleLbl name="asst0">
-    <dgm:fillClrLst meth="repeat">
-      <a:schemeClr val="accent5"/>
-    </dgm:fillClrLst>
-    <dgm:linClrLst meth="repeat">
+  <dgm:styleLbl name="parChTrans1D3">
+    <dgm:fillClrLst meth="repeat">
+      <a:schemeClr val="accent1"/>
+    </dgm:fillClrLst>
+    <dgm:linClrLst meth="repeat">
+      <a:schemeClr val="accent1">
+        <a:shade val="80000"/>
+      </a:schemeClr>
+    </dgm:linClrLst>
+    <dgm:effectClrLst/>
+    <dgm:txLinClrLst/>
+    <dgm:txFillClrLst meth="repeat">
+      <a:schemeClr val="tx1"/>
+    </dgm:txFillClrLst>
+    <dgm:txEffectClrLst/>
+  </dgm:styleLbl>
+  <dgm:styleLbl name="parChTrans1D4">
+    <dgm:fillClrLst meth="repeat">
+      <a:schemeClr val="accent1"/>
+    </dgm:fillClrLst>
+    <dgm:linClrLst meth="repeat">
+      <a:schemeClr val="accent1">
+        <a:shade val="80000"/>
+      </a:schemeClr>
+    </dgm:linClrLst>
+    <dgm:effectClrLst/>
+    <dgm:txLinClrLst/>
+    <dgm:txFillClrLst meth="repeat">
+      <a:schemeClr val="tx1"/>
+    </dgm:txFillClrLst>
+    <dgm:txEffectClrLst/>
+  </dgm:styleLbl>
+  <dgm:styleLbl name="fgAcc1">
+    <dgm:fillClrLst meth="repeat">
       <a:schemeClr val="lt1">
+        <a:alpha val="90000"/>
+      </a:schemeClr>
+    </dgm:fillClrLst>
+    <dgm:linClrLst meth="repeat">
+      <a:schemeClr val="accent1"/>
+    </dgm:linClrLst>
+    <dgm:effectClrLst/>
+    <dgm:txLinClrLst/>
+    <dgm:txFillClrLst meth="repeat">
+      <a:schemeClr val="dk1"/>
+    </dgm:txFillClrLst>
+    <dgm:txEffectClrLst/>
+  </dgm:styleLbl>
+  <dgm:styleLbl name="conFgAcc1">
+    <dgm:fillClrLst meth="repeat">
+      <a:schemeClr val="lt1">
+        <a:alpha val="90000"/>
+      </a:schemeClr>
+    </dgm:fillClrLst>
+    <dgm:linClrLst meth="repeat">
+      <a:schemeClr val="accent1"/>
+    </dgm:linClrLst>
+    <dgm:effectClrLst/>
+    <dgm:txLinClrLst/>
+    <dgm:txFillClrLst meth="repeat">
+      <a:schemeClr val="dk1"/>
+    </dgm:txFillClrLst>
+    <dgm:txEffectClrLst/>
+  </dgm:styleLbl>
+  <dgm:styleLbl name="alignAcc1">
+    <dgm:fillClrLst meth="repeat">
+      <a:schemeClr val="lt1">
+        <a:alpha val="90000"/>
+      </a:schemeClr>
+    </dgm:fillClrLst>
+    <dgm:linClrLst meth="repeat">
+      <a:schemeClr val="accent1"/>
+    </dgm:linClrLst>
+    <dgm:effectClrLst/>
+    <dgm:txLinClrLst/>
+    <dgm:txFillClrLst meth="repeat">
+      <a:schemeClr val="dk1"/>
+    </dgm:txFillClrLst>
+    <dgm:txEffectClrLst/>
+  </dgm:styleLbl>
+  <dgm:styleLbl name="trAlignAcc1">
+    <dgm:fillClrLst meth="repeat">
+      <a:schemeClr val="lt1">
+        <a:alpha val="40000"/>
+      </a:schemeClr>
+    </dgm:fillClrLst>
+    <dgm:linClrLst meth="repeat">
+      <a:schemeClr val="accent1"/>
+    </dgm:linClrLst>
+    <dgm:effectClrLst/>
+    <dgm:txLinClrLst/>
+    <dgm:txFillClrLst meth="repeat">
+      <a:schemeClr val="dk1"/>
+    </dgm:txFillClrLst>
+    <dgm:txEffectClrLst/>
+  </dgm:styleLbl>
+  <dgm:styleLbl name="bgAcc1">
+    <dgm:fillClrLst meth="repeat">
+      <a:schemeClr val="lt1">
+        <a:alpha val="90000"/>
+      </a:schemeClr>
+    </dgm:fillClrLst>
+    <dgm:linClrLst meth="repeat">
+      <a:schemeClr val="accent1"/>
+    </dgm:linClrLst>
+    <dgm:effectClrLst/>
+    <dgm:txLinClrLst/>
+    <dgm:txFillClrLst meth="repeat">
+      <a:schemeClr val="dk1"/>
+    </dgm:txFillClrLst>
+    <dgm:txEffectClrLst/>
+  </dgm:styleLbl>
+  <dgm:styleLbl name="solidFgAcc1">
+    <dgm:fillClrLst meth="repeat">
+      <a:schemeClr val="lt1"/>
+    </dgm:fillClrLst>
+    <dgm:linClrLst meth="repeat">
+      <a:schemeClr val="accent1"/>
+    </dgm:linClrLst>
+    <dgm:effectClrLst/>
+    <dgm:txLinClrLst/>
+    <dgm:txFillClrLst meth="repeat">
+      <a:schemeClr val="dk1"/>
+    </dgm:txFillClrLst>
+    <dgm:txEffectClrLst/>
+  </dgm:styleLbl>
+  <dgm:styleLbl name="solidAlignAcc1">
+    <dgm:fillClrLst meth="repeat">
+      <a:schemeClr val="lt1"/>
+    </dgm:fillClrLst>
+    <dgm:linClrLst meth="repeat">
+      <a:schemeClr val="accent1"/>
+    </dgm:linClrLst>
+    <dgm:effectClrLst/>
+    <dgm:txLinClrLst/>
+    <dgm:txFillClrLst meth="repeat">
+      <a:schemeClr val="dk1"/>
+    </dgm:txFillClrLst>
+    <dgm:txEffectClrLst/>
+  </dgm:styleLbl>
+  <dgm:styleLbl name="solidBgAcc1">
+    <dgm:fillClrLst meth="repeat">
+      <a:schemeClr val="lt1"/>
+    </dgm:fillClrLst>
+    <dgm:linClrLst meth="repeat">
+      <a:schemeClr val="accent1"/>
+    </dgm:linClrLst>
+    <dgm:effectClrLst/>
+    <dgm:txLinClrLst/>
+    <dgm:txFillClrLst meth="repeat">
+      <a:schemeClr val="dk1"/>
+    </dgm:txFillClrLst>
+    <dgm:txEffectClrLst/>
+  </dgm:styleLbl>
+  <dgm:styleLbl name="fgAccFollowNode1">
+    <dgm:fillClrLst meth="repeat">
+      <a:schemeClr val="accent1">
+        <a:alpha val="90000"/>
+        <a:tint val="40000"/>
+      </a:schemeClr>
+    </dgm:fillClrLst>
+    <dgm:linClrLst meth="repeat">
+      <a:schemeClr val="accent1">
+        <a:alpha val="90000"/>
+        <a:tint val="40000"/>
+      </a:schemeClr>
+    </dgm:linClrLst>
+    <dgm:effectClrLst/>
+    <dgm:txLinClrLst/>
+    <dgm:txFillClrLst meth="repeat">
+      <a:schemeClr val="dk1"/>
+    </dgm:txFillClrLst>
+    <dgm:txEffectClrLst/>
+  </dgm:styleLbl>
+  <dgm:styleLbl name="alignAccFollowNode1">
+    <dgm:fillClrLst meth="repeat">
+      <a:schemeClr val="accent1">
+        <a:alpha val="90000"/>
+        <a:tint val="40000"/>
+      </a:schemeClr>
+    </dgm:fillClrLst>
+    <dgm:linClrLst meth="repeat">
+      <a:schemeClr val="accent1">
+        <a:alpha val="90000"/>
+        <a:tint val="40000"/>
+      </a:schemeClr>
+    </dgm:linClrLst>
+    <dgm:effectClrLst/>
+    <dgm:txLinClrLst/>
+    <dgm:txFillClrLst meth="repeat">
+      <a:schemeClr val="dk1"/>
+    </dgm:txFillClrLst>
+    <dgm:txEffectClrLst/>
+  </dgm:styleLbl>
+  <dgm:styleLbl name="bgAccFollowNode1">
+    <dgm:fillClrLst meth="repeat">
+      <a:schemeClr val="accent1">
+        <a:alpha val="90000"/>
+        <a:tint val="40000"/>
+      </a:schemeClr>
+    </dgm:fillClrLst>
+    <dgm:linClrLst meth="repeat">
+      <a:schemeClr val="accent1">
+        <a:alpha val="90000"/>
+        <a:tint val="40000"/>
+      </a:schemeClr>
+    </dgm:linClrLst>
+    <dgm:effectClrLst/>
+    <dgm:txLinClrLst/>
+    <dgm:txFillClrLst meth="repeat">
+      <a:schemeClr val="dk1"/>
+    </dgm:txFillClrLst>
+    <dgm:txEffectClrLst/>
+  </dgm:styleLbl>
+  <dgm:styleLbl name="fgAcc0">
+    <dgm:fillClrLst meth="repeat">
+      <a:schemeClr val="lt1">
+        <a:alpha val="90000"/>
+      </a:schemeClr>
+    </dgm:fillClrLst>
+    <dgm:linClrLst meth="repeat">
+      <a:schemeClr val="accent1"/>
+    </dgm:linClrLst>
+    <dgm:effectClrLst/>
+    <dgm:txLinClrLst/>
+    <dgm:txFillClrLst meth="repeat">
+      <a:schemeClr val="dk1"/>
+    </dgm:txFillClrLst>
+    <dgm:txEffectClrLst/>
+  </dgm:styleLbl>
+  <dgm:styleLbl name="fgAcc2">
+    <dgm:fillClrLst meth="repeat">
+      <a:schemeClr val="lt1">
+        <a:alpha val="90000"/>
+      </a:schemeClr>
+    </dgm:fillClrLst>
+    <dgm:linClrLst meth="repeat">
+      <a:schemeClr val="accent1"/>
+    </dgm:linClrLst>
+    <dgm:effectClrLst/>
+    <dgm:txLinClrLst/>
+    <dgm:txFillClrLst meth="repeat">
+      <a:schemeClr val="dk1"/>
+    </dgm:txFillClrLst>
+    <dgm:txEffectClrLst/>
+  </dgm:styleLbl>
+  <dgm:styleLbl name="fgAcc3">
+    <dgm:fillClrLst meth="repeat">
+      <a:schemeClr val="lt1">
+        <a:alpha val="90000"/>
+      </a:schemeClr>
+    </dgm:fillClrLst>
+    <dgm:linClrLst meth="repeat">
+      <a:schemeClr val="accent1"/>
+    </dgm:linClrLst>
+    <dgm:effectClrLst/>
+    <dgm:txLinClrLst/>
+    <dgm:txFillClrLst meth="repeat">
+      <a:schemeClr val="dk1"/>
+    </dgm:txFillClrLst>
+    <dgm:txEffectClrLst/>
+  </dgm:styleLbl>
+  <dgm:styleLbl name="fgAcc4">
+    <dgm:fillClrLst meth="repeat">
+      <a:schemeClr val="lt1">
+        <a:alpha val="90000"/>
+      </a:schemeClr>
+    </dgm:fillClrLst>
+    <dgm:linClrLst meth="repeat">
+      <a:schemeClr val="accent1"/>
+    </dgm:linClrLst>
+    <dgm:effectClrLst/>
+    <dgm:txLinClrLst/>
+    <dgm:txFillClrLst meth="repeat">
+      <a:schemeClr val="dk1"/>
+    </dgm:txFillClrLst>
+    <dgm:txEffectClrLst/>
+  </dgm:styleLbl>
+  <dgm:styleLbl name="bgShp">
+    <dgm:fillClrLst meth="repeat">
+      <a:schemeClr val="bg1">
+        <a:lumMod val="95000"/>
+      </a:schemeClr>
+    </dgm:fillClrLst>
+    <dgm:linClrLst meth="repeat">
+      <a:schemeClr val="accent1"/>
+    </dgm:linClrLst>
+    <dgm:effectClrLst/>
+    <dgm:txLinClrLst/>
+    <dgm:txFillClrLst meth="repeat">
+      <a:schemeClr val="dk1"/>
+    </dgm:txFillClrLst>
+    <dgm:txEffectClrLst/>
+  </dgm:styleLbl>
+  <dgm:styleLbl name="dkBgShp">
+    <dgm:fillClrLst meth="repeat">
+      <a:schemeClr val="accent1">
         <a:shade val="80000"/>
       </a:schemeClr>
-    </dgm:linClrLst>
-    <dgm:effectClrLst/>
-    <dgm:txLinClrLst/>
-    <dgm:txFillClrLst/>
-    <dgm:txEffectClrLst/>
-  </dgm:styleLbl>
-  <dgm:styleLbl name="asst1">
-    <dgm:fillClrLst meth="repeat">
-      <a:schemeClr val="accent6"/>
-    </dgm:fillClrLst>
-    <dgm:linClrLst meth="repeat">
-      <a:schemeClr val="lt1">
-        <a:shade val="80000"/>
-      </a:schemeClr>
-    </dgm:linClrLst>
-    <dgm:effectClrLst/>
-    <dgm:txLinClrLst/>
-    <dgm:txFillClrLst/>
-    <dgm:txEffectClrLst/>
-  </dgm:styleLbl>
-  <dgm:styleLbl name="asst2">
-    <dgm:fillClrLst>
+    </dgm:fillClrLst>
+    <dgm:linClrLst meth="repeat">
       <a:schemeClr val="accent1"/>
-    </dgm:fillClrLst>
-    <dgm:linClrLst meth="repeat">
-      <a:schemeClr val="lt1"/>
-    </dgm:linClrLst>
-    <dgm:effectClrLst/>
-    <dgm:txLinClrLst/>
-    <dgm:txFillClrLst/>
-    <dgm:txEffectClrLst/>
-  </dgm:styleLbl>
-  <dgm:styleLbl name="asst3">
-    <dgm:fillClrLst>
-      <a:schemeClr val="accent2"/>
-    </dgm:fillClrLst>
-    <dgm:linClrLst meth="repeat">
-      <a:schemeClr val="lt1"/>
-    </dgm:linClrLst>
-    <dgm:effectClrLst/>
-    <dgm:txLinClrLst/>
-    <dgm:txFillClrLst/>
-    <dgm:txEffectClrLst/>
-  </dgm:styleLbl>
-  <dgm:styleLbl name="asst4">
-    <dgm:fillClrLst>
-      <a:schemeClr val="accent3"/>
-    </dgm:fillClrLst>
-    <dgm:linClrLst meth="repeat">
-      <a:schemeClr val="lt1"/>
-    </dgm:linClrLst>
-    <dgm:effectClrLst/>
-    <dgm:txLinClrLst/>
-    <dgm:txFillClrLst/>
-    <dgm:txEffectClrLst/>
-  </dgm:styleLbl>
-  <dgm:styleLbl name="parChTrans2D1">
-    <dgm:fillClrLst meth="repeat">
-      <a:schemeClr val="accent5"/>
-    </dgm:fillClrLst>
-    <dgm:linClrLst meth="repeat">
-      <a:schemeClr val="lt1"/>
     </dgm:linClrLst>
     <dgm:effectClrLst/>
     <dgm:txLinClrLst/>
@@ -1364,36 +1742,15 @@
     </dgm:txFillClrLst>
     <dgm:txEffectClrLst/>
   </dgm:styleLbl>
-  <dgm:styleLbl name="parChTrans2D2">
-    <dgm:fillClrLst meth="repeat">
-      <a:schemeClr val="accent6"/>
-    </dgm:fillClrLst>
-    <dgm:linClrLst meth="repeat">
-      <a:schemeClr val="lt1"/>
-    </dgm:linClrLst>
-    <dgm:effectClrLst/>
-    <dgm:txLinClrLst/>
-    <dgm:txFillClrLst/>
-    <dgm:txEffectClrLst/>
-  </dgm:styleLbl>
-  <dgm:styleLbl name="parChTrans2D3">
-    <dgm:fillClrLst meth="repeat">
-      <a:schemeClr val="accent6"/>
-    </dgm:fillClrLst>
-    <dgm:linClrLst meth="repeat">
-      <a:schemeClr val="lt1"/>
-    </dgm:linClrLst>
-    <dgm:effectClrLst/>
-    <dgm:txLinClrLst/>
-    <dgm:txFillClrLst/>
-    <dgm:txEffectClrLst/>
-  </dgm:styleLbl>
-  <dgm:styleLbl name="parChTrans2D4">
-    <dgm:fillClrLst meth="repeat">
+  <dgm:styleLbl name="trBgShp">
+    <dgm:fillClrLst meth="repeat">
+      <a:schemeClr val="accent1">
+        <a:tint val="50000"/>
+        <a:alpha val="40000"/>
+      </a:schemeClr>
+    </dgm:fillClrLst>
+    <dgm:linClrLst meth="repeat">
       <a:schemeClr val="accent1"/>
-    </dgm:fillClrLst>
-    <dgm:linClrLst meth="repeat">
-      <a:schemeClr val="lt1"/>
     </dgm:linClrLst>
     <dgm:effectClrLst/>
     <dgm:txLinClrLst/>
@@ -1402,398 +1759,10 @@
     </dgm:txFillClrLst>
     <dgm:txEffectClrLst/>
   </dgm:styleLbl>
-  <dgm:styleLbl name="parChTrans1D1">
-    <dgm:fillClrLst meth="repeat">
-      <a:schemeClr val="accent5"/>
-    </dgm:fillClrLst>
-    <dgm:linClrLst meth="repeat">
-      <a:schemeClr val="accent5"/>
-    </dgm:linClrLst>
-    <dgm:effectClrLst/>
-    <dgm:txLinClrLst/>
-    <dgm:txFillClrLst meth="repeat">
-      <a:schemeClr val="tx1"/>
-    </dgm:txFillClrLst>
-    <dgm:txEffectClrLst/>
-  </dgm:styleLbl>
-  <dgm:styleLbl name="parChTrans1D2">
-    <dgm:fillClrLst meth="repeat">
-      <a:schemeClr val="accent6">
-        <a:tint val="90000"/>
-      </a:schemeClr>
-    </dgm:fillClrLst>
-    <dgm:linClrLst meth="repeat">
-      <a:schemeClr val="accent6"/>
-    </dgm:linClrLst>
-    <dgm:effectClrLst/>
-    <dgm:txLinClrLst/>
-    <dgm:txFillClrLst meth="repeat">
-      <a:schemeClr val="tx1"/>
-    </dgm:txFillClrLst>
-    <dgm:txEffectClrLst/>
-  </dgm:styleLbl>
-  <dgm:styleLbl name="parChTrans1D3">
-    <dgm:fillClrLst meth="repeat">
-      <a:schemeClr val="accent6">
-        <a:tint val="70000"/>
-      </a:schemeClr>
-    </dgm:fillClrLst>
-    <dgm:linClrLst meth="repeat">
-      <a:schemeClr val="accent1"/>
-    </dgm:linClrLst>
-    <dgm:effectClrLst/>
-    <dgm:txLinClrLst/>
-    <dgm:txFillClrLst meth="repeat">
-      <a:schemeClr val="tx1"/>
-    </dgm:txFillClrLst>
-    <dgm:txEffectClrLst/>
-  </dgm:styleLbl>
-  <dgm:styleLbl name="parChTrans1D4">
-    <dgm:fillClrLst meth="repeat">
-      <a:schemeClr val="accent6">
-        <a:tint val="50000"/>
-      </a:schemeClr>
-    </dgm:fillClrLst>
-    <dgm:linClrLst meth="repeat">
-      <a:schemeClr val="accent2"/>
-    </dgm:linClrLst>
-    <dgm:effectClrLst/>
-    <dgm:txLinClrLst/>
-    <dgm:txFillClrLst meth="repeat">
-      <a:schemeClr val="tx1"/>
-    </dgm:txFillClrLst>
-    <dgm:txEffectClrLst/>
-  </dgm:styleLbl>
-  <dgm:styleLbl name="fgAcc1">
-    <dgm:fillClrLst meth="repeat">
-      <a:schemeClr val="lt1">
-        <a:alpha val="90000"/>
-      </a:schemeClr>
-    </dgm:fillClrLst>
-    <dgm:linClrLst>
-      <a:schemeClr val="accent5"/>
-      <a:schemeClr val="accent6"/>
-    </dgm:linClrLst>
-    <dgm:effectClrLst/>
-    <dgm:txLinClrLst/>
-    <dgm:txFillClrLst meth="repeat">
-      <a:schemeClr val="dk1"/>
-    </dgm:txFillClrLst>
-    <dgm:txEffectClrLst/>
-  </dgm:styleLbl>
-  <dgm:styleLbl name="conFgAcc1">
-    <dgm:fillClrLst meth="repeat">
-      <a:schemeClr val="lt1">
-        <a:alpha val="90000"/>
-      </a:schemeClr>
-    </dgm:fillClrLst>
-    <dgm:linClrLst>
-      <a:schemeClr val="accent5"/>
-      <a:schemeClr val="accent6"/>
-    </dgm:linClrLst>
-    <dgm:effectClrLst/>
-    <dgm:txLinClrLst/>
-    <dgm:txFillClrLst meth="repeat">
-      <a:schemeClr val="dk1"/>
-    </dgm:txFillClrLst>
-    <dgm:txEffectClrLst/>
-  </dgm:styleLbl>
-  <dgm:styleLbl name="alignAcc1">
-    <dgm:fillClrLst meth="repeat">
-      <a:schemeClr val="lt1">
-        <a:alpha val="90000"/>
-      </a:schemeClr>
-    </dgm:fillClrLst>
-    <dgm:linClrLst>
-      <a:schemeClr val="accent5"/>
-      <a:schemeClr val="accent6"/>
-    </dgm:linClrLst>
-    <dgm:effectClrLst/>
-    <dgm:txLinClrLst/>
-    <dgm:txFillClrLst meth="repeat">
-      <a:schemeClr val="dk1"/>
-    </dgm:txFillClrLst>
-    <dgm:txEffectClrLst/>
-  </dgm:styleLbl>
-  <dgm:styleLbl name="trAlignAcc1">
-    <dgm:fillClrLst meth="repeat">
-      <a:schemeClr val="lt1">
-        <a:alpha val="40000"/>
-      </a:schemeClr>
-    </dgm:fillClrLst>
-    <dgm:linClrLst meth="repeat">
-      <a:schemeClr val="accent5"/>
-    </dgm:linClrLst>
-    <dgm:effectClrLst/>
-    <dgm:txLinClrLst/>
-    <dgm:txFillClrLst meth="repeat">
-      <a:schemeClr val="dk1"/>
-    </dgm:txFillClrLst>
-    <dgm:txEffectClrLst/>
-  </dgm:styleLbl>
-  <dgm:styleLbl name="bgAcc1">
-    <dgm:fillClrLst meth="repeat">
-      <a:schemeClr val="lt1">
-        <a:alpha val="90000"/>
-      </a:schemeClr>
-    </dgm:fillClrLst>
-    <dgm:linClrLst>
-      <a:schemeClr val="accent5"/>
-      <a:schemeClr val="accent6"/>
-    </dgm:linClrLst>
-    <dgm:effectClrLst/>
-    <dgm:txLinClrLst/>
-    <dgm:txFillClrLst meth="repeat">
-      <a:schemeClr val="dk1"/>
-    </dgm:txFillClrLst>
-    <dgm:txEffectClrLst/>
-  </dgm:styleLbl>
-  <dgm:styleLbl name="solidFgAcc1">
-    <dgm:fillClrLst meth="repeat">
-      <a:schemeClr val="lt1"/>
-    </dgm:fillClrLst>
-    <dgm:linClrLst>
-      <a:schemeClr val="accent5"/>
-      <a:schemeClr val="accent6"/>
-    </dgm:linClrLst>
-    <dgm:effectClrLst/>
-    <dgm:txLinClrLst/>
-    <dgm:txFillClrLst meth="repeat">
-      <a:schemeClr val="dk1"/>
-    </dgm:txFillClrLst>
-    <dgm:txEffectClrLst/>
-  </dgm:styleLbl>
-  <dgm:styleLbl name="solidAlignAcc1">
-    <dgm:fillClrLst meth="repeat">
-      <a:schemeClr val="lt1"/>
-    </dgm:fillClrLst>
-    <dgm:linClrLst>
-      <a:schemeClr val="accent5"/>
-      <a:schemeClr val="accent6"/>
-    </dgm:linClrLst>
-    <dgm:effectClrLst/>
-    <dgm:txLinClrLst/>
-    <dgm:txFillClrLst meth="repeat">
-      <a:schemeClr val="dk1"/>
-    </dgm:txFillClrLst>
-    <dgm:txEffectClrLst/>
-  </dgm:styleLbl>
-  <dgm:styleLbl name="solidBgAcc1">
-    <dgm:fillClrLst meth="repeat">
-      <a:schemeClr val="lt1"/>
-    </dgm:fillClrLst>
-    <dgm:linClrLst>
-      <a:schemeClr val="accent5"/>
-      <a:schemeClr val="accent6"/>
-    </dgm:linClrLst>
-    <dgm:effectClrLst/>
-    <dgm:txLinClrLst/>
-    <dgm:txFillClrLst meth="repeat">
-      <a:schemeClr val="dk1"/>
-    </dgm:txFillClrLst>
-    <dgm:txEffectClrLst/>
-  </dgm:styleLbl>
-  <dgm:styleLbl name="fgAccFollowNode1">
-    <dgm:fillClrLst>
-      <a:schemeClr val="accent5">
-        <a:tint val="40000"/>
-        <a:alpha val="90000"/>
-      </a:schemeClr>
-      <a:schemeClr val="accent6">
-        <a:tint val="40000"/>
-        <a:alpha val="90000"/>
-      </a:schemeClr>
-    </dgm:fillClrLst>
-    <dgm:linClrLst>
-      <a:schemeClr val="accent5">
-        <a:tint val="40000"/>
-        <a:alpha val="90000"/>
-      </a:schemeClr>
-      <a:schemeClr val="accent5">
-        <a:tint val="40000"/>
-        <a:alpha val="90000"/>
-      </a:schemeClr>
-    </dgm:linClrLst>
-    <dgm:effectClrLst/>
-    <dgm:txLinClrLst/>
-    <dgm:txFillClrLst meth="repeat">
-      <a:schemeClr val="dk1"/>
-    </dgm:txFillClrLst>
-    <dgm:txEffectClrLst/>
-  </dgm:styleLbl>
-  <dgm:styleLbl name="alignAccFollowNode1">
-    <dgm:fillClrLst>
-      <a:schemeClr val="accent5">
-        <a:tint val="40000"/>
-        <a:alpha val="90000"/>
-      </a:schemeClr>
-      <a:schemeClr val="accent6">
-        <a:tint val="40000"/>
-        <a:alpha val="90000"/>
-      </a:schemeClr>
-    </dgm:fillClrLst>
-    <dgm:linClrLst>
-      <a:schemeClr val="accent5">
-        <a:tint val="40000"/>
-        <a:alpha val="90000"/>
-      </a:schemeClr>
-      <a:schemeClr val="accent6">
-        <a:tint val="40000"/>
-        <a:alpha val="90000"/>
-      </a:schemeClr>
-    </dgm:linClrLst>
-    <dgm:effectClrLst/>
-    <dgm:txLinClrLst/>
-    <dgm:txFillClrLst meth="repeat">
-      <a:schemeClr val="dk1"/>
-    </dgm:txFillClrLst>
-    <dgm:txEffectClrLst/>
-  </dgm:styleLbl>
-  <dgm:styleLbl name="bgAccFollowNode1">
-    <dgm:fillClrLst>
-      <a:schemeClr val="accent5">
-        <a:tint val="40000"/>
-        <a:alpha val="90000"/>
-      </a:schemeClr>
-      <a:schemeClr val="accent6">
-        <a:tint val="40000"/>
-        <a:alpha val="90000"/>
-      </a:schemeClr>
-    </dgm:fillClrLst>
-    <dgm:linClrLst>
-      <a:schemeClr val="accent5">
-        <a:tint val="40000"/>
-        <a:alpha val="90000"/>
-      </a:schemeClr>
-      <a:schemeClr val="accent6">
-        <a:tint val="40000"/>
-        <a:alpha val="90000"/>
-      </a:schemeClr>
-    </dgm:linClrLst>
-    <dgm:effectClrLst/>
-    <dgm:txLinClrLst/>
-    <dgm:txFillClrLst meth="repeat">
-      <a:schemeClr val="dk1"/>
-    </dgm:txFillClrLst>
-    <dgm:txEffectClrLst/>
-  </dgm:styleLbl>
-  <dgm:styleLbl name="fgAcc0">
-    <dgm:fillClrLst meth="repeat">
-      <a:schemeClr val="lt1">
-        <a:alpha val="90000"/>
-      </a:schemeClr>
-    </dgm:fillClrLst>
-    <dgm:linClrLst>
-      <a:schemeClr val="accent4"/>
-    </dgm:linClrLst>
-    <dgm:effectClrLst/>
-    <dgm:txLinClrLst/>
-    <dgm:txFillClrLst meth="repeat">
-      <a:schemeClr val="dk1"/>
-    </dgm:txFillClrLst>
-    <dgm:txEffectClrLst/>
-  </dgm:styleLbl>
-  <dgm:styleLbl name="fgAcc2">
-    <dgm:fillClrLst meth="repeat">
-      <a:schemeClr val="lt1">
-        <a:alpha val="90000"/>
-      </a:schemeClr>
-    </dgm:fillClrLst>
-    <dgm:linClrLst>
-      <a:schemeClr val="accent6"/>
-    </dgm:linClrLst>
-    <dgm:effectClrLst/>
-    <dgm:txLinClrLst/>
-    <dgm:txFillClrLst meth="repeat">
-      <a:schemeClr val="dk1"/>
-    </dgm:txFillClrLst>
-    <dgm:txEffectClrLst/>
-  </dgm:styleLbl>
-  <dgm:styleLbl name="fgAcc3">
-    <dgm:fillClrLst meth="repeat">
-      <a:schemeClr val="lt1">
-        <a:alpha val="90000"/>
-      </a:schemeClr>
-    </dgm:fillClrLst>
-    <dgm:linClrLst>
-      <a:schemeClr val="accent1"/>
-    </dgm:linClrLst>
-    <dgm:effectClrLst/>
-    <dgm:txLinClrLst/>
-    <dgm:txFillClrLst meth="repeat">
-      <a:schemeClr val="dk1"/>
-    </dgm:txFillClrLst>
-    <dgm:txEffectClrLst/>
-  </dgm:styleLbl>
-  <dgm:styleLbl name="fgAcc4">
-    <dgm:fillClrLst meth="repeat">
-      <a:schemeClr val="lt1">
-        <a:alpha val="90000"/>
-      </a:schemeClr>
-    </dgm:fillClrLst>
-    <dgm:linClrLst>
-      <a:schemeClr val="accent2"/>
-    </dgm:linClrLst>
-    <dgm:effectClrLst/>
-    <dgm:txLinClrLst/>
-    <dgm:txFillClrLst meth="repeat">
-      <a:schemeClr val="dk1"/>
-    </dgm:txFillClrLst>
-    <dgm:txEffectClrLst/>
-  </dgm:styleLbl>
-  <dgm:styleLbl name="bgShp">
-    <dgm:fillClrLst meth="repeat">
-      <a:schemeClr val="accent5">
-        <a:tint val="40000"/>
-      </a:schemeClr>
-    </dgm:fillClrLst>
-    <dgm:linClrLst meth="repeat">
-      <a:schemeClr val="dk1"/>
-    </dgm:linClrLst>
-    <dgm:effectClrLst/>
-    <dgm:txLinClrLst/>
-    <dgm:txFillClrLst meth="repeat">
-      <a:schemeClr val="dk1"/>
-    </dgm:txFillClrLst>
-    <dgm:txEffectClrLst/>
-  </dgm:styleLbl>
-  <dgm:styleLbl name="dkBgShp">
-    <dgm:fillClrLst meth="repeat">
-      <a:schemeClr val="accent5">
-        <a:shade val="90000"/>
-      </a:schemeClr>
-    </dgm:fillClrLst>
-    <dgm:linClrLst meth="repeat">
-      <a:schemeClr val="dk1"/>
-    </dgm:linClrLst>
-    <dgm:effectClrLst/>
-    <dgm:txLinClrLst/>
-    <dgm:txFillClrLst meth="repeat">
-      <a:schemeClr val="lt1"/>
-    </dgm:txFillClrLst>
-    <dgm:txEffectClrLst/>
-  </dgm:styleLbl>
-  <dgm:styleLbl name="trBgShp">
-    <dgm:fillClrLst meth="repeat">
-      <a:schemeClr val="accent5">
-        <a:tint val="50000"/>
-        <a:alpha val="40000"/>
-      </a:schemeClr>
-    </dgm:fillClrLst>
-    <dgm:linClrLst meth="repeat">
-      <a:schemeClr val="accent5"/>
-    </dgm:linClrLst>
-    <dgm:effectClrLst/>
-    <dgm:txLinClrLst/>
-    <dgm:txFillClrLst meth="repeat">
-      <a:schemeClr val="lt1"/>
-    </dgm:txFillClrLst>
-    <dgm:txEffectClrLst/>
-  </dgm:styleLbl>
   <dgm:styleLbl name="fgShp">
     <dgm:fillClrLst meth="repeat">
-      <a:schemeClr val="accent5">
-        <a:tint val="40000"/>
+      <a:schemeClr val="accent1">
+        <a:tint val="60000"/>
       </a:schemeClr>
     </dgm:fillClrLst>
     <dgm:linClrLst meth="repeat">
@@ -3506,6 +3475,755 @@
 </file>
 
 <file path=ppt/diagrams/colors5.xml><?xml version="1.0" encoding="utf-8"?>
+<dgm:colorsDef xmlns:dgm="http://schemas.openxmlformats.org/drawingml/2006/diagram" xmlns:a="http://schemas.openxmlformats.org/drawingml/2006/main" uniqueId="urn:microsoft.com/office/officeart/2018/5/colors/Iconchunking_neutralbg_accent1_2">
+  <dgm:title val=""/>
+  <dgm:desc val=""/>
+  <dgm:catLst>
+    <dgm:cat type="accent1" pri="11200"/>
+  </dgm:catLst>
+  <dgm:styleLbl name="node0">
+    <dgm:fillClrLst meth="repeat">
+      <a:schemeClr val="accent1"/>
+    </dgm:fillClrLst>
+    <dgm:linClrLst meth="repeat">
+      <a:schemeClr val="lt1"/>
+    </dgm:linClrLst>
+    <dgm:effectClrLst/>
+    <dgm:txLinClrLst/>
+    <dgm:txFillClrLst/>
+    <dgm:txEffectClrLst/>
+  </dgm:styleLbl>
+  <dgm:styleLbl name="alignNode1">
+    <dgm:fillClrLst meth="repeat">
+      <a:schemeClr val="accent1"/>
+    </dgm:fillClrLst>
+    <dgm:linClrLst meth="repeat">
+      <a:schemeClr val="accent1"/>
+    </dgm:linClrLst>
+    <dgm:effectClrLst/>
+    <dgm:txLinClrLst/>
+    <dgm:txFillClrLst/>
+    <dgm:txEffectClrLst/>
+  </dgm:styleLbl>
+  <dgm:styleLbl name="node1">
+    <dgm:fillClrLst meth="repeat">
+      <a:schemeClr val="accent1"/>
+    </dgm:fillClrLst>
+    <dgm:linClrLst meth="repeat">
+      <a:schemeClr val="lt1">
+        <a:alpha val="0"/>
+      </a:schemeClr>
+    </dgm:linClrLst>
+    <dgm:effectClrLst/>
+    <dgm:txLinClrLst/>
+    <dgm:txFillClrLst/>
+    <dgm:txEffectClrLst/>
+  </dgm:styleLbl>
+  <dgm:styleLbl name="lnNode1">
+    <dgm:fillClrLst meth="repeat">
+      <a:schemeClr val="accent1"/>
+    </dgm:fillClrLst>
+    <dgm:linClrLst meth="repeat">
+      <a:schemeClr val="lt1"/>
+    </dgm:linClrLst>
+    <dgm:effectClrLst/>
+    <dgm:txLinClrLst/>
+    <dgm:txFillClrLst/>
+    <dgm:txEffectClrLst/>
+  </dgm:styleLbl>
+  <dgm:styleLbl name="vennNode1">
+    <dgm:fillClrLst meth="repeat">
+      <a:schemeClr val="accent1">
+        <a:alpha val="50000"/>
+      </a:schemeClr>
+    </dgm:fillClrLst>
+    <dgm:linClrLst meth="repeat">
+      <a:schemeClr val="lt1"/>
+    </dgm:linClrLst>
+    <dgm:effectClrLst/>
+    <dgm:txLinClrLst/>
+    <dgm:txFillClrLst/>
+    <dgm:txEffectClrLst/>
+  </dgm:styleLbl>
+  <dgm:styleLbl name="node2">
+    <dgm:fillClrLst meth="repeat">
+      <a:schemeClr val="accent1"/>
+    </dgm:fillClrLst>
+    <dgm:linClrLst meth="repeat">
+      <a:schemeClr val="lt1"/>
+    </dgm:linClrLst>
+    <dgm:effectClrLst/>
+    <dgm:txLinClrLst/>
+    <dgm:txFillClrLst/>
+    <dgm:txEffectClrLst/>
+  </dgm:styleLbl>
+  <dgm:styleLbl name="node3">
+    <dgm:fillClrLst meth="repeat">
+      <a:schemeClr val="accent1"/>
+    </dgm:fillClrLst>
+    <dgm:linClrLst meth="repeat">
+      <a:schemeClr val="lt1"/>
+    </dgm:linClrLst>
+    <dgm:effectClrLst/>
+    <dgm:txLinClrLst/>
+    <dgm:txFillClrLst/>
+    <dgm:txEffectClrLst/>
+  </dgm:styleLbl>
+  <dgm:styleLbl name="node4">
+    <dgm:fillClrLst meth="repeat">
+      <a:schemeClr val="accent1"/>
+    </dgm:fillClrLst>
+    <dgm:linClrLst meth="repeat">
+      <a:schemeClr val="lt1"/>
+    </dgm:linClrLst>
+    <dgm:effectClrLst/>
+    <dgm:txLinClrLst/>
+    <dgm:txFillClrLst/>
+    <dgm:txEffectClrLst/>
+  </dgm:styleLbl>
+  <dgm:styleLbl name="fgImgPlace1">
+    <dgm:fillClrLst meth="repeat">
+      <a:schemeClr val="accent1">
+        <a:tint val="50000"/>
+      </a:schemeClr>
+    </dgm:fillClrLst>
+    <dgm:linClrLst meth="repeat">
+      <a:schemeClr val="lt1"/>
+    </dgm:linClrLst>
+    <dgm:effectClrLst/>
+    <dgm:txLinClrLst/>
+    <dgm:txFillClrLst meth="repeat">
+      <a:schemeClr val="lt1"/>
+    </dgm:txFillClrLst>
+    <dgm:txEffectClrLst/>
+  </dgm:styleLbl>
+  <dgm:styleLbl name="alignImgPlace1">
+    <dgm:fillClrLst meth="repeat">
+      <a:schemeClr val="accent1">
+        <a:tint val="50000"/>
+      </a:schemeClr>
+    </dgm:fillClrLst>
+    <dgm:linClrLst meth="repeat">
+      <a:schemeClr val="lt1"/>
+    </dgm:linClrLst>
+    <dgm:effectClrLst/>
+    <dgm:txLinClrLst/>
+    <dgm:txFillClrLst meth="repeat">
+      <a:schemeClr val="lt1"/>
+    </dgm:txFillClrLst>
+    <dgm:txEffectClrLst/>
+  </dgm:styleLbl>
+  <dgm:styleLbl name="bgImgPlace1">
+    <dgm:fillClrLst meth="repeat">
+      <a:schemeClr val="accent1">
+        <a:tint val="50000"/>
+      </a:schemeClr>
+    </dgm:fillClrLst>
+    <dgm:linClrLst meth="repeat">
+      <a:schemeClr val="lt1"/>
+    </dgm:linClrLst>
+    <dgm:effectClrLst/>
+    <dgm:txLinClrLst/>
+    <dgm:txFillClrLst meth="repeat">
+      <a:schemeClr val="lt1"/>
+    </dgm:txFillClrLst>
+    <dgm:txEffectClrLst/>
+  </dgm:styleLbl>
+  <dgm:styleLbl name="sibTrans2D1">
+    <dgm:fillClrLst meth="repeat">
+      <a:schemeClr val="accent1">
+        <a:tint val="60000"/>
+      </a:schemeClr>
+    </dgm:fillClrLst>
+    <dgm:linClrLst meth="repeat">
+      <a:schemeClr val="accent1">
+        <a:tint val="60000"/>
+      </a:schemeClr>
+    </dgm:linClrLst>
+    <dgm:effectClrLst/>
+    <dgm:txLinClrLst/>
+    <dgm:txFillClrLst/>
+    <dgm:txEffectClrLst/>
+  </dgm:styleLbl>
+  <dgm:styleLbl name="fgSibTrans2D1">
+    <dgm:fillClrLst meth="repeat">
+      <a:schemeClr val="accent1">
+        <a:tint val="60000"/>
+      </a:schemeClr>
+    </dgm:fillClrLst>
+    <dgm:linClrLst meth="repeat">
+      <a:schemeClr val="accent1">
+        <a:tint val="60000"/>
+      </a:schemeClr>
+    </dgm:linClrLst>
+    <dgm:effectClrLst/>
+    <dgm:txLinClrLst/>
+    <dgm:txFillClrLst/>
+    <dgm:txEffectClrLst/>
+  </dgm:styleLbl>
+  <dgm:styleLbl name="bgSibTrans2D1">
+    <dgm:fillClrLst meth="repeat">
+      <a:schemeClr val="accent1">
+        <a:tint val="60000"/>
+      </a:schemeClr>
+    </dgm:fillClrLst>
+    <dgm:linClrLst meth="repeat">
+      <a:schemeClr val="accent1">
+        <a:tint val="60000"/>
+      </a:schemeClr>
+    </dgm:linClrLst>
+    <dgm:effectClrLst/>
+    <dgm:txLinClrLst/>
+    <dgm:txFillClrLst/>
+    <dgm:txEffectClrLst/>
+  </dgm:styleLbl>
+  <dgm:styleLbl name="sibTrans1D1">
+    <dgm:fillClrLst meth="repeat">
+      <a:schemeClr val="accent1"/>
+    </dgm:fillClrLst>
+    <dgm:linClrLst meth="repeat">
+      <a:schemeClr val="accent1"/>
+    </dgm:linClrLst>
+    <dgm:effectClrLst/>
+    <dgm:txLinClrLst/>
+    <dgm:txFillClrLst meth="repeat">
+      <a:schemeClr val="tx1"/>
+    </dgm:txFillClrLst>
+    <dgm:txEffectClrLst/>
+  </dgm:styleLbl>
+  <dgm:styleLbl name="callout">
+    <dgm:fillClrLst meth="repeat">
+      <a:schemeClr val="accent1"/>
+    </dgm:fillClrLst>
+    <dgm:linClrLst meth="repeat">
+      <a:schemeClr val="accent1">
+        <a:tint val="50000"/>
+      </a:schemeClr>
+    </dgm:linClrLst>
+    <dgm:effectClrLst/>
+    <dgm:txLinClrLst/>
+    <dgm:txFillClrLst meth="repeat">
+      <a:schemeClr val="tx1"/>
+    </dgm:txFillClrLst>
+    <dgm:txEffectClrLst/>
+  </dgm:styleLbl>
+  <dgm:styleLbl name="asst0">
+    <dgm:fillClrLst meth="repeat">
+      <a:schemeClr val="accent1"/>
+    </dgm:fillClrLst>
+    <dgm:linClrLst meth="repeat">
+      <a:schemeClr val="lt1"/>
+    </dgm:linClrLst>
+    <dgm:effectClrLst/>
+    <dgm:txLinClrLst/>
+    <dgm:txFillClrLst/>
+    <dgm:txEffectClrLst/>
+  </dgm:styleLbl>
+  <dgm:styleLbl name="asst1">
+    <dgm:fillClrLst meth="repeat">
+      <a:schemeClr val="accent1"/>
+    </dgm:fillClrLst>
+    <dgm:linClrLst meth="repeat">
+      <a:schemeClr val="lt1"/>
+    </dgm:linClrLst>
+    <dgm:effectClrLst/>
+    <dgm:txLinClrLst/>
+    <dgm:txFillClrLst/>
+    <dgm:txEffectClrLst/>
+  </dgm:styleLbl>
+  <dgm:styleLbl name="asst2">
+    <dgm:fillClrLst meth="repeat">
+      <a:schemeClr val="accent1"/>
+    </dgm:fillClrLst>
+    <dgm:linClrLst meth="repeat">
+      <a:schemeClr val="lt1"/>
+    </dgm:linClrLst>
+    <dgm:effectClrLst/>
+    <dgm:txLinClrLst/>
+    <dgm:txFillClrLst/>
+    <dgm:txEffectClrLst/>
+  </dgm:styleLbl>
+  <dgm:styleLbl name="asst3">
+    <dgm:fillClrLst meth="repeat">
+      <a:schemeClr val="accent1"/>
+    </dgm:fillClrLst>
+    <dgm:linClrLst meth="repeat">
+      <a:schemeClr val="lt1"/>
+    </dgm:linClrLst>
+    <dgm:effectClrLst/>
+    <dgm:txLinClrLst/>
+    <dgm:txFillClrLst/>
+    <dgm:txEffectClrLst/>
+  </dgm:styleLbl>
+  <dgm:styleLbl name="asst4">
+    <dgm:fillClrLst meth="repeat">
+      <a:schemeClr val="accent1"/>
+    </dgm:fillClrLst>
+    <dgm:linClrLst meth="repeat">
+      <a:schemeClr val="lt1"/>
+    </dgm:linClrLst>
+    <dgm:effectClrLst/>
+    <dgm:txLinClrLst/>
+    <dgm:txFillClrLst/>
+    <dgm:txEffectClrLst/>
+  </dgm:styleLbl>
+  <dgm:styleLbl name="parChTrans2D1">
+    <dgm:fillClrLst meth="repeat">
+      <a:schemeClr val="accent1">
+        <a:tint val="60000"/>
+      </a:schemeClr>
+    </dgm:fillClrLst>
+    <dgm:linClrLst meth="repeat">
+      <a:schemeClr val="accent1">
+        <a:tint val="60000"/>
+      </a:schemeClr>
+    </dgm:linClrLst>
+    <dgm:effectClrLst/>
+    <dgm:txLinClrLst/>
+    <dgm:txFillClrLst meth="repeat">
+      <a:schemeClr val="lt1"/>
+    </dgm:txFillClrLst>
+    <dgm:txEffectClrLst/>
+  </dgm:styleLbl>
+  <dgm:styleLbl name="parChTrans2D2">
+    <dgm:fillClrLst meth="repeat">
+      <a:schemeClr val="accent1"/>
+    </dgm:fillClrLst>
+    <dgm:linClrLst meth="repeat">
+      <a:schemeClr val="accent1"/>
+    </dgm:linClrLst>
+    <dgm:effectClrLst/>
+    <dgm:txLinClrLst/>
+    <dgm:txFillClrLst meth="repeat">
+      <a:schemeClr val="lt1"/>
+    </dgm:txFillClrLst>
+    <dgm:txEffectClrLst/>
+  </dgm:styleLbl>
+  <dgm:styleLbl name="parChTrans2D3">
+    <dgm:fillClrLst meth="repeat">
+      <a:schemeClr val="accent1"/>
+    </dgm:fillClrLst>
+    <dgm:linClrLst meth="repeat">
+      <a:schemeClr val="accent1"/>
+    </dgm:linClrLst>
+    <dgm:effectClrLst/>
+    <dgm:txLinClrLst/>
+    <dgm:txFillClrLst meth="repeat">
+      <a:schemeClr val="lt1"/>
+    </dgm:txFillClrLst>
+    <dgm:txEffectClrLst/>
+  </dgm:styleLbl>
+  <dgm:styleLbl name="parChTrans2D4">
+    <dgm:fillClrLst meth="repeat">
+      <a:schemeClr val="accent1"/>
+    </dgm:fillClrLst>
+    <dgm:linClrLst meth="repeat">
+      <a:schemeClr val="accent1"/>
+    </dgm:linClrLst>
+    <dgm:effectClrLst/>
+    <dgm:txLinClrLst/>
+    <dgm:txFillClrLst meth="repeat">
+      <a:schemeClr val="lt1"/>
+    </dgm:txFillClrLst>
+    <dgm:txEffectClrLst/>
+  </dgm:styleLbl>
+  <dgm:styleLbl name="parChTrans1D1">
+    <dgm:fillClrLst meth="repeat">
+      <a:schemeClr val="accent1"/>
+    </dgm:fillClrLst>
+    <dgm:linClrLst meth="repeat">
+      <a:schemeClr val="accent1">
+        <a:shade val="60000"/>
+      </a:schemeClr>
+    </dgm:linClrLst>
+    <dgm:effectClrLst/>
+    <dgm:txLinClrLst/>
+    <dgm:txFillClrLst meth="repeat">
+      <a:schemeClr val="tx1"/>
+    </dgm:txFillClrLst>
+    <dgm:txEffectClrLst/>
+  </dgm:styleLbl>
+  <dgm:styleLbl name="parChTrans1D2">
+    <dgm:fillClrLst meth="repeat">
+      <a:schemeClr val="accent1"/>
+    </dgm:fillClrLst>
+    <dgm:linClrLst meth="repeat">
+      <a:schemeClr val="accent1">
+        <a:shade val="60000"/>
+      </a:schemeClr>
+    </dgm:linClrLst>
+    <dgm:effectClrLst/>
+    <dgm:txLinClrLst/>
+    <dgm:txFillClrLst meth="repeat">
+      <a:schemeClr val="tx1"/>
+    </dgm:txFillClrLst>
+    <dgm:txEffectClrLst/>
+  </dgm:styleLbl>
+  <dgm:styleLbl name="parChTrans1D3">
+    <dgm:fillClrLst meth="repeat">
+      <a:schemeClr val="accent1"/>
+    </dgm:fillClrLst>
+    <dgm:linClrLst meth="repeat">
+      <a:schemeClr val="accent1">
+        <a:shade val="80000"/>
+      </a:schemeClr>
+    </dgm:linClrLst>
+    <dgm:effectClrLst/>
+    <dgm:txLinClrLst/>
+    <dgm:txFillClrLst meth="repeat">
+      <a:schemeClr val="tx1"/>
+    </dgm:txFillClrLst>
+    <dgm:txEffectClrLst/>
+  </dgm:styleLbl>
+  <dgm:styleLbl name="parChTrans1D4">
+    <dgm:fillClrLst meth="repeat">
+      <a:schemeClr val="accent1"/>
+    </dgm:fillClrLst>
+    <dgm:linClrLst meth="repeat">
+      <a:schemeClr val="accent1">
+        <a:shade val="80000"/>
+      </a:schemeClr>
+    </dgm:linClrLst>
+    <dgm:effectClrLst/>
+    <dgm:txLinClrLst/>
+    <dgm:txFillClrLst meth="repeat">
+      <a:schemeClr val="tx1"/>
+    </dgm:txFillClrLst>
+    <dgm:txEffectClrLst/>
+  </dgm:styleLbl>
+  <dgm:styleLbl name="fgAcc1">
+    <dgm:fillClrLst meth="repeat">
+      <a:schemeClr val="lt1">
+        <a:alpha val="90000"/>
+      </a:schemeClr>
+    </dgm:fillClrLst>
+    <dgm:linClrLst meth="repeat">
+      <a:schemeClr val="accent1"/>
+    </dgm:linClrLst>
+    <dgm:effectClrLst/>
+    <dgm:txLinClrLst/>
+    <dgm:txFillClrLst meth="repeat">
+      <a:schemeClr val="dk1"/>
+    </dgm:txFillClrLst>
+    <dgm:txEffectClrLst/>
+  </dgm:styleLbl>
+  <dgm:styleLbl name="conFgAcc1">
+    <dgm:fillClrLst meth="repeat">
+      <a:schemeClr val="lt1">
+        <a:alpha val="90000"/>
+      </a:schemeClr>
+    </dgm:fillClrLst>
+    <dgm:linClrLst meth="repeat">
+      <a:schemeClr val="accent1"/>
+    </dgm:linClrLst>
+    <dgm:effectClrLst/>
+    <dgm:txLinClrLst/>
+    <dgm:txFillClrLst meth="repeat">
+      <a:schemeClr val="dk1"/>
+    </dgm:txFillClrLst>
+    <dgm:txEffectClrLst/>
+  </dgm:styleLbl>
+  <dgm:styleLbl name="alignAcc1">
+    <dgm:fillClrLst meth="repeat">
+      <a:schemeClr val="lt1">
+        <a:alpha val="90000"/>
+      </a:schemeClr>
+    </dgm:fillClrLst>
+    <dgm:linClrLst meth="repeat">
+      <a:schemeClr val="accent1"/>
+    </dgm:linClrLst>
+    <dgm:effectClrLst/>
+    <dgm:txLinClrLst/>
+    <dgm:txFillClrLst meth="repeat">
+      <a:schemeClr val="dk1"/>
+    </dgm:txFillClrLst>
+    <dgm:txEffectClrLst/>
+  </dgm:styleLbl>
+  <dgm:styleLbl name="trAlignAcc1">
+    <dgm:fillClrLst meth="repeat">
+      <a:schemeClr val="lt1">
+        <a:alpha val="40000"/>
+      </a:schemeClr>
+    </dgm:fillClrLst>
+    <dgm:linClrLst meth="repeat">
+      <a:schemeClr val="accent1"/>
+    </dgm:linClrLst>
+    <dgm:effectClrLst/>
+    <dgm:txLinClrLst/>
+    <dgm:txFillClrLst meth="repeat">
+      <a:schemeClr val="dk1"/>
+    </dgm:txFillClrLst>
+    <dgm:txEffectClrLst/>
+  </dgm:styleLbl>
+  <dgm:styleLbl name="bgAcc1">
+    <dgm:fillClrLst meth="repeat">
+      <a:schemeClr val="lt1">
+        <a:alpha val="90000"/>
+      </a:schemeClr>
+    </dgm:fillClrLst>
+    <dgm:linClrLst meth="repeat">
+      <a:schemeClr val="accent1"/>
+    </dgm:linClrLst>
+    <dgm:effectClrLst/>
+    <dgm:txLinClrLst/>
+    <dgm:txFillClrLst meth="repeat">
+      <a:schemeClr val="dk1"/>
+    </dgm:txFillClrLst>
+    <dgm:txEffectClrLst/>
+  </dgm:styleLbl>
+  <dgm:styleLbl name="solidFgAcc1">
+    <dgm:fillClrLst meth="repeat">
+      <a:schemeClr val="lt1"/>
+    </dgm:fillClrLst>
+    <dgm:linClrLst meth="repeat">
+      <a:schemeClr val="accent1"/>
+    </dgm:linClrLst>
+    <dgm:effectClrLst/>
+    <dgm:txLinClrLst/>
+    <dgm:txFillClrLst meth="repeat">
+      <a:schemeClr val="dk1"/>
+    </dgm:txFillClrLst>
+    <dgm:txEffectClrLst/>
+  </dgm:styleLbl>
+  <dgm:styleLbl name="solidAlignAcc1">
+    <dgm:fillClrLst meth="repeat">
+      <a:schemeClr val="lt1"/>
+    </dgm:fillClrLst>
+    <dgm:linClrLst meth="repeat">
+      <a:schemeClr val="accent1"/>
+    </dgm:linClrLst>
+    <dgm:effectClrLst/>
+    <dgm:txLinClrLst/>
+    <dgm:txFillClrLst meth="repeat">
+      <a:schemeClr val="dk1"/>
+    </dgm:txFillClrLst>
+    <dgm:txEffectClrLst/>
+  </dgm:styleLbl>
+  <dgm:styleLbl name="solidBgAcc1">
+    <dgm:fillClrLst meth="repeat">
+      <a:schemeClr val="lt1"/>
+    </dgm:fillClrLst>
+    <dgm:linClrLst meth="repeat">
+      <a:schemeClr val="accent1"/>
+    </dgm:linClrLst>
+    <dgm:effectClrLst/>
+    <dgm:txLinClrLst/>
+    <dgm:txFillClrLst meth="repeat">
+      <a:schemeClr val="dk1"/>
+    </dgm:txFillClrLst>
+    <dgm:txEffectClrLst/>
+  </dgm:styleLbl>
+  <dgm:styleLbl name="fgAccFollowNode1">
+    <dgm:fillClrLst meth="repeat">
+      <a:schemeClr val="accent1">
+        <a:alpha val="90000"/>
+        <a:tint val="40000"/>
+      </a:schemeClr>
+    </dgm:fillClrLst>
+    <dgm:linClrLst meth="repeat">
+      <a:schemeClr val="accent1">
+        <a:alpha val="90000"/>
+        <a:tint val="40000"/>
+      </a:schemeClr>
+    </dgm:linClrLst>
+    <dgm:effectClrLst/>
+    <dgm:txLinClrLst/>
+    <dgm:txFillClrLst meth="repeat">
+      <a:schemeClr val="dk1"/>
+    </dgm:txFillClrLst>
+    <dgm:txEffectClrLst/>
+  </dgm:styleLbl>
+  <dgm:styleLbl name="alignAccFollowNode1">
+    <dgm:fillClrLst meth="repeat">
+      <a:schemeClr val="accent1">
+        <a:alpha val="90000"/>
+        <a:tint val="40000"/>
+      </a:schemeClr>
+    </dgm:fillClrLst>
+    <dgm:linClrLst meth="repeat">
+      <a:schemeClr val="accent1">
+        <a:alpha val="90000"/>
+        <a:tint val="40000"/>
+      </a:schemeClr>
+    </dgm:linClrLst>
+    <dgm:effectClrLst/>
+    <dgm:txLinClrLst/>
+    <dgm:txFillClrLst meth="repeat">
+      <a:schemeClr val="dk1"/>
+    </dgm:txFillClrLst>
+    <dgm:txEffectClrLst/>
+  </dgm:styleLbl>
+  <dgm:styleLbl name="bgAccFollowNode1">
+    <dgm:fillClrLst meth="repeat">
+      <a:schemeClr val="accent1">
+        <a:alpha val="90000"/>
+        <a:tint val="40000"/>
+      </a:schemeClr>
+    </dgm:fillClrLst>
+    <dgm:linClrLst meth="repeat">
+      <a:schemeClr val="accent1">
+        <a:alpha val="90000"/>
+        <a:tint val="40000"/>
+      </a:schemeClr>
+    </dgm:linClrLst>
+    <dgm:effectClrLst/>
+    <dgm:txLinClrLst/>
+    <dgm:txFillClrLst meth="repeat">
+      <a:schemeClr val="dk1"/>
+    </dgm:txFillClrLst>
+    <dgm:txEffectClrLst/>
+  </dgm:styleLbl>
+  <dgm:styleLbl name="fgAcc0">
+    <dgm:fillClrLst meth="repeat">
+      <a:schemeClr val="lt1">
+        <a:alpha val="90000"/>
+      </a:schemeClr>
+    </dgm:fillClrLst>
+    <dgm:linClrLst meth="repeat">
+      <a:schemeClr val="accent1"/>
+    </dgm:linClrLst>
+    <dgm:effectClrLst/>
+    <dgm:txLinClrLst/>
+    <dgm:txFillClrLst meth="repeat">
+      <a:schemeClr val="dk1"/>
+    </dgm:txFillClrLst>
+    <dgm:txEffectClrLst/>
+  </dgm:styleLbl>
+  <dgm:styleLbl name="fgAcc2">
+    <dgm:fillClrLst meth="repeat">
+      <a:schemeClr val="lt1">
+        <a:alpha val="90000"/>
+      </a:schemeClr>
+    </dgm:fillClrLst>
+    <dgm:linClrLst meth="repeat">
+      <a:schemeClr val="accent1"/>
+    </dgm:linClrLst>
+    <dgm:effectClrLst/>
+    <dgm:txLinClrLst/>
+    <dgm:txFillClrLst meth="repeat">
+      <a:schemeClr val="dk1"/>
+    </dgm:txFillClrLst>
+    <dgm:txEffectClrLst/>
+  </dgm:styleLbl>
+  <dgm:styleLbl name="fgAcc3">
+    <dgm:fillClrLst meth="repeat">
+      <a:schemeClr val="lt1">
+        <a:alpha val="90000"/>
+      </a:schemeClr>
+    </dgm:fillClrLst>
+    <dgm:linClrLst meth="repeat">
+      <a:schemeClr val="accent1"/>
+    </dgm:linClrLst>
+    <dgm:effectClrLst/>
+    <dgm:txLinClrLst/>
+    <dgm:txFillClrLst meth="repeat">
+      <a:schemeClr val="dk1"/>
+    </dgm:txFillClrLst>
+    <dgm:txEffectClrLst/>
+  </dgm:styleLbl>
+  <dgm:styleLbl name="fgAcc4">
+    <dgm:fillClrLst meth="repeat">
+      <a:schemeClr val="lt1">
+        <a:alpha val="90000"/>
+      </a:schemeClr>
+    </dgm:fillClrLst>
+    <dgm:linClrLst meth="repeat">
+      <a:schemeClr val="accent1"/>
+    </dgm:linClrLst>
+    <dgm:effectClrLst/>
+    <dgm:txLinClrLst/>
+    <dgm:txFillClrLst meth="repeat">
+      <a:schemeClr val="dk1"/>
+    </dgm:txFillClrLst>
+    <dgm:txEffectClrLst/>
+  </dgm:styleLbl>
+  <dgm:styleLbl name="bgShp">
+    <dgm:fillClrLst meth="repeat">
+      <a:schemeClr val="bg1">
+        <a:lumMod val="95000"/>
+      </a:schemeClr>
+    </dgm:fillClrLst>
+    <dgm:linClrLst meth="repeat">
+      <a:schemeClr val="accent1"/>
+    </dgm:linClrLst>
+    <dgm:effectClrLst/>
+    <dgm:txLinClrLst/>
+    <dgm:txFillClrLst meth="repeat">
+      <a:schemeClr val="dk1"/>
+    </dgm:txFillClrLst>
+    <dgm:txEffectClrLst/>
+  </dgm:styleLbl>
+  <dgm:styleLbl name="dkBgShp">
+    <dgm:fillClrLst meth="repeat">
+      <a:schemeClr val="accent1">
+        <a:shade val="80000"/>
+      </a:schemeClr>
+    </dgm:fillClrLst>
+    <dgm:linClrLst meth="repeat">
+      <a:schemeClr val="accent1"/>
+    </dgm:linClrLst>
+    <dgm:effectClrLst/>
+    <dgm:txLinClrLst/>
+    <dgm:txFillClrLst meth="repeat">
+      <a:schemeClr val="lt1"/>
+    </dgm:txFillClrLst>
+    <dgm:txEffectClrLst/>
+  </dgm:styleLbl>
+  <dgm:styleLbl name="trBgShp">
+    <dgm:fillClrLst meth="repeat">
+      <a:schemeClr val="accent1">
+        <a:tint val="50000"/>
+        <a:alpha val="40000"/>
+      </a:schemeClr>
+    </dgm:fillClrLst>
+    <dgm:linClrLst meth="repeat">
+      <a:schemeClr val="accent1"/>
+    </dgm:linClrLst>
+    <dgm:effectClrLst/>
+    <dgm:txLinClrLst/>
+    <dgm:txFillClrLst meth="repeat">
+      <a:schemeClr val="lt1"/>
+    </dgm:txFillClrLst>
+    <dgm:txEffectClrLst/>
+  </dgm:styleLbl>
+  <dgm:styleLbl name="fgShp">
+    <dgm:fillClrLst meth="repeat">
+      <a:schemeClr val="accent1">
+        <a:tint val="60000"/>
+      </a:schemeClr>
+    </dgm:fillClrLst>
+    <dgm:linClrLst meth="repeat">
+      <a:schemeClr val="lt1"/>
+    </dgm:linClrLst>
+    <dgm:effectClrLst/>
+    <dgm:txLinClrLst/>
+    <dgm:txFillClrLst meth="repeat">
+      <a:schemeClr val="dk1"/>
+    </dgm:txFillClrLst>
+    <dgm:txEffectClrLst/>
+  </dgm:styleLbl>
+  <dgm:styleLbl name="revTx">
+    <dgm:fillClrLst meth="repeat">
+      <a:schemeClr val="lt1">
+        <a:alpha val="0"/>
+      </a:schemeClr>
+    </dgm:fillClrLst>
+    <dgm:linClrLst meth="repeat">
+      <a:schemeClr val="dk1">
+        <a:alpha val="0"/>
+      </a:schemeClr>
+    </dgm:linClrLst>
+    <dgm:effectClrLst/>
+    <dgm:txLinClrLst/>
+    <dgm:txFillClrLst meth="repeat">
+      <a:schemeClr val="tx1"/>
+    </dgm:txFillClrLst>
+    <dgm:txEffectClrLst/>
+  </dgm:styleLbl>
+</dgm:colorsDef>
+</file>
+
+<file path=ppt/diagrams/colors6.xml><?xml version="1.0" encoding="utf-8"?>
 <dgm:colorsDef xmlns:dgm="http://schemas.openxmlformats.org/drawingml/2006/diagram" xmlns:a="http://schemas.openxmlformats.org/drawingml/2006/main" uniqueId="urn:microsoft.com/office/officeart/2018/5/colors/Iconchunking_neutralbg_accent1_2">
   <dgm:title val=""/>
   <dgm:desc val=""/>
@@ -5070,8 +5788,8 @@
 <file path=ppt/diagrams/data2.xml><?xml version="1.0" encoding="utf-8"?>
 <dgm:dataModel xmlns:dgm="http://schemas.openxmlformats.org/drawingml/2006/diagram" xmlns:a="http://schemas.openxmlformats.org/drawingml/2006/main">
   <dgm:ptLst>
-    <dgm:pt modelId="{6521036B-51C7-47AB-9C18-F9B328A017F3}" type="doc">
-      <dgm:prSet loTypeId="urn:microsoft.com/office/officeart/2005/8/layout/list1" loCatId="list" qsTypeId="urn:microsoft.com/office/officeart/2005/8/quickstyle/simple1" qsCatId="simple" csTypeId="urn:microsoft.com/office/officeart/2005/8/colors/colorful5" csCatId="colorful"/>
+    <dgm:pt modelId="{FD87D28C-FF84-4B0F-8221-13EB1F2B325D}" type="doc">
+      <dgm:prSet loTypeId="urn:microsoft.com/office/officeart/2018/5/layout/IconCircleLabelList" loCatId="icon" qsTypeId="urn:microsoft.com/office/officeart/2005/8/quickstyle/simple1" qsCatId="simple" csTypeId="urn:microsoft.com/office/officeart/2018/5/colors/Iconchunking_neutralbg_accent1_2" csCatId="accent1" phldr="1"/>
       <dgm:spPr/>
       <dgm:t>
         <a:bodyPr/>
@@ -5081,21 +5799,32 @@
         </a:p>
       </dgm:t>
     </dgm:pt>
-    <dgm:pt modelId="{A38C8CA4-0AEF-4477-8AB9-C0D912F644EF}">
+    <dgm:pt modelId="{EC4BF26E-E2E1-4A26-935B-5AAA490B24A6}">
       <dgm:prSet/>
       <dgm:spPr/>
       <dgm:t>
         <a:bodyPr/>
         <a:lstStyle/>
         <a:p>
+          <a:pPr>
+            <a:lnSpc>
+              <a:spcPct val="100000"/>
+            </a:lnSpc>
+            <a:defRPr cap="all"/>
+          </a:pPr>
+          <a:r>
+            <a:rPr lang="en-US" dirty="0"/>
+            <a:t>Node</a:t>
+          </a:r>
           <a:r>
             <a:rPr lang="en-US"/>
-            <a:t>Heroku</a:t>
+            <a:t>.js Server</a:t>
           </a:r>
+          <a:endParaRPr lang="en-US" dirty="0"/>
         </a:p>
       </dgm:t>
     </dgm:pt>
-    <dgm:pt modelId="{8C46145A-25DC-4017-B3F2-F9B9A90E4D9F}" type="parTrans" cxnId="{5FD5CA47-0F83-45C1-BC3F-C95205D714E3}">
+    <dgm:pt modelId="{4F7EF0E1-4EED-4FBA-8417-8A0C4D89598A}" type="parTrans" cxnId="{EFD7975C-BABC-41D2-9520-952250F4E7B8}">
       <dgm:prSet/>
       <dgm:spPr/>
       <dgm:t>
@@ -5106,7 +5835,7 @@
         </a:p>
       </dgm:t>
     </dgm:pt>
-    <dgm:pt modelId="{89E44623-6A23-4419-A8B1-B321940E9B7D}" type="sibTrans" cxnId="{5FD5CA47-0F83-45C1-BC3F-C95205D714E3}">
+    <dgm:pt modelId="{0D273C92-F090-4E8E-A9A9-4181B67391AF}" type="sibTrans" cxnId="{EFD7975C-BABC-41D2-9520-952250F4E7B8}">
       <dgm:prSet/>
       <dgm:spPr/>
       <dgm:t>
@@ -5117,21 +5846,27 @@
         </a:p>
       </dgm:t>
     </dgm:pt>
-    <dgm:pt modelId="{CD6729F6-23E5-43E0-A502-B077CB71DC82}">
+    <dgm:pt modelId="{F80AC925-2F72-489E-B3EF-928739DAAAA1}">
       <dgm:prSet/>
       <dgm:spPr/>
       <dgm:t>
         <a:bodyPr/>
         <a:lstStyle/>
         <a:p>
+          <a:pPr>
+            <a:lnSpc>
+              <a:spcPct val="100000"/>
+            </a:lnSpc>
+            <a:defRPr cap="all"/>
+          </a:pPr>
           <a:r>
-            <a:rPr lang="en-US"/>
-            <a:t>Node.js/Docker</a:t>
+            <a:rPr lang="en-US" dirty="0"/>
+            <a:t>Cloud Heroku</a:t>
           </a:r>
         </a:p>
       </dgm:t>
     </dgm:pt>
-    <dgm:pt modelId="{9D31EE08-8FE9-4C61-B318-D4022CF77547}" type="parTrans" cxnId="{40E28C04-613B-4DB4-85D6-B1BAEA9888F0}">
+    <dgm:pt modelId="{35BE1E63-3D32-40E2-860E-2238C4E20578}" type="parTrans" cxnId="{5D269332-FDAF-45F5-AD22-ABB50F53DBF9}">
       <dgm:prSet/>
       <dgm:spPr/>
       <dgm:t>
@@ -5142,7 +5877,7 @@
         </a:p>
       </dgm:t>
     </dgm:pt>
-    <dgm:pt modelId="{B171B8E5-746A-4640-BE2C-02453A5156D6}" type="sibTrans" cxnId="{40E28C04-613B-4DB4-85D6-B1BAEA9888F0}">
+    <dgm:pt modelId="{24ED7FAC-83AD-4F87-8885-B7078D18592F}" type="sibTrans" cxnId="{5D269332-FDAF-45F5-AD22-ABB50F53DBF9}">
       <dgm:prSet/>
       <dgm:spPr/>
       <dgm:t>
@@ -5153,104 +5888,220 @@
         </a:p>
       </dgm:t>
     </dgm:pt>
-    <dgm:pt modelId="{78B491E8-E503-F242-9EC2-D13E5F96A6F8}" type="pres">
-      <dgm:prSet presAssocID="{6521036B-51C7-47AB-9C18-F9B328A017F3}" presName="linear" presStyleCnt="0">
+    <dgm:pt modelId="{E0357AFB-04FD-C14F-A0A0-C73FDF6E61D8}">
+      <dgm:prSet/>
+      <dgm:spPr/>
+      <dgm:t>
+        <a:bodyPr/>
+        <a:lstStyle/>
+        <a:p>
+          <a:pPr>
+            <a:lnSpc>
+              <a:spcPct val="100000"/>
+            </a:lnSpc>
+            <a:defRPr cap="all"/>
+          </a:pPr>
+          <a:r>
+            <a:rPr lang="en-GB" dirty="0"/>
+            <a:t>Docker Container</a:t>
+          </a:r>
+        </a:p>
+      </dgm:t>
+    </dgm:pt>
+    <dgm:pt modelId="{55821EEC-BB86-BD4A-B284-1681BC251651}" type="sibTrans" cxnId="{52F9AB58-880F-B148-832B-5DCE119DC9F0}">
+      <dgm:prSet/>
+      <dgm:spPr/>
+      <dgm:t>
+        <a:bodyPr/>
+        <a:lstStyle/>
+        <a:p>
+          <a:endParaRPr lang="en-GB"/>
+        </a:p>
+      </dgm:t>
+    </dgm:pt>
+    <dgm:pt modelId="{54A2B04E-14D0-0D4A-968D-B85C984B2B2E}" type="parTrans" cxnId="{52F9AB58-880F-B148-832B-5DCE119DC9F0}">
+      <dgm:prSet/>
+      <dgm:spPr/>
+      <dgm:t>
+        <a:bodyPr/>
+        <a:lstStyle/>
+        <a:p>
+          <a:endParaRPr lang="en-GB"/>
+        </a:p>
+      </dgm:t>
+    </dgm:pt>
+    <dgm:pt modelId="{9F3F715C-1D5B-4C94-BA9A-5DA4C541F4C3}" type="pres">
+      <dgm:prSet presAssocID="{FD87D28C-FF84-4B0F-8221-13EB1F2B325D}" presName="root" presStyleCnt="0">
         <dgm:presLayoutVars>
           <dgm:dir/>
-          <dgm:animLvl val="lvl"/>
           <dgm:resizeHandles val="exact"/>
         </dgm:presLayoutVars>
       </dgm:prSet>
       <dgm:spPr/>
     </dgm:pt>
-    <dgm:pt modelId="{9A9CD220-C741-0749-A818-8BDDBB5C2E05}" type="pres">
-      <dgm:prSet presAssocID="{A38C8CA4-0AEF-4477-8AB9-C0D912F644EF}" presName="parentLin" presStyleCnt="0"/>
+    <dgm:pt modelId="{A0E5B60C-6F98-4E8B-B8B8-29277E86EFFE}" type="pres">
+      <dgm:prSet presAssocID="{EC4BF26E-E2E1-4A26-935B-5AAA490B24A6}" presName="compNode" presStyleCnt="0"/>
       <dgm:spPr/>
     </dgm:pt>
-    <dgm:pt modelId="{5CC19C25-10FE-3643-8145-E3E1379F543D}" type="pres">
-      <dgm:prSet presAssocID="{A38C8CA4-0AEF-4477-8AB9-C0D912F644EF}" presName="parentLeftMargin" presStyleLbl="node1" presStyleIdx="0" presStyleCnt="2"/>
+    <dgm:pt modelId="{5940A959-C107-4F2E-9F79-8F8320964FBF}" type="pres">
+      <dgm:prSet presAssocID="{EC4BF26E-E2E1-4A26-935B-5AAA490B24A6}" presName="iconBgRect" presStyleLbl="bgShp" presStyleIdx="0" presStyleCnt="3"/>
       <dgm:spPr/>
     </dgm:pt>
-    <dgm:pt modelId="{52F5FE21-8786-7441-A187-9B1FAA39166C}" type="pres">
-      <dgm:prSet presAssocID="{A38C8CA4-0AEF-4477-8AB9-C0D912F644EF}" presName="parentText" presStyleLbl="node1" presStyleIdx="0" presStyleCnt="2">
+    <dgm:pt modelId="{7BFBDDF5-5BA9-47CA-AD2A-948519A41052}" type="pres">
+      <dgm:prSet presAssocID="{EC4BF26E-E2E1-4A26-935B-5AAA490B24A6}" presName="iconRect" presStyleLbl="node1" presStyleIdx="0" presStyleCnt="3"/>
+      <dgm:spPr>
+        <a:blipFill>
+          <a:blip xmlns:r="http://schemas.openxmlformats.org/officeDocument/2006/relationships" r:embed="rId1">
+            <a:extLst>
+              <a:ext uri="{28A0092B-C50C-407E-A947-70E740481C1C}">
+                <a14:useLocalDpi xmlns:a14="http://schemas.microsoft.com/office/drawing/2010/main" val="0"/>
+              </a:ext>
+            </a:extLst>
+          </a:blip>
+          <a:srcRect/>
+          <a:stretch>
+            <a:fillRect/>
+          </a:stretch>
+        </a:blipFill>
+        <a:ln>
+          <a:noFill/>
+        </a:ln>
+      </dgm:spPr>
+    </dgm:pt>
+    <dgm:pt modelId="{14D14ADD-C397-4F26-B312-013283525744}" type="pres">
+      <dgm:prSet presAssocID="{EC4BF26E-E2E1-4A26-935B-5AAA490B24A6}" presName="spaceRect" presStyleCnt="0"/>
+      <dgm:spPr/>
+    </dgm:pt>
+    <dgm:pt modelId="{02FA3387-5CA8-42C1-96B9-901BBBA36702}" type="pres">
+      <dgm:prSet presAssocID="{EC4BF26E-E2E1-4A26-935B-5AAA490B24A6}" presName="textRect" presStyleLbl="revTx" presStyleIdx="0" presStyleCnt="3">
         <dgm:presLayoutVars>
-          <dgm:chMax val="0"/>
-          <dgm:bulletEnabled val="1"/>
+          <dgm:chMax val="1"/>
+          <dgm:chPref val="1"/>
         </dgm:presLayoutVars>
       </dgm:prSet>
       <dgm:spPr/>
     </dgm:pt>
-    <dgm:pt modelId="{D0E3C7B2-0CBB-4046-8360-2BFC487B1839}" type="pres">
-      <dgm:prSet presAssocID="{A38C8CA4-0AEF-4477-8AB9-C0D912F644EF}" presName="negativeSpace" presStyleCnt="0"/>
+    <dgm:pt modelId="{2B153C8F-A381-4650-BC74-FF1A6F2708FD}" type="pres">
+      <dgm:prSet presAssocID="{0D273C92-F090-4E8E-A9A9-4181B67391AF}" presName="sibTrans" presStyleCnt="0"/>
       <dgm:spPr/>
     </dgm:pt>
-    <dgm:pt modelId="{C10DF6A0-41A5-3D4B-8C36-81B839070DBC}" type="pres">
-      <dgm:prSet presAssocID="{A38C8CA4-0AEF-4477-8AB9-C0D912F644EF}" presName="childText" presStyleLbl="conFgAcc1" presStyleIdx="0" presStyleCnt="2">
+    <dgm:pt modelId="{B8E43D3C-DE63-AE45-ACE9-F406CF915CFC}" type="pres">
+      <dgm:prSet presAssocID="{E0357AFB-04FD-C14F-A0A0-C73FDF6E61D8}" presName="compNode" presStyleCnt="0"/>
+      <dgm:spPr/>
+    </dgm:pt>
+    <dgm:pt modelId="{AF49B849-5366-FA4B-8B3E-5FE0A48E3206}" type="pres">
+      <dgm:prSet presAssocID="{E0357AFB-04FD-C14F-A0A0-C73FDF6E61D8}" presName="iconBgRect" presStyleLbl="bgShp" presStyleIdx="1" presStyleCnt="3"/>
+      <dgm:spPr/>
+    </dgm:pt>
+    <dgm:pt modelId="{4F2BE9FF-D797-0F49-8BF7-471B09A8F7E2}" type="pres">
+      <dgm:prSet presAssocID="{E0357AFB-04FD-C14F-A0A0-C73FDF6E61D8}" presName="iconRect" presStyleLbl="node1" presStyleIdx="1" presStyleCnt="3"/>
+      <dgm:spPr>
+        <a:blipFill>
+          <a:blip xmlns:r="http://schemas.openxmlformats.org/officeDocument/2006/relationships" r:embed="rId2">
+            <a:extLst>
+              <a:ext uri="{28A0092B-C50C-407E-A947-70E740481C1C}">
+                <a14:useLocalDpi xmlns:a14="http://schemas.microsoft.com/office/drawing/2010/main" val="0"/>
+              </a:ext>
+            </a:extLst>
+          </a:blip>
+          <a:srcRect/>
+          <a:stretch>
+            <a:fillRect/>
+          </a:stretch>
+        </a:blipFill>
+      </dgm:spPr>
+    </dgm:pt>
+    <dgm:pt modelId="{450FCF18-9C34-6D44-9117-AB4A916CED29}" type="pres">
+      <dgm:prSet presAssocID="{E0357AFB-04FD-C14F-A0A0-C73FDF6E61D8}" presName="spaceRect" presStyleCnt="0"/>
+      <dgm:spPr/>
+    </dgm:pt>
+    <dgm:pt modelId="{F8EBBC9E-57ED-1F45-9813-5F136B317A90}" type="pres">
+      <dgm:prSet presAssocID="{E0357AFB-04FD-C14F-A0A0-C73FDF6E61D8}" presName="textRect" presStyleLbl="revTx" presStyleIdx="1" presStyleCnt="3">
         <dgm:presLayoutVars>
-          <dgm:bulletEnabled val="1"/>
+          <dgm:chMax val="1"/>
+          <dgm:chPref val="1"/>
         </dgm:presLayoutVars>
       </dgm:prSet>
       <dgm:spPr/>
     </dgm:pt>
-    <dgm:pt modelId="{4FE2DDA4-583D-CF48-AE38-E029F47D5142}" type="pres">
-      <dgm:prSet presAssocID="{89E44623-6A23-4419-A8B1-B321940E9B7D}" presName="spaceBetweenRectangles" presStyleCnt="0"/>
+    <dgm:pt modelId="{1AB65120-72E2-084E-BFC9-CE0DF12146A9}" type="pres">
+      <dgm:prSet presAssocID="{55821EEC-BB86-BD4A-B284-1681BC251651}" presName="sibTrans" presStyleCnt="0"/>
       <dgm:spPr/>
     </dgm:pt>
-    <dgm:pt modelId="{CE45A1A8-E155-F147-B99B-6D89E7FABEF0}" type="pres">
-      <dgm:prSet presAssocID="{CD6729F6-23E5-43E0-A502-B077CB71DC82}" presName="parentLin" presStyleCnt="0"/>
+    <dgm:pt modelId="{0EC98E32-1452-4B48-AE76-7621EECB8718}" type="pres">
+      <dgm:prSet presAssocID="{F80AC925-2F72-489E-B3EF-928739DAAAA1}" presName="compNode" presStyleCnt="0"/>
       <dgm:spPr/>
     </dgm:pt>
-    <dgm:pt modelId="{E9EE19EF-4925-6E49-9F76-61BA19F64BFD}" type="pres">
-      <dgm:prSet presAssocID="{CD6729F6-23E5-43E0-A502-B077CB71DC82}" presName="parentLeftMargin" presStyleLbl="node1" presStyleIdx="0" presStyleCnt="2"/>
+    <dgm:pt modelId="{9F3E46B5-4B68-4C45-BDBC-00FEA3AE98BF}" type="pres">
+      <dgm:prSet presAssocID="{F80AC925-2F72-489E-B3EF-928739DAAAA1}" presName="iconBgRect" presStyleLbl="bgShp" presStyleIdx="2" presStyleCnt="3"/>
       <dgm:spPr/>
     </dgm:pt>
-    <dgm:pt modelId="{4EC21955-C7CE-6741-AD7F-3047F298B662}" type="pres">
-      <dgm:prSet presAssocID="{CD6729F6-23E5-43E0-A502-B077CB71DC82}" presName="parentText" presStyleLbl="node1" presStyleIdx="1" presStyleCnt="2">
-        <dgm:presLayoutVars>
-          <dgm:chMax val="0"/>
-          <dgm:bulletEnabled val="1"/>
-        </dgm:presLayoutVars>
-      </dgm:prSet>
+    <dgm:pt modelId="{E3EC4BD0-231D-44CB-91C6-DFD63DA8FCDA}" type="pres">
+      <dgm:prSet presAssocID="{F80AC925-2F72-489E-B3EF-928739DAAAA1}" presName="iconRect" presStyleLbl="node1" presStyleIdx="2" presStyleCnt="3"/>
+      <dgm:spPr>
+        <a:blipFill>
+          <a:blip xmlns:r="http://schemas.openxmlformats.org/officeDocument/2006/relationships" r:embed="rId3">
+            <a:extLst>
+              <a:ext uri="{28A0092B-C50C-407E-A947-70E740481C1C}">
+                <a14:useLocalDpi xmlns:a14="http://schemas.microsoft.com/office/drawing/2010/main" val="0"/>
+              </a:ext>
+            </a:extLst>
+          </a:blip>
+          <a:srcRect/>
+          <a:stretch>
+            <a:fillRect/>
+          </a:stretch>
+        </a:blipFill>
+        <a:ln>
+          <a:noFill/>
+        </a:ln>
+      </dgm:spPr>
+    </dgm:pt>
+    <dgm:pt modelId="{1288CA57-09E4-4297-AE66-712F3D47D568}" type="pres">
+      <dgm:prSet presAssocID="{F80AC925-2F72-489E-B3EF-928739DAAAA1}" presName="spaceRect" presStyleCnt="0"/>
       <dgm:spPr/>
     </dgm:pt>
-    <dgm:pt modelId="{6C09A192-E38C-2248-95BF-B61FC9827327}" type="pres">
-      <dgm:prSet presAssocID="{CD6729F6-23E5-43E0-A502-B077CB71DC82}" presName="negativeSpace" presStyleCnt="0"/>
-      <dgm:spPr/>
-    </dgm:pt>
-    <dgm:pt modelId="{095AC803-6CA0-0345-9F9F-427F149611FC}" type="pres">
-      <dgm:prSet presAssocID="{CD6729F6-23E5-43E0-A502-B077CB71DC82}" presName="childText" presStyleLbl="conFgAcc1" presStyleIdx="1" presStyleCnt="2">
+    <dgm:pt modelId="{E65ED937-BBC0-4C78-87D2-C91F19D771AF}" type="pres">
+      <dgm:prSet presAssocID="{F80AC925-2F72-489E-B3EF-928739DAAAA1}" presName="textRect" presStyleLbl="revTx" presStyleIdx="2" presStyleCnt="3">
         <dgm:presLayoutVars>
-          <dgm:bulletEnabled val="1"/>
+          <dgm:chMax val="1"/>
+          <dgm:chPref val="1"/>
         </dgm:presLayoutVars>
       </dgm:prSet>
       <dgm:spPr/>
     </dgm:pt>
   </dgm:ptLst>
   <dgm:cxnLst>
-    <dgm:cxn modelId="{40E28C04-613B-4DB4-85D6-B1BAEA9888F0}" srcId="{6521036B-51C7-47AB-9C18-F9B328A017F3}" destId="{CD6729F6-23E5-43E0-A502-B077CB71DC82}" srcOrd="1" destOrd="0" parTransId="{9D31EE08-8FE9-4C61-B318-D4022CF77547}" sibTransId="{B171B8E5-746A-4640-BE2C-02453A5156D6}"/>
-    <dgm:cxn modelId="{2BE91328-F607-A346-A7F3-3714FE690F88}" type="presOf" srcId="{CD6729F6-23E5-43E0-A502-B077CB71DC82}" destId="{E9EE19EF-4925-6E49-9F76-61BA19F64BFD}" srcOrd="0" destOrd="0" presId="urn:microsoft.com/office/officeart/2005/8/layout/list1"/>
-    <dgm:cxn modelId="{5FD5CA47-0F83-45C1-BC3F-C95205D714E3}" srcId="{6521036B-51C7-47AB-9C18-F9B328A017F3}" destId="{A38C8CA4-0AEF-4477-8AB9-C0D912F644EF}" srcOrd="0" destOrd="0" parTransId="{8C46145A-25DC-4017-B3F2-F9B9A90E4D9F}" sibTransId="{89E44623-6A23-4419-A8B1-B321940E9B7D}"/>
-    <dgm:cxn modelId="{33B40C67-F8A1-4F48-A800-C929A120829D}" type="presOf" srcId="{A38C8CA4-0AEF-4477-8AB9-C0D912F644EF}" destId="{52F5FE21-8786-7441-A187-9B1FAA39166C}" srcOrd="1" destOrd="0" presId="urn:microsoft.com/office/officeart/2005/8/layout/list1"/>
-    <dgm:cxn modelId="{C5150085-8FE7-5E49-AFAF-2D9752DB2FC2}" type="presOf" srcId="{A38C8CA4-0AEF-4477-8AB9-C0D912F644EF}" destId="{5CC19C25-10FE-3643-8145-E3E1379F543D}" srcOrd="0" destOrd="0" presId="urn:microsoft.com/office/officeart/2005/8/layout/list1"/>
-    <dgm:cxn modelId="{15711F85-E147-FE43-B846-88DC69D44CA3}" type="presOf" srcId="{CD6729F6-23E5-43E0-A502-B077CB71DC82}" destId="{4EC21955-C7CE-6741-AD7F-3047F298B662}" srcOrd="1" destOrd="0" presId="urn:microsoft.com/office/officeart/2005/8/layout/list1"/>
-    <dgm:cxn modelId="{39CEB691-225A-A847-8BD6-D6D2AC76EC47}" type="presOf" srcId="{6521036B-51C7-47AB-9C18-F9B328A017F3}" destId="{78B491E8-E503-F242-9EC2-D13E5F96A6F8}" srcOrd="0" destOrd="0" presId="urn:microsoft.com/office/officeart/2005/8/layout/list1"/>
-    <dgm:cxn modelId="{C8B24F70-77CB-F942-818F-F601E9BE2457}" type="presParOf" srcId="{78B491E8-E503-F242-9EC2-D13E5F96A6F8}" destId="{9A9CD220-C741-0749-A818-8BDDBB5C2E05}" srcOrd="0" destOrd="0" presId="urn:microsoft.com/office/officeart/2005/8/layout/list1"/>
-    <dgm:cxn modelId="{50871D60-EE53-9C4F-8006-0264DB8801EF}" type="presParOf" srcId="{9A9CD220-C741-0749-A818-8BDDBB5C2E05}" destId="{5CC19C25-10FE-3643-8145-E3E1379F543D}" srcOrd="0" destOrd="0" presId="urn:microsoft.com/office/officeart/2005/8/layout/list1"/>
-    <dgm:cxn modelId="{09493528-3FE9-3243-A86C-C2619885ED0D}" type="presParOf" srcId="{9A9CD220-C741-0749-A818-8BDDBB5C2E05}" destId="{52F5FE21-8786-7441-A187-9B1FAA39166C}" srcOrd="1" destOrd="0" presId="urn:microsoft.com/office/officeart/2005/8/layout/list1"/>
-    <dgm:cxn modelId="{B19126D4-6E8B-9E45-87B8-35FA151D92D4}" type="presParOf" srcId="{78B491E8-E503-F242-9EC2-D13E5F96A6F8}" destId="{D0E3C7B2-0CBB-4046-8360-2BFC487B1839}" srcOrd="1" destOrd="0" presId="urn:microsoft.com/office/officeart/2005/8/layout/list1"/>
-    <dgm:cxn modelId="{99A33A6F-0792-7D4B-AB2B-36B63DB1B2CF}" type="presParOf" srcId="{78B491E8-E503-F242-9EC2-D13E5F96A6F8}" destId="{C10DF6A0-41A5-3D4B-8C36-81B839070DBC}" srcOrd="2" destOrd="0" presId="urn:microsoft.com/office/officeart/2005/8/layout/list1"/>
-    <dgm:cxn modelId="{562EFE80-3C05-C54F-ADD8-696BB61A5E83}" type="presParOf" srcId="{78B491E8-E503-F242-9EC2-D13E5F96A6F8}" destId="{4FE2DDA4-583D-CF48-AE38-E029F47D5142}" srcOrd="3" destOrd="0" presId="urn:microsoft.com/office/officeart/2005/8/layout/list1"/>
-    <dgm:cxn modelId="{3C23312E-D714-EF42-978C-EA0895869481}" type="presParOf" srcId="{78B491E8-E503-F242-9EC2-D13E5F96A6F8}" destId="{CE45A1A8-E155-F147-B99B-6D89E7FABEF0}" srcOrd="4" destOrd="0" presId="urn:microsoft.com/office/officeart/2005/8/layout/list1"/>
-    <dgm:cxn modelId="{E41429AD-B8AA-F240-9C2A-0DBF8E0C26BF}" type="presParOf" srcId="{CE45A1A8-E155-F147-B99B-6D89E7FABEF0}" destId="{E9EE19EF-4925-6E49-9F76-61BA19F64BFD}" srcOrd="0" destOrd="0" presId="urn:microsoft.com/office/officeart/2005/8/layout/list1"/>
-    <dgm:cxn modelId="{C982195A-DEF7-6647-8989-C93797CDAFEA}" type="presParOf" srcId="{CE45A1A8-E155-F147-B99B-6D89E7FABEF0}" destId="{4EC21955-C7CE-6741-AD7F-3047F298B662}" srcOrd="1" destOrd="0" presId="urn:microsoft.com/office/officeart/2005/8/layout/list1"/>
-    <dgm:cxn modelId="{FD59D726-2173-AC4A-BC8B-1D2D66A54CB7}" type="presParOf" srcId="{78B491E8-E503-F242-9EC2-D13E5F96A6F8}" destId="{6C09A192-E38C-2248-95BF-B61FC9827327}" srcOrd="5" destOrd="0" presId="urn:microsoft.com/office/officeart/2005/8/layout/list1"/>
-    <dgm:cxn modelId="{ABAD9872-51B5-F64A-96BA-55B52924D014}" type="presParOf" srcId="{78B491E8-E503-F242-9EC2-D13E5F96A6F8}" destId="{095AC803-6CA0-0345-9F9F-427F149611FC}" srcOrd="6" destOrd="0" presId="urn:microsoft.com/office/officeart/2005/8/layout/list1"/>
+    <dgm:cxn modelId="{D3A11521-E545-D543-9154-D6516933FA8A}" type="presOf" srcId="{E0357AFB-04FD-C14F-A0A0-C73FDF6E61D8}" destId="{F8EBBC9E-57ED-1F45-9813-5F136B317A90}" srcOrd="0" destOrd="0" presId="urn:microsoft.com/office/officeart/2018/5/layout/IconCircleLabelList"/>
+    <dgm:cxn modelId="{1CE8322A-2FB8-4356-9123-3ACF68222CA7}" type="presOf" srcId="{FD87D28C-FF84-4B0F-8221-13EB1F2B325D}" destId="{9F3F715C-1D5B-4C94-BA9A-5DA4C541F4C3}" srcOrd="0" destOrd="0" presId="urn:microsoft.com/office/officeart/2018/5/layout/IconCircleLabelList"/>
+    <dgm:cxn modelId="{5D269332-FDAF-45F5-AD22-ABB50F53DBF9}" srcId="{FD87D28C-FF84-4B0F-8221-13EB1F2B325D}" destId="{F80AC925-2F72-489E-B3EF-928739DAAAA1}" srcOrd="2" destOrd="0" parTransId="{35BE1E63-3D32-40E2-860E-2238C4E20578}" sibTransId="{24ED7FAC-83AD-4F87-8885-B7078D18592F}"/>
+    <dgm:cxn modelId="{52F9AB58-880F-B148-832B-5DCE119DC9F0}" srcId="{FD87D28C-FF84-4B0F-8221-13EB1F2B325D}" destId="{E0357AFB-04FD-C14F-A0A0-C73FDF6E61D8}" srcOrd="1" destOrd="0" parTransId="{54A2B04E-14D0-0D4A-968D-B85C984B2B2E}" sibTransId="{55821EEC-BB86-BD4A-B284-1681BC251651}"/>
+    <dgm:cxn modelId="{EFD7975C-BABC-41D2-9520-952250F4E7B8}" srcId="{FD87D28C-FF84-4B0F-8221-13EB1F2B325D}" destId="{EC4BF26E-E2E1-4A26-935B-5AAA490B24A6}" srcOrd="0" destOrd="0" parTransId="{4F7EF0E1-4EED-4FBA-8417-8A0C4D89598A}" sibTransId="{0D273C92-F090-4E8E-A9A9-4181B67391AF}"/>
+    <dgm:cxn modelId="{ECA67B84-059B-41FE-BE79-E1752D9515A3}" type="presOf" srcId="{EC4BF26E-E2E1-4A26-935B-5AAA490B24A6}" destId="{02FA3387-5CA8-42C1-96B9-901BBBA36702}" srcOrd="0" destOrd="0" presId="urn:microsoft.com/office/officeart/2018/5/layout/IconCircleLabelList"/>
+    <dgm:cxn modelId="{6FD11192-B08F-47BC-8F25-CCE15483EA23}" type="presOf" srcId="{F80AC925-2F72-489E-B3EF-928739DAAAA1}" destId="{E65ED937-BBC0-4C78-87D2-C91F19D771AF}" srcOrd="0" destOrd="0" presId="urn:microsoft.com/office/officeart/2018/5/layout/IconCircleLabelList"/>
+    <dgm:cxn modelId="{E9E87449-4D13-40B1-8378-EAB1E4AF272F}" type="presParOf" srcId="{9F3F715C-1D5B-4C94-BA9A-5DA4C541F4C3}" destId="{A0E5B60C-6F98-4E8B-B8B8-29277E86EFFE}" srcOrd="0" destOrd="0" presId="urn:microsoft.com/office/officeart/2018/5/layout/IconCircleLabelList"/>
+    <dgm:cxn modelId="{4E79BAF9-19CF-46E3-B782-CF8125C85CCE}" type="presParOf" srcId="{A0E5B60C-6F98-4E8B-B8B8-29277E86EFFE}" destId="{5940A959-C107-4F2E-9F79-8F8320964FBF}" srcOrd="0" destOrd="0" presId="urn:microsoft.com/office/officeart/2018/5/layout/IconCircleLabelList"/>
+    <dgm:cxn modelId="{0C9A4EF8-9BB5-47AE-8FD7-73B7CDA09EE8}" type="presParOf" srcId="{A0E5B60C-6F98-4E8B-B8B8-29277E86EFFE}" destId="{7BFBDDF5-5BA9-47CA-AD2A-948519A41052}" srcOrd="1" destOrd="0" presId="urn:microsoft.com/office/officeart/2018/5/layout/IconCircleLabelList"/>
+    <dgm:cxn modelId="{35A099CB-52D9-4EF2-90DD-31155AF0C0AC}" type="presParOf" srcId="{A0E5B60C-6F98-4E8B-B8B8-29277E86EFFE}" destId="{14D14ADD-C397-4F26-B312-013283525744}" srcOrd="2" destOrd="0" presId="urn:microsoft.com/office/officeart/2018/5/layout/IconCircleLabelList"/>
+    <dgm:cxn modelId="{ABBA1D05-A8B4-4A9A-A2A2-43F8E71E314B}" type="presParOf" srcId="{A0E5B60C-6F98-4E8B-B8B8-29277E86EFFE}" destId="{02FA3387-5CA8-42C1-96B9-901BBBA36702}" srcOrd="3" destOrd="0" presId="urn:microsoft.com/office/officeart/2018/5/layout/IconCircleLabelList"/>
+    <dgm:cxn modelId="{0BDC31F9-3CA8-4B65-A301-6F17ACBF7D69}" type="presParOf" srcId="{9F3F715C-1D5B-4C94-BA9A-5DA4C541F4C3}" destId="{2B153C8F-A381-4650-BC74-FF1A6F2708FD}" srcOrd="1" destOrd="0" presId="urn:microsoft.com/office/officeart/2018/5/layout/IconCircleLabelList"/>
+    <dgm:cxn modelId="{A8DF6708-6DF4-7F4C-BD0C-76205CDB3BE1}" type="presParOf" srcId="{9F3F715C-1D5B-4C94-BA9A-5DA4C541F4C3}" destId="{B8E43D3C-DE63-AE45-ACE9-F406CF915CFC}" srcOrd="2" destOrd="0" presId="urn:microsoft.com/office/officeart/2018/5/layout/IconCircleLabelList"/>
+    <dgm:cxn modelId="{ED6906B5-C216-274C-8CD1-75C55464475E}" type="presParOf" srcId="{B8E43D3C-DE63-AE45-ACE9-F406CF915CFC}" destId="{AF49B849-5366-FA4B-8B3E-5FE0A48E3206}" srcOrd="0" destOrd="0" presId="urn:microsoft.com/office/officeart/2018/5/layout/IconCircleLabelList"/>
+    <dgm:cxn modelId="{8728C937-18DD-FF47-B1B7-18D668F6B04A}" type="presParOf" srcId="{B8E43D3C-DE63-AE45-ACE9-F406CF915CFC}" destId="{4F2BE9FF-D797-0F49-8BF7-471B09A8F7E2}" srcOrd="1" destOrd="0" presId="urn:microsoft.com/office/officeart/2018/5/layout/IconCircleLabelList"/>
+    <dgm:cxn modelId="{BF26BBD3-CF20-5E49-B359-60501D322EA9}" type="presParOf" srcId="{B8E43D3C-DE63-AE45-ACE9-F406CF915CFC}" destId="{450FCF18-9C34-6D44-9117-AB4A916CED29}" srcOrd="2" destOrd="0" presId="urn:microsoft.com/office/officeart/2018/5/layout/IconCircleLabelList"/>
+    <dgm:cxn modelId="{DA71BB05-B984-7F4C-9E81-7FCB012A3084}" type="presParOf" srcId="{B8E43D3C-DE63-AE45-ACE9-F406CF915CFC}" destId="{F8EBBC9E-57ED-1F45-9813-5F136B317A90}" srcOrd="3" destOrd="0" presId="urn:microsoft.com/office/officeart/2018/5/layout/IconCircleLabelList"/>
+    <dgm:cxn modelId="{0D545F52-0120-DA41-8C1F-D9DD49D1A3A3}" type="presParOf" srcId="{9F3F715C-1D5B-4C94-BA9A-5DA4C541F4C3}" destId="{1AB65120-72E2-084E-BFC9-CE0DF12146A9}" srcOrd="3" destOrd="0" presId="urn:microsoft.com/office/officeart/2018/5/layout/IconCircleLabelList"/>
+    <dgm:cxn modelId="{484E1B41-BE95-4855-9AA3-C8FBC049B8A1}" type="presParOf" srcId="{9F3F715C-1D5B-4C94-BA9A-5DA4C541F4C3}" destId="{0EC98E32-1452-4B48-AE76-7621EECB8718}" srcOrd="4" destOrd="0" presId="urn:microsoft.com/office/officeart/2018/5/layout/IconCircleLabelList"/>
+    <dgm:cxn modelId="{BC72C5FF-E30B-47AB-9BFD-A5B1C5CCB273}" type="presParOf" srcId="{0EC98E32-1452-4B48-AE76-7621EECB8718}" destId="{9F3E46B5-4B68-4C45-BDBC-00FEA3AE98BF}" srcOrd="0" destOrd="0" presId="urn:microsoft.com/office/officeart/2018/5/layout/IconCircleLabelList"/>
+    <dgm:cxn modelId="{D96BE74E-29F5-4D5E-AE53-440C66AD6BE7}" type="presParOf" srcId="{0EC98E32-1452-4B48-AE76-7621EECB8718}" destId="{E3EC4BD0-231D-44CB-91C6-DFD63DA8FCDA}" srcOrd="1" destOrd="0" presId="urn:microsoft.com/office/officeart/2018/5/layout/IconCircleLabelList"/>
+    <dgm:cxn modelId="{2A8FDBFC-D305-4A6B-91F9-079FB1BB07F3}" type="presParOf" srcId="{0EC98E32-1452-4B48-AE76-7621EECB8718}" destId="{1288CA57-09E4-4297-AE66-712F3D47D568}" srcOrd="2" destOrd="0" presId="urn:microsoft.com/office/officeart/2018/5/layout/IconCircleLabelList"/>
+    <dgm:cxn modelId="{704861C6-5E75-4FA5-8570-A835BF08F397}" type="presParOf" srcId="{0EC98E32-1452-4B48-AE76-7621EECB8718}" destId="{E65ED937-BBC0-4C78-87D2-C91F19D771AF}" srcOrd="3" destOrd="0" presId="urn:microsoft.com/office/officeart/2018/5/layout/IconCircleLabelList"/>
   </dgm:cxnLst>
   <dgm:bg/>
   <dgm:whole/>
   <dgm:extLst>
     <a:ext uri="http://schemas.microsoft.com/office/drawing/2008/diagram">
-      <dsp:dataModelExt xmlns:dsp="http://schemas.microsoft.com/office/drawing/2008/diagram" relId="rId6" minVer="http://schemas.openxmlformats.org/drawingml/2006/diagram"/>
+      <dsp:dataModelExt xmlns:dsp="http://schemas.microsoft.com/office/drawing/2008/diagram" relId="rId7" minVer="http://schemas.openxmlformats.org/drawingml/2006/diagram"/>
     </a:ext>
   </dgm:extLst>
 </dgm:dataModel>
@@ -5605,6 +6456,319 @@
 <file path=ppt/diagrams/data4.xml><?xml version="1.0" encoding="utf-8"?>
 <dgm:dataModel xmlns:dgm="http://schemas.openxmlformats.org/drawingml/2006/diagram" xmlns:a="http://schemas.openxmlformats.org/drawingml/2006/main">
   <dgm:ptLst>
+    <dgm:pt modelId="{BBB8A40D-B674-4986-9F24-F65B1E4D8B59}" type="doc">
+      <dgm:prSet loTypeId="urn:microsoft.com/office/officeart/2018/2/layout/IconLabelList" loCatId="icon" qsTypeId="urn:microsoft.com/office/officeart/2005/8/quickstyle/simple1" qsCatId="simple" csTypeId="urn:microsoft.com/office/officeart/2018/5/colors/Iconchunking_neutralbg_accent1_2" csCatId="accent1" phldr="1"/>
+      <dgm:spPr/>
+      <dgm:t>
+        <a:bodyPr/>
+        <a:lstStyle/>
+        <a:p>
+          <a:endParaRPr lang="en-US"/>
+        </a:p>
+      </dgm:t>
+    </dgm:pt>
+    <dgm:pt modelId="{8414EF4B-3A8B-4D53-BF13-8735E956CDC3}">
+      <dgm:prSet/>
+      <dgm:spPr/>
+      <dgm:t>
+        <a:bodyPr/>
+        <a:lstStyle/>
+        <a:p>
+          <a:r>
+            <a:rPr lang="en-US"/>
+            <a:t>Ce que l’on a pu faire</a:t>
+          </a:r>
+        </a:p>
+      </dgm:t>
+    </dgm:pt>
+    <dgm:pt modelId="{8A7A39E2-E0D7-4EE8-AF4E-7CDA21F12C2D}" type="parTrans" cxnId="{5D1EA480-AA41-48F2-9037-D27B0CB54373}">
+      <dgm:prSet/>
+      <dgm:spPr/>
+      <dgm:t>
+        <a:bodyPr/>
+        <a:lstStyle/>
+        <a:p>
+          <a:endParaRPr lang="en-US"/>
+        </a:p>
+      </dgm:t>
+    </dgm:pt>
+    <dgm:pt modelId="{3FE0BB1D-F8FF-4FCA-8321-C6D3165B6821}" type="sibTrans" cxnId="{5D1EA480-AA41-48F2-9037-D27B0CB54373}">
+      <dgm:prSet/>
+      <dgm:spPr/>
+      <dgm:t>
+        <a:bodyPr/>
+        <a:lstStyle/>
+        <a:p>
+          <a:endParaRPr lang="en-US"/>
+        </a:p>
+      </dgm:t>
+    </dgm:pt>
+    <dgm:pt modelId="{61F579B3-B836-4D05-8FE0-2E0EDD069145}">
+      <dgm:prSet/>
+      <dgm:spPr/>
+      <dgm:t>
+        <a:bodyPr/>
+        <a:lstStyle/>
+        <a:p>
+          <a:r>
+            <a:rPr lang="en-US" dirty="0"/>
+            <a:t>Daily Stand-up meeting (15 minutes max)</a:t>
+          </a:r>
+        </a:p>
+      </dgm:t>
+    </dgm:pt>
+    <dgm:pt modelId="{A5BC4481-62F1-4B7C-B615-A977AEF483E7}" type="parTrans" cxnId="{DF76FFA2-149C-4999-A617-7A74651F902F}">
+      <dgm:prSet/>
+      <dgm:spPr/>
+      <dgm:t>
+        <a:bodyPr/>
+        <a:lstStyle/>
+        <a:p>
+          <a:endParaRPr lang="en-US"/>
+        </a:p>
+      </dgm:t>
+    </dgm:pt>
+    <dgm:pt modelId="{3C9CFB7F-9F9C-4F00-B491-A93A2A78D551}" type="sibTrans" cxnId="{DF76FFA2-149C-4999-A617-7A74651F902F}">
+      <dgm:prSet/>
+      <dgm:spPr/>
+      <dgm:t>
+        <a:bodyPr/>
+        <a:lstStyle/>
+        <a:p>
+          <a:endParaRPr lang="en-US"/>
+        </a:p>
+      </dgm:t>
+    </dgm:pt>
+    <dgm:pt modelId="{CDFF021D-9CF1-4B82-A811-60335E6239C2}">
+      <dgm:prSet/>
+      <dgm:spPr/>
+      <dgm:t>
+        <a:bodyPr/>
+        <a:lstStyle/>
+        <a:p>
+          <a:r>
+            <a:rPr lang="en-US" dirty="0"/>
+            <a:t>2 sprints de 2 </a:t>
+          </a:r>
+          <a:r>
+            <a:rPr lang="en-US" dirty="0" err="1"/>
+            <a:t>semaines</a:t>
+          </a:r>
+          <a:endParaRPr lang="en-US" dirty="0"/>
+        </a:p>
+      </dgm:t>
+    </dgm:pt>
+    <dgm:pt modelId="{F04D3ADB-2C6C-47E4-AAD6-BF8576367972}" type="parTrans" cxnId="{6EA2796B-D55A-4F6C-99A6-3226F3A9217E}">
+      <dgm:prSet/>
+      <dgm:spPr/>
+      <dgm:t>
+        <a:bodyPr/>
+        <a:lstStyle/>
+        <a:p>
+          <a:endParaRPr lang="en-US"/>
+        </a:p>
+      </dgm:t>
+    </dgm:pt>
+    <dgm:pt modelId="{77C12B7D-E5CF-469A-BF7B-71597F8B8652}" type="sibTrans" cxnId="{6EA2796B-D55A-4F6C-99A6-3226F3A9217E}">
+      <dgm:prSet/>
+      <dgm:spPr/>
+      <dgm:t>
+        <a:bodyPr/>
+        <a:lstStyle/>
+        <a:p>
+          <a:endParaRPr lang="en-US"/>
+        </a:p>
+      </dgm:t>
+    </dgm:pt>
+    <dgm:pt modelId="{A9DF08AA-A2F9-45DB-AF8E-97E30629A693}" type="pres">
+      <dgm:prSet presAssocID="{BBB8A40D-B674-4986-9F24-F65B1E4D8B59}" presName="root" presStyleCnt="0">
+        <dgm:presLayoutVars>
+          <dgm:dir/>
+          <dgm:resizeHandles val="exact"/>
+        </dgm:presLayoutVars>
+      </dgm:prSet>
+      <dgm:spPr/>
+    </dgm:pt>
+    <dgm:pt modelId="{D11C7AAD-4B7A-4B4E-85DA-37CB60196571}" type="pres">
+      <dgm:prSet presAssocID="{8414EF4B-3A8B-4D53-BF13-8735E956CDC3}" presName="compNode" presStyleCnt="0"/>
+      <dgm:spPr/>
+    </dgm:pt>
+    <dgm:pt modelId="{FCB3CFBD-DB79-4372-AFCD-E57819EF74AB}" type="pres">
+      <dgm:prSet presAssocID="{8414EF4B-3A8B-4D53-BF13-8735E956CDC3}" presName="iconRect" presStyleLbl="node1" presStyleIdx="0" presStyleCnt="3"/>
+      <dgm:spPr>
+        <a:blipFill>
+          <a:blip xmlns:r="http://schemas.openxmlformats.org/officeDocument/2006/relationships" r:embed="rId1">
+            <a:extLst>
+              <a:ext uri="{28A0092B-C50C-407E-A947-70E740481C1C}">
+                <a14:useLocalDpi xmlns:a14="http://schemas.microsoft.com/office/drawing/2010/main" val="0"/>
+              </a:ext>
+              <a:ext uri="{96DAC541-7B7A-43D3-8B79-37D633B846F1}">
+                <asvg:svgBlip xmlns:asvg="http://schemas.microsoft.com/office/drawing/2016/SVG/main" r:embed="rId2"/>
+              </a:ext>
+            </a:extLst>
+          </a:blip>
+          <a:stretch>
+            <a:fillRect/>
+          </a:stretch>
+        </a:blipFill>
+        <a:ln>
+          <a:noFill/>
+        </a:ln>
+      </dgm:spPr>
+      <dgm:extLst>
+        <a:ext uri="{E40237B7-FDA0-4F09-8148-C483321AD2D9}">
+          <dgm14:cNvPr xmlns:dgm14="http://schemas.microsoft.com/office/drawing/2010/diagram" id="0" name="" descr="Lightbulb"/>
+        </a:ext>
+      </dgm:extLst>
+    </dgm:pt>
+    <dgm:pt modelId="{0B4A41D6-DCEB-48E3-B92D-89323A032975}" type="pres">
+      <dgm:prSet presAssocID="{8414EF4B-3A8B-4D53-BF13-8735E956CDC3}" presName="spaceRect" presStyleCnt="0"/>
+      <dgm:spPr/>
+    </dgm:pt>
+    <dgm:pt modelId="{F796619E-ECC5-4E1E-9B35-531AD923FCF4}" type="pres">
+      <dgm:prSet presAssocID="{8414EF4B-3A8B-4D53-BF13-8735E956CDC3}" presName="textRect" presStyleLbl="revTx" presStyleIdx="0" presStyleCnt="3">
+        <dgm:presLayoutVars>
+          <dgm:chMax val="1"/>
+          <dgm:chPref val="1"/>
+        </dgm:presLayoutVars>
+      </dgm:prSet>
+      <dgm:spPr/>
+    </dgm:pt>
+    <dgm:pt modelId="{C9CB4760-C1F5-41D0-AE6F-16274F5DFB9C}" type="pres">
+      <dgm:prSet presAssocID="{3FE0BB1D-F8FF-4FCA-8321-C6D3165B6821}" presName="sibTrans" presStyleCnt="0"/>
+      <dgm:spPr/>
+    </dgm:pt>
+    <dgm:pt modelId="{45B5C870-DE58-49F2-A260-B4F78E284FEF}" type="pres">
+      <dgm:prSet presAssocID="{61F579B3-B836-4D05-8FE0-2E0EDD069145}" presName="compNode" presStyleCnt="0"/>
+      <dgm:spPr/>
+    </dgm:pt>
+    <dgm:pt modelId="{09AC2737-744F-423E-9BFA-48E3CFAE0227}" type="pres">
+      <dgm:prSet presAssocID="{61F579B3-B836-4D05-8FE0-2E0EDD069145}" presName="iconRect" presStyleLbl="node1" presStyleIdx="1" presStyleCnt="3"/>
+      <dgm:spPr>
+        <a:blipFill>
+          <a:blip xmlns:r="http://schemas.openxmlformats.org/officeDocument/2006/relationships" r:embed="rId3">
+            <a:extLst>
+              <a:ext uri="{28A0092B-C50C-407E-A947-70E740481C1C}">
+                <a14:useLocalDpi xmlns:a14="http://schemas.microsoft.com/office/drawing/2010/main" val="0"/>
+              </a:ext>
+              <a:ext uri="{96DAC541-7B7A-43D3-8B79-37D633B846F1}">
+                <asvg:svgBlip xmlns:asvg="http://schemas.microsoft.com/office/drawing/2016/SVG/main" r:embed="rId4"/>
+              </a:ext>
+            </a:extLst>
+          </a:blip>
+          <a:stretch>
+            <a:fillRect/>
+          </a:stretch>
+        </a:blipFill>
+        <a:ln>
+          <a:noFill/>
+        </a:ln>
+      </dgm:spPr>
+      <dgm:extLst>
+        <a:ext uri="{E40237B7-FDA0-4F09-8148-C483321AD2D9}">
+          <dgm14:cNvPr xmlns:dgm14="http://schemas.microsoft.com/office/drawing/2010/diagram" id="0" name="" descr="Meeting"/>
+        </a:ext>
+      </dgm:extLst>
+    </dgm:pt>
+    <dgm:pt modelId="{E11F0B44-1E04-47B1-BA14-097A1FBD7F92}" type="pres">
+      <dgm:prSet presAssocID="{61F579B3-B836-4D05-8FE0-2E0EDD069145}" presName="spaceRect" presStyleCnt="0"/>
+      <dgm:spPr/>
+    </dgm:pt>
+    <dgm:pt modelId="{C4CCB1AE-45D0-4EC6-B319-A5579D134041}" type="pres">
+      <dgm:prSet presAssocID="{61F579B3-B836-4D05-8FE0-2E0EDD069145}" presName="textRect" presStyleLbl="revTx" presStyleIdx="1" presStyleCnt="3">
+        <dgm:presLayoutVars>
+          <dgm:chMax val="1"/>
+          <dgm:chPref val="1"/>
+        </dgm:presLayoutVars>
+      </dgm:prSet>
+      <dgm:spPr/>
+    </dgm:pt>
+    <dgm:pt modelId="{B6321C8D-2125-4B18-BBF7-CD61139C9ADC}" type="pres">
+      <dgm:prSet presAssocID="{3C9CFB7F-9F9C-4F00-B491-A93A2A78D551}" presName="sibTrans" presStyleCnt="0"/>
+      <dgm:spPr/>
+    </dgm:pt>
+    <dgm:pt modelId="{EC6EAB49-C0F9-4DCB-B626-09A61A809A5A}" type="pres">
+      <dgm:prSet presAssocID="{CDFF021D-9CF1-4B82-A811-60335E6239C2}" presName="compNode" presStyleCnt="0"/>
+      <dgm:spPr/>
+    </dgm:pt>
+    <dgm:pt modelId="{5DC95D4F-9757-458A-8480-061842ECA0A6}" type="pres">
+      <dgm:prSet presAssocID="{CDFF021D-9CF1-4B82-A811-60335E6239C2}" presName="iconRect" presStyleLbl="node1" presStyleIdx="2" presStyleCnt="3"/>
+      <dgm:spPr>
+        <a:blipFill>
+          <a:blip xmlns:r="http://schemas.openxmlformats.org/officeDocument/2006/relationships" r:embed="rId5">
+            <a:extLst>
+              <a:ext uri="{28A0092B-C50C-407E-A947-70E740481C1C}">
+                <a14:useLocalDpi xmlns:a14="http://schemas.microsoft.com/office/drawing/2010/main" val="0"/>
+              </a:ext>
+              <a:ext uri="{96DAC541-7B7A-43D3-8B79-37D633B846F1}">
+                <asvg:svgBlip xmlns:asvg="http://schemas.microsoft.com/office/drawing/2016/SVG/main" r:embed="rId6"/>
+              </a:ext>
+            </a:extLst>
+          </a:blip>
+          <a:stretch>
+            <a:fillRect/>
+          </a:stretch>
+        </a:blipFill>
+        <a:ln>
+          <a:noFill/>
+        </a:ln>
+      </dgm:spPr>
+      <dgm:extLst>
+        <a:ext uri="{E40237B7-FDA0-4F09-8148-C483321AD2D9}">
+          <dgm14:cNvPr xmlns:dgm14="http://schemas.microsoft.com/office/drawing/2010/diagram" id="0" name="" descr="Tick"/>
+        </a:ext>
+      </dgm:extLst>
+    </dgm:pt>
+    <dgm:pt modelId="{D7AAFF5B-9B3B-4B6F-B971-11AC2ABB68C6}" type="pres">
+      <dgm:prSet presAssocID="{CDFF021D-9CF1-4B82-A811-60335E6239C2}" presName="spaceRect" presStyleCnt="0"/>
+      <dgm:spPr/>
+    </dgm:pt>
+    <dgm:pt modelId="{AE1F7720-AB2A-4C42-86CF-0E1B87242623}" type="pres">
+      <dgm:prSet presAssocID="{CDFF021D-9CF1-4B82-A811-60335E6239C2}" presName="textRect" presStyleLbl="revTx" presStyleIdx="2" presStyleCnt="3">
+        <dgm:presLayoutVars>
+          <dgm:chMax val="1"/>
+          <dgm:chPref val="1"/>
+        </dgm:presLayoutVars>
+      </dgm:prSet>
+      <dgm:spPr/>
+    </dgm:pt>
+  </dgm:ptLst>
+  <dgm:cxnLst>
+    <dgm:cxn modelId="{C2A8FE04-ECEE-4513-9975-313C84DBD49C}" type="presOf" srcId="{BBB8A40D-B674-4986-9F24-F65B1E4D8B59}" destId="{A9DF08AA-A2F9-45DB-AF8E-97E30629A693}" srcOrd="0" destOrd="0" presId="urn:microsoft.com/office/officeart/2018/2/layout/IconLabelList"/>
+    <dgm:cxn modelId="{8F25AD48-594D-4618-AB10-1A74E15F96AB}" type="presOf" srcId="{CDFF021D-9CF1-4B82-A811-60335E6239C2}" destId="{AE1F7720-AB2A-4C42-86CF-0E1B87242623}" srcOrd="0" destOrd="0" presId="urn:microsoft.com/office/officeart/2018/2/layout/IconLabelList"/>
+    <dgm:cxn modelId="{6EA2796B-D55A-4F6C-99A6-3226F3A9217E}" srcId="{BBB8A40D-B674-4986-9F24-F65B1E4D8B59}" destId="{CDFF021D-9CF1-4B82-A811-60335E6239C2}" srcOrd="2" destOrd="0" parTransId="{F04D3ADB-2C6C-47E4-AAD6-BF8576367972}" sibTransId="{77C12B7D-E5CF-469A-BF7B-71597F8B8652}"/>
+    <dgm:cxn modelId="{5D1EA480-AA41-48F2-9037-D27B0CB54373}" srcId="{BBB8A40D-B674-4986-9F24-F65B1E4D8B59}" destId="{8414EF4B-3A8B-4D53-BF13-8735E956CDC3}" srcOrd="0" destOrd="0" parTransId="{8A7A39E2-E0D7-4EE8-AF4E-7CDA21F12C2D}" sibTransId="{3FE0BB1D-F8FF-4FCA-8321-C6D3165B6821}"/>
+    <dgm:cxn modelId="{DF76FFA2-149C-4999-A617-7A74651F902F}" srcId="{BBB8A40D-B674-4986-9F24-F65B1E4D8B59}" destId="{61F579B3-B836-4D05-8FE0-2E0EDD069145}" srcOrd="1" destOrd="0" parTransId="{A5BC4481-62F1-4B7C-B615-A977AEF483E7}" sibTransId="{3C9CFB7F-9F9C-4F00-B491-A93A2A78D551}"/>
+    <dgm:cxn modelId="{3867B3D0-1872-43EF-BBBD-5E5ED403FEB4}" type="presOf" srcId="{61F579B3-B836-4D05-8FE0-2E0EDD069145}" destId="{C4CCB1AE-45D0-4EC6-B319-A5579D134041}" srcOrd="0" destOrd="0" presId="urn:microsoft.com/office/officeart/2018/2/layout/IconLabelList"/>
+    <dgm:cxn modelId="{5F5F1BF0-8B86-4F34-B620-0DC95D924B39}" type="presOf" srcId="{8414EF4B-3A8B-4D53-BF13-8735E956CDC3}" destId="{F796619E-ECC5-4E1E-9B35-531AD923FCF4}" srcOrd="0" destOrd="0" presId="urn:microsoft.com/office/officeart/2018/2/layout/IconLabelList"/>
+    <dgm:cxn modelId="{A1ACD781-1E9C-42DF-9B22-E61480308850}" type="presParOf" srcId="{A9DF08AA-A2F9-45DB-AF8E-97E30629A693}" destId="{D11C7AAD-4B7A-4B4E-85DA-37CB60196571}" srcOrd="0" destOrd="0" presId="urn:microsoft.com/office/officeart/2018/2/layout/IconLabelList"/>
+    <dgm:cxn modelId="{B73D3AE0-CED7-4AE4-97CA-C8237059C539}" type="presParOf" srcId="{D11C7AAD-4B7A-4B4E-85DA-37CB60196571}" destId="{FCB3CFBD-DB79-4372-AFCD-E57819EF74AB}" srcOrd="0" destOrd="0" presId="urn:microsoft.com/office/officeart/2018/2/layout/IconLabelList"/>
+    <dgm:cxn modelId="{9DEA5B3D-AB7E-4528-BC7C-2F6EFEB37A62}" type="presParOf" srcId="{D11C7AAD-4B7A-4B4E-85DA-37CB60196571}" destId="{0B4A41D6-DCEB-48E3-B92D-89323A032975}" srcOrd="1" destOrd="0" presId="urn:microsoft.com/office/officeart/2018/2/layout/IconLabelList"/>
+    <dgm:cxn modelId="{05CA6151-C028-4C22-B86C-F5AAD9004FAB}" type="presParOf" srcId="{D11C7AAD-4B7A-4B4E-85DA-37CB60196571}" destId="{F796619E-ECC5-4E1E-9B35-531AD923FCF4}" srcOrd="2" destOrd="0" presId="urn:microsoft.com/office/officeart/2018/2/layout/IconLabelList"/>
+    <dgm:cxn modelId="{B313ABC3-3A33-4018-9B3D-2DAA76BBF294}" type="presParOf" srcId="{A9DF08AA-A2F9-45DB-AF8E-97E30629A693}" destId="{C9CB4760-C1F5-41D0-AE6F-16274F5DFB9C}" srcOrd="1" destOrd="0" presId="urn:microsoft.com/office/officeart/2018/2/layout/IconLabelList"/>
+    <dgm:cxn modelId="{6989247C-627B-4969-A96C-2285E5470671}" type="presParOf" srcId="{A9DF08AA-A2F9-45DB-AF8E-97E30629A693}" destId="{45B5C870-DE58-49F2-A260-B4F78E284FEF}" srcOrd="2" destOrd="0" presId="urn:microsoft.com/office/officeart/2018/2/layout/IconLabelList"/>
+    <dgm:cxn modelId="{EA61E663-727F-4128-8352-B31322038AAE}" type="presParOf" srcId="{45B5C870-DE58-49F2-A260-B4F78E284FEF}" destId="{09AC2737-744F-423E-9BFA-48E3CFAE0227}" srcOrd="0" destOrd="0" presId="urn:microsoft.com/office/officeart/2018/2/layout/IconLabelList"/>
+    <dgm:cxn modelId="{D70899D8-CB5D-4085-A955-03F21439EC91}" type="presParOf" srcId="{45B5C870-DE58-49F2-A260-B4F78E284FEF}" destId="{E11F0B44-1E04-47B1-BA14-097A1FBD7F92}" srcOrd="1" destOrd="0" presId="urn:microsoft.com/office/officeart/2018/2/layout/IconLabelList"/>
+    <dgm:cxn modelId="{E62B71F5-ED12-4918-A670-522C6D674516}" type="presParOf" srcId="{45B5C870-DE58-49F2-A260-B4F78E284FEF}" destId="{C4CCB1AE-45D0-4EC6-B319-A5579D134041}" srcOrd="2" destOrd="0" presId="urn:microsoft.com/office/officeart/2018/2/layout/IconLabelList"/>
+    <dgm:cxn modelId="{3369FB5E-3FB5-4821-B87C-D4F7B82D814C}" type="presParOf" srcId="{A9DF08AA-A2F9-45DB-AF8E-97E30629A693}" destId="{B6321C8D-2125-4B18-BBF7-CD61139C9ADC}" srcOrd="3" destOrd="0" presId="urn:microsoft.com/office/officeart/2018/2/layout/IconLabelList"/>
+    <dgm:cxn modelId="{23DF122C-BFAE-4782-9CE6-937B949701A7}" type="presParOf" srcId="{A9DF08AA-A2F9-45DB-AF8E-97E30629A693}" destId="{EC6EAB49-C0F9-4DCB-B626-09A61A809A5A}" srcOrd="4" destOrd="0" presId="urn:microsoft.com/office/officeart/2018/2/layout/IconLabelList"/>
+    <dgm:cxn modelId="{2218A749-D253-40E1-A1A5-B1EDD1C24C1A}" type="presParOf" srcId="{EC6EAB49-C0F9-4DCB-B626-09A61A809A5A}" destId="{5DC95D4F-9757-458A-8480-061842ECA0A6}" srcOrd="0" destOrd="0" presId="urn:microsoft.com/office/officeart/2018/2/layout/IconLabelList"/>
+    <dgm:cxn modelId="{CA368DF9-C399-4718-A76F-9453CF5C9F57}" type="presParOf" srcId="{EC6EAB49-C0F9-4DCB-B626-09A61A809A5A}" destId="{D7AAFF5B-9B3B-4B6F-B971-11AC2ABB68C6}" srcOrd="1" destOrd="0" presId="urn:microsoft.com/office/officeart/2018/2/layout/IconLabelList"/>
+    <dgm:cxn modelId="{A2B6208A-8BDC-4CB6-A647-AA61F16E574F}" type="presParOf" srcId="{EC6EAB49-C0F9-4DCB-B626-09A61A809A5A}" destId="{AE1F7720-AB2A-4C42-86CF-0E1B87242623}" srcOrd="2" destOrd="0" presId="urn:microsoft.com/office/officeart/2018/2/layout/IconLabelList"/>
+  </dgm:cxnLst>
+  <dgm:bg/>
+  <dgm:whole/>
+  <dgm:extLst>
+    <a:ext uri="http://schemas.microsoft.com/office/drawing/2008/diagram">
+      <dsp:dataModelExt xmlns:dsp="http://schemas.microsoft.com/office/drawing/2008/diagram" relId="rId6" minVer="http://schemas.openxmlformats.org/drawingml/2006/diagram"/>
+    </a:ext>
+  </dgm:extLst>
+</dgm:dataModel>
+</file>
+
+<file path=ppt/diagrams/data5.xml><?xml version="1.0" encoding="utf-8"?>
+<dgm:dataModel xmlns:dgm="http://schemas.openxmlformats.org/drawingml/2006/diagram" xmlns:a="http://schemas.openxmlformats.org/drawingml/2006/main">
+  <dgm:ptLst>
     <dgm:pt modelId="{FD87D28C-FF84-4B0F-8221-13EB1F2B325D}" type="doc">
       <dgm:prSet loTypeId="urn:microsoft.com/office/officeart/2018/5/layout/IconCircleLabelList" loCatId="icon" qsTypeId="urn:microsoft.com/office/officeart/2005/8/quickstyle/simple1" qsCatId="simple" csTypeId="urn:microsoft.com/office/officeart/2018/5/colors/Iconchunking_neutralbg_accent1_2" csCatId="accent1" phldr="1"/>
       <dgm:spPr/>
@@ -5927,7 +7091,7 @@
 </dgm:dataModel>
 </file>
 
-<file path=ppt/diagrams/data5.xml><?xml version="1.0" encoding="utf-8"?>
+<file path=ppt/diagrams/data6.xml><?xml version="1.0" encoding="utf-8"?>
 <dgm:dataModel xmlns:dgm="http://schemas.openxmlformats.org/drawingml/2006/diagram" xmlns:a="http://schemas.openxmlformats.org/drawingml/2006/main">
   <dgm:ptLst>
     <dgm:pt modelId="{D8E3ACF6-9AC1-4F4C-9329-1C4C9399793F}" type="doc">
@@ -7414,37 +8578,74 @@
       <dsp:cNvGrpSpPr/>
     </dsp:nvGrpSpPr>
     <dsp:grpSpPr/>
-    <dsp:sp modelId="{C10DF6A0-41A5-3D4B-8C36-81B839070DBC}">
+    <dsp:sp modelId="{5940A959-C107-4F2E-9F79-8F8320964FBF}">
       <dsp:nvSpPr>
         <dsp:cNvPr id="0" name=""/>
         <dsp:cNvSpPr/>
       </dsp:nvSpPr>
       <dsp:spPr>
         <a:xfrm>
-          <a:off x="0" y="1525471"/>
-          <a:ext cx="6588691" cy="1285200"/>
+          <a:off x="679050" y="581261"/>
+          <a:ext cx="1887187" cy="1887187"/>
         </a:xfrm>
-        <a:prstGeom prst="rect">
+        <a:prstGeom prst="ellipse">
           <a:avLst/>
         </a:prstGeom>
         <a:solidFill>
-          <a:schemeClr val="lt1">
-            <a:alpha val="90000"/>
+          <a:schemeClr val="bg1">
+            <a:lumMod val="95000"/>
             <a:hueOff val="0"/>
             <a:satOff val="0"/>
             <a:lumOff val="0"/>
             <a:alphaOff val="0"/>
           </a:schemeClr>
         </a:solidFill>
+        <a:ln>
+          <a:noFill/>
+        </a:ln>
+        <a:effectLst/>
+      </dsp:spPr>
+      <dsp:style>
+        <a:lnRef idx="0">
+          <a:scrgbClr r="0" g="0" b="0"/>
+        </a:lnRef>
+        <a:fillRef idx="1">
+          <a:scrgbClr r="0" g="0" b="0"/>
+        </a:fillRef>
+        <a:effectRef idx="0">
+          <a:scrgbClr r="0" g="0" b="0"/>
+        </a:effectRef>
+        <a:fontRef idx="minor"/>
+      </dsp:style>
+    </dsp:sp>
+    <dsp:sp modelId="{7BFBDDF5-5BA9-47CA-AD2A-948519A41052}">
+      <dsp:nvSpPr>
+        <dsp:cNvPr id="0" name=""/>
+        <dsp:cNvSpPr/>
+      </dsp:nvSpPr>
+      <dsp:spPr>
+        <a:xfrm>
+          <a:off x="1081237" y="983449"/>
+          <a:ext cx="1082812" cy="1082812"/>
+        </a:xfrm>
+        <a:prstGeom prst="rect">
+          <a:avLst/>
+        </a:prstGeom>
+        <a:blipFill>
+          <a:blip xmlns:r="http://schemas.openxmlformats.org/officeDocument/2006/relationships" r:embed="rId1">
+            <a:extLst>
+              <a:ext uri="{28A0092B-C50C-407E-A947-70E740481C1C}">
+                <a14:useLocalDpi xmlns:a14="http://schemas.microsoft.com/office/drawing/2010/main" val="0"/>
+              </a:ext>
+            </a:extLst>
+          </a:blip>
+          <a:srcRect/>
+          <a:stretch>
+            <a:fillRect/>
+          </a:stretch>
+        </a:blipFill>
         <a:ln w="12700" cap="flat" cmpd="sng" algn="ctr">
-          <a:solidFill>
-            <a:schemeClr val="accent5">
-              <a:hueOff val="0"/>
-              <a:satOff val="0"/>
-              <a:lumOff val="0"/>
-              <a:alphaOff val="0"/>
-            </a:schemeClr>
-          </a:solidFill>
+          <a:noFill/>
           <a:prstDash val="solid"/>
           <a:miter lim="800000"/>
         </a:ln>
@@ -7460,33 +8661,147 @@
         <a:effectRef idx="0">
           <a:scrgbClr r="0" g="0" b="0"/>
         </a:effectRef>
-        <a:fontRef idx="minor"/>
+        <a:fontRef idx="minor">
+          <a:schemeClr val="lt1"/>
+        </a:fontRef>
       </dsp:style>
     </dsp:sp>
-    <dsp:sp modelId="{52F5FE21-8786-7441-A187-9B1FAA39166C}">
+    <dsp:sp modelId="{02FA3387-5CA8-42C1-96B9-901BBBA36702}">
       <dsp:nvSpPr>
         <dsp:cNvPr id="0" name=""/>
         <dsp:cNvSpPr/>
       </dsp:nvSpPr>
       <dsp:spPr>
         <a:xfrm>
-          <a:off x="329434" y="772711"/>
-          <a:ext cx="4612083" cy="1505520"/>
+          <a:off x="75768" y="3056262"/>
+          <a:ext cx="3093750" cy="720000"/>
         </a:xfrm>
-        <a:prstGeom prst="roundRect">
+        <a:prstGeom prst="rect">
+          <a:avLst/>
+        </a:prstGeom>
+        <a:noFill/>
+        <a:ln>
+          <a:noFill/>
+        </a:ln>
+        <a:effectLst/>
+      </dsp:spPr>
+      <dsp:style>
+        <a:lnRef idx="0">
+          <a:scrgbClr r="0" g="0" b="0"/>
+        </a:lnRef>
+        <a:fillRef idx="0">
+          <a:scrgbClr r="0" g="0" b="0"/>
+        </a:fillRef>
+        <a:effectRef idx="0">
+          <a:scrgbClr r="0" g="0" b="0"/>
+        </a:effectRef>
+        <a:fontRef idx="minor"/>
+      </dsp:style>
+      <dsp:txBody>
+        <a:bodyPr spcFirstLastPara="0" vert="horz" wrap="square" lIns="0" tIns="0" rIns="0" bIns="0" numCol="1" spcCol="1270" anchor="t" anchorCtr="0">
+          <a:noAutofit/>
+        </a:bodyPr>
+        <a:lstStyle/>
+        <a:p>
+          <a:pPr marL="0" lvl="0" indent="0" algn="ctr" defTabSz="1289050">
+            <a:lnSpc>
+              <a:spcPct val="100000"/>
+            </a:lnSpc>
+            <a:spcBef>
+              <a:spcPct val="0"/>
+            </a:spcBef>
+            <a:spcAft>
+              <a:spcPct val="35000"/>
+            </a:spcAft>
+            <a:buNone/>
+            <a:defRPr cap="all"/>
+          </a:pPr>
+          <a:r>
+            <a:rPr lang="en-US" sz="2900" kern="1200" dirty="0"/>
+            <a:t>Node</a:t>
+          </a:r>
+          <a:r>
+            <a:rPr lang="en-US" sz="2900" kern="1200"/>
+            <a:t>.js Server</a:t>
+          </a:r>
+          <a:endParaRPr lang="en-US" sz="2900" kern="1200" dirty="0"/>
+        </a:p>
+      </dsp:txBody>
+      <dsp:txXfrm>
+        <a:off x="75768" y="3056262"/>
+        <a:ext cx="3093750" cy="720000"/>
+      </dsp:txXfrm>
+    </dsp:sp>
+    <dsp:sp modelId="{AF49B849-5366-FA4B-8B3E-5FE0A48E3206}">
+      <dsp:nvSpPr>
+        <dsp:cNvPr id="0" name=""/>
+        <dsp:cNvSpPr/>
+      </dsp:nvSpPr>
+      <dsp:spPr>
+        <a:xfrm>
+          <a:off x="4314206" y="581261"/>
+          <a:ext cx="1887187" cy="1887187"/>
+        </a:xfrm>
+        <a:prstGeom prst="ellipse">
           <a:avLst/>
         </a:prstGeom>
         <a:solidFill>
-          <a:schemeClr val="accent5">
+          <a:schemeClr val="bg1">
+            <a:lumMod val="95000"/>
             <a:hueOff val="0"/>
             <a:satOff val="0"/>
             <a:lumOff val="0"/>
             <a:alphaOff val="0"/>
           </a:schemeClr>
         </a:solidFill>
+        <a:ln>
+          <a:noFill/>
+        </a:ln>
+        <a:effectLst/>
+      </dsp:spPr>
+      <dsp:style>
+        <a:lnRef idx="0">
+          <a:scrgbClr r="0" g="0" b="0"/>
+        </a:lnRef>
+        <a:fillRef idx="1">
+          <a:scrgbClr r="0" g="0" b="0"/>
+        </a:fillRef>
+        <a:effectRef idx="0">
+          <a:scrgbClr r="0" g="0" b="0"/>
+        </a:effectRef>
+        <a:fontRef idx="minor"/>
+      </dsp:style>
+    </dsp:sp>
+    <dsp:sp modelId="{4F2BE9FF-D797-0F49-8BF7-471B09A8F7E2}">
+      <dsp:nvSpPr>
+        <dsp:cNvPr id="0" name=""/>
+        <dsp:cNvSpPr/>
+      </dsp:nvSpPr>
+      <dsp:spPr>
+        <a:xfrm>
+          <a:off x="4716393" y="983449"/>
+          <a:ext cx="1082812" cy="1082812"/>
+        </a:xfrm>
+        <a:prstGeom prst="rect">
+          <a:avLst/>
+        </a:prstGeom>
+        <a:blipFill>
+          <a:blip xmlns:r="http://schemas.openxmlformats.org/officeDocument/2006/relationships" r:embed="rId2">
+            <a:extLst>
+              <a:ext uri="{28A0092B-C50C-407E-A947-70E740481C1C}">
+                <a14:useLocalDpi xmlns:a14="http://schemas.microsoft.com/office/drawing/2010/main" val="0"/>
+              </a:ext>
+            </a:extLst>
+          </a:blip>
+          <a:srcRect/>
+          <a:stretch>
+            <a:fillRect/>
+          </a:stretch>
+        </a:blipFill>
         <a:ln w="12700" cap="flat" cmpd="sng" algn="ctr">
           <a:solidFill>
             <a:schemeClr val="lt1">
+              <a:alpha val="0"/>
               <a:hueOff val="0"/>
               <a:satOff val="0"/>
               <a:lumOff val="0"/>
@@ -7512,15 +8827,47 @@
           <a:schemeClr val="lt1"/>
         </a:fontRef>
       </dsp:style>
+    </dsp:sp>
+    <dsp:sp modelId="{F8EBBC9E-57ED-1F45-9813-5F136B317A90}">
+      <dsp:nvSpPr>
+        <dsp:cNvPr id="0" name=""/>
+        <dsp:cNvSpPr/>
+      </dsp:nvSpPr>
+      <dsp:spPr>
+        <a:xfrm>
+          <a:off x="3710925" y="3056262"/>
+          <a:ext cx="3093750" cy="720000"/>
+        </a:xfrm>
+        <a:prstGeom prst="rect">
+          <a:avLst/>
+        </a:prstGeom>
+        <a:noFill/>
+        <a:ln>
+          <a:noFill/>
+        </a:ln>
+        <a:effectLst/>
+      </dsp:spPr>
+      <dsp:style>
+        <a:lnRef idx="0">
+          <a:scrgbClr r="0" g="0" b="0"/>
+        </a:lnRef>
+        <a:fillRef idx="0">
+          <a:scrgbClr r="0" g="0" b="0"/>
+        </a:fillRef>
+        <a:effectRef idx="0">
+          <a:scrgbClr r="0" g="0" b="0"/>
+        </a:effectRef>
+        <a:fontRef idx="minor"/>
+      </dsp:style>
       <dsp:txBody>
-        <a:bodyPr spcFirstLastPara="0" vert="horz" wrap="square" lIns="174326" tIns="0" rIns="174326" bIns="0" numCol="1" spcCol="1270" anchor="ctr" anchorCtr="0">
+        <a:bodyPr spcFirstLastPara="0" vert="horz" wrap="square" lIns="0" tIns="0" rIns="0" bIns="0" numCol="1" spcCol="1270" anchor="t" anchorCtr="0">
           <a:noAutofit/>
         </a:bodyPr>
         <a:lstStyle/>
         <a:p>
-          <a:pPr marL="0" lvl="0" indent="0" algn="l" defTabSz="2266950">
+          <a:pPr marL="0" lvl="0" indent="0" algn="ctr" defTabSz="1289050">
             <a:lnSpc>
-              <a:spcPct val="90000"/>
+              <a:spcPct val="100000"/>
             </a:lnSpc>
             <a:spcBef>
               <a:spcPct val="0"/>
@@ -7529,56 +8876,48 @@
               <a:spcPct val="35000"/>
             </a:spcAft>
             <a:buNone/>
+            <a:defRPr cap="all"/>
           </a:pPr>
           <a:r>
-            <a:rPr lang="en-US" sz="5100" kern="1200"/>
-            <a:t>Heroku</a:t>
+            <a:rPr lang="en-GB" sz="2900" kern="1200" dirty="0"/>
+            <a:t>Docker Container</a:t>
           </a:r>
         </a:p>
       </dsp:txBody>
       <dsp:txXfrm>
-        <a:off x="402927" y="846204"/>
-        <a:ext cx="4465097" cy="1358534"/>
+        <a:off x="3710925" y="3056262"/>
+        <a:ext cx="3093750" cy="720000"/>
       </dsp:txXfrm>
     </dsp:sp>
-    <dsp:sp modelId="{095AC803-6CA0-0345-9F9F-427F149611FC}">
+    <dsp:sp modelId="{9F3E46B5-4B68-4C45-BDBC-00FEA3AE98BF}">
       <dsp:nvSpPr>
         <dsp:cNvPr id="0" name=""/>
         <dsp:cNvSpPr/>
       </dsp:nvSpPr>
       <dsp:spPr>
         <a:xfrm>
-          <a:off x="0" y="3838831"/>
-          <a:ext cx="6588691" cy="1285200"/>
+          <a:off x="7949362" y="581261"/>
+          <a:ext cx="1887187" cy="1887187"/>
         </a:xfrm>
-        <a:prstGeom prst="rect">
+        <a:prstGeom prst="ellipse">
           <a:avLst/>
         </a:prstGeom>
         <a:solidFill>
-          <a:schemeClr val="lt1">
-            <a:alpha val="90000"/>
+          <a:schemeClr val="bg1">
+            <a:lumMod val="95000"/>
             <a:hueOff val="0"/>
             <a:satOff val="0"/>
             <a:lumOff val="0"/>
             <a:alphaOff val="0"/>
           </a:schemeClr>
         </a:solidFill>
-        <a:ln w="12700" cap="flat" cmpd="sng" algn="ctr">
-          <a:solidFill>
-            <a:schemeClr val="accent5">
-              <a:hueOff val="-6758543"/>
-              <a:satOff val="-17419"/>
-              <a:lumOff val="-11765"/>
-              <a:alphaOff val="0"/>
-            </a:schemeClr>
-          </a:solidFill>
-          <a:prstDash val="solid"/>
-          <a:miter lim="800000"/>
+        <a:ln>
+          <a:noFill/>
         </a:ln>
         <a:effectLst/>
       </dsp:spPr>
       <dsp:style>
-        <a:lnRef idx="2">
+        <a:lnRef idx="0">
           <a:scrgbClr r="0" g="0" b="0"/>
         </a:lnRef>
         <a:fillRef idx="1">
@@ -7590,36 +8929,34 @@
         <a:fontRef idx="minor"/>
       </dsp:style>
     </dsp:sp>
-    <dsp:sp modelId="{4EC21955-C7CE-6741-AD7F-3047F298B662}">
+    <dsp:sp modelId="{E3EC4BD0-231D-44CB-91C6-DFD63DA8FCDA}">
       <dsp:nvSpPr>
         <dsp:cNvPr id="0" name=""/>
         <dsp:cNvSpPr/>
       </dsp:nvSpPr>
       <dsp:spPr>
         <a:xfrm>
-          <a:off x="329434" y="3086071"/>
-          <a:ext cx="4612083" cy="1505520"/>
+          <a:off x="8351550" y="983449"/>
+          <a:ext cx="1082812" cy="1082812"/>
         </a:xfrm>
-        <a:prstGeom prst="roundRect">
+        <a:prstGeom prst="rect">
           <a:avLst/>
         </a:prstGeom>
-        <a:solidFill>
-          <a:schemeClr val="accent5">
-            <a:hueOff val="-6758543"/>
-            <a:satOff val="-17419"/>
-            <a:lumOff val="-11765"/>
-            <a:alphaOff val="0"/>
-          </a:schemeClr>
-        </a:solidFill>
+        <a:blipFill>
+          <a:blip xmlns:r="http://schemas.openxmlformats.org/officeDocument/2006/relationships" r:embed="rId3">
+            <a:extLst>
+              <a:ext uri="{28A0092B-C50C-407E-A947-70E740481C1C}">
+                <a14:useLocalDpi xmlns:a14="http://schemas.microsoft.com/office/drawing/2010/main" val="0"/>
+              </a:ext>
+            </a:extLst>
+          </a:blip>
+          <a:srcRect/>
+          <a:stretch>
+            <a:fillRect/>
+          </a:stretch>
+        </a:blipFill>
         <a:ln w="12700" cap="flat" cmpd="sng" algn="ctr">
-          <a:solidFill>
-            <a:schemeClr val="lt1">
-              <a:hueOff val="0"/>
-              <a:satOff val="0"/>
-              <a:lumOff val="0"/>
-              <a:alphaOff val="0"/>
-            </a:schemeClr>
-          </a:solidFill>
+          <a:noFill/>
           <a:prstDash val="solid"/>
           <a:miter lim="800000"/>
         </a:ln>
@@ -7639,15 +8976,47 @@
           <a:schemeClr val="lt1"/>
         </a:fontRef>
       </dsp:style>
+    </dsp:sp>
+    <dsp:sp modelId="{E65ED937-BBC0-4C78-87D2-C91F19D771AF}">
+      <dsp:nvSpPr>
+        <dsp:cNvPr id="0" name=""/>
+        <dsp:cNvSpPr/>
+      </dsp:nvSpPr>
+      <dsp:spPr>
+        <a:xfrm>
+          <a:off x="7346081" y="3056262"/>
+          <a:ext cx="3093750" cy="720000"/>
+        </a:xfrm>
+        <a:prstGeom prst="rect">
+          <a:avLst/>
+        </a:prstGeom>
+        <a:noFill/>
+        <a:ln>
+          <a:noFill/>
+        </a:ln>
+        <a:effectLst/>
+      </dsp:spPr>
+      <dsp:style>
+        <a:lnRef idx="0">
+          <a:scrgbClr r="0" g="0" b="0"/>
+        </a:lnRef>
+        <a:fillRef idx="0">
+          <a:scrgbClr r="0" g="0" b="0"/>
+        </a:fillRef>
+        <a:effectRef idx="0">
+          <a:scrgbClr r="0" g="0" b="0"/>
+        </a:effectRef>
+        <a:fontRef idx="minor"/>
+      </dsp:style>
       <dsp:txBody>
-        <a:bodyPr spcFirstLastPara="0" vert="horz" wrap="square" lIns="174326" tIns="0" rIns="174326" bIns="0" numCol="1" spcCol="1270" anchor="ctr" anchorCtr="0">
+        <a:bodyPr spcFirstLastPara="0" vert="horz" wrap="square" lIns="0" tIns="0" rIns="0" bIns="0" numCol="1" spcCol="1270" anchor="t" anchorCtr="0">
           <a:noAutofit/>
         </a:bodyPr>
         <a:lstStyle/>
         <a:p>
-          <a:pPr marL="0" lvl="0" indent="0" algn="l" defTabSz="2266950">
+          <a:pPr marL="0" lvl="0" indent="0" algn="ctr" defTabSz="1289050">
             <a:lnSpc>
-              <a:spcPct val="90000"/>
+              <a:spcPct val="100000"/>
             </a:lnSpc>
             <a:spcBef>
               <a:spcPct val="0"/>
@@ -7656,16 +9025,17 @@
               <a:spcPct val="35000"/>
             </a:spcAft>
             <a:buNone/>
+            <a:defRPr cap="all"/>
           </a:pPr>
           <a:r>
-            <a:rPr lang="en-US" sz="5100" kern="1200"/>
-            <a:t>Node.js/Docker</a:t>
+            <a:rPr lang="en-US" sz="2900" kern="1200" dirty="0"/>
+            <a:t>Cloud Heroku</a:t>
           </a:r>
         </a:p>
       </dsp:txBody>
       <dsp:txXfrm>
-        <a:off x="402927" y="3159564"/>
-        <a:ext cx="4465097" cy="1358534"/>
+        <a:off x="7346081" y="3056262"/>
+        <a:ext cx="3093750" cy="720000"/>
       </dsp:txXfrm>
     </dsp:sp>
   </dsp:spTree>
@@ -8146,6 +9516,353 @@
       <dsp:cNvGrpSpPr/>
     </dsp:nvGrpSpPr>
     <dsp:grpSpPr/>
+    <dsp:sp modelId="{FCB3CFBD-DB79-4372-AFCD-E57819EF74AB}">
+      <dsp:nvSpPr>
+        <dsp:cNvPr id="0" name=""/>
+        <dsp:cNvSpPr/>
+      </dsp:nvSpPr>
+      <dsp:spPr>
+        <a:xfrm>
+          <a:off x="1082105" y="878242"/>
+          <a:ext cx="1485526" cy="1485526"/>
+        </a:xfrm>
+        <a:prstGeom prst="rect">
+          <a:avLst/>
+        </a:prstGeom>
+        <a:blipFill>
+          <a:blip xmlns:r="http://schemas.openxmlformats.org/officeDocument/2006/relationships" r:embed="rId1">
+            <a:extLst>
+              <a:ext uri="{28A0092B-C50C-407E-A947-70E740481C1C}">
+                <a14:useLocalDpi xmlns:a14="http://schemas.microsoft.com/office/drawing/2010/main" val="0"/>
+              </a:ext>
+              <a:ext uri="{96DAC541-7B7A-43D3-8B79-37D633B846F1}">
+                <asvg:svgBlip xmlns:asvg="http://schemas.microsoft.com/office/drawing/2016/SVG/main" r:embed="rId2"/>
+              </a:ext>
+            </a:extLst>
+          </a:blip>
+          <a:stretch>
+            <a:fillRect/>
+          </a:stretch>
+        </a:blipFill>
+        <a:ln w="12700" cap="flat" cmpd="sng" algn="ctr">
+          <a:noFill/>
+          <a:prstDash val="solid"/>
+          <a:miter lim="800000"/>
+        </a:ln>
+        <a:effectLst/>
+      </dsp:spPr>
+      <dsp:style>
+        <a:lnRef idx="2">
+          <a:scrgbClr r="0" g="0" b="0"/>
+        </a:lnRef>
+        <a:fillRef idx="1">
+          <a:scrgbClr r="0" g="0" b="0"/>
+        </a:fillRef>
+        <a:effectRef idx="0">
+          <a:scrgbClr r="0" g="0" b="0"/>
+        </a:effectRef>
+        <a:fontRef idx="minor">
+          <a:schemeClr val="lt1"/>
+        </a:fontRef>
+      </dsp:style>
+    </dsp:sp>
+    <dsp:sp modelId="{F796619E-ECC5-4E1E-9B35-531AD923FCF4}">
+      <dsp:nvSpPr>
+        <dsp:cNvPr id="0" name=""/>
+        <dsp:cNvSpPr/>
+      </dsp:nvSpPr>
+      <dsp:spPr>
+        <a:xfrm>
+          <a:off x="174284" y="2753095"/>
+          <a:ext cx="3301169" cy="720000"/>
+        </a:xfrm>
+        <a:prstGeom prst="rect">
+          <a:avLst/>
+        </a:prstGeom>
+        <a:noFill/>
+        <a:ln>
+          <a:noFill/>
+        </a:ln>
+        <a:effectLst/>
+      </dsp:spPr>
+      <dsp:style>
+        <a:lnRef idx="0">
+          <a:scrgbClr r="0" g="0" b="0"/>
+        </a:lnRef>
+        <a:fillRef idx="0">
+          <a:scrgbClr r="0" g="0" b="0"/>
+        </a:fillRef>
+        <a:effectRef idx="0">
+          <a:scrgbClr r="0" g="0" b="0"/>
+        </a:effectRef>
+        <a:fontRef idx="minor"/>
+      </dsp:style>
+      <dsp:txBody>
+        <a:bodyPr spcFirstLastPara="0" vert="horz" wrap="square" lIns="0" tIns="0" rIns="0" bIns="0" numCol="1" spcCol="1270" anchor="t" anchorCtr="0">
+          <a:noAutofit/>
+        </a:bodyPr>
+        <a:lstStyle/>
+        <a:p>
+          <a:pPr marL="0" lvl="0" indent="0" algn="ctr" defTabSz="1111250">
+            <a:lnSpc>
+              <a:spcPct val="90000"/>
+            </a:lnSpc>
+            <a:spcBef>
+              <a:spcPct val="0"/>
+            </a:spcBef>
+            <a:spcAft>
+              <a:spcPct val="35000"/>
+            </a:spcAft>
+            <a:buNone/>
+          </a:pPr>
+          <a:r>
+            <a:rPr lang="en-US" sz="2500" kern="1200"/>
+            <a:t>Ce que l’on a pu faire</a:t>
+          </a:r>
+        </a:p>
+      </dsp:txBody>
+      <dsp:txXfrm>
+        <a:off x="174284" y="2753095"/>
+        <a:ext cx="3301169" cy="720000"/>
+      </dsp:txXfrm>
+    </dsp:sp>
+    <dsp:sp modelId="{09AC2737-744F-423E-9BFA-48E3CFAE0227}">
+      <dsp:nvSpPr>
+        <dsp:cNvPr id="0" name=""/>
+        <dsp:cNvSpPr/>
+      </dsp:nvSpPr>
+      <dsp:spPr>
+        <a:xfrm>
+          <a:off x="4960980" y="878242"/>
+          <a:ext cx="1485526" cy="1485526"/>
+        </a:xfrm>
+        <a:prstGeom prst="rect">
+          <a:avLst/>
+        </a:prstGeom>
+        <a:blipFill>
+          <a:blip xmlns:r="http://schemas.openxmlformats.org/officeDocument/2006/relationships" r:embed="rId3">
+            <a:extLst>
+              <a:ext uri="{28A0092B-C50C-407E-A947-70E740481C1C}">
+                <a14:useLocalDpi xmlns:a14="http://schemas.microsoft.com/office/drawing/2010/main" val="0"/>
+              </a:ext>
+              <a:ext uri="{96DAC541-7B7A-43D3-8B79-37D633B846F1}">
+                <asvg:svgBlip xmlns:asvg="http://schemas.microsoft.com/office/drawing/2016/SVG/main" r:embed="rId4"/>
+              </a:ext>
+            </a:extLst>
+          </a:blip>
+          <a:stretch>
+            <a:fillRect/>
+          </a:stretch>
+        </a:blipFill>
+        <a:ln w="12700" cap="flat" cmpd="sng" algn="ctr">
+          <a:noFill/>
+          <a:prstDash val="solid"/>
+          <a:miter lim="800000"/>
+        </a:ln>
+        <a:effectLst/>
+      </dsp:spPr>
+      <dsp:style>
+        <a:lnRef idx="2">
+          <a:scrgbClr r="0" g="0" b="0"/>
+        </a:lnRef>
+        <a:fillRef idx="1">
+          <a:scrgbClr r="0" g="0" b="0"/>
+        </a:fillRef>
+        <a:effectRef idx="0">
+          <a:scrgbClr r="0" g="0" b="0"/>
+        </a:effectRef>
+        <a:fontRef idx="minor">
+          <a:schemeClr val="lt1"/>
+        </a:fontRef>
+      </dsp:style>
+    </dsp:sp>
+    <dsp:sp modelId="{C4CCB1AE-45D0-4EC6-B319-A5579D134041}">
+      <dsp:nvSpPr>
+        <dsp:cNvPr id="0" name=""/>
+        <dsp:cNvSpPr/>
+      </dsp:nvSpPr>
+      <dsp:spPr>
+        <a:xfrm>
+          <a:off x="4053158" y="2753095"/>
+          <a:ext cx="3301169" cy="720000"/>
+        </a:xfrm>
+        <a:prstGeom prst="rect">
+          <a:avLst/>
+        </a:prstGeom>
+        <a:noFill/>
+        <a:ln>
+          <a:noFill/>
+        </a:ln>
+        <a:effectLst/>
+      </dsp:spPr>
+      <dsp:style>
+        <a:lnRef idx="0">
+          <a:scrgbClr r="0" g="0" b="0"/>
+        </a:lnRef>
+        <a:fillRef idx="0">
+          <a:scrgbClr r="0" g="0" b="0"/>
+        </a:fillRef>
+        <a:effectRef idx="0">
+          <a:scrgbClr r="0" g="0" b="0"/>
+        </a:effectRef>
+        <a:fontRef idx="minor"/>
+      </dsp:style>
+      <dsp:txBody>
+        <a:bodyPr spcFirstLastPara="0" vert="horz" wrap="square" lIns="0" tIns="0" rIns="0" bIns="0" numCol="1" spcCol="1270" anchor="t" anchorCtr="0">
+          <a:noAutofit/>
+        </a:bodyPr>
+        <a:lstStyle/>
+        <a:p>
+          <a:pPr marL="0" lvl="0" indent="0" algn="ctr" defTabSz="1111250">
+            <a:lnSpc>
+              <a:spcPct val="90000"/>
+            </a:lnSpc>
+            <a:spcBef>
+              <a:spcPct val="0"/>
+            </a:spcBef>
+            <a:spcAft>
+              <a:spcPct val="35000"/>
+            </a:spcAft>
+            <a:buNone/>
+          </a:pPr>
+          <a:r>
+            <a:rPr lang="en-US" sz="2500" kern="1200" dirty="0"/>
+            <a:t>Daily Stand-up meeting (15 minutes max)</a:t>
+          </a:r>
+        </a:p>
+      </dsp:txBody>
+      <dsp:txXfrm>
+        <a:off x="4053158" y="2753095"/>
+        <a:ext cx="3301169" cy="720000"/>
+      </dsp:txXfrm>
+    </dsp:sp>
+    <dsp:sp modelId="{5DC95D4F-9757-458A-8480-061842ECA0A6}">
+      <dsp:nvSpPr>
+        <dsp:cNvPr id="0" name=""/>
+        <dsp:cNvSpPr/>
+      </dsp:nvSpPr>
+      <dsp:spPr>
+        <a:xfrm>
+          <a:off x="8839854" y="878242"/>
+          <a:ext cx="1485526" cy="1485526"/>
+        </a:xfrm>
+        <a:prstGeom prst="rect">
+          <a:avLst/>
+        </a:prstGeom>
+        <a:blipFill>
+          <a:blip xmlns:r="http://schemas.openxmlformats.org/officeDocument/2006/relationships" r:embed="rId5">
+            <a:extLst>
+              <a:ext uri="{28A0092B-C50C-407E-A947-70E740481C1C}">
+                <a14:useLocalDpi xmlns:a14="http://schemas.microsoft.com/office/drawing/2010/main" val="0"/>
+              </a:ext>
+              <a:ext uri="{96DAC541-7B7A-43D3-8B79-37D633B846F1}">
+                <asvg:svgBlip xmlns:asvg="http://schemas.microsoft.com/office/drawing/2016/SVG/main" r:embed="rId6"/>
+              </a:ext>
+            </a:extLst>
+          </a:blip>
+          <a:stretch>
+            <a:fillRect/>
+          </a:stretch>
+        </a:blipFill>
+        <a:ln w="12700" cap="flat" cmpd="sng" algn="ctr">
+          <a:noFill/>
+          <a:prstDash val="solid"/>
+          <a:miter lim="800000"/>
+        </a:ln>
+        <a:effectLst/>
+      </dsp:spPr>
+      <dsp:style>
+        <a:lnRef idx="2">
+          <a:scrgbClr r="0" g="0" b="0"/>
+        </a:lnRef>
+        <a:fillRef idx="1">
+          <a:scrgbClr r="0" g="0" b="0"/>
+        </a:fillRef>
+        <a:effectRef idx="0">
+          <a:scrgbClr r="0" g="0" b="0"/>
+        </a:effectRef>
+        <a:fontRef idx="minor">
+          <a:schemeClr val="lt1"/>
+        </a:fontRef>
+      </dsp:style>
+    </dsp:sp>
+    <dsp:sp modelId="{AE1F7720-AB2A-4C42-86CF-0E1B87242623}">
+      <dsp:nvSpPr>
+        <dsp:cNvPr id="0" name=""/>
+        <dsp:cNvSpPr/>
+      </dsp:nvSpPr>
+      <dsp:spPr>
+        <a:xfrm>
+          <a:off x="7932033" y="2753095"/>
+          <a:ext cx="3301169" cy="720000"/>
+        </a:xfrm>
+        <a:prstGeom prst="rect">
+          <a:avLst/>
+        </a:prstGeom>
+        <a:noFill/>
+        <a:ln>
+          <a:noFill/>
+        </a:ln>
+        <a:effectLst/>
+      </dsp:spPr>
+      <dsp:style>
+        <a:lnRef idx="0">
+          <a:scrgbClr r="0" g="0" b="0"/>
+        </a:lnRef>
+        <a:fillRef idx="0">
+          <a:scrgbClr r="0" g="0" b="0"/>
+        </a:fillRef>
+        <a:effectRef idx="0">
+          <a:scrgbClr r="0" g="0" b="0"/>
+        </a:effectRef>
+        <a:fontRef idx="minor"/>
+      </dsp:style>
+      <dsp:txBody>
+        <a:bodyPr spcFirstLastPara="0" vert="horz" wrap="square" lIns="0" tIns="0" rIns="0" bIns="0" numCol="1" spcCol="1270" anchor="t" anchorCtr="0">
+          <a:noAutofit/>
+        </a:bodyPr>
+        <a:lstStyle/>
+        <a:p>
+          <a:pPr marL="0" lvl="0" indent="0" algn="ctr" defTabSz="1111250">
+            <a:lnSpc>
+              <a:spcPct val="90000"/>
+            </a:lnSpc>
+            <a:spcBef>
+              <a:spcPct val="0"/>
+            </a:spcBef>
+            <a:spcAft>
+              <a:spcPct val="35000"/>
+            </a:spcAft>
+            <a:buNone/>
+          </a:pPr>
+          <a:r>
+            <a:rPr lang="en-US" sz="2500" kern="1200" dirty="0"/>
+            <a:t>2 sprints de 2 </a:t>
+          </a:r>
+          <a:r>
+            <a:rPr lang="en-US" sz="2500" kern="1200" dirty="0" err="1"/>
+            <a:t>semaines</a:t>
+          </a:r>
+          <a:endParaRPr lang="en-US" sz="2500" kern="1200" dirty="0"/>
+        </a:p>
+      </dsp:txBody>
+      <dsp:txXfrm>
+        <a:off x="7932033" y="2753095"/>
+        <a:ext cx="3301169" cy="720000"/>
+      </dsp:txXfrm>
+    </dsp:sp>
+  </dsp:spTree>
+</dsp:drawing>
+</file>
+
+<file path=ppt/diagrams/drawing5.xml><?xml version="1.0" encoding="utf-8"?>
+<dsp:drawing xmlns:dgm="http://schemas.openxmlformats.org/drawingml/2006/diagram" xmlns:dsp="http://schemas.microsoft.com/office/drawing/2008/diagram" xmlns:a="http://schemas.openxmlformats.org/drawingml/2006/main">
+  <dsp:spTree>
+    <dsp:nvGrpSpPr>
+      <dsp:cNvPr id="0" name=""/>
+      <dsp:cNvGrpSpPr/>
+    </dsp:nvGrpSpPr>
+    <dsp:grpSpPr/>
     <dsp:sp modelId="{5940A959-C107-4F2E-9F79-8F8320964FBF}">
       <dsp:nvSpPr>
         <dsp:cNvPr id="0" name=""/>
@@ -8601,7 +10318,7 @@
 </dsp:drawing>
 </file>
 
-<file path=ppt/diagrams/drawing5.xml><?xml version="1.0" encoding="utf-8"?>
+<file path=ppt/diagrams/drawing6.xml><?xml version="1.0" encoding="utf-8"?>
 <dsp:drawing xmlns:dgm="http://schemas.openxmlformats.org/drawingml/2006/diagram" xmlns:dsp="http://schemas.microsoft.com/office/drawing/2008/diagram" xmlns:a="http://schemas.openxmlformats.org/drawingml/2006/main">
   <dsp:spTree>
     <dsp:nvGrpSpPr>
@@ -9216,90 +10933,57 @@
 </file>
 
 <file path=ppt/diagrams/layout2.xml><?xml version="1.0" encoding="utf-8"?>
-<dgm:layoutDef xmlns:dgm="http://schemas.openxmlformats.org/drawingml/2006/diagram" xmlns:a="http://schemas.openxmlformats.org/drawingml/2006/main" uniqueId="urn:microsoft.com/office/officeart/2005/8/layout/list1">
-  <dgm:title val=""/>
-  <dgm:desc val=""/>
+<dgm:layoutDef xmlns:dgm="http://schemas.openxmlformats.org/drawingml/2006/diagram" xmlns:a="http://schemas.openxmlformats.org/drawingml/2006/main" uniqueId="urn:microsoft.com/office/officeart/2018/5/layout/IconCircleLabelList">
+  <dgm:title val="Icon Circle Label List"/>
+  <dgm:desc val="Use to show non-sequential or grouped chunks of information accompanied by a related visuals. Works best with icons or small pictures with short text captions."/>
   <dgm:catLst>
-    <dgm:cat type="list" pri="4000"/>
+    <dgm:cat type="icon" pri="500"/>
   </dgm:catLst>
-  <dgm:sampData>
+  <dgm:sampData useDef="1">
     <dgm:dataModel>
-      <dgm:ptLst>
-        <dgm:pt modelId="0" type="doc"/>
-        <dgm:pt modelId="1">
-          <dgm:prSet phldr="1"/>
-        </dgm:pt>
-        <dgm:pt modelId="2">
-          <dgm:prSet phldr="1"/>
-        </dgm:pt>
-        <dgm:pt modelId="3">
-          <dgm:prSet phldr="1"/>
-        </dgm:pt>
-      </dgm:ptLst>
-      <dgm:cxnLst>
-        <dgm:cxn modelId="4" srcId="0" destId="1" srcOrd="0" destOrd="0"/>
-        <dgm:cxn modelId="5" srcId="0" destId="2" srcOrd="1" destOrd="0"/>
-        <dgm:cxn modelId="6" srcId="0" destId="3" srcOrd="2" destOrd="0"/>
-      </dgm:cxnLst>
+      <dgm:ptLst/>
       <dgm:bg/>
       <dgm:whole/>
     </dgm:dataModel>
   </dgm:sampData>
-  <dgm:styleData>
+  <dgm:styleData useDef="1">
     <dgm:dataModel>
-      <dgm:ptLst>
-        <dgm:pt modelId="0" type="doc"/>
-        <dgm:pt modelId="1"/>
-        <dgm:pt modelId="2"/>
-      </dgm:ptLst>
-      <dgm:cxnLst>
-        <dgm:cxn modelId="4" srcId="0" destId="1" srcOrd="0" destOrd="0"/>
-        <dgm:cxn modelId="5" srcId="0" destId="2" srcOrd="1" destOrd="0"/>
-      </dgm:cxnLst>
+      <dgm:ptLst/>
       <dgm:bg/>
       <dgm:whole/>
     </dgm:dataModel>
   </dgm:styleData>
-  <dgm:clrData>
+  <dgm:clrData useDef="1">
     <dgm:dataModel>
-      <dgm:ptLst>
-        <dgm:pt modelId="0" type="doc"/>
-        <dgm:pt modelId="1"/>
-        <dgm:pt modelId="2"/>
-        <dgm:pt modelId="3"/>
-        <dgm:pt modelId="4"/>
-      </dgm:ptLst>
-      <dgm:cxnLst>
-        <dgm:cxn modelId="5" srcId="0" destId="1" srcOrd="0" destOrd="0"/>
-        <dgm:cxn modelId="6" srcId="0" destId="2" srcOrd="1" destOrd="0"/>
-        <dgm:cxn modelId="7" srcId="0" destId="3" srcOrd="2" destOrd="0"/>
-        <dgm:cxn modelId="8" srcId="0" destId="4" srcOrd="3" destOrd="0"/>
-      </dgm:cxnLst>
+      <dgm:ptLst/>
       <dgm:bg/>
       <dgm:whole/>
     </dgm:dataModel>
   </dgm:clrData>
-  <dgm:layoutNode name="linear">
+  <dgm:layoutNode name="root">
     <dgm:varLst>
       <dgm:dir/>
-      <dgm:animLvl val="lvl"/>
       <dgm:resizeHandles val="exact"/>
     </dgm:varLst>
     <dgm:choose name="Name0">
-      <dgm:if name="Name1" func="var" arg="dir" op="equ" val="norm">
-        <dgm:alg type="lin">
-          <dgm:param type="linDir" val="fromT"/>
+      <dgm:if name="Name1" axis="self" func="var" arg="dir" op="equ" val="norm">
+        <dgm:alg type="snake">
+          <dgm:param type="grDir" val="tL"/>
+          <dgm:param type="flowDir" val="row"/>
+          <dgm:param type="contDir" val="sameDir"/>
+          <dgm:param type="off" val="ctr"/>
           <dgm:param type="vertAlign" val="mid"/>
-          <dgm:param type="horzAlign" val="l"/>
-          <dgm:param type="nodeHorzAlign" val="l"/>
+          <dgm:param type="horzAlign" val="ctr"/>
         </dgm:alg>
       </dgm:if>
       <dgm:else name="Name2">
-        <dgm:alg type="lin">
-          <dgm:param type="linDir" val="fromT"/>
+        <dgm:alg type="snake">
+          <dgm:param type="grDir" val="tR"/>
+          <dgm:param type="flowDir" val="row"/>
+          <dgm:param type="contDir" val="sameDir"/>
+          <dgm:param type="off" val="ctr"/>
           <dgm:param type="vertAlign" val="mid"/>
-          <dgm:param type="horzAlign" val="r"/>
-          <dgm:param type="nodeHorzAlign" val="r"/>
+          <dgm:param type="horzAlign" val="ctr"/>
         </dgm:alg>
       </dgm:else>
     </dgm:choose>
@@ -9307,125 +10991,102 @@
       <dgm:adjLst/>
     </dgm:shape>
     <dgm:presOf/>
-    <dgm:constrLst>
-      <dgm:constr type="w" for="ch" forName="parentLin" refType="w"/>
-      <dgm:constr type="h" for="ch" forName="parentLin" val="INF"/>
-      <dgm:constr type="w" for="des" forName="parentLeftMargin" refType="w" fact="0.05"/>
-      <dgm:constr type="w" for="des" forName="parentText" refType="w" fact="0.7"/>
-      <dgm:constr type="h" for="des" forName="parentText" refType="primFontSz" refFor="des" refForName="parentText" fact="0.82"/>
-      <dgm:constr type="h" for="ch" forName="negativeSpace" refType="primFontSz" refFor="des" refForName="parentText" fact="-0.41"/>
-      <dgm:constr type="h" for="ch" forName="negativeSpace" refType="h" refFor="des" refForName="parentText" op="lte" fact="-0.82"/>
-      <dgm:constr type="h" for="ch" forName="negativeSpace" refType="h" refFor="des" refForName="parentText" op="gte" fact="-0.82"/>
-      <dgm:constr type="w" for="ch" forName="childText" refType="w"/>
-      <dgm:constr type="h" for="ch" forName="childText" refType="primFontSz" refFor="des" refForName="parentText" fact="0.7"/>
-      <dgm:constr type="primFontSz" for="des" forName="parentText" val="65"/>
-      <dgm:constr type="primFontSz" for="ch" forName="childText" refType="primFontSz" refFor="des" refForName="parentText"/>
-      <dgm:constr type="tMarg" for="ch" forName="childText" refType="primFontSz" refFor="des" refForName="parentText" fact="1.64"/>
-      <dgm:constr type="tMarg" for="ch" forName="childText" refType="h" refFor="des" refForName="parentText" op="lte" fact="3.28"/>
-      <dgm:constr type="tMarg" for="ch" forName="childText" refType="h" refFor="des" refForName="parentText" op="gte" fact="3.28"/>
-      <dgm:constr type="lMarg" for="ch" forName="childText" refType="w" fact="0.22"/>
-      <dgm:constr type="rMarg" for="ch" forName="childText" refType="lMarg" refFor="ch" refForName="childText"/>
-      <dgm:constr type="lMarg" for="des" forName="parentText" refType="w" fact="0.075"/>
-      <dgm:constr type="rMarg" for="des" forName="parentText" refType="lMarg" refFor="des" refForName="parentText"/>
-      <dgm:constr type="h" for="ch" forName="spaceBetweenRectangles" refType="primFontSz" refFor="des" refForName="parentText" fact="0.15"/>
-    </dgm:constrLst>
+    <dgm:choose name="Name3">
+      <dgm:if name="Name4" axis="ch" ptType="node" func="cnt" op="lte" val="2">
+        <dgm:constrLst>
+          <dgm:constr type="h" for="ch" forName="compNode" refType="h" fact="0.4"/>
+          <dgm:constr type="w" for="ch" forName="compNode" val="100"/>
+          <dgm:constr type="w" for="ch" forName="sibTrans" refType="w" refFor="ch" refForName="compNode" fact="0.175"/>
+          <dgm:constr type="sp" refType="w" refFor="ch" refForName="compNode" op="equ" fact="0.25"/>
+          <dgm:constr type="primFontSz" for="des" ptType="node" op="equ" val="44"/>
+          <dgm:constr type="h" for="des" forName="compNode" op="equ"/>
+          <dgm:constr type="h" for="des" forName="textRect" op="equ"/>
+        </dgm:constrLst>
+      </dgm:if>
+      <dgm:if name="Name5" axis="ch" ptType="node" func="cnt" op="lte" val="3">
+        <dgm:constrLst>
+          <dgm:constr type="h" for="ch" forName="compNode" refType="h" fact="0.4"/>
+          <dgm:constr type="w" for="ch" forName="compNode" val="100"/>
+          <dgm:constr type="w" for="ch" forName="sibTrans" refType="w" refFor="ch" refForName="compNode" fact="0.175"/>
+          <dgm:constr type="sp" refType="w" refFor="ch" refForName="compNode" op="equ" fact="0.25"/>
+          <dgm:constr type="primFontSz" for="des" ptType="node" op="equ" val="40"/>
+          <dgm:constr type="h" for="des" forName="compNode" op="equ"/>
+          <dgm:constr type="h" for="des" forName="textRect" op="equ"/>
+        </dgm:constrLst>
+      </dgm:if>
+      <dgm:if name="Name6" axis="ch" ptType="node" func="cnt" op="lte" val="4">
+        <dgm:constrLst>
+          <dgm:constr type="h" for="ch" forName="compNode" refType="h" fact="0.4"/>
+          <dgm:constr type="w" for="ch" forName="compNode" refType="w"/>
+          <dgm:constr type="w" for="ch" forName="sibTrans" refType="w" refFor="ch" refForName="compNode" fact="0.175"/>
+          <dgm:constr type="sp" refType="w" refFor="ch" refForName="compNode" op="equ" fact="0.25"/>
+          <dgm:constr type="primFontSz" for="des" ptType="node" op="equ" val="32"/>
+          <dgm:constr type="h" for="des" forName="compNode" op="equ"/>
+          <dgm:constr type="h" for="des" forName="textRect" op="equ"/>
+        </dgm:constrLst>
+      </dgm:if>
+      <dgm:else name="Name7">
+        <dgm:constrLst>
+          <dgm:constr type="h" for="ch" forName="compNode" refType="h" fact="0.4"/>
+          <dgm:constr type="w" for="ch" forName="compNode" refType="w"/>
+          <dgm:constr type="w" for="ch" forName="sibTrans" refType="w" refFor="ch" refForName="compNode" fact="0.175"/>
+          <dgm:constr type="sp" refType="w" refFor="ch" refForName="compNode" op="equ" fact="0.25"/>
+          <dgm:constr type="primFontSz" for="des" ptType="node" op="equ" val="24"/>
+          <dgm:constr type="h" for="des" forName="compNode" op="equ"/>
+          <dgm:constr type="h" for="des" forName="textRect" op="equ"/>
+        </dgm:constrLst>
+      </dgm:else>
+    </dgm:choose>
     <dgm:ruleLst>
-      <dgm:rule type="primFontSz" for="des" forName="parentText" val="5" fact="NaN" max="NaN"/>
+      <dgm:rule type="w" for="ch" forName="compNode" val="50" fact="NaN" max="NaN"/>
     </dgm:ruleLst>
-    <dgm:forEach name="Name3" axis="ch" ptType="node">
-      <dgm:layoutNode name="parentLin">
-        <dgm:choose name="Name4">
-          <dgm:if name="Name5" func="var" arg="dir" op="equ" val="norm">
-            <dgm:alg type="lin">
-              <dgm:param type="linDir" val="fromL"/>
-              <dgm:param type="horzAlign" val="l"/>
-              <dgm:param type="nodeHorzAlign" val="l"/>
-            </dgm:alg>
-          </dgm:if>
-          <dgm:else name="Name6">
-            <dgm:alg type="lin">
-              <dgm:param type="linDir" val="fromR"/>
-              <dgm:param type="horzAlign" val="r"/>
-              <dgm:param type="nodeHorzAlign" val="r"/>
-            </dgm:alg>
-          </dgm:else>
-        </dgm:choose>
+    <dgm:forEach name="Name8" axis="ch" ptType="node">
+      <dgm:layoutNode name="compNode">
+        <dgm:alg type="composite"/>
         <dgm:shape xmlns:r="http://schemas.openxmlformats.org/officeDocument/2006/relationships" r:blip="">
           <dgm:adjLst/>
         </dgm:shape>
-        <dgm:presOf/>
-        <dgm:constrLst/>
-        <dgm:ruleLst/>
-        <dgm:layoutNode name="parentLeftMargin">
-          <dgm:alg type="sp"/>
-          <dgm:shape xmlns:r="http://schemas.openxmlformats.org/officeDocument/2006/relationships" type="rect" r:blip="" hideGeom="1">
-            <dgm:adjLst/>
-          </dgm:shape>
-          <dgm:presOf axis="self"/>
-          <dgm:constrLst>
-            <dgm:constr type="h"/>
-          </dgm:constrLst>
-          <dgm:ruleLst/>
-        </dgm:layoutNode>
-        <dgm:layoutNode name="parentText" styleLbl="node1">
-          <dgm:varLst>
-            <dgm:chMax val="0"/>
-            <dgm:bulletEnabled val="1"/>
-          </dgm:varLst>
-          <dgm:choose name="Name7">
-            <dgm:if name="Name8" func="var" arg="dir" op="equ" val="norm">
-              <dgm:alg type="tx">
-                <dgm:param type="parTxLTRAlign" val="l"/>
-                <dgm:param type="parTxRTLAlign" val="l"/>
-              </dgm:alg>
-            </dgm:if>
-            <dgm:else name="Name9">
-              <dgm:alg type="tx">
-                <dgm:param type="parTxLTRAlign" val="r"/>
-                <dgm:param type="parTxRTLAlign" val="r"/>
-              </dgm:alg>
-            </dgm:else>
-          </dgm:choose>
-          <dgm:shape xmlns:r="http://schemas.openxmlformats.org/officeDocument/2006/relationships" type="roundRect" r:blip="">
-            <dgm:adjLst/>
-          </dgm:shape>
-          <dgm:presOf axis="self" ptType="node"/>
-          <dgm:constrLst>
-            <dgm:constr type="tMarg"/>
-            <dgm:constr type="bMarg"/>
-          </dgm:constrLst>
-          <dgm:ruleLst/>
-        </dgm:layoutNode>
-      </dgm:layoutNode>
-      <dgm:layoutNode name="negativeSpace">
-        <dgm:alg type="sp"/>
-        <dgm:shape xmlns:r="http://schemas.openxmlformats.org/officeDocument/2006/relationships" r:blip="">
-          <dgm:adjLst/>
-        </dgm:shape>
-        <dgm:presOf/>
-        <dgm:constrLst/>
-        <dgm:ruleLst/>
-      </dgm:layoutNode>
-      <dgm:layoutNode name="childText" styleLbl="conFgAcc1">
-        <dgm:varLst>
-          <dgm:bulletEnabled val="1"/>
-        </dgm:varLst>
-        <dgm:alg type="tx">
-          <dgm:param type="stBulletLvl" val="1"/>
-        </dgm:alg>
-        <dgm:shape xmlns:r="http://schemas.openxmlformats.org/officeDocument/2006/relationships" type="rect" r:blip="" zOrderOff="-2">
-          <dgm:adjLst/>
-        </dgm:shape>
-        <dgm:presOf axis="des" ptType="node"/>
+        <dgm:presOf axis="self"/>
         <dgm:constrLst>
-          <dgm:constr type="secFontSz" refType="primFontSz"/>
+          <dgm:constr type="w" for="ch" forName="iconBgRect" refType="w" fact="0.61"/>
+          <dgm:constr type="h" for="ch" forName="iconBgRect" refType="w" refFor="ch" refForName="iconBgRect"/>
+          <dgm:constr type="t" for="ch" forName="iconBgRect"/>
+          <dgm:constr type="ctrX" for="ch" forName="iconBgRect" refType="w" fact="0.5"/>
+          <dgm:constr type="w" for="ch" forName="iconRect" refType="w" fact="0.35"/>
+          <dgm:constr type="h" for="ch" forName="iconRect" refType="w" refFor="ch" refForName="iconRect"/>
+          <dgm:constr type="ctrX" for="ch" forName="iconRect" refType="ctrX" refFor="ch" refForName="iconBgRect"/>
+          <dgm:constr type="ctrY" for="ch" forName="iconRect" refType="ctrY" refFor="ch" refForName="iconBgRect"/>
+          <dgm:constr type="h" for="ch" forName="spaceRect" refType="w" fact="0.19"/>
+          <dgm:constr type="w" for="ch" forName="spaceRect" refType="w"/>
+          <dgm:constr type="l" for="ch" forName="spaceRect"/>
+          <dgm:constr type="t" for="ch" forName="spaceRect" refType="b" refFor="ch" refForName="iconBgRect"/>
+          <dgm:constr type="h" for="ch" forName="textRect" val="20"/>
+          <dgm:constr type="w" for="ch" forName="textRect" refType="w"/>
+          <dgm:constr type="l" for="ch" forName="textRect"/>
+          <dgm:constr type="t" for="ch" forName="textRect" refType="b" refFor="ch" refForName="spaceRect"/>
         </dgm:constrLst>
         <dgm:ruleLst>
           <dgm:rule type="h" val="INF" fact="NaN" max="NaN"/>
         </dgm:ruleLst>
-      </dgm:layoutNode>
-      <dgm:forEach name="Name10" axis="followSib" ptType="sibTrans" cnt="1">
-        <dgm:layoutNode name="spaceBetweenRectangles">
+        <dgm:layoutNode name="iconBgRect" styleLbl="bgShp">
+          <dgm:alg type="sp"/>
+          <dgm:shape xmlns:r="http://schemas.openxmlformats.org/officeDocument/2006/relationships" type="ellipse" r:blip="">
+            <dgm:adjLst/>
+          </dgm:shape>
+          <dgm:presOf/>
+          <dgm:constrLst/>
+          <dgm:ruleLst/>
+        </dgm:layoutNode>
+        <dgm:layoutNode name="iconRect" styleLbl="node1">
+          <dgm:alg type="sp"/>
+          <dgm:shape xmlns:r="http://schemas.openxmlformats.org/officeDocument/2006/relationships" type="rect" r:blip="" blipPhldr="1">
+            <dgm:adjLst/>
+          </dgm:shape>
+          <dgm:presOf/>
+          <dgm:constrLst/>
+          <dgm:ruleLst/>
+        </dgm:layoutNode>
+        <dgm:layoutNode name="spaceRect">
           <dgm:alg type="sp"/>
           <dgm:shape xmlns:r="http://schemas.openxmlformats.org/officeDocument/2006/relationships" r:blip="">
             <dgm:adjLst/>
@@ -9434,9 +11095,55 @@
           <dgm:constrLst/>
           <dgm:ruleLst/>
         </dgm:layoutNode>
+        <dgm:layoutNode name="textRect" styleLbl="revTx">
+          <dgm:varLst>
+            <dgm:chMax val="1"/>
+            <dgm:chPref val="1"/>
+          </dgm:varLst>
+          <dgm:alg type="tx">
+            <dgm:param type="txAnchorVert" val="t"/>
+          </dgm:alg>
+          <dgm:shape xmlns:r="http://schemas.openxmlformats.org/officeDocument/2006/relationships" type="rect" r:blip="">
+            <dgm:adjLst/>
+          </dgm:shape>
+          <dgm:presOf axis="self" ptType="node"/>
+          <dgm:constrLst>
+            <dgm:constr type="lMarg"/>
+            <dgm:constr type="rMarg"/>
+            <dgm:constr type="tMarg"/>
+            <dgm:constr type="bMarg"/>
+          </dgm:constrLst>
+          <dgm:ruleLst>
+            <dgm:rule type="primFontSz" val="11" fact="NaN" max="NaN"/>
+            <dgm:rule type="h" val="INF" fact="NaN" max="NaN"/>
+          </dgm:ruleLst>
+        </dgm:layoutNode>
+      </dgm:layoutNode>
+      <dgm:forEach name="Name9" axis="followSib" ptType="sibTrans" cnt="1">
+        <dgm:layoutNode name="sibTrans">
+          <dgm:alg type="sp"/>
+          <dgm:shape xmlns:r="http://schemas.openxmlformats.org/officeDocument/2006/relationships" r:blip="">
+            <dgm:adjLst/>
+          </dgm:shape>
+          <dgm:presOf axis="self"/>
+          <dgm:constrLst/>
+          <dgm:ruleLst/>
+        </dgm:layoutNode>
       </dgm:forEach>
     </dgm:forEach>
   </dgm:layoutNode>
+  <dgm:extLst>
+    <a:ext uri="{68A01E43-0DF5-4B5B-8FA6-DAF915123BFB}">
+      <dgm1612:lstStyle xmlns:dgm1612="http://schemas.microsoft.com/office/drawing/2016/12/diagram">
+        <a:lvl1pPr>
+          <a:lnSpc>
+            <a:spcPct val="100000"/>
+          </a:lnSpc>
+          <a:defRPr cap="all"/>
+        </a:lvl1pPr>
+      </dgm1612:lstStyle>
+    </a:ext>
+  </dgm:extLst>
 </dgm:layoutDef>
 </file>
 
@@ -9668,6 +11375,196 @@
 </file>
 
 <file path=ppt/diagrams/layout4.xml><?xml version="1.0" encoding="utf-8"?>
+<dgm:layoutDef xmlns:dgm="http://schemas.openxmlformats.org/drawingml/2006/diagram" xmlns:a="http://schemas.openxmlformats.org/drawingml/2006/main" uniqueId="urn:microsoft.com/office/officeart/2018/2/layout/IconLabelList">
+  <dgm:title val="Icon Label List"/>
+  <dgm:desc val="Use to show non-sequential or grouped chunks of information accompanied by a related visuals. Works best with icons or small pictures with short text captions."/>
+  <dgm:catLst>
+    <dgm:cat type="icon" pri="500"/>
+  </dgm:catLst>
+  <dgm:sampData useDef="1">
+    <dgm:dataModel>
+      <dgm:ptLst/>
+      <dgm:bg/>
+      <dgm:whole/>
+    </dgm:dataModel>
+  </dgm:sampData>
+  <dgm:styleData useDef="1">
+    <dgm:dataModel>
+      <dgm:ptLst/>
+      <dgm:bg/>
+      <dgm:whole/>
+    </dgm:dataModel>
+  </dgm:styleData>
+  <dgm:clrData useDef="1">
+    <dgm:dataModel>
+      <dgm:ptLst/>
+      <dgm:bg/>
+      <dgm:whole/>
+    </dgm:dataModel>
+  </dgm:clrData>
+  <dgm:layoutNode name="root">
+    <dgm:varLst>
+      <dgm:dir/>
+      <dgm:resizeHandles val="exact"/>
+    </dgm:varLst>
+    <dgm:choose name="Name0">
+      <dgm:if name="Name1" axis="self" func="var" arg="dir" op="equ" val="norm">
+        <dgm:alg type="snake">
+          <dgm:param type="grDir" val="tL"/>
+          <dgm:param type="flowDir" val="row"/>
+          <dgm:param type="contDir" val="sameDir"/>
+          <dgm:param type="off" val="ctr"/>
+          <dgm:param type="vertAlign" val="mid"/>
+          <dgm:param type="horzAlign" val="ctr"/>
+        </dgm:alg>
+      </dgm:if>
+      <dgm:else name="Name2">
+        <dgm:alg type="snake">
+          <dgm:param type="grDir" val="tR"/>
+          <dgm:param type="flowDir" val="row"/>
+          <dgm:param type="contDir" val="sameDir"/>
+          <dgm:param type="off" val="ctr"/>
+          <dgm:param type="vertAlign" val="mid"/>
+          <dgm:param type="horzAlign" val="ctr"/>
+        </dgm:alg>
+      </dgm:else>
+    </dgm:choose>
+    <dgm:shape xmlns:r="http://schemas.openxmlformats.org/officeDocument/2006/relationships" r:blip="">
+      <dgm:adjLst/>
+    </dgm:shape>
+    <dgm:presOf/>
+    <dgm:choose name="Name3">
+      <dgm:if name="Name4" axis="ch" ptType="node" func="cnt" op="lte" val="2">
+        <dgm:constrLst>
+          <dgm:constr type="h" for="ch" forName="compNode" refType="h" fact="0.4"/>
+          <dgm:constr type="w" for="ch" forName="compNode" val="120"/>
+          <dgm:constr type="w" for="ch" forName="sibTrans" refType="w" refFor="ch" refForName="compNode" fact="0.175"/>
+          <dgm:constr type="sp" refType="w" refFor="ch" refForName="compNode" op="equ" fact="0.25"/>
+          <dgm:constr type="primFontSz" for="des" ptType="node" op="equ" val="50"/>
+          <dgm:constr type="h" for="des" forName="compNode" op="equ"/>
+          <dgm:constr type="h" for="des" forName="textRect" op="equ"/>
+        </dgm:constrLst>
+      </dgm:if>
+      <dgm:if name="Name5" axis="ch" ptType="node" func="cnt" op="lte" val="4">
+        <dgm:constrLst>
+          <dgm:constr type="h" for="ch" forName="compNode" refType="h" fact="0.4"/>
+          <dgm:constr type="w" for="ch" forName="compNode" refType="w"/>
+          <dgm:constr type="w" for="ch" forName="sibTrans" refType="w" refFor="ch" refForName="compNode" fact="0.175"/>
+          <dgm:constr type="sp" refType="w" refFor="ch" refForName="compNode" op="equ" fact="0.25"/>
+          <dgm:constr type="primFontSz" for="des" ptType="node" op="equ" val="36"/>
+          <dgm:constr type="h" for="des" forName="compNode" op="equ"/>
+          <dgm:constr type="h" for="des" forName="textRect" op="equ"/>
+        </dgm:constrLst>
+      </dgm:if>
+      <dgm:else name="Name6">
+        <dgm:constrLst>
+          <dgm:constr type="h" for="ch" forName="compNode" refType="h" fact="0.4"/>
+          <dgm:constr type="w" for="ch" forName="compNode" refType="w"/>
+          <dgm:constr type="w" for="ch" forName="sibTrans" refType="w" refFor="ch" refForName="compNode" fact="0.175"/>
+          <dgm:constr type="sp" refType="w" refFor="ch" refForName="compNode" op="equ" fact="0.25"/>
+          <dgm:constr type="primFontSz" for="des" ptType="node" op="equ" val="24"/>
+          <dgm:constr type="h" for="des" forName="compNode" op="equ"/>
+          <dgm:constr type="h" for="des" forName="textRect" op="equ"/>
+        </dgm:constrLst>
+      </dgm:else>
+    </dgm:choose>
+    <dgm:ruleLst>
+      <dgm:rule type="w" for="ch" forName="compNode" val="50" fact="NaN" max="NaN"/>
+    </dgm:ruleLst>
+    <dgm:forEach name="Name7" axis="ch" ptType="node">
+      <dgm:layoutNode name="compNode">
+        <dgm:alg type="composite"/>
+        <dgm:shape xmlns:r="http://schemas.openxmlformats.org/officeDocument/2006/relationships" r:blip="">
+          <dgm:adjLst/>
+        </dgm:shape>
+        <dgm:presOf axis="self"/>
+        <dgm:constrLst>
+          <dgm:constr type="w" for="ch" forName="iconRect" refType="w" fact="0.45"/>
+          <dgm:constr type="h" for="ch" forName="iconRect" refType="w" refFor="ch" refForName="iconRect"/>
+          <dgm:constr type="ctrX" for="ch" forName="iconRect" refType="w" fact="0.5"/>
+          <dgm:constr type="t" for="ch" forName="iconRect"/>
+          <dgm:constr type="h" for="ch" forName="spaceRect" refType="h" fact="0.15"/>
+          <dgm:constr type="w" for="ch" forName="spaceRect" refType="w"/>
+          <dgm:constr type="l" for="ch" forName="spaceRect"/>
+          <dgm:constr type="t" for="ch" forName="spaceRect" refType="b" refFor="ch" refForName="iconRect"/>
+          <dgm:constr type="h" for="ch" forName="textRect" val="20"/>
+          <dgm:constr type="w" for="ch" forName="textRect" refType="w"/>
+          <dgm:constr type="l" for="ch" forName="textRect"/>
+          <dgm:constr type="t" for="ch" forName="textRect" refType="b" refFor="ch" refForName="spaceRect"/>
+        </dgm:constrLst>
+        <dgm:ruleLst>
+          <dgm:rule type="h" val="INF" fact="NaN" max="NaN"/>
+        </dgm:ruleLst>
+        <dgm:layoutNode name="iconRect" styleLbl="node1">
+          <dgm:alg type="sp"/>
+          <dgm:shape xmlns:r="http://schemas.openxmlformats.org/officeDocument/2006/relationships" type="rect" r:blip="" blipPhldr="1">
+            <dgm:adjLst/>
+          </dgm:shape>
+          <dgm:presOf/>
+          <dgm:constrLst/>
+          <dgm:ruleLst/>
+        </dgm:layoutNode>
+        <dgm:layoutNode name="spaceRect">
+          <dgm:alg type="sp"/>
+          <dgm:shape xmlns:r="http://schemas.openxmlformats.org/officeDocument/2006/relationships" r:blip="">
+            <dgm:adjLst/>
+          </dgm:shape>
+          <dgm:presOf/>
+          <dgm:constrLst/>
+          <dgm:ruleLst/>
+        </dgm:layoutNode>
+        <dgm:layoutNode name="textRect" styleLbl="revTx">
+          <dgm:varLst>
+            <dgm:chMax val="1"/>
+            <dgm:chPref val="1"/>
+          </dgm:varLst>
+          <dgm:alg type="tx">
+            <dgm:param type="txAnchorVert" val="t"/>
+          </dgm:alg>
+          <dgm:shape xmlns:r="http://schemas.openxmlformats.org/officeDocument/2006/relationships" type="rect" r:blip="">
+            <dgm:adjLst/>
+          </dgm:shape>
+          <dgm:presOf axis="self" ptType="node"/>
+          <dgm:constrLst>
+            <dgm:constr type="lMarg"/>
+            <dgm:constr type="rMarg"/>
+            <dgm:constr type="tMarg"/>
+            <dgm:constr type="bMarg"/>
+          </dgm:constrLst>
+          <dgm:ruleLst>
+            <dgm:rule type="primFontSz" val="11" fact="NaN" max="NaN"/>
+            <dgm:rule type="h" val="INF" fact="NaN" max="NaN"/>
+          </dgm:ruleLst>
+        </dgm:layoutNode>
+      </dgm:layoutNode>
+      <dgm:forEach name="Name8" axis="followSib" ptType="sibTrans" cnt="1">
+        <dgm:layoutNode name="sibTrans">
+          <dgm:alg type="sp"/>
+          <dgm:shape xmlns:r="http://schemas.openxmlformats.org/officeDocument/2006/relationships" r:blip="">
+            <dgm:adjLst/>
+          </dgm:shape>
+          <dgm:presOf axis="self"/>
+          <dgm:constrLst/>
+          <dgm:ruleLst/>
+        </dgm:layoutNode>
+      </dgm:forEach>
+    </dgm:forEach>
+  </dgm:layoutNode>
+  <dgm:extLst>
+    <a:ext uri="{68A01E43-0DF5-4B5B-8FA6-DAF915123BFB}">
+      <dgm1612:lstStyle xmlns:dgm1612="http://schemas.microsoft.com/office/drawing/2016/12/diagram">
+        <a:lvl1pPr>
+          <a:lnSpc>
+            <a:spcPct val="100000"/>
+          </a:lnSpc>
+        </a:lvl1pPr>
+      </dgm1612:lstStyle>
+    </a:ext>
+  </dgm:extLst>
+</dgm:layoutDef>
+</file>
+
+<file path=ppt/diagrams/layout5.xml><?xml version="1.0" encoding="utf-8"?>
 <dgm:layoutDef xmlns:dgm="http://schemas.openxmlformats.org/drawingml/2006/diagram" xmlns:a="http://schemas.openxmlformats.org/drawingml/2006/main" uniqueId="urn:microsoft.com/office/officeart/2018/5/layout/IconCircleLabelList">
   <dgm:title val="Icon Circle Label List"/>
   <dgm:desc val="Use to show non-sequential or grouped chunks of information accompanied by a related visuals. Works best with icons or small pictures with short text captions."/>
@@ -9882,7 +11779,7 @@
 </dgm:layoutDef>
 </file>
 
-<file path=ppt/diagrams/layout5.xml><?xml version="1.0" encoding="utf-8"?>
+<file path=ppt/diagrams/layout6.xml><?xml version="1.0" encoding="utf-8"?>
 <dgm:layoutDef xmlns:dgm="http://schemas.openxmlformats.org/drawingml/2006/diagram" xmlns:a="http://schemas.openxmlformats.org/drawingml/2006/main" uniqueId="urn:microsoft.com/office/officeart/2018/5/layout/IconLeafLabelList">
   <dgm:title val="Icon Leaf Label List"/>
   <dgm:desc val="Use to show non-sequential or grouped chunks of information accompanied by a related visuals. Works best with icons or small pictures with short text captions."/>
@@ -15277,6 +17174,1474 @@
     </dgm:style>
   </dgm:styleLbl>
 </dgm:styleDef>
+</file>
+
+<file path=ppt/diagrams/quickStyle6.xml><?xml version="1.0" encoding="utf-8"?>
+<dgm:styleDef xmlns:dgm="http://schemas.openxmlformats.org/drawingml/2006/diagram" xmlns:a="http://schemas.openxmlformats.org/drawingml/2006/main" uniqueId="urn:microsoft.com/office/officeart/2005/8/quickstyle/simple1">
+  <dgm:title val=""/>
+  <dgm:desc val=""/>
+  <dgm:catLst>
+    <dgm:cat type="simple" pri="10100"/>
+  </dgm:catLst>
+  <dgm:scene3d>
+    <a:camera prst="orthographicFront"/>
+    <a:lightRig rig="threePt" dir="t"/>
+  </dgm:scene3d>
+  <dgm:styleLbl name="node0">
+    <dgm:scene3d>
+      <a:camera prst="orthographicFront"/>
+      <a:lightRig rig="threePt" dir="t"/>
+    </dgm:scene3d>
+    <dgm:sp3d/>
+    <dgm:txPr/>
+    <dgm:style>
+      <a:lnRef idx="2">
+        <a:scrgbClr r="0" g="0" b="0"/>
+      </a:lnRef>
+      <a:fillRef idx="1">
+        <a:scrgbClr r="0" g="0" b="0"/>
+      </a:fillRef>
+      <a:effectRef idx="0">
+        <a:scrgbClr r="0" g="0" b="0"/>
+      </a:effectRef>
+      <a:fontRef idx="minor">
+        <a:schemeClr val="lt1"/>
+      </a:fontRef>
+    </dgm:style>
+  </dgm:styleLbl>
+  <dgm:styleLbl name="lnNode1">
+    <dgm:scene3d>
+      <a:camera prst="orthographicFront"/>
+      <a:lightRig rig="threePt" dir="t"/>
+    </dgm:scene3d>
+    <dgm:sp3d/>
+    <dgm:txPr/>
+    <dgm:style>
+      <a:lnRef idx="2">
+        <a:scrgbClr r="0" g="0" b="0"/>
+      </a:lnRef>
+      <a:fillRef idx="1">
+        <a:scrgbClr r="0" g="0" b="0"/>
+      </a:fillRef>
+      <a:effectRef idx="0">
+        <a:scrgbClr r="0" g="0" b="0"/>
+      </a:effectRef>
+      <a:fontRef idx="minor">
+        <a:schemeClr val="lt1"/>
+      </a:fontRef>
+    </dgm:style>
+  </dgm:styleLbl>
+  <dgm:styleLbl name="vennNode1">
+    <dgm:scene3d>
+      <a:camera prst="orthographicFront"/>
+      <a:lightRig rig="threePt" dir="t"/>
+    </dgm:scene3d>
+    <dgm:sp3d/>
+    <dgm:txPr/>
+    <dgm:style>
+      <a:lnRef idx="2">
+        <a:scrgbClr r="0" g="0" b="0"/>
+      </a:lnRef>
+      <a:fillRef idx="1">
+        <a:scrgbClr r="0" g="0" b="0"/>
+      </a:fillRef>
+      <a:effectRef idx="0">
+        <a:scrgbClr r="0" g="0" b="0"/>
+      </a:effectRef>
+      <a:fontRef idx="minor">
+        <a:schemeClr val="tx1"/>
+      </a:fontRef>
+    </dgm:style>
+  </dgm:styleLbl>
+  <dgm:styleLbl name="alignNode1">
+    <dgm:scene3d>
+      <a:camera prst="orthographicFront"/>
+      <a:lightRig rig="threePt" dir="t"/>
+    </dgm:scene3d>
+    <dgm:sp3d/>
+    <dgm:txPr/>
+    <dgm:style>
+      <a:lnRef idx="2">
+        <a:scrgbClr r="0" g="0" b="0"/>
+      </a:lnRef>
+      <a:fillRef idx="1">
+        <a:scrgbClr r="0" g="0" b="0"/>
+      </a:fillRef>
+      <a:effectRef idx="0">
+        <a:scrgbClr r="0" g="0" b="0"/>
+      </a:effectRef>
+      <a:fontRef idx="minor">
+        <a:schemeClr val="lt1"/>
+      </a:fontRef>
+    </dgm:style>
+  </dgm:styleLbl>
+  <dgm:styleLbl name="node1">
+    <dgm:scene3d>
+      <a:camera prst="orthographicFront"/>
+      <a:lightRig rig="threePt" dir="t"/>
+    </dgm:scene3d>
+    <dgm:sp3d/>
+    <dgm:txPr/>
+    <dgm:style>
+      <a:lnRef idx="2">
+        <a:scrgbClr r="0" g="0" b="0"/>
+      </a:lnRef>
+      <a:fillRef idx="1">
+        <a:scrgbClr r="0" g="0" b="0"/>
+      </a:fillRef>
+      <a:effectRef idx="0">
+        <a:scrgbClr r="0" g="0" b="0"/>
+      </a:effectRef>
+      <a:fontRef idx="minor">
+        <a:schemeClr val="lt1"/>
+      </a:fontRef>
+    </dgm:style>
+  </dgm:styleLbl>
+  <dgm:styleLbl name="node2">
+    <dgm:scene3d>
+      <a:camera prst="orthographicFront"/>
+      <a:lightRig rig="threePt" dir="t"/>
+    </dgm:scene3d>
+    <dgm:sp3d/>
+    <dgm:txPr/>
+    <dgm:style>
+      <a:lnRef idx="2">
+        <a:scrgbClr r="0" g="0" b="0"/>
+      </a:lnRef>
+      <a:fillRef idx="1">
+        <a:scrgbClr r="0" g="0" b="0"/>
+      </a:fillRef>
+      <a:effectRef idx="0">
+        <a:scrgbClr r="0" g="0" b="0"/>
+      </a:effectRef>
+      <a:fontRef idx="minor">
+        <a:schemeClr val="lt1"/>
+      </a:fontRef>
+    </dgm:style>
+  </dgm:styleLbl>
+  <dgm:styleLbl name="node3">
+    <dgm:scene3d>
+      <a:camera prst="orthographicFront"/>
+      <a:lightRig rig="threePt" dir="t"/>
+    </dgm:scene3d>
+    <dgm:sp3d/>
+    <dgm:txPr/>
+    <dgm:style>
+      <a:lnRef idx="2">
+        <a:scrgbClr r="0" g="0" b="0"/>
+      </a:lnRef>
+      <a:fillRef idx="1">
+        <a:scrgbClr r="0" g="0" b="0"/>
+      </a:fillRef>
+      <a:effectRef idx="0">
+        <a:scrgbClr r="0" g="0" b="0"/>
+      </a:effectRef>
+      <a:fontRef idx="minor">
+        <a:schemeClr val="lt1"/>
+      </a:fontRef>
+    </dgm:style>
+  </dgm:styleLbl>
+  <dgm:styleLbl name="node4">
+    <dgm:scene3d>
+      <a:camera prst="orthographicFront"/>
+      <a:lightRig rig="threePt" dir="t"/>
+    </dgm:scene3d>
+    <dgm:sp3d/>
+    <dgm:txPr/>
+    <dgm:style>
+      <a:lnRef idx="2">
+        <a:scrgbClr r="0" g="0" b="0"/>
+      </a:lnRef>
+      <a:fillRef idx="1">
+        <a:scrgbClr r="0" g="0" b="0"/>
+      </a:fillRef>
+      <a:effectRef idx="0">
+        <a:scrgbClr r="0" g="0" b="0"/>
+      </a:effectRef>
+      <a:fontRef idx="minor">
+        <a:schemeClr val="lt1"/>
+      </a:fontRef>
+    </dgm:style>
+  </dgm:styleLbl>
+  <dgm:styleLbl name="fgImgPlace1">
+    <dgm:scene3d>
+      <a:camera prst="orthographicFront"/>
+      <a:lightRig rig="threePt" dir="t"/>
+    </dgm:scene3d>
+    <dgm:sp3d/>
+    <dgm:txPr/>
+    <dgm:style>
+      <a:lnRef idx="2">
+        <a:scrgbClr r="0" g="0" b="0"/>
+      </a:lnRef>
+      <a:fillRef idx="1">
+        <a:scrgbClr r="0" g="0" b="0"/>
+      </a:fillRef>
+      <a:effectRef idx="0">
+        <a:scrgbClr r="0" g="0" b="0"/>
+      </a:effectRef>
+      <a:fontRef idx="minor"/>
+    </dgm:style>
+  </dgm:styleLbl>
+  <dgm:styleLbl name="alignImgPlace1">
+    <dgm:scene3d>
+      <a:camera prst="orthographicFront"/>
+      <a:lightRig rig="threePt" dir="t"/>
+    </dgm:scene3d>
+    <dgm:sp3d/>
+    <dgm:txPr/>
+    <dgm:style>
+      <a:lnRef idx="2">
+        <a:scrgbClr r="0" g="0" b="0"/>
+      </a:lnRef>
+      <a:fillRef idx="1">
+        <a:scrgbClr r="0" g="0" b="0"/>
+      </a:fillRef>
+      <a:effectRef idx="0">
+        <a:scrgbClr r="0" g="0" b="0"/>
+      </a:effectRef>
+      <a:fontRef idx="minor"/>
+    </dgm:style>
+  </dgm:styleLbl>
+  <dgm:styleLbl name="bgImgPlace1">
+    <dgm:scene3d>
+      <a:camera prst="orthographicFront"/>
+      <a:lightRig rig="threePt" dir="t"/>
+    </dgm:scene3d>
+    <dgm:sp3d/>
+    <dgm:txPr/>
+    <dgm:style>
+      <a:lnRef idx="2">
+        <a:scrgbClr r="0" g="0" b="0"/>
+      </a:lnRef>
+      <a:fillRef idx="1">
+        <a:scrgbClr r="0" g="0" b="0"/>
+      </a:fillRef>
+      <a:effectRef idx="0">
+        <a:scrgbClr r="0" g="0" b="0"/>
+      </a:effectRef>
+      <a:fontRef idx="minor"/>
+    </dgm:style>
+  </dgm:styleLbl>
+  <dgm:styleLbl name="sibTrans2D1">
+    <dgm:scene3d>
+      <a:camera prst="orthographicFront"/>
+      <a:lightRig rig="threePt" dir="t"/>
+    </dgm:scene3d>
+    <dgm:sp3d/>
+    <dgm:txPr/>
+    <dgm:style>
+      <a:lnRef idx="0">
+        <a:scrgbClr r="0" g="0" b="0"/>
+      </a:lnRef>
+      <a:fillRef idx="1">
+        <a:scrgbClr r="0" g="0" b="0"/>
+      </a:fillRef>
+      <a:effectRef idx="0">
+        <a:scrgbClr r="0" g="0" b="0"/>
+      </a:effectRef>
+      <a:fontRef idx="minor">
+        <a:schemeClr val="lt1"/>
+      </a:fontRef>
+    </dgm:style>
+  </dgm:styleLbl>
+  <dgm:styleLbl name="fgSibTrans2D1">
+    <dgm:scene3d>
+      <a:camera prst="orthographicFront"/>
+      <a:lightRig rig="threePt" dir="t"/>
+    </dgm:scene3d>
+    <dgm:sp3d/>
+    <dgm:txPr/>
+    <dgm:style>
+      <a:lnRef idx="0">
+        <a:scrgbClr r="0" g="0" b="0"/>
+      </a:lnRef>
+      <a:fillRef idx="1">
+        <a:scrgbClr r="0" g="0" b="0"/>
+      </a:fillRef>
+      <a:effectRef idx="0">
+        <a:scrgbClr r="0" g="0" b="0"/>
+      </a:effectRef>
+      <a:fontRef idx="minor">
+        <a:schemeClr val="lt1"/>
+      </a:fontRef>
+    </dgm:style>
+  </dgm:styleLbl>
+  <dgm:styleLbl name="bgSibTrans2D1">
+    <dgm:scene3d>
+      <a:camera prst="orthographicFront"/>
+      <a:lightRig rig="threePt" dir="t"/>
+    </dgm:scene3d>
+    <dgm:sp3d/>
+    <dgm:txPr/>
+    <dgm:style>
+      <a:lnRef idx="0">
+        <a:scrgbClr r="0" g="0" b="0"/>
+      </a:lnRef>
+      <a:fillRef idx="1">
+        <a:scrgbClr r="0" g="0" b="0"/>
+      </a:fillRef>
+      <a:effectRef idx="0">
+        <a:scrgbClr r="0" g="0" b="0"/>
+      </a:effectRef>
+      <a:fontRef idx="minor">
+        <a:schemeClr val="lt1"/>
+      </a:fontRef>
+    </dgm:style>
+  </dgm:styleLbl>
+  <dgm:styleLbl name="sibTrans1D1">
+    <dgm:scene3d>
+      <a:camera prst="orthographicFront"/>
+      <a:lightRig rig="threePt" dir="t"/>
+    </dgm:scene3d>
+    <dgm:sp3d/>
+    <dgm:txPr/>
+    <dgm:style>
+      <a:lnRef idx="1">
+        <a:scrgbClr r="0" g="0" b="0"/>
+      </a:lnRef>
+      <a:fillRef idx="0">
+        <a:scrgbClr r="0" g="0" b="0"/>
+      </a:fillRef>
+      <a:effectRef idx="0">
+        <a:scrgbClr r="0" g="0" b="0"/>
+      </a:effectRef>
+      <a:fontRef idx="minor"/>
+    </dgm:style>
+  </dgm:styleLbl>
+  <dgm:styleLbl name="callout">
+    <dgm:scene3d>
+      <a:camera prst="orthographicFront"/>
+      <a:lightRig rig="threePt" dir="t"/>
+    </dgm:scene3d>
+    <dgm:sp3d/>
+    <dgm:txPr/>
+    <dgm:style>
+      <a:lnRef idx="2">
+        <a:scrgbClr r="0" g="0" b="0"/>
+      </a:lnRef>
+      <a:fillRef idx="1">
+        <a:scrgbClr r="0" g="0" b="0"/>
+      </a:fillRef>
+      <a:effectRef idx="0">
+        <a:scrgbClr r="0" g="0" b="0"/>
+      </a:effectRef>
+      <a:fontRef idx="minor"/>
+    </dgm:style>
+  </dgm:styleLbl>
+  <dgm:styleLbl name="asst0">
+    <dgm:scene3d>
+      <a:camera prst="orthographicFront"/>
+      <a:lightRig rig="threePt" dir="t"/>
+    </dgm:scene3d>
+    <dgm:sp3d/>
+    <dgm:txPr/>
+    <dgm:style>
+      <a:lnRef idx="2">
+        <a:scrgbClr r="0" g="0" b="0"/>
+      </a:lnRef>
+      <a:fillRef idx="1">
+        <a:scrgbClr r="0" g="0" b="0"/>
+      </a:fillRef>
+      <a:effectRef idx="0">
+        <a:scrgbClr r="0" g="0" b="0"/>
+      </a:effectRef>
+      <a:fontRef idx="minor">
+        <a:schemeClr val="lt1"/>
+      </a:fontRef>
+    </dgm:style>
+  </dgm:styleLbl>
+  <dgm:styleLbl name="asst1">
+    <dgm:scene3d>
+      <a:camera prst="orthographicFront"/>
+      <a:lightRig rig="threePt" dir="t"/>
+    </dgm:scene3d>
+    <dgm:sp3d/>
+    <dgm:txPr/>
+    <dgm:style>
+      <a:lnRef idx="2">
+        <a:scrgbClr r="0" g="0" b="0"/>
+      </a:lnRef>
+      <a:fillRef idx="1">
+        <a:scrgbClr r="0" g="0" b="0"/>
+      </a:fillRef>
+      <a:effectRef idx="0">
+        <a:scrgbClr r="0" g="0" b="0"/>
+      </a:effectRef>
+      <a:fontRef idx="minor">
+        <a:schemeClr val="lt1"/>
+      </a:fontRef>
+    </dgm:style>
+  </dgm:styleLbl>
+  <dgm:styleLbl name="asst2">
+    <dgm:scene3d>
+      <a:camera prst="orthographicFront"/>
+      <a:lightRig rig="threePt" dir="t"/>
+    </dgm:scene3d>
+    <dgm:sp3d/>
+    <dgm:txPr/>
+    <dgm:style>
+      <a:lnRef idx="2">
+        <a:scrgbClr r="0" g="0" b="0"/>
+      </a:lnRef>
+      <a:fillRef idx="1">
+        <a:scrgbClr r="0" g="0" b="0"/>
+      </a:fillRef>
+      <a:effectRef idx="0">
+        <a:scrgbClr r="0" g="0" b="0"/>
+      </a:effectRef>
+      <a:fontRef idx="minor">
+        <a:schemeClr val="lt1"/>
+      </a:fontRef>
+    </dgm:style>
+  </dgm:styleLbl>
+  <dgm:styleLbl name="asst3">
+    <dgm:scene3d>
+      <a:camera prst="orthographicFront"/>
+      <a:lightRig rig="threePt" dir="t"/>
+    </dgm:scene3d>
+    <dgm:sp3d/>
+    <dgm:txPr/>
+    <dgm:style>
+      <a:lnRef idx="2">
+        <a:scrgbClr r="0" g="0" b="0"/>
+      </a:lnRef>
+      <a:fillRef idx="1">
+        <a:scrgbClr r="0" g="0" b="0"/>
+      </a:fillRef>
+      <a:effectRef idx="0">
+        <a:scrgbClr r="0" g="0" b="0"/>
+      </a:effectRef>
+      <a:fontRef idx="minor">
+        <a:schemeClr val="lt1"/>
+      </a:fontRef>
+    </dgm:style>
+  </dgm:styleLbl>
+  <dgm:styleLbl name="asst4">
+    <dgm:scene3d>
+      <a:camera prst="orthographicFront"/>
+      <a:lightRig rig="threePt" dir="t"/>
+    </dgm:scene3d>
+    <dgm:sp3d/>
+    <dgm:txPr/>
+    <dgm:style>
+      <a:lnRef idx="2">
+        <a:scrgbClr r="0" g="0" b="0"/>
+      </a:lnRef>
+      <a:fillRef idx="1">
+        <a:scrgbClr r="0" g="0" b="0"/>
+      </a:fillRef>
+      <a:effectRef idx="0">
+        <a:scrgbClr r="0" g="0" b="0"/>
+      </a:effectRef>
+      <a:fontRef idx="minor">
+        <a:schemeClr val="lt1"/>
+      </a:fontRef>
+    </dgm:style>
+  </dgm:styleLbl>
+  <dgm:styleLbl name="parChTrans2D1">
+    <dgm:scene3d>
+      <a:camera prst="orthographicFront"/>
+      <a:lightRig rig="threePt" dir="t"/>
+    </dgm:scene3d>
+    <dgm:sp3d/>
+    <dgm:txPr/>
+    <dgm:style>
+      <a:lnRef idx="2">
+        <a:scrgbClr r="0" g="0" b="0"/>
+      </a:lnRef>
+      <a:fillRef idx="1">
+        <a:scrgbClr r="0" g="0" b="0"/>
+      </a:fillRef>
+      <a:effectRef idx="0">
+        <a:scrgbClr r="0" g="0" b="0"/>
+      </a:effectRef>
+      <a:fontRef idx="minor">
+        <a:schemeClr val="lt1"/>
+      </a:fontRef>
+    </dgm:style>
+  </dgm:styleLbl>
+  <dgm:styleLbl name="parChTrans2D2">
+    <dgm:scene3d>
+      <a:camera prst="orthographicFront"/>
+      <a:lightRig rig="threePt" dir="t"/>
+    </dgm:scene3d>
+    <dgm:sp3d/>
+    <dgm:txPr/>
+    <dgm:style>
+      <a:lnRef idx="2">
+        <a:scrgbClr r="0" g="0" b="0"/>
+      </a:lnRef>
+      <a:fillRef idx="1">
+        <a:scrgbClr r="0" g="0" b="0"/>
+      </a:fillRef>
+      <a:effectRef idx="0">
+        <a:scrgbClr r="0" g="0" b="0"/>
+      </a:effectRef>
+      <a:fontRef idx="minor">
+        <a:schemeClr val="lt1"/>
+      </a:fontRef>
+    </dgm:style>
+  </dgm:styleLbl>
+  <dgm:styleLbl name="parChTrans2D3">
+    <dgm:scene3d>
+      <a:camera prst="orthographicFront"/>
+      <a:lightRig rig="threePt" dir="t"/>
+    </dgm:scene3d>
+    <dgm:sp3d/>
+    <dgm:txPr/>
+    <dgm:style>
+      <a:lnRef idx="2">
+        <a:scrgbClr r="0" g="0" b="0"/>
+      </a:lnRef>
+      <a:fillRef idx="1">
+        <a:scrgbClr r="0" g="0" b="0"/>
+      </a:fillRef>
+      <a:effectRef idx="0">
+        <a:scrgbClr r="0" g="0" b="0"/>
+      </a:effectRef>
+      <a:fontRef idx="minor">
+        <a:schemeClr val="lt1"/>
+      </a:fontRef>
+    </dgm:style>
+  </dgm:styleLbl>
+  <dgm:styleLbl name="parChTrans2D4">
+    <dgm:scene3d>
+      <a:camera prst="orthographicFront"/>
+      <a:lightRig rig="threePt" dir="t"/>
+    </dgm:scene3d>
+    <dgm:sp3d/>
+    <dgm:txPr/>
+    <dgm:style>
+      <a:lnRef idx="2">
+        <a:scrgbClr r="0" g="0" b="0"/>
+      </a:lnRef>
+      <a:fillRef idx="1">
+        <a:scrgbClr r="0" g="0" b="0"/>
+      </a:fillRef>
+      <a:effectRef idx="0">
+        <a:scrgbClr r="0" g="0" b="0"/>
+      </a:effectRef>
+      <a:fontRef idx="minor">
+        <a:schemeClr val="lt1"/>
+      </a:fontRef>
+    </dgm:style>
+  </dgm:styleLbl>
+  <dgm:styleLbl name="parChTrans1D1">
+    <dgm:scene3d>
+      <a:camera prst="orthographicFront"/>
+      <a:lightRig rig="threePt" dir="t"/>
+    </dgm:scene3d>
+    <dgm:sp3d/>
+    <dgm:txPr/>
+    <dgm:style>
+      <a:lnRef idx="2">
+        <a:scrgbClr r="0" g="0" b="0"/>
+      </a:lnRef>
+      <a:fillRef idx="0">
+        <a:scrgbClr r="0" g="0" b="0"/>
+      </a:fillRef>
+      <a:effectRef idx="0">
+        <a:scrgbClr r="0" g="0" b="0"/>
+      </a:effectRef>
+      <a:fontRef idx="minor"/>
+    </dgm:style>
+  </dgm:styleLbl>
+  <dgm:styleLbl name="parChTrans1D2">
+    <dgm:scene3d>
+      <a:camera prst="orthographicFront"/>
+      <a:lightRig rig="threePt" dir="t"/>
+    </dgm:scene3d>
+    <dgm:sp3d/>
+    <dgm:txPr/>
+    <dgm:style>
+      <a:lnRef idx="2">
+        <a:scrgbClr r="0" g="0" b="0"/>
+      </a:lnRef>
+      <a:fillRef idx="0">
+        <a:scrgbClr r="0" g="0" b="0"/>
+      </a:fillRef>
+      <a:effectRef idx="0">
+        <a:scrgbClr r="0" g="0" b="0"/>
+      </a:effectRef>
+      <a:fontRef idx="minor"/>
+    </dgm:style>
+  </dgm:styleLbl>
+  <dgm:styleLbl name="parChTrans1D3">
+    <dgm:scene3d>
+      <a:camera prst="orthographicFront"/>
+      <a:lightRig rig="threePt" dir="t"/>
+    </dgm:scene3d>
+    <dgm:sp3d/>
+    <dgm:txPr/>
+    <dgm:style>
+      <a:lnRef idx="2">
+        <a:scrgbClr r="0" g="0" b="0"/>
+      </a:lnRef>
+      <a:fillRef idx="0">
+        <a:scrgbClr r="0" g="0" b="0"/>
+      </a:fillRef>
+      <a:effectRef idx="0">
+        <a:scrgbClr r="0" g="0" b="0"/>
+      </a:effectRef>
+      <a:fontRef idx="minor"/>
+    </dgm:style>
+  </dgm:styleLbl>
+  <dgm:styleLbl name="parChTrans1D4">
+    <dgm:scene3d>
+      <a:camera prst="orthographicFront"/>
+      <a:lightRig rig="threePt" dir="t"/>
+    </dgm:scene3d>
+    <dgm:sp3d/>
+    <dgm:txPr/>
+    <dgm:style>
+      <a:lnRef idx="2">
+        <a:scrgbClr r="0" g="0" b="0"/>
+      </a:lnRef>
+      <a:fillRef idx="0">
+        <a:scrgbClr r="0" g="0" b="0"/>
+      </a:fillRef>
+      <a:effectRef idx="0">
+        <a:scrgbClr r="0" g="0" b="0"/>
+      </a:effectRef>
+      <a:fontRef idx="minor"/>
+    </dgm:style>
+  </dgm:styleLbl>
+  <dgm:styleLbl name="fgAcc1">
+    <dgm:scene3d>
+      <a:camera prst="orthographicFront"/>
+      <a:lightRig rig="threePt" dir="t"/>
+    </dgm:scene3d>
+    <dgm:sp3d/>
+    <dgm:txPr/>
+    <dgm:style>
+      <a:lnRef idx="2">
+        <a:scrgbClr r="0" g="0" b="0"/>
+      </a:lnRef>
+      <a:fillRef idx="1">
+        <a:scrgbClr r="0" g="0" b="0"/>
+      </a:fillRef>
+      <a:effectRef idx="0">
+        <a:scrgbClr r="0" g="0" b="0"/>
+      </a:effectRef>
+      <a:fontRef idx="minor"/>
+    </dgm:style>
+  </dgm:styleLbl>
+  <dgm:styleLbl name="conFgAcc1">
+    <dgm:scene3d>
+      <a:camera prst="orthographicFront"/>
+      <a:lightRig rig="threePt" dir="t"/>
+    </dgm:scene3d>
+    <dgm:sp3d/>
+    <dgm:txPr/>
+    <dgm:style>
+      <a:lnRef idx="2">
+        <a:scrgbClr r="0" g="0" b="0"/>
+      </a:lnRef>
+      <a:fillRef idx="1">
+        <a:scrgbClr r="0" g="0" b="0"/>
+      </a:fillRef>
+      <a:effectRef idx="0">
+        <a:scrgbClr r="0" g="0" b="0"/>
+      </a:effectRef>
+      <a:fontRef idx="minor"/>
+    </dgm:style>
+  </dgm:styleLbl>
+  <dgm:styleLbl name="alignAcc1">
+    <dgm:scene3d>
+      <a:camera prst="orthographicFront"/>
+      <a:lightRig rig="threePt" dir="t"/>
+    </dgm:scene3d>
+    <dgm:sp3d/>
+    <dgm:txPr/>
+    <dgm:style>
+      <a:lnRef idx="2">
+        <a:scrgbClr r="0" g="0" b="0"/>
+      </a:lnRef>
+      <a:fillRef idx="1">
+        <a:scrgbClr r="0" g="0" b="0"/>
+      </a:fillRef>
+      <a:effectRef idx="0">
+        <a:scrgbClr r="0" g="0" b="0"/>
+      </a:effectRef>
+      <a:fontRef idx="minor"/>
+    </dgm:style>
+  </dgm:styleLbl>
+  <dgm:styleLbl name="trAlignAcc1">
+    <dgm:scene3d>
+      <a:camera prst="orthographicFront"/>
+      <a:lightRig rig="threePt" dir="t"/>
+    </dgm:scene3d>
+    <dgm:sp3d/>
+    <dgm:txPr/>
+    <dgm:style>
+      <a:lnRef idx="1">
+        <a:scrgbClr r="0" g="0" b="0"/>
+      </a:lnRef>
+      <a:fillRef idx="1">
+        <a:scrgbClr r="0" g="0" b="0"/>
+      </a:fillRef>
+      <a:effectRef idx="0">
+        <a:scrgbClr r="0" g="0" b="0"/>
+      </a:effectRef>
+      <a:fontRef idx="minor"/>
+    </dgm:style>
+  </dgm:styleLbl>
+  <dgm:styleLbl name="bgAcc1">
+    <dgm:scene3d>
+      <a:camera prst="orthographicFront"/>
+      <a:lightRig rig="threePt" dir="t"/>
+    </dgm:scene3d>
+    <dgm:sp3d/>
+    <dgm:txPr/>
+    <dgm:style>
+      <a:lnRef idx="2">
+        <a:scrgbClr r="0" g="0" b="0"/>
+      </a:lnRef>
+      <a:fillRef idx="1">
+        <a:scrgbClr r="0" g="0" b="0"/>
+      </a:fillRef>
+      <a:effectRef idx="0">
+        <a:scrgbClr r="0" g="0" b="0"/>
+      </a:effectRef>
+      <a:fontRef idx="minor"/>
+    </dgm:style>
+  </dgm:styleLbl>
+  <dgm:styleLbl name="solidFgAcc1">
+    <dgm:scene3d>
+      <a:camera prst="orthographicFront"/>
+      <a:lightRig rig="threePt" dir="t"/>
+    </dgm:scene3d>
+    <dgm:sp3d/>
+    <dgm:txPr/>
+    <dgm:style>
+      <a:lnRef idx="2">
+        <a:scrgbClr r="0" g="0" b="0"/>
+      </a:lnRef>
+      <a:fillRef idx="1">
+        <a:scrgbClr r="0" g="0" b="0"/>
+      </a:fillRef>
+      <a:effectRef idx="0">
+        <a:scrgbClr r="0" g="0" b="0"/>
+      </a:effectRef>
+      <a:fontRef idx="minor"/>
+    </dgm:style>
+  </dgm:styleLbl>
+  <dgm:styleLbl name="solidAlignAcc1">
+    <dgm:scene3d>
+      <a:camera prst="orthographicFront"/>
+      <a:lightRig rig="threePt" dir="t"/>
+    </dgm:scene3d>
+    <dgm:sp3d/>
+    <dgm:txPr/>
+    <dgm:style>
+      <a:lnRef idx="2">
+        <a:scrgbClr r="0" g="0" b="0"/>
+      </a:lnRef>
+      <a:fillRef idx="1">
+        <a:scrgbClr r="0" g="0" b="0"/>
+      </a:fillRef>
+      <a:effectRef idx="0">
+        <a:scrgbClr r="0" g="0" b="0"/>
+      </a:effectRef>
+      <a:fontRef idx="minor"/>
+    </dgm:style>
+  </dgm:styleLbl>
+  <dgm:styleLbl name="solidBgAcc1">
+    <dgm:scene3d>
+      <a:camera prst="orthographicFront"/>
+      <a:lightRig rig="threePt" dir="t"/>
+    </dgm:scene3d>
+    <dgm:sp3d/>
+    <dgm:txPr/>
+    <dgm:style>
+      <a:lnRef idx="2">
+        <a:scrgbClr r="0" g="0" b="0"/>
+      </a:lnRef>
+      <a:fillRef idx="1">
+        <a:scrgbClr r="0" g="0" b="0"/>
+      </a:fillRef>
+      <a:effectRef idx="0">
+        <a:scrgbClr r="0" g="0" b="0"/>
+      </a:effectRef>
+      <a:fontRef idx="minor"/>
+    </dgm:style>
+  </dgm:styleLbl>
+  <dgm:styleLbl name="fgAccFollowNode1">
+    <dgm:scene3d>
+      <a:camera prst="orthographicFront"/>
+      <a:lightRig rig="threePt" dir="t"/>
+    </dgm:scene3d>
+    <dgm:sp3d/>
+    <dgm:txPr/>
+    <dgm:style>
+      <a:lnRef idx="2">
+        <a:scrgbClr r="0" g="0" b="0"/>
+      </a:lnRef>
+      <a:fillRef idx="1">
+        <a:scrgbClr r="0" g="0" b="0"/>
+      </a:fillRef>
+      <a:effectRef idx="0">
+        <a:scrgbClr r="0" g="0" b="0"/>
+      </a:effectRef>
+      <a:fontRef idx="minor"/>
+    </dgm:style>
+  </dgm:styleLbl>
+  <dgm:styleLbl name="alignAccFollowNode1">
+    <dgm:scene3d>
+      <a:camera prst="orthographicFront"/>
+      <a:lightRig rig="threePt" dir="t"/>
+    </dgm:scene3d>
+    <dgm:sp3d/>
+    <dgm:txPr/>
+    <dgm:style>
+      <a:lnRef idx="2">
+        <a:scrgbClr r="0" g="0" b="0"/>
+      </a:lnRef>
+      <a:fillRef idx="1">
+        <a:scrgbClr r="0" g="0" b="0"/>
+      </a:fillRef>
+      <a:effectRef idx="0">
+        <a:scrgbClr r="0" g="0" b="0"/>
+      </a:effectRef>
+      <a:fontRef idx="minor"/>
+    </dgm:style>
+  </dgm:styleLbl>
+  <dgm:styleLbl name="bgAccFollowNode1">
+    <dgm:scene3d>
+      <a:camera prst="orthographicFront"/>
+      <a:lightRig rig="threePt" dir="t"/>
+    </dgm:scene3d>
+    <dgm:sp3d/>
+    <dgm:txPr/>
+    <dgm:style>
+      <a:lnRef idx="2">
+        <a:scrgbClr r="0" g="0" b="0"/>
+      </a:lnRef>
+      <a:fillRef idx="1">
+        <a:scrgbClr r="0" g="0" b="0"/>
+      </a:fillRef>
+      <a:effectRef idx="0">
+        <a:scrgbClr r="0" g="0" b="0"/>
+      </a:effectRef>
+      <a:fontRef idx="minor"/>
+    </dgm:style>
+  </dgm:styleLbl>
+  <dgm:styleLbl name="fgAcc0">
+    <dgm:scene3d>
+      <a:camera prst="orthographicFront"/>
+      <a:lightRig rig="threePt" dir="t"/>
+    </dgm:scene3d>
+    <dgm:sp3d/>
+    <dgm:txPr/>
+    <dgm:style>
+      <a:lnRef idx="2">
+        <a:scrgbClr r="0" g="0" b="0"/>
+      </a:lnRef>
+      <a:fillRef idx="1">
+        <a:scrgbClr r="0" g="0" b="0"/>
+      </a:fillRef>
+      <a:effectRef idx="0">
+        <a:scrgbClr r="0" g="0" b="0"/>
+      </a:effectRef>
+      <a:fontRef idx="minor"/>
+    </dgm:style>
+  </dgm:styleLbl>
+  <dgm:styleLbl name="fgAcc2">
+    <dgm:scene3d>
+      <a:camera prst="orthographicFront"/>
+      <a:lightRig rig="threePt" dir="t"/>
+    </dgm:scene3d>
+    <dgm:sp3d/>
+    <dgm:txPr/>
+    <dgm:style>
+      <a:lnRef idx="2">
+        <a:scrgbClr r="0" g="0" b="0"/>
+      </a:lnRef>
+      <a:fillRef idx="1">
+        <a:scrgbClr r="0" g="0" b="0"/>
+      </a:fillRef>
+      <a:effectRef idx="0">
+        <a:scrgbClr r="0" g="0" b="0"/>
+      </a:effectRef>
+      <a:fontRef idx="minor"/>
+    </dgm:style>
+  </dgm:styleLbl>
+  <dgm:styleLbl name="fgAcc3">
+    <dgm:scene3d>
+      <a:camera prst="orthographicFront"/>
+      <a:lightRig rig="threePt" dir="t"/>
+    </dgm:scene3d>
+    <dgm:sp3d/>
+    <dgm:txPr/>
+    <dgm:style>
+      <a:lnRef idx="2">
+        <a:scrgbClr r="0" g="0" b="0"/>
+      </a:lnRef>
+      <a:fillRef idx="1">
+        <a:scrgbClr r="0" g="0" b="0"/>
+      </a:fillRef>
+      <a:effectRef idx="0">
+        <a:scrgbClr r="0" g="0" b="0"/>
+      </a:effectRef>
+      <a:fontRef idx="minor"/>
+    </dgm:style>
+  </dgm:styleLbl>
+  <dgm:styleLbl name="fgAcc4">
+    <dgm:scene3d>
+      <a:camera prst="orthographicFront"/>
+      <a:lightRig rig="threePt" dir="t"/>
+    </dgm:scene3d>
+    <dgm:sp3d/>
+    <dgm:txPr/>
+    <dgm:style>
+      <a:lnRef idx="2">
+        <a:scrgbClr r="0" g="0" b="0"/>
+      </a:lnRef>
+      <a:fillRef idx="1">
+        <a:scrgbClr r="0" g="0" b="0"/>
+      </a:fillRef>
+      <a:effectRef idx="0">
+        <a:scrgbClr r="0" g="0" b="0"/>
+      </a:effectRef>
+      <a:fontRef idx="minor"/>
+    </dgm:style>
+  </dgm:styleLbl>
+  <dgm:styleLbl name="bgShp">
+    <dgm:scene3d>
+      <a:camera prst="orthographicFront"/>
+      <a:lightRig rig="threePt" dir="t"/>
+    </dgm:scene3d>
+    <dgm:sp3d/>
+    <dgm:txPr/>
+    <dgm:style>
+      <a:lnRef idx="0">
+        <a:scrgbClr r="0" g="0" b="0"/>
+      </a:lnRef>
+      <a:fillRef idx="1">
+        <a:scrgbClr r="0" g="0" b="0"/>
+      </a:fillRef>
+      <a:effectRef idx="0">
+        <a:scrgbClr r="0" g="0" b="0"/>
+      </a:effectRef>
+      <a:fontRef idx="minor"/>
+    </dgm:style>
+  </dgm:styleLbl>
+  <dgm:styleLbl name="dkBgShp">
+    <dgm:scene3d>
+      <a:camera prst="orthographicFront"/>
+      <a:lightRig rig="threePt" dir="t"/>
+    </dgm:scene3d>
+    <dgm:sp3d/>
+    <dgm:txPr/>
+    <dgm:style>
+      <a:lnRef idx="0">
+        <a:scrgbClr r="0" g="0" b="0"/>
+      </a:lnRef>
+      <a:fillRef idx="1">
+        <a:scrgbClr r="0" g="0" b="0"/>
+      </a:fillRef>
+      <a:effectRef idx="0">
+        <a:scrgbClr r="0" g="0" b="0"/>
+      </a:effectRef>
+      <a:fontRef idx="minor"/>
+    </dgm:style>
+  </dgm:styleLbl>
+  <dgm:styleLbl name="trBgShp">
+    <dgm:scene3d>
+      <a:camera prst="orthographicFront"/>
+      <a:lightRig rig="threePt" dir="t"/>
+    </dgm:scene3d>
+    <dgm:sp3d/>
+    <dgm:txPr/>
+    <dgm:style>
+      <a:lnRef idx="0">
+        <a:scrgbClr r="0" g="0" b="0"/>
+      </a:lnRef>
+      <a:fillRef idx="1">
+        <a:scrgbClr r="0" g="0" b="0"/>
+      </a:fillRef>
+      <a:effectRef idx="0">
+        <a:scrgbClr r="0" g="0" b="0"/>
+      </a:effectRef>
+      <a:fontRef idx="minor"/>
+    </dgm:style>
+  </dgm:styleLbl>
+  <dgm:styleLbl name="fgShp">
+    <dgm:scene3d>
+      <a:camera prst="orthographicFront"/>
+      <a:lightRig rig="threePt" dir="t"/>
+    </dgm:scene3d>
+    <dgm:sp3d/>
+    <dgm:txPr/>
+    <dgm:style>
+      <a:lnRef idx="2">
+        <a:scrgbClr r="0" g="0" b="0"/>
+      </a:lnRef>
+      <a:fillRef idx="1">
+        <a:scrgbClr r="0" g="0" b="0"/>
+      </a:fillRef>
+      <a:effectRef idx="0">
+        <a:scrgbClr r="0" g="0" b="0"/>
+      </a:effectRef>
+      <a:fontRef idx="minor"/>
+    </dgm:style>
+  </dgm:styleLbl>
+  <dgm:styleLbl name="revTx">
+    <dgm:scene3d>
+      <a:camera prst="orthographicFront"/>
+      <a:lightRig rig="threePt" dir="t"/>
+    </dgm:scene3d>
+    <dgm:sp3d/>
+    <dgm:txPr/>
+    <dgm:style>
+      <a:lnRef idx="0">
+        <a:scrgbClr r="0" g="0" b="0"/>
+      </a:lnRef>
+      <a:fillRef idx="0">
+        <a:scrgbClr r="0" g="0" b="0"/>
+      </a:fillRef>
+      <a:effectRef idx="0">
+        <a:scrgbClr r="0" g="0" b="0"/>
+      </a:effectRef>
+      <a:fontRef idx="minor"/>
+    </dgm:style>
+  </dgm:styleLbl>
+</dgm:styleDef>
+</file>
+
+<file path=ppt/notesMasters/notesMaster1.xml><?xml version="1.0" encoding="utf-8"?>
+<p:notesMaster xmlns:a="http://schemas.openxmlformats.org/drawingml/2006/main" xmlns:r="http://schemas.openxmlformats.org/officeDocument/2006/relationships" xmlns:p="http://schemas.openxmlformats.org/presentationml/2006/main">
+  <p:cSld>
+    <p:bg>
+      <p:bgRef idx="1001">
+        <a:schemeClr val="bg1"/>
+      </p:bgRef>
+    </p:bg>
+    <p:spTree>
+      <p:nvGrpSpPr>
+        <p:cNvPr id="1" name=""/>
+        <p:cNvGrpSpPr/>
+        <p:nvPr/>
+      </p:nvGrpSpPr>
+      <p:grpSpPr>
+        <a:xfrm>
+          <a:off x="0" y="0"/>
+          <a:ext cx="0" cy="0"/>
+          <a:chOff x="0" y="0"/>
+          <a:chExt cx="0" cy="0"/>
+        </a:xfrm>
+      </p:grpSpPr>
+      <p:sp>
+        <p:nvSpPr>
+          <p:cNvPr id="2" name="Header Placeholder 1"/>
+          <p:cNvSpPr>
+            <a:spLocks noGrp="1"/>
+          </p:cNvSpPr>
+          <p:nvPr>
+            <p:ph type="hdr" sz="quarter"/>
+          </p:nvPr>
+        </p:nvSpPr>
+        <p:spPr>
+          <a:xfrm>
+            <a:off x="0" y="0"/>
+            <a:ext cx="2971800" cy="458788"/>
+          </a:xfrm>
+          <a:prstGeom prst="rect">
+            <a:avLst/>
+          </a:prstGeom>
+        </p:spPr>
+        <p:txBody>
+          <a:bodyPr vert="horz" lIns="91440" tIns="45720" rIns="91440" bIns="45720" rtlCol="0"/>
+          <a:lstStyle>
+            <a:lvl1pPr algn="l">
+              <a:defRPr sz="1200"/>
+            </a:lvl1pPr>
+          </a:lstStyle>
+          <a:p>
+            <a:endParaRPr lang="en-FR"/>
+          </a:p>
+        </p:txBody>
+      </p:sp>
+      <p:sp>
+        <p:nvSpPr>
+          <p:cNvPr id="3" name="Date Placeholder 2"/>
+          <p:cNvSpPr>
+            <a:spLocks noGrp="1"/>
+          </p:cNvSpPr>
+          <p:nvPr>
+            <p:ph type="dt" idx="1"/>
+          </p:nvPr>
+        </p:nvSpPr>
+        <p:spPr>
+          <a:xfrm>
+            <a:off x="3884613" y="0"/>
+            <a:ext cx="2971800" cy="458788"/>
+          </a:xfrm>
+          <a:prstGeom prst="rect">
+            <a:avLst/>
+          </a:prstGeom>
+        </p:spPr>
+        <p:txBody>
+          <a:bodyPr vert="horz" lIns="91440" tIns="45720" rIns="91440" bIns="45720" rtlCol="0"/>
+          <a:lstStyle>
+            <a:lvl1pPr algn="r">
+              <a:defRPr sz="1200"/>
+            </a:lvl1pPr>
+          </a:lstStyle>
+          <a:p>
+            <a:fld id="{5EF038EE-3650-9345-93A6-274236650039}" type="datetimeFigureOut">
+              <a:rPr lang="en-FR" smtClean="0"/>
+              <a:t>07/12/2020</a:t>
+            </a:fld>
+            <a:endParaRPr lang="en-FR"/>
+          </a:p>
+        </p:txBody>
+      </p:sp>
+      <p:sp>
+        <p:nvSpPr>
+          <p:cNvPr id="4" name="Slide Image Placeholder 3"/>
+          <p:cNvSpPr>
+            <a:spLocks noGrp="1" noRot="1" noChangeAspect="1"/>
+          </p:cNvSpPr>
+          <p:nvPr>
+            <p:ph type="sldImg" idx="2"/>
+          </p:nvPr>
+        </p:nvSpPr>
+        <p:spPr>
+          <a:xfrm>
+            <a:off x="685800" y="1143000"/>
+            <a:ext cx="5486400" cy="3086100"/>
+          </a:xfrm>
+          <a:prstGeom prst="rect">
+            <a:avLst/>
+          </a:prstGeom>
+          <a:noFill/>
+          <a:ln w="12700">
+            <a:solidFill>
+              <a:prstClr val="black"/>
+            </a:solidFill>
+          </a:ln>
+        </p:spPr>
+        <p:txBody>
+          <a:bodyPr vert="horz" lIns="91440" tIns="45720" rIns="91440" bIns="45720" rtlCol="0" anchor="ctr"/>
+          <a:lstStyle/>
+          <a:p>
+            <a:endParaRPr lang="en-FR"/>
+          </a:p>
+        </p:txBody>
+      </p:sp>
+      <p:sp>
+        <p:nvSpPr>
+          <p:cNvPr id="5" name="Notes Placeholder 4"/>
+          <p:cNvSpPr>
+            <a:spLocks noGrp="1"/>
+          </p:cNvSpPr>
+          <p:nvPr>
+            <p:ph type="body" sz="quarter" idx="3"/>
+          </p:nvPr>
+        </p:nvSpPr>
+        <p:spPr>
+          <a:xfrm>
+            <a:off x="685800" y="4400550"/>
+            <a:ext cx="5486400" cy="3600450"/>
+          </a:xfrm>
+          <a:prstGeom prst="rect">
+            <a:avLst/>
+          </a:prstGeom>
+        </p:spPr>
+        <p:txBody>
+          <a:bodyPr vert="horz" lIns="91440" tIns="45720" rIns="91440" bIns="45720" rtlCol="0"/>
+          <a:lstStyle/>
+          <a:p>
+            <a:pPr lvl="0"/>
+            <a:r>
+              <a:rPr lang="en-GB"/>
+              <a:t>Click to edit Master text styles</a:t>
+            </a:r>
+          </a:p>
+          <a:p>
+            <a:pPr lvl="1"/>
+            <a:r>
+              <a:rPr lang="en-GB"/>
+              <a:t>Second level</a:t>
+            </a:r>
+          </a:p>
+          <a:p>
+            <a:pPr lvl="2"/>
+            <a:r>
+              <a:rPr lang="en-GB"/>
+              <a:t>Third level</a:t>
+            </a:r>
+          </a:p>
+          <a:p>
+            <a:pPr lvl="3"/>
+            <a:r>
+              <a:rPr lang="en-GB"/>
+              <a:t>Fourth level</a:t>
+            </a:r>
+          </a:p>
+          <a:p>
+            <a:pPr lvl="4"/>
+            <a:r>
+              <a:rPr lang="en-GB"/>
+              <a:t>Fifth level</a:t>
+            </a:r>
+            <a:endParaRPr lang="en-FR"/>
+          </a:p>
+        </p:txBody>
+      </p:sp>
+      <p:sp>
+        <p:nvSpPr>
+          <p:cNvPr id="6" name="Footer Placeholder 5"/>
+          <p:cNvSpPr>
+            <a:spLocks noGrp="1"/>
+          </p:cNvSpPr>
+          <p:nvPr>
+            <p:ph type="ftr" sz="quarter" idx="4"/>
+          </p:nvPr>
+        </p:nvSpPr>
+        <p:spPr>
+          <a:xfrm>
+            <a:off x="0" y="8685213"/>
+            <a:ext cx="2971800" cy="458787"/>
+          </a:xfrm>
+          <a:prstGeom prst="rect">
+            <a:avLst/>
+          </a:prstGeom>
+        </p:spPr>
+        <p:txBody>
+          <a:bodyPr vert="horz" lIns="91440" tIns="45720" rIns="91440" bIns="45720" rtlCol="0" anchor="b"/>
+          <a:lstStyle>
+            <a:lvl1pPr algn="l">
+              <a:defRPr sz="1200"/>
+            </a:lvl1pPr>
+          </a:lstStyle>
+          <a:p>
+            <a:endParaRPr lang="en-FR"/>
+          </a:p>
+        </p:txBody>
+      </p:sp>
+      <p:sp>
+        <p:nvSpPr>
+          <p:cNvPr id="7" name="Slide Number Placeholder 6"/>
+          <p:cNvSpPr>
+            <a:spLocks noGrp="1"/>
+          </p:cNvSpPr>
+          <p:nvPr>
+            <p:ph type="sldNum" sz="quarter" idx="5"/>
+          </p:nvPr>
+        </p:nvSpPr>
+        <p:spPr>
+          <a:xfrm>
+            <a:off x="3884613" y="8685213"/>
+            <a:ext cx="2971800" cy="458787"/>
+          </a:xfrm>
+          <a:prstGeom prst="rect">
+            <a:avLst/>
+          </a:prstGeom>
+        </p:spPr>
+        <p:txBody>
+          <a:bodyPr vert="horz" lIns="91440" tIns="45720" rIns="91440" bIns="45720" rtlCol="0" anchor="b"/>
+          <a:lstStyle>
+            <a:lvl1pPr algn="r">
+              <a:defRPr sz="1200"/>
+            </a:lvl1pPr>
+          </a:lstStyle>
+          <a:p>
+            <a:fld id="{B4885187-4350-C14B-9475-870BEF49B041}" type="slidenum">
+              <a:rPr lang="en-FR" smtClean="0"/>
+              <a:t>‹#›</a:t>
+            </a:fld>
+            <a:endParaRPr lang="en-FR"/>
+          </a:p>
+        </p:txBody>
+      </p:sp>
+    </p:spTree>
+    <p:extLst>
+      <p:ext uri="{BB962C8B-B14F-4D97-AF65-F5344CB8AC3E}">
+        <p14:creationId xmlns:p14="http://schemas.microsoft.com/office/powerpoint/2010/main" val="931337934"/>
+      </p:ext>
+    </p:extLst>
+  </p:cSld>
+  <p:clrMap bg1="lt1" tx1="dk1" bg2="lt2" tx2="dk2" accent1="accent1" accent2="accent2" accent3="accent3" accent4="accent4" accent5="accent5" accent6="accent6" hlink="hlink" folHlink="folHlink"/>
+  <p:notesStyle>
+    <a:lvl1pPr marL="0" algn="l" defTabSz="914400" rtl="0" eaLnBrk="1" latinLnBrk="0" hangingPunct="1">
+      <a:defRPr sz="1200" kern="1200">
+        <a:solidFill>
+          <a:schemeClr val="tx1"/>
+        </a:solidFill>
+        <a:latin typeface="+mn-lt"/>
+        <a:ea typeface="+mn-ea"/>
+        <a:cs typeface="+mn-cs"/>
+      </a:defRPr>
+    </a:lvl1pPr>
+    <a:lvl2pPr marL="457200" algn="l" defTabSz="914400" rtl="0" eaLnBrk="1" latinLnBrk="0" hangingPunct="1">
+      <a:defRPr sz="1200" kern="1200">
+        <a:solidFill>
+          <a:schemeClr val="tx1"/>
+        </a:solidFill>
+        <a:latin typeface="+mn-lt"/>
+        <a:ea typeface="+mn-ea"/>
+        <a:cs typeface="+mn-cs"/>
+      </a:defRPr>
+    </a:lvl2pPr>
+    <a:lvl3pPr marL="914400" algn="l" defTabSz="914400" rtl="0" eaLnBrk="1" latinLnBrk="0" hangingPunct="1">
+      <a:defRPr sz="1200" kern="1200">
+        <a:solidFill>
+          <a:schemeClr val="tx1"/>
+        </a:solidFill>
+        <a:latin typeface="+mn-lt"/>
+        <a:ea typeface="+mn-ea"/>
+        <a:cs typeface="+mn-cs"/>
+      </a:defRPr>
+    </a:lvl3pPr>
+    <a:lvl4pPr marL="1371600" algn="l" defTabSz="914400" rtl="0" eaLnBrk="1" latinLnBrk="0" hangingPunct="1">
+      <a:defRPr sz="1200" kern="1200">
+        <a:solidFill>
+          <a:schemeClr val="tx1"/>
+        </a:solidFill>
+        <a:latin typeface="+mn-lt"/>
+        <a:ea typeface="+mn-ea"/>
+        <a:cs typeface="+mn-cs"/>
+      </a:defRPr>
+    </a:lvl4pPr>
+    <a:lvl5pPr marL="1828800" algn="l" defTabSz="914400" rtl="0" eaLnBrk="1" latinLnBrk="0" hangingPunct="1">
+      <a:defRPr sz="1200" kern="1200">
+        <a:solidFill>
+          <a:schemeClr val="tx1"/>
+        </a:solidFill>
+        <a:latin typeface="+mn-lt"/>
+        <a:ea typeface="+mn-ea"/>
+        <a:cs typeface="+mn-cs"/>
+      </a:defRPr>
+    </a:lvl5pPr>
+    <a:lvl6pPr marL="2286000" algn="l" defTabSz="914400" rtl="0" eaLnBrk="1" latinLnBrk="0" hangingPunct="1">
+      <a:defRPr sz="1200" kern="1200">
+        <a:solidFill>
+          <a:schemeClr val="tx1"/>
+        </a:solidFill>
+        <a:latin typeface="+mn-lt"/>
+        <a:ea typeface="+mn-ea"/>
+        <a:cs typeface="+mn-cs"/>
+      </a:defRPr>
+    </a:lvl6pPr>
+    <a:lvl7pPr marL="2743200" algn="l" defTabSz="914400" rtl="0" eaLnBrk="1" latinLnBrk="0" hangingPunct="1">
+      <a:defRPr sz="1200" kern="1200">
+        <a:solidFill>
+          <a:schemeClr val="tx1"/>
+        </a:solidFill>
+        <a:latin typeface="+mn-lt"/>
+        <a:ea typeface="+mn-ea"/>
+        <a:cs typeface="+mn-cs"/>
+      </a:defRPr>
+    </a:lvl7pPr>
+    <a:lvl8pPr marL="3200400" algn="l" defTabSz="914400" rtl="0" eaLnBrk="1" latinLnBrk="0" hangingPunct="1">
+      <a:defRPr sz="1200" kern="1200">
+        <a:solidFill>
+          <a:schemeClr val="tx1"/>
+        </a:solidFill>
+        <a:latin typeface="+mn-lt"/>
+        <a:ea typeface="+mn-ea"/>
+        <a:cs typeface="+mn-cs"/>
+      </a:defRPr>
+    </a:lvl8pPr>
+    <a:lvl9pPr marL="3657600" algn="l" defTabSz="914400" rtl="0" eaLnBrk="1" latinLnBrk="0" hangingPunct="1">
+      <a:defRPr sz="1200" kern="1200">
+        <a:solidFill>
+          <a:schemeClr val="tx1"/>
+        </a:solidFill>
+        <a:latin typeface="+mn-lt"/>
+        <a:ea typeface="+mn-ea"/>
+        <a:cs typeface="+mn-cs"/>
+      </a:defRPr>
+    </a:lvl9pPr>
+  </p:notesStyle>
+</p:notesMaster>
+</file>
+
+<file path=ppt/notesSlides/notesSlide1.xml><?xml version="1.0" encoding="utf-8"?>
+<p:notes xmlns:a="http://schemas.openxmlformats.org/drawingml/2006/main" xmlns:r="http://schemas.openxmlformats.org/officeDocument/2006/relationships" xmlns:p="http://schemas.openxmlformats.org/presentationml/2006/main">
+  <p:cSld>
+    <p:spTree>
+      <p:nvGrpSpPr>
+        <p:cNvPr id="1" name=""/>
+        <p:cNvGrpSpPr/>
+        <p:nvPr/>
+      </p:nvGrpSpPr>
+      <p:grpSpPr>
+        <a:xfrm>
+          <a:off x="0" y="0"/>
+          <a:ext cx="0" cy="0"/>
+          <a:chOff x="0" y="0"/>
+          <a:chExt cx="0" cy="0"/>
+        </a:xfrm>
+      </p:grpSpPr>
+      <p:sp>
+        <p:nvSpPr>
+          <p:cNvPr id="2" name="Slide Image Placeholder 1"/>
+          <p:cNvSpPr>
+            <a:spLocks noGrp="1" noRot="1" noChangeAspect="1"/>
+          </p:cNvSpPr>
+          <p:nvPr>
+            <p:ph type="sldImg"/>
+          </p:nvPr>
+        </p:nvSpPr>
+        <p:spPr/>
+      </p:sp>
+      <p:sp>
+        <p:nvSpPr>
+          <p:cNvPr id="3" name="Notes Placeholder 2"/>
+          <p:cNvSpPr>
+            <a:spLocks noGrp="1"/>
+          </p:cNvSpPr>
+          <p:nvPr>
+            <p:ph type="body" idx="1"/>
+          </p:nvPr>
+        </p:nvSpPr>
+        <p:spPr/>
+        <p:txBody>
+          <a:bodyPr/>
+          <a:lstStyle/>
+          <a:p>
+            <a:endParaRPr lang="en-FR" dirty="0"/>
+          </a:p>
+        </p:txBody>
+      </p:sp>
+      <p:sp>
+        <p:nvSpPr>
+          <p:cNvPr id="4" name="Slide Number Placeholder 3"/>
+          <p:cNvSpPr>
+            <a:spLocks noGrp="1"/>
+          </p:cNvSpPr>
+          <p:nvPr>
+            <p:ph type="sldNum" sz="quarter" idx="5"/>
+          </p:nvPr>
+        </p:nvSpPr>
+        <p:spPr/>
+        <p:txBody>
+          <a:bodyPr/>
+          <a:lstStyle/>
+          <a:p>
+            <a:fld id="{B4885187-4350-C14B-9475-870BEF49B041}" type="slidenum">
+              <a:rPr lang="en-FR" smtClean="0"/>
+              <a:t>5</a:t>
+            </a:fld>
+            <a:endParaRPr lang="en-FR"/>
+          </a:p>
+        </p:txBody>
+      </p:sp>
+    </p:spTree>
+    <p:extLst>
+      <p:ext uri="{BB962C8B-B14F-4D97-AF65-F5344CB8AC3E}">
+        <p14:creationId xmlns:p14="http://schemas.microsoft.com/office/powerpoint/2010/main" val="1015161822"/>
+      </p:ext>
+    </p:extLst>
+  </p:cSld>
+  <p:clrMapOvr>
+    <a:masterClrMapping/>
+  </p:clrMapOvr>
+</p:notes>
 </file>
 
 <file path=ppt/slideLayouts/slideLayout1.xml><?xml version="1.0" encoding="utf-8"?>
@@ -19034,89 +22399,6 @@
 <file path=ppt/slides/slide10.xml><?xml version="1.0" encoding="utf-8"?>
 <p:sld xmlns:a="http://schemas.openxmlformats.org/drawingml/2006/main" xmlns:r="http://schemas.openxmlformats.org/officeDocument/2006/relationships" xmlns:p="http://schemas.openxmlformats.org/presentationml/2006/main">
   <p:cSld>
-    <p:spTree>
-      <p:nvGrpSpPr>
-        <p:cNvPr id="1" name=""/>
-        <p:cNvGrpSpPr/>
-        <p:nvPr/>
-      </p:nvGrpSpPr>
-      <p:grpSpPr>
-        <a:xfrm>
-          <a:off x="0" y="0"/>
-          <a:ext cx="0" cy="0"/>
-          <a:chOff x="0" y="0"/>
-          <a:chExt cx="0" cy="0"/>
-        </a:xfrm>
-      </p:grpSpPr>
-      <p:sp>
-        <p:nvSpPr>
-          <p:cNvPr id="2" name="Title 1">
-            <a:extLst>
-              <a:ext uri="{FF2B5EF4-FFF2-40B4-BE49-F238E27FC236}">
-                <a16:creationId xmlns:a16="http://schemas.microsoft.com/office/drawing/2014/main" id="{06768ECD-3B0D-6F48-9FAF-FC30AC00B150}"/>
-              </a:ext>
-            </a:extLst>
-          </p:cNvPr>
-          <p:cNvSpPr>
-            <a:spLocks noGrp="1"/>
-          </p:cNvSpPr>
-          <p:nvPr>
-            <p:ph type="title"/>
-          </p:nvPr>
-        </p:nvSpPr>
-        <p:spPr/>
-        <p:txBody>
-          <a:bodyPr/>
-          <a:lstStyle/>
-          <a:p>
-            <a:r>
-              <a:rPr lang="en-FR" dirty="0"/>
-              <a:t>Agile : Backlog</a:t>
-            </a:r>
-          </a:p>
-        </p:txBody>
-      </p:sp>
-      <p:sp>
-        <p:nvSpPr>
-          <p:cNvPr id="3" name="Content Placeholder 2">
-            <a:extLst>
-              <a:ext uri="{FF2B5EF4-FFF2-40B4-BE49-F238E27FC236}">
-                <a16:creationId xmlns:a16="http://schemas.microsoft.com/office/drawing/2014/main" id="{B70D4BB2-3075-CF41-A580-53BBD08CB6D4}"/>
-              </a:ext>
-            </a:extLst>
-          </p:cNvPr>
-          <p:cNvSpPr>
-            <a:spLocks noGrp="1"/>
-          </p:cNvSpPr>
-          <p:nvPr>
-            <p:ph idx="1"/>
-          </p:nvPr>
-        </p:nvSpPr>
-        <p:spPr/>
-        <p:txBody>
-          <a:bodyPr/>
-          <a:lstStyle/>
-          <a:p>
-            <a:endParaRPr lang="en-FR"/>
-          </a:p>
-        </p:txBody>
-      </p:sp>
-    </p:spTree>
-    <p:extLst>
-      <p:ext uri="{BB962C8B-B14F-4D97-AF65-F5344CB8AC3E}">
-        <p14:creationId xmlns:p14="http://schemas.microsoft.com/office/powerpoint/2010/main" val="1767619586"/>
-      </p:ext>
-    </p:extLst>
-  </p:cSld>
-  <p:clrMapOvr>
-    <a:masterClrMapping/>
-  </p:clrMapOvr>
-</p:sld>
-</file>
-
-<file path=ppt/slides/slide11.xml><?xml version="1.0" encoding="utf-8"?>
-<p:sld xmlns:a="http://schemas.openxmlformats.org/drawingml/2006/main" xmlns:r="http://schemas.openxmlformats.org/officeDocument/2006/relationships" xmlns:p="http://schemas.openxmlformats.org/presentationml/2006/main">
-  <p:cSld>
     <p:bg>
       <p:bgPr>
         <a:solidFill>
@@ -19423,7 +22705,7 @@
 </p:sld>
 </file>
 
-<file path=ppt/slides/slide12.xml><?xml version="1.0" encoding="utf-8"?>
+<file path=ppt/slides/slide11.xml><?xml version="1.0" encoding="utf-8"?>
 <p:sld xmlns:a="http://schemas.openxmlformats.org/drawingml/2006/main" xmlns:r="http://schemas.openxmlformats.org/officeDocument/2006/relationships" xmlns:p="http://schemas.openxmlformats.org/presentationml/2006/main">
   <p:cSld>
     <p:bg>
@@ -19732,7 +23014,7 @@
 </p:sld>
 </file>
 
-<file path=ppt/slides/slide13.xml><?xml version="1.0" encoding="utf-8"?>
+<file path=ppt/slides/slide12.xml><?xml version="1.0" encoding="utf-8"?>
 <p:sld xmlns:a="http://schemas.openxmlformats.org/drawingml/2006/main" xmlns:r="http://schemas.openxmlformats.org/officeDocument/2006/relationships" xmlns:p="http://schemas.openxmlformats.org/presentationml/2006/main">
   <p:cSld>
     <p:spTree>
@@ -20146,179 +23428,6 @@
 <file path=ppt/slides/slide5.xml><?xml version="1.0" encoding="utf-8"?>
 <p:sld xmlns:a="http://schemas.openxmlformats.org/drawingml/2006/main" xmlns:r="http://schemas.openxmlformats.org/officeDocument/2006/relationships" xmlns:p="http://schemas.openxmlformats.org/presentationml/2006/main">
   <p:cSld>
-    <p:bg>
-      <p:bgPr>
-        <a:solidFill>
-          <a:schemeClr val="bg1"/>
-        </a:solidFill>
-        <a:effectLst/>
-      </p:bgPr>
-    </p:bg>
-    <p:spTree>
-      <p:nvGrpSpPr>
-        <p:cNvPr id="1" name=""/>
-        <p:cNvGrpSpPr/>
-        <p:nvPr/>
-      </p:nvGrpSpPr>
-      <p:grpSpPr>
-        <a:xfrm>
-          <a:off x="0" y="0"/>
-          <a:ext cx="0" cy="0"/>
-          <a:chOff x="0" y="0"/>
-          <a:chExt cx="0" cy="0"/>
-        </a:xfrm>
-      </p:grpSpPr>
-      <p:sp>
-        <p:nvSpPr>
-          <p:cNvPr id="9" name="Rectangle 8">
-            <a:extLst>
-              <a:ext uri="{FF2B5EF4-FFF2-40B4-BE49-F238E27FC236}">
-                <a16:creationId xmlns:a16="http://schemas.microsoft.com/office/drawing/2014/main" id="{3A5B4632-C963-4296-86F0-79AA9EA5AE98}"/>
-              </a:ext>
-              <a:ext uri="{C183D7F6-B498-43B3-948B-1728B52AA6E4}">
-                <adec:decorative xmlns:adec="http://schemas.microsoft.com/office/drawing/2017/decorative" val="1"/>
-              </a:ext>
-            </a:extLst>
-          </p:cNvPr>
-          <p:cNvSpPr>
-            <a:spLocks noGrp="1" noRot="1" noChangeAspect="1" noMove="1" noResize="1" noEditPoints="1" noAdjustHandles="1" noChangeArrowheads="1" noChangeShapeType="1" noTextEdit="1"/>
-          </p:cNvSpPr>
-          <p:nvPr>
-            <p:extLst>
-              <p:ext uri="{386F3935-93C4-4BCD-93E2-E3B085C9AB24}">
-                <p16:designElem xmlns:p16="http://schemas.microsoft.com/office/powerpoint/2015/main" val="1"/>
-              </p:ext>
-            </p:extLst>
-          </p:nvPr>
-        </p:nvSpPr>
-        <p:spPr bwMode="ltGray">
-          <a:xfrm>
-            <a:off x="338328" y="303591"/>
-            <a:ext cx="4335327" cy="5896743"/>
-          </a:xfrm>
-          <a:prstGeom prst="rect">
-            <a:avLst/>
-          </a:prstGeom>
-          <a:solidFill>
-            <a:schemeClr val="tx1">
-              <a:alpha val="15000"/>
-            </a:schemeClr>
-          </a:solidFill>
-          <a:ln w="127000" cap="sq" cmpd="thinThick">
-            <a:solidFill>
-              <a:schemeClr val="tx1">
-                <a:alpha val="10000"/>
-              </a:schemeClr>
-            </a:solidFill>
-          </a:ln>
-        </p:spPr>
-        <p:style>
-          <a:lnRef idx="2">
-            <a:schemeClr val="accent1">
-              <a:shade val="50000"/>
-            </a:schemeClr>
-          </a:lnRef>
-          <a:fillRef idx="1">
-            <a:schemeClr val="accent1"/>
-          </a:fillRef>
-          <a:effectRef idx="0">
-            <a:schemeClr val="accent1"/>
-          </a:effectRef>
-          <a:fontRef idx="minor">
-            <a:schemeClr val="lt1"/>
-          </a:fontRef>
-        </p:style>
-        <p:txBody>
-          <a:bodyPr rtlCol="0" anchor="ctr"/>
-          <a:lstStyle/>
-          <a:p>
-            <a:pPr algn="ctr"/>
-            <a:endParaRPr lang="en-US"/>
-          </a:p>
-        </p:txBody>
-      </p:sp>
-      <p:sp>
-        <p:nvSpPr>
-          <p:cNvPr id="2" name="Title 1">
-            <a:extLst>
-              <a:ext uri="{FF2B5EF4-FFF2-40B4-BE49-F238E27FC236}">
-                <a16:creationId xmlns:a16="http://schemas.microsoft.com/office/drawing/2014/main" id="{78082E0F-DB62-E24C-8854-F5EF6E5CDAA1}"/>
-              </a:ext>
-            </a:extLst>
-          </p:cNvPr>
-          <p:cNvSpPr>
-            <a:spLocks noGrp="1"/>
-          </p:cNvSpPr>
-          <p:nvPr>
-            <p:ph type="title"/>
-          </p:nvPr>
-        </p:nvSpPr>
-        <p:spPr>
-          <a:xfrm>
-            <a:off x="594360" y="637125"/>
-            <a:ext cx="3802276" cy="5256371"/>
-          </a:xfrm>
-        </p:spPr>
-        <p:txBody>
-          <a:bodyPr>
-            <a:normAutofit/>
-          </a:bodyPr>
-          <a:lstStyle/>
-          <a:p>
-            <a:r>
-              <a:rPr lang="en-FR" sz="4800"/>
-              <a:t>API Rest</a:t>
-            </a:r>
-          </a:p>
-        </p:txBody>
-      </p:sp>
-      <p:graphicFrame>
-        <p:nvGraphicFramePr>
-          <p:cNvPr id="5" name="Content Placeholder 2">
-            <a:extLst>
-              <a:ext uri="{FF2B5EF4-FFF2-40B4-BE49-F238E27FC236}">
-                <a16:creationId xmlns:a16="http://schemas.microsoft.com/office/drawing/2014/main" id="{029193E7-7543-407E-BC1C-05C692070C3E}"/>
-              </a:ext>
-            </a:extLst>
-          </p:cNvPr>
-          <p:cNvGraphicFramePr>
-            <a:graphicFrameLocks noGrp="1"/>
-          </p:cNvGraphicFramePr>
-          <p:nvPr>
-            <p:ph idx="1"/>
-            <p:extLst>
-              <p:ext uri="{D42A27DB-BD31-4B8C-83A1-F6EECF244321}">
-                <p14:modId xmlns:p14="http://schemas.microsoft.com/office/powerpoint/2010/main" val="2887525410"/>
-              </p:ext>
-            </p:extLst>
-          </p:nvPr>
-        </p:nvGraphicFramePr>
-        <p:xfrm>
-          <a:off x="5166985" y="303591"/>
-          <a:ext cx="6588691" cy="5896743"/>
-        </p:xfrm>
-        <a:graphic>
-          <a:graphicData uri="http://schemas.openxmlformats.org/drawingml/2006/diagram">
-            <dgm:relIds xmlns:dgm="http://schemas.openxmlformats.org/drawingml/2006/diagram" xmlns:r="http://schemas.openxmlformats.org/officeDocument/2006/relationships" r:dm="rId2" r:lo="rId3" r:qs="rId4" r:cs="rId5"/>
-          </a:graphicData>
-        </a:graphic>
-      </p:graphicFrame>
-    </p:spTree>
-    <p:extLst>
-      <p:ext uri="{BB962C8B-B14F-4D97-AF65-F5344CB8AC3E}">
-        <p14:creationId xmlns:p14="http://schemas.microsoft.com/office/powerpoint/2010/main" val="1941821167"/>
-      </p:ext>
-    </p:extLst>
-  </p:cSld>
-  <p:clrMapOvr>
-    <a:masterClrMapping/>
-  </p:clrMapOvr>
-</p:sld>
-</file>
-
-<file path=ppt/slides/slide6.xml><?xml version="1.0" encoding="utf-8"?>
-<p:sld xmlns:a="http://schemas.openxmlformats.org/drawingml/2006/main" xmlns:r="http://schemas.openxmlformats.org/officeDocument/2006/relationships" xmlns:p="http://schemas.openxmlformats.org/presentationml/2006/main">
-  <p:cSld>
     <p:spTree>
       <p:nvGrpSpPr>
         <p:cNvPr id="1" name=""/>
@@ -20338,7 +23447,7 @@
           <p:cNvPr id="2" name="Title 1">
             <a:extLst>
               <a:ext uri="{FF2B5EF4-FFF2-40B4-BE49-F238E27FC236}">
-                <a16:creationId xmlns:a16="http://schemas.microsoft.com/office/drawing/2014/main" id="{7B4F74D4-D8E8-E045-92ED-54C79088437B}"/>
+                <a16:creationId xmlns:a16="http://schemas.microsoft.com/office/drawing/2014/main" id="{139E5225-2027-414F-94A1-9601630B7A5A}"/>
               </a:ext>
             </a:extLst>
           </p:cNvPr>
@@ -20349,9 +23458,16 @@
             <p:ph type="title"/>
           </p:nvPr>
         </p:nvSpPr>
-        <p:spPr/>
+        <p:spPr>
+          <a:xfrm>
+            <a:off x="841248" y="256032"/>
+            <a:ext cx="10506456" cy="1014984"/>
+          </a:xfrm>
+        </p:spPr>
         <p:txBody>
-          <a:bodyPr/>
+          <a:bodyPr anchor="b">
+            <a:normAutofit/>
+          </a:bodyPr>
           <a:lstStyle/>
           <a:p>
             <a:r>
@@ -20361,44 +23477,41 @@
           </a:p>
         </p:txBody>
       </p:sp>
-      <p:sp>
-        <p:nvSpPr>
-          <p:cNvPr id="3" name="Content Placeholder 2">
+      <p:graphicFrame>
+        <p:nvGraphicFramePr>
+          <p:cNvPr id="18" name="Content Placeholder 2">
             <a:extLst>
               <a:ext uri="{FF2B5EF4-FFF2-40B4-BE49-F238E27FC236}">
-                <a16:creationId xmlns:a16="http://schemas.microsoft.com/office/drawing/2014/main" id="{8A6BB574-C341-704F-92BA-32850DD210FB}"/>
+                <a16:creationId xmlns:a16="http://schemas.microsoft.com/office/drawing/2014/main" id="{803AD350-FC61-4E79-81BF-5305D15355E8}"/>
               </a:ext>
             </a:extLst>
           </p:cNvPr>
-          <p:cNvSpPr>
-            <a:spLocks noGrp="1"/>
-          </p:cNvSpPr>
+          <p:cNvGraphicFramePr>
+            <a:graphicFrameLocks noGrp="1"/>
+          </p:cNvGraphicFramePr>
           <p:nvPr>
             <p:ph idx="1"/>
+            <p:extLst>
+              <p:ext uri="{D42A27DB-BD31-4B8C-83A1-F6EECF244321}">
+                <p14:modId xmlns:p14="http://schemas.microsoft.com/office/powerpoint/2010/main" val="3389161508"/>
+              </p:ext>
+            </p:extLst>
           </p:nvPr>
-        </p:nvSpPr>
-        <p:spPr/>
-        <p:txBody>
-          <a:bodyPr/>
-          <a:lstStyle/>
-          <a:p>
-            <a:r>
-              <a:rPr lang="en-FR" dirty="0"/>
-              <a:t>Heroku</a:t>
-            </a:r>
-          </a:p>
-          <a:p>
-            <a:r>
-              <a:rPr lang="en-FR" dirty="0"/>
-              <a:t>Node.js + Docker</a:t>
-            </a:r>
-          </a:p>
-        </p:txBody>
-      </p:sp>
+        </p:nvGraphicFramePr>
+        <p:xfrm>
+          <a:off x="838200" y="1926266"/>
+          <a:ext cx="10515600" cy="4357524"/>
+        </p:xfrm>
+        <a:graphic>
+          <a:graphicData uri="http://schemas.openxmlformats.org/drawingml/2006/diagram">
+            <dgm:relIds xmlns:dgm="http://schemas.openxmlformats.org/drawingml/2006/diagram" xmlns:r="http://schemas.openxmlformats.org/officeDocument/2006/relationships" r:dm="rId3" r:lo="rId4" r:qs="rId5" r:cs="rId6"/>
+          </a:graphicData>
+        </a:graphic>
+      </p:graphicFrame>
     </p:spTree>
     <p:extLst>
       <p:ext uri="{BB962C8B-B14F-4D97-AF65-F5344CB8AC3E}">
-        <p14:creationId xmlns:p14="http://schemas.microsoft.com/office/powerpoint/2010/main" val="369506457"/>
+        <p14:creationId xmlns:p14="http://schemas.microsoft.com/office/powerpoint/2010/main" val="3776386544"/>
       </p:ext>
     </p:extLst>
   </p:cSld>
@@ -20408,7 +23521,7 @@
 </p:sld>
 </file>
 
-<file path=ppt/slides/slide7.xml><?xml version="1.0" encoding="utf-8"?>
+<file path=ppt/slides/slide6.xml><?xml version="1.0" encoding="utf-8"?>
 <p:sld xmlns:a="http://schemas.openxmlformats.org/drawingml/2006/main" xmlns:r="http://schemas.openxmlformats.org/officeDocument/2006/relationships" xmlns:p="http://schemas.openxmlformats.org/presentationml/2006/main">
   <p:cSld>
     <p:bg>
@@ -20709,9 +23822,17 @@
 </p:sld>
 </file>
 
-<file path=ppt/slides/slide8.xml><?xml version="1.0" encoding="utf-8"?>
+<file path=ppt/slides/slide7.xml><?xml version="1.0" encoding="utf-8"?>
 <p:sld xmlns:a="http://schemas.openxmlformats.org/drawingml/2006/main" xmlns:r="http://schemas.openxmlformats.org/officeDocument/2006/relationships" xmlns:p="http://schemas.openxmlformats.org/presentationml/2006/main">
   <p:cSld>
+    <p:bg>
+      <p:bgPr>
+        <a:solidFill>
+          <a:schemeClr val="bg1"/>
+        </a:solidFill>
+        <a:effectLst/>
+      </p:bgPr>
+    </p:bg>
     <p:spTree>
       <p:nvGrpSpPr>
         <p:cNvPr id="1" name=""/>
@@ -20742,13 +23863,20 @@
             <p:ph type="title"/>
           </p:nvPr>
         </p:nvSpPr>
-        <p:spPr/>
+        <p:spPr>
+          <a:xfrm>
+            <a:off x="396573" y="320675"/>
+            <a:ext cx="11407487" cy="1325563"/>
+          </a:xfrm>
+        </p:spPr>
         <p:txBody>
-          <a:bodyPr/>
+          <a:bodyPr>
+            <a:normAutofit/>
+          </a:bodyPr>
           <a:lstStyle/>
           <a:p>
             <a:r>
-              <a:rPr lang="en-FR" dirty="0"/>
+              <a:rPr lang="en-FR" sz="5400"/>
               <a:t>Agile : Implémentation</a:t>
             </a:r>
           </a:p>
@@ -20756,44 +23884,114 @@
       </p:sp>
       <p:sp>
         <p:nvSpPr>
-          <p:cNvPr id="3" name="Content Placeholder 2">
+          <p:cNvPr id="9" name="Rectangle 8">
             <a:extLst>
               <a:ext uri="{FF2B5EF4-FFF2-40B4-BE49-F238E27FC236}">
-                <a16:creationId xmlns:a16="http://schemas.microsoft.com/office/drawing/2014/main" id="{B70D4BB2-3075-CF41-A580-53BBD08CB6D4}"/>
+                <a16:creationId xmlns:a16="http://schemas.microsoft.com/office/drawing/2014/main" id="{37E32B78-23DD-4E77-8B9C-7779E3BF20C2}"/>
+              </a:ext>
+              <a:ext uri="{C183D7F6-B498-43B3-948B-1728B52AA6E4}">
+                <adec:decorative xmlns:adec="http://schemas.microsoft.com/office/drawing/2017/decorative" val="1"/>
               </a:ext>
             </a:extLst>
           </p:cNvPr>
           <p:cNvSpPr>
-            <a:spLocks noGrp="1"/>
+            <a:spLocks noGrp="1" noRot="1" noChangeAspect="1" noMove="1" noResize="1" noEditPoints="1" noAdjustHandles="1" noChangeArrowheads="1" noChangeShapeType="1" noTextEdit="1"/>
           </p:cNvSpPr>
           <p:nvPr>
-            <p:ph idx="1"/>
+            <p:extLst>
+              <p:ext uri="{386F3935-93C4-4BCD-93E2-E3B085C9AB24}">
+                <p16:designElem xmlns:p16="http://schemas.microsoft.com/office/powerpoint/2015/main" val="1"/>
+              </p:ext>
+            </p:extLst>
           </p:nvPr>
         </p:nvSpPr>
-        <p:spPr/>
+        <p:spPr>
+          <a:xfrm>
+            <a:off x="0" y="0"/>
+            <a:ext cx="126124" cy="6858000"/>
+          </a:xfrm>
+          <a:prstGeom prst="rect">
+            <a:avLst/>
+          </a:prstGeom>
+          <a:solidFill>
+            <a:srgbClr val="4472C4"/>
+          </a:solidFill>
+          <a:ln w="12700" cap="flat" cmpd="sng" algn="ctr">
+            <a:noFill/>
+            <a:prstDash val="solid"/>
+            <a:miter lim="800000"/>
+          </a:ln>
+          <a:effectLst/>
+        </p:spPr>
         <p:txBody>
-          <a:bodyPr/>
+          <a:bodyPr rtlCol="0" anchor="ctr"/>
           <a:lstStyle/>
           <a:p>
-            <a:r>
-              <a:rPr lang="en-FR" dirty="0"/>
-              <a:t>Ce que l’on a pu faire</a:t>
-            </a:r>
-          </a:p>
-          <a:p>
-            <a:r>
-              <a:rPr lang="en-FR" dirty="0"/>
-              <a:t>Daily Stand up meeting (15 minutes max)</a:t>
-            </a:r>
-          </a:p>
-          <a:p>
-            <a:r>
-              <a:rPr lang="en-FR" dirty="0"/>
-              <a:t>2 sprints de 2 semaines</a:t>
-            </a:r>
+            <a:pPr marL="0" marR="0" lvl="0" indent="0" algn="ctr" defTabSz="914400" eaLnBrk="1" fontAlgn="auto" latinLnBrk="0" hangingPunct="1">
+              <a:lnSpc>
+                <a:spcPct val="100000"/>
+              </a:lnSpc>
+              <a:spcBef>
+                <a:spcPts val="0"/>
+              </a:spcBef>
+              <a:spcAft>
+                <a:spcPts val="0"/>
+              </a:spcAft>
+              <a:buClrTx/>
+              <a:buSzTx/>
+              <a:buFontTx/>
+              <a:buNone/>
+              <a:tabLst/>
+              <a:defRPr/>
+            </a:pPr>
+            <a:endParaRPr kumimoji="0" lang="en-US" sz="1800" b="0" i="0" u="none" strike="noStrike" kern="0" cap="none" spc="0" normalizeH="0" baseline="0" noProof="0">
+              <a:ln>
+                <a:noFill/>
+              </a:ln>
+              <a:solidFill>
+                <a:prstClr val="white"/>
+              </a:solidFill>
+              <a:effectLst/>
+              <a:uLnTx/>
+              <a:uFillTx/>
+              <a:latin typeface="Calibri" panose="020F0502020204030204"/>
+              <a:ea typeface="+mn-ea"/>
+              <a:cs typeface="+mn-cs"/>
+            </a:endParaRPr>
           </a:p>
         </p:txBody>
       </p:sp>
+      <p:graphicFrame>
+        <p:nvGraphicFramePr>
+          <p:cNvPr id="5" name="Content Placeholder 2">
+            <a:extLst>
+              <a:ext uri="{FF2B5EF4-FFF2-40B4-BE49-F238E27FC236}">
+                <a16:creationId xmlns:a16="http://schemas.microsoft.com/office/drawing/2014/main" id="{E23904AC-AAF8-4D83-B9AF-6C709288F8AE}"/>
+              </a:ext>
+            </a:extLst>
+          </p:cNvPr>
+          <p:cNvGraphicFramePr>
+            <a:graphicFrameLocks noGrp="1"/>
+          </p:cNvGraphicFramePr>
+          <p:nvPr>
+            <p:ph idx="1"/>
+            <p:extLst>
+              <p:ext uri="{D42A27DB-BD31-4B8C-83A1-F6EECF244321}">
+                <p14:modId xmlns:p14="http://schemas.microsoft.com/office/powerpoint/2010/main" val="2044896302"/>
+              </p:ext>
+            </p:extLst>
+          </p:nvPr>
+        </p:nvGraphicFramePr>
+        <p:xfrm>
+          <a:off x="396574" y="1825625"/>
+          <a:ext cx="11407487" cy="4351338"/>
+        </p:xfrm>
+        <a:graphic>
+          <a:graphicData uri="http://schemas.openxmlformats.org/drawingml/2006/diagram">
+            <dgm:relIds xmlns:dgm="http://schemas.openxmlformats.org/drawingml/2006/diagram" xmlns:r="http://schemas.openxmlformats.org/officeDocument/2006/relationships" r:dm="rId2" r:lo="rId3" r:qs="rId4" r:cs="rId5"/>
+          </a:graphicData>
+        </a:graphic>
+      </p:graphicFrame>
     </p:spTree>
     <p:extLst>
       <p:ext uri="{BB962C8B-B14F-4D97-AF65-F5344CB8AC3E}">
@@ -20807,7 +24005,7 @@
 </p:sld>
 </file>
 
-<file path=ppt/slides/slide9.xml><?xml version="1.0" encoding="utf-8"?>
+<file path=ppt/slides/slide8.xml><?xml version="1.0" encoding="utf-8"?>
 <p:sld xmlns:a="http://schemas.openxmlformats.org/drawingml/2006/main" xmlns:r="http://schemas.openxmlformats.org/officeDocument/2006/relationships" xmlns:p="http://schemas.openxmlformats.org/presentationml/2006/main">
   <p:cSld>
     <p:spTree>
@@ -20884,6 +24082,89 @@
     <p:extLst>
       <p:ext uri="{BB962C8B-B14F-4D97-AF65-F5344CB8AC3E}">
         <p14:creationId xmlns:p14="http://schemas.microsoft.com/office/powerpoint/2010/main" val="2504933308"/>
+      </p:ext>
+    </p:extLst>
+  </p:cSld>
+  <p:clrMapOvr>
+    <a:masterClrMapping/>
+  </p:clrMapOvr>
+</p:sld>
+</file>
+
+<file path=ppt/slides/slide9.xml><?xml version="1.0" encoding="utf-8"?>
+<p:sld xmlns:a="http://schemas.openxmlformats.org/drawingml/2006/main" xmlns:r="http://schemas.openxmlformats.org/officeDocument/2006/relationships" xmlns:p="http://schemas.openxmlformats.org/presentationml/2006/main">
+  <p:cSld>
+    <p:spTree>
+      <p:nvGrpSpPr>
+        <p:cNvPr id="1" name=""/>
+        <p:cNvGrpSpPr/>
+        <p:nvPr/>
+      </p:nvGrpSpPr>
+      <p:grpSpPr>
+        <a:xfrm>
+          <a:off x="0" y="0"/>
+          <a:ext cx="0" cy="0"/>
+          <a:chOff x="0" y="0"/>
+          <a:chExt cx="0" cy="0"/>
+        </a:xfrm>
+      </p:grpSpPr>
+      <p:sp>
+        <p:nvSpPr>
+          <p:cNvPr id="2" name="Title 1">
+            <a:extLst>
+              <a:ext uri="{FF2B5EF4-FFF2-40B4-BE49-F238E27FC236}">
+                <a16:creationId xmlns:a16="http://schemas.microsoft.com/office/drawing/2014/main" id="{06768ECD-3B0D-6F48-9FAF-FC30AC00B150}"/>
+              </a:ext>
+            </a:extLst>
+          </p:cNvPr>
+          <p:cNvSpPr>
+            <a:spLocks noGrp="1"/>
+          </p:cNvSpPr>
+          <p:nvPr>
+            <p:ph type="title"/>
+          </p:nvPr>
+        </p:nvSpPr>
+        <p:spPr/>
+        <p:txBody>
+          <a:bodyPr/>
+          <a:lstStyle/>
+          <a:p>
+            <a:r>
+              <a:rPr lang="en-FR" dirty="0"/>
+              <a:t>Agile : Backlog</a:t>
+            </a:r>
+          </a:p>
+        </p:txBody>
+      </p:sp>
+      <p:sp>
+        <p:nvSpPr>
+          <p:cNvPr id="3" name="Content Placeholder 2">
+            <a:extLst>
+              <a:ext uri="{FF2B5EF4-FFF2-40B4-BE49-F238E27FC236}">
+                <a16:creationId xmlns:a16="http://schemas.microsoft.com/office/drawing/2014/main" id="{B70D4BB2-3075-CF41-A580-53BBD08CB6D4}"/>
+              </a:ext>
+            </a:extLst>
+          </p:cNvPr>
+          <p:cNvSpPr>
+            <a:spLocks noGrp="1"/>
+          </p:cNvSpPr>
+          <p:nvPr>
+            <p:ph idx="1"/>
+          </p:nvPr>
+        </p:nvSpPr>
+        <p:spPr/>
+        <p:txBody>
+          <a:bodyPr/>
+          <a:lstStyle/>
+          <a:p>
+            <a:endParaRPr lang="en-FR"/>
+          </a:p>
+        </p:txBody>
+      </p:sp>
+    </p:spTree>
+    <p:extLst>
+      <p:ext uri="{BB962C8B-B14F-4D97-AF65-F5344CB8AC3E}">
+        <p14:creationId xmlns:p14="http://schemas.microsoft.com/office/powerpoint/2010/main" val="1767619586"/>
       </p:ext>
     </p:extLst>
   </p:cSld>
@@ -21186,4 +24467,299 @@
     </a:ext>
   </a:extLst>
 </a:theme>
+</file>
+
+<file path=ppt/theme/theme2.xml><?xml version="1.0" encoding="utf-8"?>
+<a:theme xmlns:a="http://schemas.openxmlformats.org/drawingml/2006/main" name="Office Theme">
+  <a:themeElements>
+    <a:clrScheme name="Office">
+      <a:dk1>
+        <a:sysClr val="windowText" lastClr="000000"/>
+      </a:dk1>
+      <a:lt1>
+        <a:sysClr val="window" lastClr="FFFFFF"/>
+      </a:lt1>
+      <a:dk2>
+        <a:srgbClr val="44546A"/>
+      </a:dk2>
+      <a:lt2>
+        <a:srgbClr val="E7E6E6"/>
+      </a:lt2>
+      <a:accent1>
+        <a:srgbClr val="4472C4"/>
+      </a:accent1>
+      <a:accent2>
+        <a:srgbClr val="ED7D31"/>
+      </a:accent2>
+      <a:accent3>
+        <a:srgbClr val="A5A5A5"/>
+      </a:accent3>
+      <a:accent4>
+        <a:srgbClr val="FFC000"/>
+      </a:accent4>
+      <a:accent5>
+        <a:srgbClr val="5B9BD5"/>
+      </a:accent5>
+      <a:accent6>
+        <a:srgbClr val="70AD47"/>
+      </a:accent6>
+      <a:hlink>
+        <a:srgbClr val="0563C1"/>
+      </a:hlink>
+      <a:folHlink>
+        <a:srgbClr val="954F72"/>
+      </a:folHlink>
+    </a:clrScheme>
+    <a:fontScheme name="Office">
+      <a:majorFont>
+        <a:latin typeface="Calibri Light" panose="020F0302020204030204"/>
+        <a:ea typeface=""/>
+        <a:cs typeface=""/>
+        <a:font script="Jpan" typeface="游ゴシック Light"/>
+        <a:font script="Hang" typeface="맑은 고딕"/>
+        <a:font script="Hans" typeface="等线 Light"/>
+        <a:font script="Hant" typeface="新細明體"/>
+        <a:font script="Arab" typeface="Times New Roman"/>
+        <a:font script="Hebr" typeface="Times New Roman"/>
+        <a:font script="Thai" typeface="Angsana New"/>
+        <a:font script="Ethi" typeface="Nyala"/>
+        <a:font script="Beng" typeface="Vrinda"/>
+        <a:font script="Gujr" typeface="Shruti"/>
+        <a:font script="Khmr" typeface="MoolBoran"/>
+        <a:font script="Knda" typeface="Tunga"/>
+        <a:font script="Guru" typeface="Raavi"/>
+        <a:font script="Cans" typeface="Euphemia"/>
+        <a:font script="Cher" typeface="Plantagenet Cherokee"/>
+        <a:font script="Yiii" typeface="Microsoft Yi Baiti"/>
+        <a:font script="Tibt" typeface="Microsoft Himalaya"/>
+        <a:font script="Thaa" typeface="MV Boli"/>
+        <a:font script="Deva" typeface="Mangal"/>
+        <a:font script="Telu" typeface="Gautami"/>
+        <a:font script="Taml" typeface="Latha"/>
+        <a:font script="Syrc" typeface="Estrangelo Edessa"/>
+        <a:font script="Orya" typeface="Kalinga"/>
+        <a:font script="Mlym" typeface="Kartika"/>
+        <a:font script="Laoo" typeface="DokChampa"/>
+        <a:font script="Sinh" typeface="Iskoola Pota"/>
+        <a:font script="Mong" typeface="Mongolian Baiti"/>
+        <a:font script="Viet" typeface="Times New Roman"/>
+        <a:font script="Uigh" typeface="Microsoft Uighur"/>
+        <a:font script="Geor" typeface="Sylfaen"/>
+        <a:font script="Armn" typeface="Arial"/>
+        <a:font script="Bugi" typeface="Leelawadee UI"/>
+        <a:font script="Bopo" typeface="Microsoft JhengHei"/>
+        <a:font script="Java" typeface="Javanese Text"/>
+        <a:font script="Lisu" typeface="Segoe UI"/>
+        <a:font script="Mymr" typeface="Myanmar Text"/>
+        <a:font script="Nkoo" typeface="Ebrima"/>
+        <a:font script="Olck" typeface="Nirmala UI"/>
+        <a:font script="Osma" typeface="Ebrima"/>
+        <a:font script="Phag" typeface="Phagspa"/>
+        <a:font script="Syrn" typeface="Estrangelo Edessa"/>
+        <a:font script="Syrj" typeface="Estrangelo Edessa"/>
+        <a:font script="Syre" typeface="Estrangelo Edessa"/>
+        <a:font script="Sora" typeface="Nirmala UI"/>
+        <a:font script="Tale" typeface="Microsoft Tai Le"/>
+        <a:font script="Talu" typeface="Microsoft New Tai Lue"/>
+        <a:font script="Tfng" typeface="Ebrima"/>
+      </a:majorFont>
+      <a:minorFont>
+        <a:latin typeface="Calibri" panose="020F0502020204030204"/>
+        <a:ea typeface=""/>
+        <a:cs typeface=""/>
+        <a:font script="Jpan" typeface="游ゴシック"/>
+        <a:font script="Hang" typeface="맑은 고딕"/>
+        <a:font script="Hans" typeface="等线"/>
+        <a:font script="Hant" typeface="新細明體"/>
+        <a:font script="Arab" typeface="Arial"/>
+        <a:font script="Hebr" typeface="Arial"/>
+        <a:font script="Thai" typeface="Cordia New"/>
+        <a:font script="Ethi" typeface="Nyala"/>
+        <a:font script="Beng" typeface="Vrinda"/>
+        <a:font script="Gujr" typeface="Shruti"/>
+        <a:font script="Khmr" typeface="DaunPenh"/>
+        <a:font script="Knda" typeface="Tunga"/>
+        <a:font script="Guru" typeface="Raavi"/>
+        <a:font script="Cans" typeface="Euphemia"/>
+        <a:font script="Cher" typeface="Plantagenet Cherokee"/>
+        <a:font script="Yiii" typeface="Microsoft Yi Baiti"/>
+        <a:font script="Tibt" typeface="Microsoft Himalaya"/>
+        <a:font script="Thaa" typeface="MV Boli"/>
+        <a:font script="Deva" typeface="Mangal"/>
+        <a:font script="Telu" typeface="Gautami"/>
+        <a:font script="Taml" typeface="Latha"/>
+        <a:font script="Syrc" typeface="Estrangelo Edessa"/>
+        <a:font script="Orya" typeface="Kalinga"/>
+        <a:font script="Mlym" typeface="Kartika"/>
+        <a:font script="Laoo" typeface="DokChampa"/>
+        <a:font script="Sinh" typeface="Iskoola Pota"/>
+        <a:font script="Mong" typeface="Mongolian Baiti"/>
+        <a:font script="Viet" typeface="Arial"/>
+        <a:font script="Uigh" typeface="Microsoft Uighur"/>
+        <a:font script="Geor" typeface="Sylfaen"/>
+        <a:font script="Armn" typeface="Arial"/>
+        <a:font script="Bugi" typeface="Leelawadee UI"/>
+        <a:font script="Bopo" typeface="Microsoft JhengHei"/>
+        <a:font script="Java" typeface="Javanese Text"/>
+        <a:font script="Lisu" typeface="Segoe UI"/>
+        <a:font script="Mymr" typeface="Myanmar Text"/>
+        <a:font script="Nkoo" typeface="Ebrima"/>
+        <a:font script="Olck" typeface="Nirmala UI"/>
+        <a:font script="Osma" typeface="Ebrima"/>
+        <a:font script="Phag" typeface="Phagspa"/>
+        <a:font script="Syrn" typeface="Estrangelo Edessa"/>
+        <a:font script="Syrj" typeface="Estrangelo Edessa"/>
+        <a:font script="Syre" typeface="Estrangelo Edessa"/>
+        <a:font script="Sora" typeface="Nirmala UI"/>
+        <a:font script="Tale" typeface="Microsoft Tai Le"/>
+        <a:font script="Talu" typeface="Microsoft New Tai Lue"/>
+        <a:font script="Tfng" typeface="Ebrima"/>
+      </a:minorFont>
+    </a:fontScheme>
+    <a:fmtScheme name="Office">
+      <a:fillStyleLst>
+        <a:solidFill>
+          <a:schemeClr val="phClr"/>
+        </a:solidFill>
+        <a:gradFill rotWithShape="1">
+          <a:gsLst>
+            <a:gs pos="0">
+              <a:schemeClr val="phClr">
+                <a:lumMod val="110000"/>
+                <a:satMod val="105000"/>
+                <a:tint val="67000"/>
+              </a:schemeClr>
+            </a:gs>
+            <a:gs pos="50000">
+              <a:schemeClr val="phClr">
+                <a:lumMod val="105000"/>
+                <a:satMod val="103000"/>
+                <a:tint val="73000"/>
+              </a:schemeClr>
+            </a:gs>
+            <a:gs pos="100000">
+              <a:schemeClr val="phClr">
+                <a:lumMod val="105000"/>
+                <a:satMod val="109000"/>
+                <a:tint val="81000"/>
+              </a:schemeClr>
+            </a:gs>
+          </a:gsLst>
+          <a:lin ang="5400000" scaled="0"/>
+        </a:gradFill>
+        <a:gradFill rotWithShape="1">
+          <a:gsLst>
+            <a:gs pos="0">
+              <a:schemeClr val="phClr">
+                <a:satMod val="103000"/>
+                <a:lumMod val="102000"/>
+                <a:tint val="94000"/>
+              </a:schemeClr>
+            </a:gs>
+            <a:gs pos="50000">
+              <a:schemeClr val="phClr">
+                <a:satMod val="110000"/>
+                <a:lumMod val="100000"/>
+                <a:shade val="100000"/>
+              </a:schemeClr>
+            </a:gs>
+            <a:gs pos="100000">
+              <a:schemeClr val="phClr">
+                <a:lumMod val="99000"/>
+                <a:satMod val="120000"/>
+                <a:shade val="78000"/>
+              </a:schemeClr>
+            </a:gs>
+          </a:gsLst>
+          <a:lin ang="5400000" scaled="0"/>
+        </a:gradFill>
+      </a:fillStyleLst>
+      <a:lnStyleLst>
+        <a:ln w="6350" cap="flat" cmpd="sng" algn="ctr">
+          <a:solidFill>
+            <a:schemeClr val="phClr"/>
+          </a:solidFill>
+          <a:prstDash val="solid"/>
+          <a:miter lim="800000"/>
+        </a:ln>
+        <a:ln w="12700" cap="flat" cmpd="sng" algn="ctr">
+          <a:solidFill>
+            <a:schemeClr val="phClr"/>
+          </a:solidFill>
+          <a:prstDash val="solid"/>
+          <a:miter lim="800000"/>
+        </a:ln>
+        <a:ln w="19050" cap="flat" cmpd="sng" algn="ctr">
+          <a:solidFill>
+            <a:schemeClr val="phClr"/>
+          </a:solidFill>
+          <a:prstDash val="solid"/>
+          <a:miter lim="800000"/>
+        </a:ln>
+      </a:lnStyleLst>
+      <a:effectStyleLst>
+        <a:effectStyle>
+          <a:effectLst/>
+        </a:effectStyle>
+        <a:effectStyle>
+          <a:effectLst/>
+        </a:effectStyle>
+        <a:effectStyle>
+          <a:effectLst>
+            <a:outerShdw blurRad="57150" dist="19050" dir="5400000" algn="ctr" rotWithShape="0">
+              <a:srgbClr val="000000">
+                <a:alpha val="63000"/>
+              </a:srgbClr>
+            </a:outerShdw>
+          </a:effectLst>
+        </a:effectStyle>
+      </a:effectStyleLst>
+      <a:bgFillStyleLst>
+        <a:solidFill>
+          <a:schemeClr val="phClr"/>
+        </a:solidFill>
+        <a:solidFill>
+          <a:schemeClr val="phClr">
+            <a:tint val="95000"/>
+            <a:satMod val="170000"/>
+          </a:schemeClr>
+        </a:solidFill>
+        <a:gradFill rotWithShape="1">
+          <a:gsLst>
+            <a:gs pos="0">
+              <a:schemeClr val="phClr">
+                <a:tint val="93000"/>
+                <a:satMod val="150000"/>
+                <a:shade val="98000"/>
+                <a:lumMod val="102000"/>
+              </a:schemeClr>
+            </a:gs>
+            <a:gs pos="50000">
+              <a:schemeClr val="phClr">
+                <a:tint val="98000"/>
+                <a:satMod val="130000"/>
+                <a:shade val="90000"/>
+                <a:lumMod val="103000"/>
+              </a:schemeClr>
+            </a:gs>
+            <a:gs pos="100000">
+              <a:schemeClr val="phClr">
+                <a:shade val="63000"/>
+                <a:satMod val="120000"/>
+              </a:schemeClr>
+            </a:gs>
+          </a:gsLst>
+          <a:lin ang="5400000" scaled="0"/>
+        </a:gradFill>
+      </a:bgFillStyleLst>
+    </a:fmtScheme>
+  </a:themeElements>
+  <a:objectDefaults/>
+  <a:extraClrSchemeLst/>
+  <a:extLst>
+    <a:ext uri="{05A4C25C-085E-4340-85A3-A5531E510DB2}">
+      <thm15:themeFamily xmlns:thm15="http://schemas.microsoft.com/office/thememl/2012/main" name="Office Theme" id="{62F939B6-93AF-4DB8-9C6B-D6C7DFDC589F}" vid="{4A3C46E8-61CC-4603-A589-7422A47A8E4A}"/>
+    </a:ext>
+  </a:extLst>
+</a:theme>
 </file>
--- a/docs/pptx/Android Project - Group 1 - Becerra Stauner Taxil.pptx
+++ b/docs/pptx/Android Project - Group 1 - Becerra Stauner Taxil.pptx
@@ -5846,48 +5846,6 @@
         </a:p>
       </dgm:t>
     </dgm:pt>
-    <dgm:pt modelId="{F80AC925-2F72-489E-B3EF-928739DAAAA1}">
-      <dgm:prSet/>
-      <dgm:spPr/>
-      <dgm:t>
-        <a:bodyPr/>
-        <a:lstStyle/>
-        <a:p>
-          <a:pPr>
-            <a:lnSpc>
-              <a:spcPct val="100000"/>
-            </a:lnSpc>
-            <a:defRPr cap="all"/>
-          </a:pPr>
-          <a:r>
-            <a:rPr lang="en-US" dirty="0"/>
-            <a:t>Cloud Heroku</a:t>
-          </a:r>
-        </a:p>
-      </dgm:t>
-    </dgm:pt>
-    <dgm:pt modelId="{35BE1E63-3D32-40E2-860E-2238C4E20578}" type="parTrans" cxnId="{5D269332-FDAF-45F5-AD22-ABB50F53DBF9}">
-      <dgm:prSet/>
-      <dgm:spPr/>
-      <dgm:t>
-        <a:bodyPr/>
-        <a:lstStyle/>
-        <a:p>
-          <a:endParaRPr lang="en-US"/>
-        </a:p>
-      </dgm:t>
-    </dgm:pt>
-    <dgm:pt modelId="{24ED7FAC-83AD-4F87-8885-B7078D18592F}" type="sibTrans" cxnId="{5D269332-FDAF-45F5-AD22-ABB50F53DBF9}">
-      <dgm:prSet/>
-      <dgm:spPr/>
-      <dgm:t>
-        <a:bodyPr/>
-        <a:lstStyle/>
-        <a:p>
-          <a:endParaRPr lang="en-US"/>
-        </a:p>
-      </dgm:t>
-    </dgm:pt>
     <dgm:pt modelId="{E0357AFB-04FD-C14F-A0A0-C73FDF6E61D8}">
       <dgm:prSet/>
       <dgm:spPr/>
@@ -5927,6 +5885,48 @@
         <a:lstStyle/>
         <a:p>
           <a:endParaRPr lang="en-GB"/>
+        </a:p>
+      </dgm:t>
+    </dgm:pt>
+    <dgm:pt modelId="{F80AC925-2F72-489E-B3EF-928739DAAAA1}">
+      <dgm:prSet/>
+      <dgm:spPr/>
+      <dgm:t>
+        <a:bodyPr/>
+        <a:lstStyle/>
+        <a:p>
+          <a:pPr>
+            <a:lnSpc>
+              <a:spcPct val="100000"/>
+            </a:lnSpc>
+            <a:defRPr cap="all"/>
+          </a:pPr>
+          <a:r>
+            <a:rPr lang="en-US" dirty="0"/>
+            <a:t>Heroku Cloud</a:t>
+          </a:r>
+        </a:p>
+      </dgm:t>
+    </dgm:pt>
+    <dgm:pt modelId="{24ED7FAC-83AD-4F87-8885-B7078D18592F}" type="sibTrans" cxnId="{5D269332-FDAF-45F5-AD22-ABB50F53DBF9}">
+      <dgm:prSet/>
+      <dgm:spPr/>
+      <dgm:t>
+        <a:bodyPr/>
+        <a:lstStyle/>
+        <a:p>
+          <a:endParaRPr lang="en-US"/>
+        </a:p>
+      </dgm:t>
+    </dgm:pt>
+    <dgm:pt modelId="{35BE1E63-3D32-40E2-860E-2238C4E20578}" type="parTrans" cxnId="{5D269332-FDAF-45F5-AD22-ABB50F53DBF9}">
+      <dgm:prSet/>
+      <dgm:spPr/>
+      <dgm:t>
+        <a:bodyPr/>
+        <a:lstStyle/>
+        <a:p>
+          <a:endParaRPr lang="en-US"/>
         </a:p>
       </dgm:t>
     </dgm:pt>
@@ -9029,7 +9029,7 @@
           </a:pPr>
           <a:r>
             <a:rPr lang="en-US" sz="2900" kern="1200" dirty="0"/>
-            <a:t>Cloud Heroku</a:t>
+            <a:t>Heroku Cloud</a:t>
           </a:r>
         </a:p>
       </dsp:txBody>
@@ -23493,7 +23493,7 @@
             <p:ph idx="1"/>
             <p:extLst>
               <p:ext uri="{D42A27DB-BD31-4B8C-83A1-F6EECF244321}">
-                <p14:modId xmlns:p14="http://schemas.microsoft.com/office/powerpoint/2010/main" val="3389161508"/>
+                <p14:modId xmlns:p14="http://schemas.microsoft.com/office/powerpoint/2010/main" val="2592483096"/>
               </p:ext>
             </p:extLst>
           </p:nvPr>

--- a/docs/pptx/Android Project - Group 1 - Becerra Stauner Taxil.pptx
+++ b/docs/pptx/Android Project - Group 1 - Becerra Stauner Taxil.pptx
@@ -11210,6 +11210,48 @@
         </a:p>
       </dgm:t>
     </dgm:pt>
+    <dgm:pt modelId="{1CCE4954-8353-4B4D-9529-DD303E454CE3}">
+      <dgm:prSet/>
+      <dgm:spPr/>
+      <dgm:t>
+        <a:bodyPr/>
+        <a:lstStyle/>
+        <a:p>
+          <a:pPr>
+            <a:lnSpc>
+              <a:spcPct val="100000"/>
+            </a:lnSpc>
+            <a:defRPr cap="all"/>
+          </a:pPr>
+          <a:r>
+            <a:rPr lang="en-GB" dirty="0"/>
+            <a:t>Postman</a:t>
+          </a:r>
+        </a:p>
+      </dgm:t>
+    </dgm:pt>
+    <dgm:pt modelId="{8229F10B-E3EB-954E-B4E7-178CC4E430BF}" type="parTrans" cxnId="{D17C6CAA-6DA3-E449-8072-F68FA785730B}">
+      <dgm:prSet/>
+      <dgm:spPr/>
+      <dgm:t>
+        <a:bodyPr/>
+        <a:lstStyle/>
+        <a:p>
+          <a:endParaRPr lang="en-GB"/>
+        </a:p>
+      </dgm:t>
+    </dgm:pt>
+    <dgm:pt modelId="{0F71F2AD-A68F-9543-9EC2-2C78AA3EE75B}" type="sibTrans" cxnId="{D17C6CAA-6DA3-E449-8072-F68FA785730B}">
+      <dgm:prSet/>
+      <dgm:spPr/>
+      <dgm:t>
+        <a:bodyPr/>
+        <a:lstStyle/>
+        <a:p>
+          <a:endParaRPr lang="en-GB"/>
+        </a:p>
+      </dgm:t>
+    </dgm:pt>
     <dgm:pt modelId="{9F3F715C-1D5B-4C94-BA9A-5DA4C541F4C3}" type="pres">
       <dgm:prSet presAssocID="{FD87D28C-FF84-4B0F-8221-13EB1F2B325D}" presName="root" presStyleCnt="0">
         <dgm:presLayoutVars>
@@ -11224,11 +11266,11 @@
       <dgm:spPr/>
     </dgm:pt>
     <dgm:pt modelId="{5940A959-C107-4F2E-9F79-8F8320964FBF}" type="pres">
-      <dgm:prSet presAssocID="{EC4BF26E-E2E1-4A26-935B-5AAA490B24A6}" presName="iconBgRect" presStyleLbl="bgShp" presStyleIdx="0" presStyleCnt="11"/>
+      <dgm:prSet presAssocID="{EC4BF26E-E2E1-4A26-935B-5AAA490B24A6}" presName="iconBgRect" presStyleLbl="bgShp" presStyleIdx="0" presStyleCnt="12"/>
       <dgm:spPr/>
     </dgm:pt>
     <dgm:pt modelId="{7BFBDDF5-5BA9-47CA-AD2A-948519A41052}" type="pres">
-      <dgm:prSet presAssocID="{EC4BF26E-E2E1-4A26-935B-5AAA490B24A6}" presName="iconRect" presStyleLbl="node1" presStyleIdx="0" presStyleCnt="11"/>
+      <dgm:prSet presAssocID="{EC4BF26E-E2E1-4A26-935B-5AAA490B24A6}" presName="iconRect" presStyleLbl="node1" presStyleIdx="0" presStyleCnt="12"/>
       <dgm:spPr>
         <a:blipFill>
           <a:blip xmlns:r="http://schemas.openxmlformats.org/officeDocument/2006/relationships" r:embed="rId1">
@@ -11253,7 +11295,7 @@
       <dgm:spPr/>
     </dgm:pt>
     <dgm:pt modelId="{02FA3387-5CA8-42C1-96B9-901BBBA36702}" type="pres">
-      <dgm:prSet presAssocID="{EC4BF26E-E2E1-4A26-935B-5AAA490B24A6}" presName="textRect" presStyleLbl="revTx" presStyleIdx="0" presStyleCnt="11">
+      <dgm:prSet presAssocID="{EC4BF26E-E2E1-4A26-935B-5AAA490B24A6}" presName="textRect" presStyleLbl="revTx" presStyleIdx="0" presStyleCnt="12">
         <dgm:presLayoutVars>
           <dgm:chMax val="1"/>
           <dgm:chPref val="1"/>
@@ -11270,11 +11312,11 @@
       <dgm:spPr/>
     </dgm:pt>
     <dgm:pt modelId="{9F3E46B5-4B68-4C45-BDBC-00FEA3AE98BF}" type="pres">
-      <dgm:prSet presAssocID="{F80AC925-2F72-489E-B3EF-928739DAAAA1}" presName="iconBgRect" presStyleLbl="bgShp" presStyleIdx="1" presStyleCnt="11"/>
+      <dgm:prSet presAssocID="{F80AC925-2F72-489E-B3EF-928739DAAAA1}" presName="iconBgRect" presStyleLbl="bgShp" presStyleIdx="1" presStyleCnt="12"/>
       <dgm:spPr/>
     </dgm:pt>
     <dgm:pt modelId="{E3EC4BD0-231D-44CB-91C6-DFD63DA8FCDA}" type="pres">
-      <dgm:prSet presAssocID="{F80AC925-2F72-489E-B3EF-928739DAAAA1}" presName="iconRect" presStyleLbl="node1" presStyleIdx="1" presStyleCnt="11"/>
+      <dgm:prSet presAssocID="{F80AC925-2F72-489E-B3EF-928739DAAAA1}" presName="iconRect" presStyleLbl="node1" presStyleIdx="1" presStyleCnt="12"/>
       <dgm:spPr>
         <a:blipFill>
           <a:blip xmlns:r="http://schemas.openxmlformats.org/officeDocument/2006/relationships" r:embed="rId2">
@@ -11299,7 +11341,7 @@
       <dgm:spPr/>
     </dgm:pt>
     <dgm:pt modelId="{E65ED937-BBC0-4C78-87D2-C91F19D771AF}" type="pres">
-      <dgm:prSet presAssocID="{F80AC925-2F72-489E-B3EF-928739DAAAA1}" presName="textRect" presStyleLbl="revTx" presStyleIdx="1" presStyleCnt="11">
+      <dgm:prSet presAssocID="{F80AC925-2F72-489E-B3EF-928739DAAAA1}" presName="textRect" presStyleLbl="revTx" presStyleIdx="1" presStyleCnt="12">
         <dgm:presLayoutVars>
           <dgm:chMax val="1"/>
           <dgm:chPref val="1"/>
@@ -11316,11 +11358,11 @@
       <dgm:spPr/>
     </dgm:pt>
     <dgm:pt modelId="{0CCD5A54-E709-42D5-93CE-13C48DF7594E}" type="pres">
-      <dgm:prSet presAssocID="{BDA15D35-6003-47F9-8489-F2805A70E435}" presName="iconBgRect" presStyleLbl="bgShp" presStyleIdx="2" presStyleCnt="11"/>
+      <dgm:prSet presAssocID="{BDA15D35-6003-47F9-8489-F2805A70E435}" presName="iconBgRect" presStyleLbl="bgShp" presStyleIdx="2" presStyleCnt="12"/>
       <dgm:spPr/>
     </dgm:pt>
     <dgm:pt modelId="{EF65853B-3DB8-48FA-998B-4013775780EF}" type="pres">
-      <dgm:prSet presAssocID="{BDA15D35-6003-47F9-8489-F2805A70E435}" presName="iconRect" presStyleLbl="node1" presStyleIdx="2" presStyleCnt="11"/>
+      <dgm:prSet presAssocID="{BDA15D35-6003-47F9-8489-F2805A70E435}" presName="iconRect" presStyleLbl="node1" presStyleIdx="2" presStyleCnt="12"/>
       <dgm:spPr>
         <a:blipFill>
           <a:blip xmlns:r="http://schemas.openxmlformats.org/officeDocument/2006/relationships" r:embed="rId3">
@@ -11345,7 +11387,7 @@
       <dgm:spPr/>
     </dgm:pt>
     <dgm:pt modelId="{F8DC8407-8B5F-461A-AAFF-3E2C683FAFEF}" type="pres">
-      <dgm:prSet presAssocID="{BDA15D35-6003-47F9-8489-F2805A70E435}" presName="textRect" presStyleLbl="revTx" presStyleIdx="2" presStyleCnt="11">
+      <dgm:prSet presAssocID="{BDA15D35-6003-47F9-8489-F2805A70E435}" presName="textRect" presStyleLbl="revTx" presStyleIdx="2" presStyleCnt="12">
         <dgm:presLayoutVars>
           <dgm:chMax val="1"/>
           <dgm:chPref val="1"/>
@@ -11362,11 +11404,11 @@
       <dgm:spPr/>
     </dgm:pt>
     <dgm:pt modelId="{5A34DD4C-6999-6841-B74F-075F36BA2821}" type="pres">
-      <dgm:prSet presAssocID="{1E1EEF5F-11DD-3348-815F-F6D1A2C3FB98}" presName="iconBgRect" presStyleLbl="bgShp" presStyleIdx="3" presStyleCnt="11"/>
+      <dgm:prSet presAssocID="{1E1EEF5F-11DD-3348-815F-F6D1A2C3FB98}" presName="iconBgRect" presStyleLbl="bgShp" presStyleIdx="3" presStyleCnt="12"/>
       <dgm:spPr/>
     </dgm:pt>
     <dgm:pt modelId="{487BF379-9465-3B4C-9F11-4C9124604080}" type="pres">
-      <dgm:prSet presAssocID="{1E1EEF5F-11DD-3348-815F-F6D1A2C3FB98}" presName="iconRect" presStyleLbl="node1" presStyleIdx="3" presStyleCnt="11"/>
+      <dgm:prSet presAssocID="{1E1EEF5F-11DD-3348-815F-F6D1A2C3FB98}" presName="iconRect" presStyleLbl="node1" presStyleIdx="3" presStyleCnt="12"/>
       <dgm:spPr>
         <a:blipFill>
           <a:blip xmlns:r="http://schemas.openxmlformats.org/officeDocument/2006/relationships" r:embed="rId4">
@@ -11388,7 +11430,7 @@
       <dgm:spPr/>
     </dgm:pt>
     <dgm:pt modelId="{A60B75D2-BD8E-7242-8EDE-3AE1C6DEF6B7}" type="pres">
-      <dgm:prSet presAssocID="{1E1EEF5F-11DD-3348-815F-F6D1A2C3FB98}" presName="textRect" presStyleLbl="revTx" presStyleIdx="3" presStyleCnt="11">
+      <dgm:prSet presAssocID="{1E1EEF5F-11DD-3348-815F-F6D1A2C3FB98}" presName="textRect" presStyleLbl="revTx" presStyleIdx="3" presStyleCnt="12">
         <dgm:presLayoutVars>
           <dgm:chMax val="1"/>
           <dgm:chPref val="1"/>
@@ -11405,11 +11447,11 @@
       <dgm:spPr/>
     </dgm:pt>
     <dgm:pt modelId="{CBCCD559-F106-C144-809B-D4F2126DD430}" type="pres">
-      <dgm:prSet presAssocID="{EDDD0289-9D91-B442-9559-5264AD5DDCBD}" presName="iconBgRect" presStyleLbl="bgShp" presStyleIdx="4" presStyleCnt="11"/>
+      <dgm:prSet presAssocID="{EDDD0289-9D91-B442-9559-5264AD5DDCBD}" presName="iconBgRect" presStyleLbl="bgShp" presStyleIdx="4" presStyleCnt="12"/>
       <dgm:spPr/>
     </dgm:pt>
     <dgm:pt modelId="{74FC51DE-4C2E-D448-BF4F-7C4F3CDB1179}" type="pres">
-      <dgm:prSet presAssocID="{EDDD0289-9D91-B442-9559-5264AD5DDCBD}" presName="iconRect" presStyleLbl="node1" presStyleIdx="4" presStyleCnt="11"/>
+      <dgm:prSet presAssocID="{EDDD0289-9D91-B442-9559-5264AD5DDCBD}" presName="iconRect" presStyleLbl="node1" presStyleIdx="4" presStyleCnt="12"/>
       <dgm:spPr>
         <a:blipFill>
           <a:blip xmlns:r="http://schemas.openxmlformats.org/officeDocument/2006/relationships" r:embed="rId5">
@@ -11431,7 +11473,7 @@
       <dgm:spPr/>
     </dgm:pt>
     <dgm:pt modelId="{AECCC8D5-EBF3-DD45-AB27-3FD82A1E64A7}" type="pres">
-      <dgm:prSet presAssocID="{EDDD0289-9D91-B442-9559-5264AD5DDCBD}" presName="textRect" presStyleLbl="revTx" presStyleIdx="4" presStyleCnt="11">
+      <dgm:prSet presAssocID="{EDDD0289-9D91-B442-9559-5264AD5DDCBD}" presName="textRect" presStyleLbl="revTx" presStyleIdx="4" presStyleCnt="12">
         <dgm:presLayoutVars>
           <dgm:chMax val="1"/>
           <dgm:chPref val="1"/>
@@ -11443,16 +11485,16 @@
       <dgm:prSet presAssocID="{00D2C367-7C76-5B44-9B97-72E2A4E57434}" presName="sibTrans" presStyleCnt="0"/>
       <dgm:spPr/>
     </dgm:pt>
-    <dgm:pt modelId="{BB5E3426-2547-2F49-97DF-199CE554BB2E}" type="pres">
-      <dgm:prSet presAssocID="{FD866D2B-C7A2-A842-B453-B99F19E14866}" presName="compNode" presStyleCnt="0"/>
+    <dgm:pt modelId="{1DD739CF-80A3-B542-AFD6-3F9C633CEEF1}" type="pres">
+      <dgm:prSet presAssocID="{1CCE4954-8353-4B4D-9529-DD303E454CE3}" presName="compNode" presStyleCnt="0"/>
       <dgm:spPr/>
     </dgm:pt>
-    <dgm:pt modelId="{A8FEE83B-2B80-4F4C-84D8-FC0E17F96515}" type="pres">
-      <dgm:prSet presAssocID="{FD866D2B-C7A2-A842-B453-B99F19E14866}" presName="iconBgRect" presStyleLbl="bgShp" presStyleIdx="5" presStyleCnt="11"/>
+    <dgm:pt modelId="{D9D8234E-3B6A-EE49-AD2A-22C6E76A1DC1}" type="pres">
+      <dgm:prSet presAssocID="{1CCE4954-8353-4B4D-9529-DD303E454CE3}" presName="iconBgRect" presStyleLbl="bgShp" presStyleIdx="5" presStyleCnt="12"/>
       <dgm:spPr/>
     </dgm:pt>
-    <dgm:pt modelId="{46CBCB7B-5219-3340-A247-8EFB87616D5F}" type="pres">
-      <dgm:prSet presAssocID="{FD866D2B-C7A2-A842-B453-B99F19E14866}" presName="iconRect" presStyleLbl="node1" presStyleIdx="5" presStyleCnt="11"/>
+    <dgm:pt modelId="{F0FEAAE5-ED37-4C46-A6DD-3796AEA45423}" type="pres">
+      <dgm:prSet presAssocID="{1CCE4954-8353-4B4D-9529-DD303E454CE3}" presName="iconRect" presStyleLbl="node1" presStyleIdx="5" presStyleCnt="12"/>
       <dgm:spPr>
         <a:blipFill>
           <a:blip xmlns:r="http://schemas.openxmlformats.org/officeDocument/2006/relationships" r:embed="rId6">
@@ -11469,12 +11511,12 @@
         </a:blipFill>
       </dgm:spPr>
     </dgm:pt>
-    <dgm:pt modelId="{6718D0BE-6E47-904A-A22A-EF1FA28B6B4E}" type="pres">
-      <dgm:prSet presAssocID="{FD866D2B-C7A2-A842-B453-B99F19E14866}" presName="spaceRect" presStyleCnt="0"/>
+    <dgm:pt modelId="{A1F37936-0DF0-5E43-95DF-7C2EE00BFC73}" type="pres">
+      <dgm:prSet presAssocID="{1CCE4954-8353-4B4D-9529-DD303E454CE3}" presName="spaceRect" presStyleCnt="0"/>
       <dgm:spPr/>
     </dgm:pt>
-    <dgm:pt modelId="{71C14C53-163A-114E-AE8B-1F0CB2F00815}" type="pres">
-      <dgm:prSet presAssocID="{FD866D2B-C7A2-A842-B453-B99F19E14866}" presName="textRect" presStyleLbl="revTx" presStyleIdx="5" presStyleCnt="11">
+    <dgm:pt modelId="{137ED790-1C74-EB4C-B251-A11A544EAA76}" type="pres">
+      <dgm:prSet presAssocID="{1CCE4954-8353-4B4D-9529-DD303E454CE3}" presName="textRect" presStyleLbl="revTx" presStyleIdx="5" presStyleCnt="12">
         <dgm:presLayoutVars>
           <dgm:chMax val="1"/>
           <dgm:chPref val="1"/>
@@ -11482,20 +11524,20 @@
       </dgm:prSet>
       <dgm:spPr/>
     </dgm:pt>
-    <dgm:pt modelId="{4EF4FF86-82DB-E543-8609-CFD6C3CDC82D}" type="pres">
-      <dgm:prSet presAssocID="{BB9A8DE2-F791-7F43-B9DA-75D90773EDB9}" presName="sibTrans" presStyleCnt="0"/>
+    <dgm:pt modelId="{3DDAFB14-77D1-8349-8F36-F08FC1900954}" type="pres">
+      <dgm:prSet presAssocID="{0F71F2AD-A68F-9543-9EC2-2C78AA3EE75B}" presName="sibTrans" presStyleCnt="0"/>
       <dgm:spPr/>
     </dgm:pt>
-    <dgm:pt modelId="{2302EE07-F2CE-A642-AD46-F1AB46F48FB4}" type="pres">
-      <dgm:prSet presAssocID="{0B733CDC-BA88-A04D-A155-AB256C46DC1E}" presName="compNode" presStyleCnt="0"/>
+    <dgm:pt modelId="{BB5E3426-2547-2F49-97DF-199CE554BB2E}" type="pres">
+      <dgm:prSet presAssocID="{FD866D2B-C7A2-A842-B453-B99F19E14866}" presName="compNode" presStyleCnt="0"/>
       <dgm:spPr/>
     </dgm:pt>
-    <dgm:pt modelId="{862C165C-A96A-994C-B8EE-C550932D8D6C}" type="pres">
-      <dgm:prSet presAssocID="{0B733CDC-BA88-A04D-A155-AB256C46DC1E}" presName="iconBgRect" presStyleLbl="bgShp" presStyleIdx="6" presStyleCnt="11"/>
+    <dgm:pt modelId="{A8FEE83B-2B80-4F4C-84D8-FC0E17F96515}" type="pres">
+      <dgm:prSet presAssocID="{FD866D2B-C7A2-A842-B453-B99F19E14866}" presName="iconBgRect" presStyleLbl="bgShp" presStyleIdx="6" presStyleCnt="12"/>
       <dgm:spPr/>
     </dgm:pt>
-    <dgm:pt modelId="{1CEC64C8-44EC-0C4A-9F80-17D1C887ADA3}" type="pres">
-      <dgm:prSet presAssocID="{0B733CDC-BA88-A04D-A155-AB256C46DC1E}" presName="iconRect" presStyleLbl="node1" presStyleIdx="6" presStyleCnt="11"/>
+    <dgm:pt modelId="{46CBCB7B-5219-3340-A247-8EFB87616D5F}" type="pres">
+      <dgm:prSet presAssocID="{FD866D2B-C7A2-A842-B453-B99F19E14866}" presName="iconRect" presStyleLbl="node1" presStyleIdx="6" presStyleCnt="12"/>
       <dgm:spPr>
         <a:blipFill>
           <a:blip xmlns:r="http://schemas.openxmlformats.org/officeDocument/2006/relationships" r:embed="rId7">
@@ -11512,12 +11554,12 @@
         </a:blipFill>
       </dgm:spPr>
     </dgm:pt>
-    <dgm:pt modelId="{59D7EFDB-F2F4-0648-9CF6-DCB38093AE84}" type="pres">
-      <dgm:prSet presAssocID="{0B733CDC-BA88-A04D-A155-AB256C46DC1E}" presName="spaceRect" presStyleCnt="0"/>
+    <dgm:pt modelId="{6718D0BE-6E47-904A-A22A-EF1FA28B6B4E}" type="pres">
+      <dgm:prSet presAssocID="{FD866D2B-C7A2-A842-B453-B99F19E14866}" presName="spaceRect" presStyleCnt="0"/>
       <dgm:spPr/>
     </dgm:pt>
-    <dgm:pt modelId="{6668AFCF-964A-7F41-BFB4-C991A3DD3A63}" type="pres">
-      <dgm:prSet presAssocID="{0B733CDC-BA88-A04D-A155-AB256C46DC1E}" presName="textRect" presStyleLbl="revTx" presStyleIdx="6" presStyleCnt="11">
+    <dgm:pt modelId="{71C14C53-163A-114E-AE8B-1F0CB2F00815}" type="pres">
+      <dgm:prSet presAssocID="{FD866D2B-C7A2-A842-B453-B99F19E14866}" presName="textRect" presStyleLbl="revTx" presStyleIdx="6" presStyleCnt="12">
         <dgm:presLayoutVars>
           <dgm:chMax val="1"/>
           <dgm:chPref val="1"/>
@@ -11525,6 +11567,49 @@
       </dgm:prSet>
       <dgm:spPr/>
     </dgm:pt>
+    <dgm:pt modelId="{4EF4FF86-82DB-E543-8609-CFD6C3CDC82D}" type="pres">
+      <dgm:prSet presAssocID="{BB9A8DE2-F791-7F43-B9DA-75D90773EDB9}" presName="sibTrans" presStyleCnt="0"/>
+      <dgm:spPr/>
+    </dgm:pt>
+    <dgm:pt modelId="{2302EE07-F2CE-A642-AD46-F1AB46F48FB4}" type="pres">
+      <dgm:prSet presAssocID="{0B733CDC-BA88-A04D-A155-AB256C46DC1E}" presName="compNode" presStyleCnt="0"/>
+      <dgm:spPr/>
+    </dgm:pt>
+    <dgm:pt modelId="{862C165C-A96A-994C-B8EE-C550932D8D6C}" type="pres">
+      <dgm:prSet presAssocID="{0B733CDC-BA88-A04D-A155-AB256C46DC1E}" presName="iconBgRect" presStyleLbl="bgShp" presStyleIdx="7" presStyleCnt="12"/>
+      <dgm:spPr/>
+    </dgm:pt>
+    <dgm:pt modelId="{1CEC64C8-44EC-0C4A-9F80-17D1C887ADA3}" type="pres">
+      <dgm:prSet presAssocID="{0B733CDC-BA88-A04D-A155-AB256C46DC1E}" presName="iconRect" presStyleLbl="node1" presStyleIdx="7" presStyleCnt="12"/>
+      <dgm:spPr>
+        <a:blipFill>
+          <a:blip xmlns:r="http://schemas.openxmlformats.org/officeDocument/2006/relationships" r:embed="rId8">
+            <a:extLst>
+              <a:ext uri="{28A0092B-C50C-407E-A947-70E740481C1C}">
+                <a14:useLocalDpi xmlns:a14="http://schemas.microsoft.com/office/drawing/2010/main" val="0"/>
+              </a:ext>
+            </a:extLst>
+          </a:blip>
+          <a:srcRect/>
+          <a:stretch>
+            <a:fillRect/>
+          </a:stretch>
+        </a:blipFill>
+      </dgm:spPr>
+    </dgm:pt>
+    <dgm:pt modelId="{59D7EFDB-F2F4-0648-9CF6-DCB38093AE84}" type="pres">
+      <dgm:prSet presAssocID="{0B733CDC-BA88-A04D-A155-AB256C46DC1E}" presName="spaceRect" presStyleCnt="0"/>
+      <dgm:spPr/>
+    </dgm:pt>
+    <dgm:pt modelId="{6668AFCF-964A-7F41-BFB4-C991A3DD3A63}" type="pres">
+      <dgm:prSet presAssocID="{0B733CDC-BA88-A04D-A155-AB256C46DC1E}" presName="textRect" presStyleLbl="revTx" presStyleIdx="7" presStyleCnt="12">
+        <dgm:presLayoutVars>
+          <dgm:chMax val="1"/>
+          <dgm:chPref val="1"/>
+        </dgm:presLayoutVars>
+      </dgm:prSet>
+      <dgm:spPr/>
+    </dgm:pt>
     <dgm:pt modelId="{87D02980-2271-8B4E-A968-282BA10EB907}" type="pres">
       <dgm:prSet presAssocID="{3984063A-A7BB-B245-BC63-35CDD61D41D0}" presName="sibTrans" presStyleCnt="0"/>
       <dgm:spPr/>
@@ -11534,14 +11619,14 @@
       <dgm:spPr/>
     </dgm:pt>
     <dgm:pt modelId="{E350A52D-F9F7-0641-BB96-C07CAD368B6C}" type="pres">
-      <dgm:prSet presAssocID="{2273976C-4FDD-EA4B-8B77-CA7CD48FB26F}" presName="iconBgRect" presStyleLbl="bgShp" presStyleIdx="7" presStyleCnt="11"/>
+      <dgm:prSet presAssocID="{2273976C-4FDD-EA4B-8B77-CA7CD48FB26F}" presName="iconBgRect" presStyleLbl="bgShp" presStyleIdx="8" presStyleCnt="12"/>
       <dgm:spPr/>
     </dgm:pt>
     <dgm:pt modelId="{BA2ECD6C-3D7F-D44F-B9E0-AB2F7861189B}" type="pres">
-      <dgm:prSet presAssocID="{2273976C-4FDD-EA4B-8B77-CA7CD48FB26F}" presName="iconRect" presStyleLbl="node1" presStyleIdx="7" presStyleCnt="11"/>
+      <dgm:prSet presAssocID="{2273976C-4FDD-EA4B-8B77-CA7CD48FB26F}" presName="iconRect" presStyleLbl="node1" presStyleIdx="8" presStyleCnt="12"/>
       <dgm:spPr>
         <a:blipFill>
-          <a:blip xmlns:r="http://schemas.openxmlformats.org/officeDocument/2006/relationships" r:embed="rId8">
+          <a:blip xmlns:r="http://schemas.openxmlformats.org/officeDocument/2006/relationships" r:embed="rId9">
             <a:extLst>
               <a:ext uri="{28A0092B-C50C-407E-A947-70E740481C1C}">
                 <a14:useLocalDpi xmlns:a14="http://schemas.microsoft.com/office/drawing/2010/main" val="0"/>
@@ -11560,7 +11645,7 @@
       <dgm:spPr/>
     </dgm:pt>
     <dgm:pt modelId="{9AFB4E09-231F-5E43-BF93-C13A94C5570C}" type="pres">
-      <dgm:prSet presAssocID="{2273976C-4FDD-EA4B-8B77-CA7CD48FB26F}" presName="textRect" presStyleLbl="revTx" presStyleIdx="7" presStyleCnt="11">
+      <dgm:prSet presAssocID="{2273976C-4FDD-EA4B-8B77-CA7CD48FB26F}" presName="textRect" presStyleLbl="revTx" presStyleIdx="8" presStyleCnt="12">
         <dgm:presLayoutVars>
           <dgm:chMax val="1"/>
           <dgm:chPref val="1"/>
@@ -11577,54 +11662,11 @@
       <dgm:spPr/>
     </dgm:pt>
     <dgm:pt modelId="{07A09F4D-DA0C-DE43-9E3C-61DBC5F77745}" type="pres">
-      <dgm:prSet presAssocID="{22770D66-90E3-7641-9963-75AEAD12ED72}" presName="iconBgRect" presStyleLbl="bgShp" presStyleIdx="8" presStyleCnt="11"/>
+      <dgm:prSet presAssocID="{22770D66-90E3-7641-9963-75AEAD12ED72}" presName="iconBgRect" presStyleLbl="bgShp" presStyleIdx="9" presStyleCnt="12"/>
       <dgm:spPr/>
     </dgm:pt>
     <dgm:pt modelId="{D891CAAC-8523-CA47-B30D-90C47EB88371}" type="pres">
-      <dgm:prSet presAssocID="{22770D66-90E3-7641-9963-75AEAD12ED72}" presName="iconRect" presStyleLbl="node1" presStyleIdx="8" presStyleCnt="11"/>
-      <dgm:spPr>
-        <a:blipFill>
-          <a:blip xmlns:r="http://schemas.openxmlformats.org/officeDocument/2006/relationships" r:embed="rId9">
-            <a:extLst>
-              <a:ext uri="{28A0092B-C50C-407E-A947-70E740481C1C}">
-                <a14:useLocalDpi xmlns:a14="http://schemas.microsoft.com/office/drawing/2010/main" val="0"/>
-              </a:ext>
-            </a:extLst>
-          </a:blip>
-          <a:srcRect/>
-          <a:stretch>
-            <a:fillRect l="-4000" r="-4000"/>
-          </a:stretch>
-        </a:blipFill>
-      </dgm:spPr>
-    </dgm:pt>
-    <dgm:pt modelId="{749A699E-AE2C-B844-AA79-DDD6BDBF25DE}" type="pres">
-      <dgm:prSet presAssocID="{22770D66-90E3-7641-9963-75AEAD12ED72}" presName="spaceRect" presStyleCnt="0"/>
-      <dgm:spPr/>
-    </dgm:pt>
-    <dgm:pt modelId="{AA493F9F-B358-B745-98F3-F3248D5567AF}" type="pres">
-      <dgm:prSet presAssocID="{22770D66-90E3-7641-9963-75AEAD12ED72}" presName="textRect" presStyleLbl="revTx" presStyleIdx="8" presStyleCnt="11">
-        <dgm:presLayoutVars>
-          <dgm:chMax val="1"/>
-          <dgm:chPref val="1"/>
-        </dgm:presLayoutVars>
-      </dgm:prSet>
-      <dgm:spPr/>
-    </dgm:pt>
-    <dgm:pt modelId="{18F55E94-FE4C-9B45-8A71-6C5DB1EE1D0B}" type="pres">
-      <dgm:prSet presAssocID="{DED78E22-1D27-AC49-83A9-91A4D2CF2656}" presName="sibTrans" presStyleCnt="0"/>
-      <dgm:spPr/>
-    </dgm:pt>
-    <dgm:pt modelId="{4A2BF61E-7327-8E47-9034-0522C0095C8A}" type="pres">
-      <dgm:prSet presAssocID="{45E5AF18-F769-D14A-A042-A1626A9C2190}" presName="compNode" presStyleCnt="0"/>
-      <dgm:spPr/>
-    </dgm:pt>
-    <dgm:pt modelId="{BC2B2AF3-1216-2045-B4F4-4C02B2C00E03}" type="pres">
-      <dgm:prSet presAssocID="{45E5AF18-F769-D14A-A042-A1626A9C2190}" presName="iconBgRect" presStyleLbl="bgShp" presStyleIdx="9" presStyleCnt="11"/>
-      <dgm:spPr/>
-    </dgm:pt>
-    <dgm:pt modelId="{F501A3F7-9351-8241-A4E1-4D9FB599F9FD}" type="pres">
-      <dgm:prSet presAssocID="{45E5AF18-F769-D14A-A042-A1626A9C2190}" presName="iconRect" presStyleLbl="node1" presStyleIdx="9" presStyleCnt="11"/>
+      <dgm:prSet presAssocID="{22770D66-90E3-7641-9963-75AEAD12ED72}" presName="iconRect" presStyleLbl="node1" presStyleIdx="9" presStyleCnt="12"/>
       <dgm:spPr>
         <a:blipFill>
           <a:blip xmlns:r="http://schemas.openxmlformats.org/officeDocument/2006/relationships" r:embed="rId10">
@@ -11641,12 +11683,12 @@
         </a:blipFill>
       </dgm:spPr>
     </dgm:pt>
-    <dgm:pt modelId="{87378372-F398-024C-917E-1ECBB3CF95AC}" type="pres">
-      <dgm:prSet presAssocID="{45E5AF18-F769-D14A-A042-A1626A9C2190}" presName="spaceRect" presStyleCnt="0"/>
+    <dgm:pt modelId="{749A699E-AE2C-B844-AA79-DDD6BDBF25DE}" type="pres">
+      <dgm:prSet presAssocID="{22770D66-90E3-7641-9963-75AEAD12ED72}" presName="spaceRect" presStyleCnt="0"/>
       <dgm:spPr/>
     </dgm:pt>
-    <dgm:pt modelId="{03247F0E-1DF2-CC46-971B-B6BF52381F46}" type="pres">
-      <dgm:prSet presAssocID="{45E5AF18-F769-D14A-A042-A1626A9C2190}" presName="textRect" presStyleLbl="revTx" presStyleIdx="9" presStyleCnt="11">
+    <dgm:pt modelId="{AA493F9F-B358-B745-98F3-F3248D5567AF}" type="pres">
+      <dgm:prSet presAssocID="{22770D66-90E3-7641-9963-75AEAD12ED72}" presName="textRect" presStyleLbl="revTx" presStyleIdx="9" presStyleCnt="12">
         <dgm:presLayoutVars>
           <dgm:chMax val="1"/>
           <dgm:chPref val="1"/>
@@ -11654,20 +11696,20 @@
       </dgm:prSet>
       <dgm:spPr/>
     </dgm:pt>
-    <dgm:pt modelId="{07A43777-CC05-C44F-B659-BBB6F2B4B904}" type="pres">
-      <dgm:prSet presAssocID="{003B5E03-59D7-4047-BD2C-EE734AEEF9C4}" presName="sibTrans" presStyleCnt="0"/>
+    <dgm:pt modelId="{18F55E94-FE4C-9B45-8A71-6C5DB1EE1D0B}" type="pres">
+      <dgm:prSet presAssocID="{DED78E22-1D27-AC49-83A9-91A4D2CF2656}" presName="sibTrans" presStyleCnt="0"/>
       <dgm:spPr/>
     </dgm:pt>
-    <dgm:pt modelId="{C585E5F5-9A3E-834D-9370-6F2F21218421}" type="pres">
-      <dgm:prSet presAssocID="{9986FFE0-0BFA-CB44-A614-CE82F0C20EC3}" presName="compNode" presStyleCnt="0"/>
+    <dgm:pt modelId="{4A2BF61E-7327-8E47-9034-0522C0095C8A}" type="pres">
+      <dgm:prSet presAssocID="{45E5AF18-F769-D14A-A042-A1626A9C2190}" presName="compNode" presStyleCnt="0"/>
       <dgm:spPr/>
     </dgm:pt>
-    <dgm:pt modelId="{468E30DE-2D59-BE42-9063-0B18308EE3E0}" type="pres">
-      <dgm:prSet presAssocID="{9986FFE0-0BFA-CB44-A614-CE82F0C20EC3}" presName="iconBgRect" presStyleLbl="bgShp" presStyleIdx="10" presStyleCnt="11"/>
+    <dgm:pt modelId="{BC2B2AF3-1216-2045-B4F4-4C02B2C00E03}" type="pres">
+      <dgm:prSet presAssocID="{45E5AF18-F769-D14A-A042-A1626A9C2190}" presName="iconBgRect" presStyleLbl="bgShp" presStyleIdx="10" presStyleCnt="12"/>
       <dgm:spPr/>
     </dgm:pt>
-    <dgm:pt modelId="{B5F62C57-EB9D-C449-AEB7-9E5098DBE8B5}" type="pres">
-      <dgm:prSet presAssocID="{9986FFE0-0BFA-CB44-A614-CE82F0C20EC3}" presName="iconRect" presStyleLbl="node1" presStyleIdx="10" presStyleCnt="11"/>
+    <dgm:pt modelId="{F501A3F7-9351-8241-A4E1-4D9FB599F9FD}" type="pres">
+      <dgm:prSet presAssocID="{45E5AF18-F769-D14A-A042-A1626A9C2190}" presName="iconRect" presStyleLbl="node1" presStyleIdx="10" presStyleCnt="12"/>
       <dgm:spPr>
         <a:blipFill>
           <a:blip xmlns:r="http://schemas.openxmlformats.org/officeDocument/2006/relationships" r:embed="rId11">
@@ -11684,12 +11726,12 @@
         </a:blipFill>
       </dgm:spPr>
     </dgm:pt>
-    <dgm:pt modelId="{EA02DF3E-EF51-C648-8C5A-636603439AA9}" type="pres">
-      <dgm:prSet presAssocID="{9986FFE0-0BFA-CB44-A614-CE82F0C20EC3}" presName="spaceRect" presStyleCnt="0"/>
+    <dgm:pt modelId="{87378372-F398-024C-917E-1ECBB3CF95AC}" type="pres">
+      <dgm:prSet presAssocID="{45E5AF18-F769-D14A-A042-A1626A9C2190}" presName="spaceRect" presStyleCnt="0"/>
       <dgm:spPr/>
     </dgm:pt>
-    <dgm:pt modelId="{7CD937BA-B017-B044-84F1-C5B813001676}" type="pres">
-      <dgm:prSet presAssocID="{9986FFE0-0BFA-CB44-A614-CE82F0C20EC3}" presName="textRect" presStyleLbl="revTx" presStyleIdx="10" presStyleCnt="11">
+    <dgm:pt modelId="{03247F0E-1DF2-CC46-971B-B6BF52381F46}" type="pres">
+      <dgm:prSet presAssocID="{45E5AF18-F769-D14A-A042-A1626A9C2190}" presName="textRect" presStyleLbl="revTx" presStyleIdx="10" presStyleCnt="12">
         <dgm:presLayoutVars>
           <dgm:chMax val="1"/>
           <dgm:chPref val="1"/>
@@ -11697,96 +11739,147 @@
       </dgm:prSet>
       <dgm:spPr/>
     </dgm:pt>
+    <dgm:pt modelId="{07A43777-CC05-C44F-B659-BBB6F2B4B904}" type="pres">
+      <dgm:prSet presAssocID="{003B5E03-59D7-4047-BD2C-EE734AEEF9C4}" presName="sibTrans" presStyleCnt="0"/>
+      <dgm:spPr/>
+    </dgm:pt>
+    <dgm:pt modelId="{C585E5F5-9A3E-834D-9370-6F2F21218421}" type="pres">
+      <dgm:prSet presAssocID="{9986FFE0-0BFA-CB44-A614-CE82F0C20EC3}" presName="compNode" presStyleCnt="0"/>
+      <dgm:spPr/>
+    </dgm:pt>
+    <dgm:pt modelId="{468E30DE-2D59-BE42-9063-0B18308EE3E0}" type="pres">
+      <dgm:prSet presAssocID="{9986FFE0-0BFA-CB44-A614-CE82F0C20EC3}" presName="iconBgRect" presStyleLbl="bgShp" presStyleIdx="11" presStyleCnt="12"/>
+      <dgm:spPr/>
+    </dgm:pt>
+    <dgm:pt modelId="{B5F62C57-EB9D-C449-AEB7-9E5098DBE8B5}" type="pres">
+      <dgm:prSet presAssocID="{9986FFE0-0BFA-CB44-A614-CE82F0C20EC3}" presName="iconRect" presStyleLbl="node1" presStyleIdx="11" presStyleCnt="12"/>
+      <dgm:spPr>
+        <a:blipFill>
+          <a:blip xmlns:r="http://schemas.openxmlformats.org/officeDocument/2006/relationships" r:embed="rId12">
+            <a:extLst>
+              <a:ext uri="{28A0092B-C50C-407E-A947-70E740481C1C}">
+                <a14:useLocalDpi xmlns:a14="http://schemas.microsoft.com/office/drawing/2010/main" val="0"/>
+              </a:ext>
+            </a:extLst>
+          </a:blip>
+          <a:srcRect/>
+          <a:stretch>
+            <a:fillRect l="-4000" r="-4000"/>
+          </a:stretch>
+        </a:blipFill>
+      </dgm:spPr>
+    </dgm:pt>
+    <dgm:pt modelId="{EA02DF3E-EF51-C648-8C5A-636603439AA9}" type="pres">
+      <dgm:prSet presAssocID="{9986FFE0-0BFA-CB44-A614-CE82F0C20EC3}" presName="spaceRect" presStyleCnt="0"/>
+      <dgm:spPr/>
+    </dgm:pt>
+    <dgm:pt modelId="{7CD937BA-B017-B044-84F1-C5B813001676}" type="pres">
+      <dgm:prSet presAssocID="{9986FFE0-0BFA-CB44-A614-CE82F0C20EC3}" presName="textRect" presStyleLbl="revTx" presStyleIdx="11" presStyleCnt="12">
+        <dgm:presLayoutVars>
+          <dgm:chMax val="1"/>
+          <dgm:chPref val="1"/>
+        </dgm:presLayoutVars>
+      </dgm:prSet>
+      <dgm:spPr/>
+    </dgm:pt>
   </dgm:ptLst>
   <dgm:cxnLst>
-    <dgm:cxn modelId="{C7703500-20F0-9449-BC18-3EEF07FDDF19}" type="presOf" srcId="{45E5AF18-F769-D14A-A042-A1626A9C2190}" destId="{03247F0E-1DF2-CC46-971B-B6BF52381F46}" srcOrd="0" destOrd="0" presId="urn:microsoft.com/office/officeart/2018/5/layout/IconCircleLabelList"/>
-    <dgm:cxn modelId="{BDC6A51B-D294-6E4C-B8E2-28CA629A9A0B}" srcId="{FD87D28C-FF84-4B0F-8221-13EB1F2B325D}" destId="{9986FFE0-0BFA-CB44-A614-CE82F0C20EC3}" srcOrd="10" destOrd="0" parTransId="{B367B3DD-575D-D048-B843-8E2AA140614A}" sibTransId="{26C59DB8-8422-D44E-BFA4-93AE07A98369}"/>
+    <dgm:cxn modelId="{E2654503-040E-234C-A3CD-E29FD46E4DED}" type="presOf" srcId="{FD866D2B-C7A2-A842-B453-B99F19E14866}" destId="{71C14C53-163A-114E-AE8B-1F0CB2F00815}" srcOrd="0" destOrd="0" presId="urn:microsoft.com/office/officeart/2018/5/layout/IconCircleLabelList"/>
+    <dgm:cxn modelId="{7925C218-9BAA-0045-AAD4-9C543D47E7E8}" type="presOf" srcId="{22770D66-90E3-7641-9963-75AEAD12ED72}" destId="{AA493F9F-B358-B745-98F3-F3248D5567AF}" srcOrd="0" destOrd="0" presId="urn:microsoft.com/office/officeart/2018/5/layout/IconCircleLabelList"/>
+    <dgm:cxn modelId="{BDC6A51B-D294-6E4C-B8E2-28CA629A9A0B}" srcId="{FD87D28C-FF84-4B0F-8221-13EB1F2B325D}" destId="{9986FFE0-0BFA-CB44-A614-CE82F0C20EC3}" srcOrd="11" destOrd="0" parTransId="{B367B3DD-575D-D048-B843-8E2AA140614A}" sibTransId="{26C59DB8-8422-D44E-BFA4-93AE07A98369}"/>
     <dgm:cxn modelId="{0DB3961D-E58F-AD4C-871F-CAC943EDD398}" srcId="{FD87D28C-FF84-4B0F-8221-13EB1F2B325D}" destId="{EDDD0289-9D91-B442-9559-5264AD5DDCBD}" srcOrd="4" destOrd="0" parTransId="{FC994A64-8ED0-CB4D-AD9B-2D3275686744}" sibTransId="{00D2C367-7C76-5B44-9B97-72E2A4E57434}"/>
     <dgm:cxn modelId="{1CE8322A-2FB8-4356-9123-3ACF68222CA7}" type="presOf" srcId="{FD87D28C-FF84-4B0F-8221-13EB1F2B325D}" destId="{9F3F715C-1D5B-4C94-BA9A-5DA4C541F4C3}" srcOrd="0" destOrd="0" presId="urn:microsoft.com/office/officeart/2018/5/layout/IconCircleLabelList"/>
+    <dgm:cxn modelId="{C5D2872A-FC80-1943-ABFA-7C3E0EF29464}" type="presOf" srcId="{1E1EEF5F-11DD-3348-815F-F6D1A2C3FB98}" destId="{A60B75D2-BD8E-7242-8EDE-3AE1C6DEF6B7}" srcOrd="0" destOrd="0" presId="urn:microsoft.com/office/officeart/2018/5/layout/IconCircleLabelList"/>
+    <dgm:cxn modelId="{32EC8530-1D12-CA40-94A9-606732D0510A}" type="presOf" srcId="{F80AC925-2F72-489E-B3EF-928739DAAAA1}" destId="{E65ED937-BBC0-4C78-87D2-C91F19D771AF}" srcOrd="0" destOrd="0" presId="urn:microsoft.com/office/officeart/2018/5/layout/IconCircleLabelList"/>
     <dgm:cxn modelId="{5D269332-FDAF-45F5-AD22-ABB50F53DBF9}" srcId="{FD87D28C-FF84-4B0F-8221-13EB1F2B325D}" destId="{F80AC925-2F72-489E-B3EF-928739DAAAA1}" srcOrd="1" destOrd="0" parTransId="{35BE1E63-3D32-40E2-860E-2238C4E20578}" sibTransId="{24ED7FAC-83AD-4F87-8885-B7078D18592F}"/>
-    <dgm:cxn modelId="{4B9D9634-ADF7-7F4A-A5E3-177E926F8573}" type="presOf" srcId="{1E1EEF5F-11DD-3348-815F-F6D1A2C3FB98}" destId="{A60B75D2-BD8E-7242-8EDE-3AE1C6DEF6B7}" srcOrd="0" destOrd="0" presId="urn:microsoft.com/office/officeart/2018/5/layout/IconCircleLabelList"/>
     <dgm:cxn modelId="{9A14463E-E287-484E-93ED-7EC03C2F154D}" srcId="{FD87D28C-FF84-4B0F-8221-13EB1F2B325D}" destId="{1E1EEF5F-11DD-3348-815F-F6D1A2C3FB98}" srcOrd="3" destOrd="0" parTransId="{0429F628-B893-2346-9367-B42C69D1545C}" sibTransId="{7685C041-A1A0-B54D-B3A0-95D28FF2CC40}"/>
-    <dgm:cxn modelId="{A3F5D24A-3102-4644-A5C0-3202394EA6FE}" type="presOf" srcId="{BDA15D35-6003-47F9-8489-F2805A70E435}" destId="{F8DC8407-8B5F-461A-AAFF-3E2C683FAFEF}" srcOrd="0" destOrd="0" presId="urn:microsoft.com/office/officeart/2018/5/layout/IconCircleLabelList"/>
+    <dgm:cxn modelId="{E7237049-C7AD-4D41-A40B-DCF639ED65BA}" type="presOf" srcId="{9986FFE0-0BFA-CB44-A614-CE82F0C20EC3}" destId="{7CD937BA-B017-B044-84F1-C5B813001676}" srcOrd="0" destOrd="0" presId="urn:microsoft.com/office/officeart/2018/5/layout/IconCircleLabelList"/>
     <dgm:cxn modelId="{EFD7975C-BABC-41D2-9520-952250F4E7B8}" srcId="{FD87D28C-FF84-4B0F-8221-13EB1F2B325D}" destId="{EC4BF26E-E2E1-4A26-935B-5AAA490B24A6}" srcOrd="0" destOrd="0" parTransId="{4F7EF0E1-4EED-4FBA-8417-8A0C4D89598A}" sibTransId="{0D273C92-F090-4E8E-A9A9-4181B67391AF}"/>
-    <dgm:cxn modelId="{CFB5045D-ABBA-8144-98E2-70D1EBA6E1CC}" srcId="{FD87D28C-FF84-4B0F-8221-13EB1F2B325D}" destId="{2273976C-4FDD-EA4B-8B77-CA7CD48FB26F}" srcOrd="7" destOrd="0" parTransId="{80B069B8-E480-674F-A50A-F91D574686E4}" sibTransId="{F0B469B5-4FA8-0446-8CEC-89F40227B1AE}"/>
-    <dgm:cxn modelId="{7619E664-193C-4241-AF25-EF0C411EFE92}" type="presOf" srcId="{EC4BF26E-E2E1-4A26-935B-5AAA490B24A6}" destId="{02FA3387-5CA8-42C1-96B9-901BBBA36702}" srcOrd="0" destOrd="0" presId="urn:microsoft.com/office/officeart/2018/5/layout/IconCircleLabelList"/>
-    <dgm:cxn modelId="{C70CCDB4-E6F3-DE4B-8902-B993DF99EDFF}" type="presOf" srcId="{EDDD0289-9D91-B442-9559-5264AD5DDCBD}" destId="{AECCC8D5-EBF3-DD45-AB27-3FD82A1E64A7}" srcOrd="0" destOrd="0" presId="urn:microsoft.com/office/officeart/2018/5/layout/IconCircleLabelList"/>
-    <dgm:cxn modelId="{04FF4BB9-0B60-A542-885E-3FBE7AB13E85}" type="presOf" srcId="{22770D66-90E3-7641-9963-75AEAD12ED72}" destId="{AA493F9F-B358-B745-98F3-F3248D5567AF}" srcOrd="0" destOrd="0" presId="urn:microsoft.com/office/officeart/2018/5/layout/IconCircleLabelList"/>
-    <dgm:cxn modelId="{4583C7BB-59A3-C744-8A79-6FEB8983F5F4}" srcId="{FD87D28C-FF84-4B0F-8221-13EB1F2B325D}" destId="{FD866D2B-C7A2-A842-B453-B99F19E14866}" srcOrd="5" destOrd="0" parTransId="{32BF4E34-364E-3D4C-88DD-1D5EA8EF0131}" sibTransId="{BB9A8DE2-F791-7F43-B9DA-75D90773EDB9}"/>
-    <dgm:cxn modelId="{28EE1EBF-52DD-BD4B-9436-C6CF1C666590}" type="presOf" srcId="{FD866D2B-C7A2-A842-B453-B99F19E14866}" destId="{71C14C53-163A-114E-AE8B-1F0CB2F00815}" srcOrd="0" destOrd="0" presId="urn:microsoft.com/office/officeart/2018/5/layout/IconCircleLabelList"/>
+    <dgm:cxn modelId="{CFB5045D-ABBA-8144-98E2-70D1EBA6E1CC}" srcId="{FD87D28C-FF84-4B0F-8221-13EB1F2B325D}" destId="{2273976C-4FDD-EA4B-8B77-CA7CD48FB26F}" srcOrd="8" destOrd="0" parTransId="{80B069B8-E480-674F-A50A-F91D574686E4}" sibTransId="{F0B469B5-4FA8-0446-8CEC-89F40227B1AE}"/>
+    <dgm:cxn modelId="{6B731D62-421D-F04F-8CE7-35B7152C793C}" type="presOf" srcId="{EC4BF26E-E2E1-4A26-935B-5AAA490B24A6}" destId="{02FA3387-5CA8-42C1-96B9-901BBBA36702}" srcOrd="0" destOrd="0" presId="urn:microsoft.com/office/officeart/2018/5/layout/IconCircleLabelList"/>
+    <dgm:cxn modelId="{42E58C66-59B0-0646-9465-CFEABC9C81F5}" type="presOf" srcId="{BDA15D35-6003-47F9-8489-F2805A70E435}" destId="{F8DC8407-8B5F-461A-AAFF-3E2C683FAFEF}" srcOrd="0" destOrd="0" presId="urn:microsoft.com/office/officeart/2018/5/layout/IconCircleLabelList"/>
+    <dgm:cxn modelId="{93A3676B-5ACF-784C-A566-88328679C010}" type="presOf" srcId="{45E5AF18-F769-D14A-A042-A1626A9C2190}" destId="{03247F0E-1DF2-CC46-971B-B6BF52381F46}" srcOrd="0" destOrd="0" presId="urn:microsoft.com/office/officeart/2018/5/layout/IconCircleLabelList"/>
+    <dgm:cxn modelId="{A336308E-2837-0C49-9A08-01DCFCC020CF}" type="presOf" srcId="{0B733CDC-BA88-A04D-A155-AB256C46DC1E}" destId="{6668AFCF-964A-7F41-BFB4-C991A3DD3A63}" srcOrd="0" destOrd="0" presId="urn:microsoft.com/office/officeart/2018/5/layout/IconCircleLabelList"/>
+    <dgm:cxn modelId="{94237F96-AB6C-CD49-B6BE-FE7514F34C0A}" type="presOf" srcId="{2273976C-4FDD-EA4B-8B77-CA7CD48FB26F}" destId="{9AFB4E09-231F-5E43-BF93-C13A94C5570C}" srcOrd="0" destOrd="0" presId="urn:microsoft.com/office/officeart/2018/5/layout/IconCircleLabelList"/>
+    <dgm:cxn modelId="{D17C6CAA-6DA3-E449-8072-F68FA785730B}" srcId="{FD87D28C-FF84-4B0F-8221-13EB1F2B325D}" destId="{1CCE4954-8353-4B4D-9529-DD303E454CE3}" srcOrd="5" destOrd="0" parTransId="{8229F10B-E3EB-954E-B4E7-178CC4E430BF}" sibTransId="{0F71F2AD-A68F-9543-9EC2-2C78AA3EE75B}"/>
+    <dgm:cxn modelId="{BD58F4AA-F295-D340-B378-BE969CB1C024}" type="presOf" srcId="{1CCE4954-8353-4B4D-9529-DD303E454CE3}" destId="{137ED790-1C74-EB4C-B251-A11A544EAA76}" srcOrd="0" destOrd="0" presId="urn:microsoft.com/office/officeart/2018/5/layout/IconCircleLabelList"/>
+    <dgm:cxn modelId="{4583C7BB-59A3-C744-8A79-6FEB8983F5F4}" srcId="{FD87D28C-FF84-4B0F-8221-13EB1F2B325D}" destId="{FD866D2B-C7A2-A842-B453-B99F19E14866}" srcOrd="6" destOrd="0" parTransId="{32BF4E34-364E-3D4C-88DD-1D5EA8EF0131}" sibTransId="{BB9A8DE2-F791-7F43-B9DA-75D90773EDB9}"/>
     <dgm:cxn modelId="{30728AC1-7E1D-4828-A053-8762125E3816}" srcId="{FD87D28C-FF84-4B0F-8221-13EB1F2B325D}" destId="{BDA15D35-6003-47F9-8489-F2805A70E435}" srcOrd="2" destOrd="0" parTransId="{53844731-6714-4311-9E9E-AAAE23EA290A}" sibTransId="{DE653631-E7CB-432D-9068-6B5FA06B3AD2}"/>
-    <dgm:cxn modelId="{190EC8CC-8BDF-EC40-9E14-4CC804D4A097}" type="presOf" srcId="{9986FFE0-0BFA-CB44-A614-CE82F0C20EC3}" destId="{7CD937BA-B017-B044-84F1-C5B813001676}" srcOrd="0" destOrd="0" presId="urn:microsoft.com/office/officeart/2018/5/layout/IconCircleLabelList"/>
-    <dgm:cxn modelId="{D972EFD1-A3F9-544E-97B2-C145EEB2D1DE}" type="presOf" srcId="{0B733CDC-BA88-A04D-A155-AB256C46DC1E}" destId="{6668AFCF-964A-7F41-BFB4-C991A3DD3A63}" srcOrd="0" destOrd="0" presId="urn:microsoft.com/office/officeart/2018/5/layout/IconCircleLabelList"/>
-    <dgm:cxn modelId="{A36686D2-E54D-0546-B1D8-BB790D777B77}" type="presOf" srcId="{2273976C-4FDD-EA4B-8B77-CA7CD48FB26F}" destId="{9AFB4E09-231F-5E43-BF93-C13A94C5570C}" srcOrd="0" destOrd="0" presId="urn:microsoft.com/office/officeart/2018/5/layout/IconCircleLabelList"/>
-    <dgm:cxn modelId="{A0BAEEDD-1155-EC49-9EAC-5CC293D19347}" srcId="{FD87D28C-FF84-4B0F-8221-13EB1F2B325D}" destId="{45E5AF18-F769-D14A-A042-A1626A9C2190}" srcOrd="9" destOrd="0" parTransId="{765CB4CD-BA04-F746-97D2-F9E7A1038A3A}" sibTransId="{003B5E03-59D7-4047-BD2C-EE734AEEF9C4}"/>
-    <dgm:cxn modelId="{BA0C3EEC-9F89-B047-81EC-C1B56E5EAE25}" type="presOf" srcId="{F80AC925-2F72-489E-B3EF-928739DAAAA1}" destId="{E65ED937-BBC0-4C78-87D2-C91F19D771AF}" srcOrd="0" destOrd="0" presId="urn:microsoft.com/office/officeart/2018/5/layout/IconCircleLabelList"/>
-    <dgm:cxn modelId="{2B703BED-33C7-8245-9400-1BD1294F5158}" srcId="{FD87D28C-FF84-4B0F-8221-13EB1F2B325D}" destId="{22770D66-90E3-7641-9963-75AEAD12ED72}" srcOrd="8" destOrd="0" parTransId="{566DCD93-FE88-F648-B41E-11ABA3B37189}" sibTransId="{DED78E22-1D27-AC49-83A9-91A4D2CF2656}"/>
-    <dgm:cxn modelId="{1011A5F7-6AC5-1F4A-A4F7-2F7BB6022A40}" srcId="{FD87D28C-FF84-4B0F-8221-13EB1F2B325D}" destId="{0B733CDC-BA88-A04D-A155-AB256C46DC1E}" srcOrd="6" destOrd="0" parTransId="{41C2C6B3-5611-7E4C-BAE5-AF8592515964}" sibTransId="{3984063A-A7BB-B245-BC63-35CDD61D41D0}"/>
-    <dgm:cxn modelId="{A244D75C-574B-434D-9C5C-CE26B055343F}" type="presParOf" srcId="{9F3F715C-1D5B-4C94-BA9A-5DA4C541F4C3}" destId="{A0E5B60C-6F98-4E8B-B8B8-29277E86EFFE}" srcOrd="0" destOrd="0" presId="urn:microsoft.com/office/officeart/2018/5/layout/IconCircleLabelList"/>
-    <dgm:cxn modelId="{6F65FB5C-556B-9C47-8E3C-2C721E2FDAA2}" type="presParOf" srcId="{A0E5B60C-6F98-4E8B-B8B8-29277E86EFFE}" destId="{5940A959-C107-4F2E-9F79-8F8320964FBF}" srcOrd="0" destOrd="0" presId="urn:microsoft.com/office/officeart/2018/5/layout/IconCircleLabelList"/>
-    <dgm:cxn modelId="{1F409279-40A7-7E4E-B230-E56F28942F71}" type="presParOf" srcId="{A0E5B60C-6F98-4E8B-B8B8-29277E86EFFE}" destId="{7BFBDDF5-5BA9-47CA-AD2A-948519A41052}" srcOrd="1" destOrd="0" presId="urn:microsoft.com/office/officeart/2018/5/layout/IconCircleLabelList"/>
-    <dgm:cxn modelId="{092D0EFD-997B-5242-926F-B190BCC4C506}" type="presParOf" srcId="{A0E5B60C-6F98-4E8B-B8B8-29277E86EFFE}" destId="{14D14ADD-C397-4F26-B312-013283525744}" srcOrd="2" destOrd="0" presId="urn:microsoft.com/office/officeart/2018/5/layout/IconCircleLabelList"/>
-    <dgm:cxn modelId="{7847E7AB-488D-B14C-B3C4-1D19B9780564}" type="presParOf" srcId="{A0E5B60C-6F98-4E8B-B8B8-29277E86EFFE}" destId="{02FA3387-5CA8-42C1-96B9-901BBBA36702}" srcOrd="3" destOrd="0" presId="urn:microsoft.com/office/officeart/2018/5/layout/IconCircleLabelList"/>
-    <dgm:cxn modelId="{F5B2805B-1533-6749-8B4A-49E8101F2E76}" type="presParOf" srcId="{9F3F715C-1D5B-4C94-BA9A-5DA4C541F4C3}" destId="{2B153C8F-A381-4650-BC74-FF1A6F2708FD}" srcOrd="1" destOrd="0" presId="urn:microsoft.com/office/officeart/2018/5/layout/IconCircleLabelList"/>
-    <dgm:cxn modelId="{77B467A9-6D36-7E47-8407-23570F2B038B}" type="presParOf" srcId="{9F3F715C-1D5B-4C94-BA9A-5DA4C541F4C3}" destId="{0EC98E32-1452-4B48-AE76-7621EECB8718}" srcOrd="2" destOrd="0" presId="urn:microsoft.com/office/officeart/2018/5/layout/IconCircleLabelList"/>
-    <dgm:cxn modelId="{D159A454-5C88-E34E-B772-68DCD83B2974}" type="presParOf" srcId="{0EC98E32-1452-4B48-AE76-7621EECB8718}" destId="{9F3E46B5-4B68-4C45-BDBC-00FEA3AE98BF}" srcOrd="0" destOrd="0" presId="urn:microsoft.com/office/officeart/2018/5/layout/IconCircleLabelList"/>
-    <dgm:cxn modelId="{4C185A8B-E0B4-2845-8430-D903A1B23A9F}" type="presParOf" srcId="{0EC98E32-1452-4B48-AE76-7621EECB8718}" destId="{E3EC4BD0-231D-44CB-91C6-DFD63DA8FCDA}" srcOrd="1" destOrd="0" presId="urn:microsoft.com/office/officeart/2018/5/layout/IconCircleLabelList"/>
-    <dgm:cxn modelId="{F5D8A8E2-A34C-9F41-A1DF-64825D763DC2}" type="presParOf" srcId="{0EC98E32-1452-4B48-AE76-7621EECB8718}" destId="{1288CA57-09E4-4297-AE66-712F3D47D568}" srcOrd="2" destOrd="0" presId="urn:microsoft.com/office/officeart/2018/5/layout/IconCircleLabelList"/>
-    <dgm:cxn modelId="{FFF97CEA-4D12-7340-9092-D5C907361AA5}" type="presParOf" srcId="{0EC98E32-1452-4B48-AE76-7621EECB8718}" destId="{E65ED937-BBC0-4C78-87D2-C91F19D771AF}" srcOrd="3" destOrd="0" presId="urn:microsoft.com/office/officeart/2018/5/layout/IconCircleLabelList"/>
-    <dgm:cxn modelId="{42AE94E6-7A70-F741-93F7-927E123F1EF8}" type="presParOf" srcId="{9F3F715C-1D5B-4C94-BA9A-5DA4C541F4C3}" destId="{80355ABE-6593-4819-AD42-8625652B8601}" srcOrd="3" destOrd="0" presId="urn:microsoft.com/office/officeart/2018/5/layout/IconCircleLabelList"/>
-    <dgm:cxn modelId="{A49F3F9F-ED05-D146-941E-E9270D56CF60}" type="presParOf" srcId="{9F3F715C-1D5B-4C94-BA9A-5DA4C541F4C3}" destId="{677B01C0-7951-43EE-9623-04737BC15AE3}" srcOrd="4" destOrd="0" presId="urn:microsoft.com/office/officeart/2018/5/layout/IconCircleLabelList"/>
-    <dgm:cxn modelId="{EE97DA14-6E04-E74D-97C8-BE1DC2700682}" type="presParOf" srcId="{677B01C0-7951-43EE-9623-04737BC15AE3}" destId="{0CCD5A54-E709-42D5-93CE-13C48DF7594E}" srcOrd="0" destOrd="0" presId="urn:microsoft.com/office/officeart/2018/5/layout/IconCircleLabelList"/>
-    <dgm:cxn modelId="{812488DD-2AD1-E547-8272-2C1BCA4ACB37}" type="presParOf" srcId="{677B01C0-7951-43EE-9623-04737BC15AE3}" destId="{EF65853B-3DB8-48FA-998B-4013775780EF}" srcOrd="1" destOrd="0" presId="urn:microsoft.com/office/officeart/2018/5/layout/IconCircleLabelList"/>
-    <dgm:cxn modelId="{26EB7F8B-6B22-084B-B534-3852AC8E1F80}" type="presParOf" srcId="{677B01C0-7951-43EE-9623-04737BC15AE3}" destId="{E8CB5C3A-2012-4705-BF88-8D394FB6E35B}" srcOrd="2" destOrd="0" presId="urn:microsoft.com/office/officeart/2018/5/layout/IconCircleLabelList"/>
-    <dgm:cxn modelId="{EBE2589E-7051-E147-9395-1674B9B1855D}" type="presParOf" srcId="{677B01C0-7951-43EE-9623-04737BC15AE3}" destId="{F8DC8407-8B5F-461A-AAFF-3E2C683FAFEF}" srcOrd="3" destOrd="0" presId="urn:microsoft.com/office/officeart/2018/5/layout/IconCircleLabelList"/>
-    <dgm:cxn modelId="{D5AFDE0A-1162-8946-BF8D-BF8BC61B8FB2}" type="presParOf" srcId="{9F3F715C-1D5B-4C94-BA9A-5DA4C541F4C3}" destId="{BCDA37D0-ECDC-7646-A2EB-CC8B67FB275A}" srcOrd="5" destOrd="0" presId="urn:microsoft.com/office/officeart/2018/5/layout/IconCircleLabelList"/>
-    <dgm:cxn modelId="{C0D23E94-DC1B-F244-8515-27FF5BDC8C53}" type="presParOf" srcId="{9F3F715C-1D5B-4C94-BA9A-5DA4C541F4C3}" destId="{FB72BB7F-FA3F-6E43-97A5-5967B5CFF376}" srcOrd="6" destOrd="0" presId="urn:microsoft.com/office/officeart/2018/5/layout/IconCircleLabelList"/>
-    <dgm:cxn modelId="{0CE4D503-C150-BD4B-B959-FA630B5C1A73}" type="presParOf" srcId="{FB72BB7F-FA3F-6E43-97A5-5967B5CFF376}" destId="{5A34DD4C-6999-6841-B74F-075F36BA2821}" srcOrd="0" destOrd="0" presId="urn:microsoft.com/office/officeart/2018/5/layout/IconCircleLabelList"/>
-    <dgm:cxn modelId="{C0E65A9E-5ACF-3F41-9D5A-153958952DF0}" type="presParOf" srcId="{FB72BB7F-FA3F-6E43-97A5-5967B5CFF376}" destId="{487BF379-9465-3B4C-9F11-4C9124604080}" srcOrd="1" destOrd="0" presId="urn:microsoft.com/office/officeart/2018/5/layout/IconCircleLabelList"/>
-    <dgm:cxn modelId="{DBCD486F-AC21-734C-8B66-E54C67FE22B7}" type="presParOf" srcId="{FB72BB7F-FA3F-6E43-97A5-5967B5CFF376}" destId="{47546ADB-30C5-FA43-AD89-86DFE5AC08BB}" srcOrd="2" destOrd="0" presId="urn:microsoft.com/office/officeart/2018/5/layout/IconCircleLabelList"/>
-    <dgm:cxn modelId="{A85BCA46-DBD9-AE4B-A4B8-194FE3BC9421}" type="presParOf" srcId="{FB72BB7F-FA3F-6E43-97A5-5967B5CFF376}" destId="{A60B75D2-BD8E-7242-8EDE-3AE1C6DEF6B7}" srcOrd="3" destOrd="0" presId="urn:microsoft.com/office/officeart/2018/5/layout/IconCircleLabelList"/>
-    <dgm:cxn modelId="{0B2CCB1E-FDD7-874F-B6C4-41EE2CCA1819}" type="presParOf" srcId="{9F3F715C-1D5B-4C94-BA9A-5DA4C541F4C3}" destId="{BC72718D-2582-4A47-B4B4-805DA967C343}" srcOrd="7" destOrd="0" presId="urn:microsoft.com/office/officeart/2018/5/layout/IconCircleLabelList"/>
-    <dgm:cxn modelId="{F4BE0709-834B-4D42-8168-0A099A776CED}" type="presParOf" srcId="{9F3F715C-1D5B-4C94-BA9A-5DA4C541F4C3}" destId="{7475136F-AF53-4241-9A76-A1B0E713007F}" srcOrd="8" destOrd="0" presId="urn:microsoft.com/office/officeart/2018/5/layout/IconCircleLabelList"/>
-    <dgm:cxn modelId="{950FF367-500E-C448-9DDD-7A6ECCF578A1}" type="presParOf" srcId="{7475136F-AF53-4241-9A76-A1B0E713007F}" destId="{CBCCD559-F106-C144-809B-D4F2126DD430}" srcOrd="0" destOrd="0" presId="urn:microsoft.com/office/officeart/2018/5/layout/IconCircleLabelList"/>
-    <dgm:cxn modelId="{DF339959-02A4-7141-8A5F-909C13076102}" type="presParOf" srcId="{7475136F-AF53-4241-9A76-A1B0E713007F}" destId="{74FC51DE-4C2E-D448-BF4F-7C4F3CDB1179}" srcOrd="1" destOrd="0" presId="urn:microsoft.com/office/officeart/2018/5/layout/IconCircleLabelList"/>
-    <dgm:cxn modelId="{B9BCE2DE-0062-DF47-A62B-C1303022D97E}" type="presParOf" srcId="{7475136F-AF53-4241-9A76-A1B0E713007F}" destId="{D4B7ACD4-3F2D-1D44-8FB7-409710E590A2}" srcOrd="2" destOrd="0" presId="urn:microsoft.com/office/officeart/2018/5/layout/IconCircleLabelList"/>
-    <dgm:cxn modelId="{B7A1C6B8-4C2D-854F-A51A-00AF0F99BAEC}" type="presParOf" srcId="{7475136F-AF53-4241-9A76-A1B0E713007F}" destId="{AECCC8D5-EBF3-DD45-AB27-3FD82A1E64A7}" srcOrd="3" destOrd="0" presId="urn:microsoft.com/office/officeart/2018/5/layout/IconCircleLabelList"/>
-    <dgm:cxn modelId="{C315227D-F37B-D044-83AE-742605A142BE}" type="presParOf" srcId="{9F3F715C-1D5B-4C94-BA9A-5DA4C541F4C3}" destId="{7D7B802E-7D6B-CE40-AEF9-B2D358679BA0}" srcOrd="9" destOrd="0" presId="urn:microsoft.com/office/officeart/2018/5/layout/IconCircleLabelList"/>
-    <dgm:cxn modelId="{4D96827A-C0F3-2F43-9C8E-91593D8B751A}" type="presParOf" srcId="{9F3F715C-1D5B-4C94-BA9A-5DA4C541F4C3}" destId="{BB5E3426-2547-2F49-97DF-199CE554BB2E}" srcOrd="10" destOrd="0" presId="urn:microsoft.com/office/officeart/2018/5/layout/IconCircleLabelList"/>
-    <dgm:cxn modelId="{9F114DE1-256F-EA49-95DD-A92C3FDB0E3F}" type="presParOf" srcId="{BB5E3426-2547-2F49-97DF-199CE554BB2E}" destId="{A8FEE83B-2B80-4F4C-84D8-FC0E17F96515}" srcOrd="0" destOrd="0" presId="urn:microsoft.com/office/officeart/2018/5/layout/IconCircleLabelList"/>
-    <dgm:cxn modelId="{29EDEC9F-B51D-E149-B8AF-B7C043465060}" type="presParOf" srcId="{BB5E3426-2547-2F49-97DF-199CE554BB2E}" destId="{46CBCB7B-5219-3340-A247-8EFB87616D5F}" srcOrd="1" destOrd="0" presId="urn:microsoft.com/office/officeart/2018/5/layout/IconCircleLabelList"/>
-    <dgm:cxn modelId="{DA01079E-6E2C-BF4E-B6D9-A739C50AC032}" type="presParOf" srcId="{BB5E3426-2547-2F49-97DF-199CE554BB2E}" destId="{6718D0BE-6E47-904A-A22A-EF1FA28B6B4E}" srcOrd="2" destOrd="0" presId="urn:microsoft.com/office/officeart/2018/5/layout/IconCircleLabelList"/>
-    <dgm:cxn modelId="{CB1483D2-2943-7A48-96AC-CB208CE7DD0E}" type="presParOf" srcId="{BB5E3426-2547-2F49-97DF-199CE554BB2E}" destId="{71C14C53-163A-114E-AE8B-1F0CB2F00815}" srcOrd="3" destOrd="0" presId="urn:microsoft.com/office/officeart/2018/5/layout/IconCircleLabelList"/>
-    <dgm:cxn modelId="{8FD95D01-F960-4240-85BF-324F47B79C76}" type="presParOf" srcId="{9F3F715C-1D5B-4C94-BA9A-5DA4C541F4C3}" destId="{4EF4FF86-82DB-E543-8609-CFD6C3CDC82D}" srcOrd="11" destOrd="0" presId="urn:microsoft.com/office/officeart/2018/5/layout/IconCircleLabelList"/>
-    <dgm:cxn modelId="{50E928BB-D432-C947-835C-92C63624FAD5}" type="presParOf" srcId="{9F3F715C-1D5B-4C94-BA9A-5DA4C541F4C3}" destId="{2302EE07-F2CE-A642-AD46-F1AB46F48FB4}" srcOrd="12" destOrd="0" presId="urn:microsoft.com/office/officeart/2018/5/layout/IconCircleLabelList"/>
-    <dgm:cxn modelId="{A9E12DE3-0573-1743-BF04-01F733069B72}" type="presParOf" srcId="{2302EE07-F2CE-A642-AD46-F1AB46F48FB4}" destId="{862C165C-A96A-994C-B8EE-C550932D8D6C}" srcOrd="0" destOrd="0" presId="urn:microsoft.com/office/officeart/2018/5/layout/IconCircleLabelList"/>
-    <dgm:cxn modelId="{DC60DA04-64D3-0747-929C-2D107FA40BFA}" type="presParOf" srcId="{2302EE07-F2CE-A642-AD46-F1AB46F48FB4}" destId="{1CEC64C8-44EC-0C4A-9F80-17D1C887ADA3}" srcOrd="1" destOrd="0" presId="urn:microsoft.com/office/officeart/2018/5/layout/IconCircleLabelList"/>
-    <dgm:cxn modelId="{C00B545F-4FA2-AF42-88D6-B66F2359B50C}" type="presParOf" srcId="{2302EE07-F2CE-A642-AD46-F1AB46F48FB4}" destId="{59D7EFDB-F2F4-0648-9CF6-DCB38093AE84}" srcOrd="2" destOrd="0" presId="urn:microsoft.com/office/officeart/2018/5/layout/IconCircleLabelList"/>
-    <dgm:cxn modelId="{576F0E50-174D-0F4D-A169-A243CD62AD98}" type="presParOf" srcId="{2302EE07-F2CE-A642-AD46-F1AB46F48FB4}" destId="{6668AFCF-964A-7F41-BFB4-C991A3DD3A63}" srcOrd="3" destOrd="0" presId="urn:microsoft.com/office/officeart/2018/5/layout/IconCircleLabelList"/>
-    <dgm:cxn modelId="{2286F496-DC50-3543-A494-0A523FCACC70}" type="presParOf" srcId="{9F3F715C-1D5B-4C94-BA9A-5DA4C541F4C3}" destId="{87D02980-2271-8B4E-A968-282BA10EB907}" srcOrd="13" destOrd="0" presId="urn:microsoft.com/office/officeart/2018/5/layout/IconCircleLabelList"/>
-    <dgm:cxn modelId="{2DE38E13-3A36-9844-A30B-FA28EEEA5CA4}" type="presParOf" srcId="{9F3F715C-1D5B-4C94-BA9A-5DA4C541F4C3}" destId="{1E760BE1-2127-A14F-A63C-1C40A8B7DC40}" srcOrd="14" destOrd="0" presId="urn:microsoft.com/office/officeart/2018/5/layout/IconCircleLabelList"/>
-    <dgm:cxn modelId="{2D66C0DF-9D3F-C94A-B024-F3CE861CD4AC}" type="presParOf" srcId="{1E760BE1-2127-A14F-A63C-1C40A8B7DC40}" destId="{E350A52D-F9F7-0641-BB96-C07CAD368B6C}" srcOrd="0" destOrd="0" presId="urn:microsoft.com/office/officeart/2018/5/layout/IconCircleLabelList"/>
-    <dgm:cxn modelId="{64A7E841-206C-E94F-ADBC-8F965A3CCE28}" type="presParOf" srcId="{1E760BE1-2127-A14F-A63C-1C40A8B7DC40}" destId="{BA2ECD6C-3D7F-D44F-B9E0-AB2F7861189B}" srcOrd="1" destOrd="0" presId="urn:microsoft.com/office/officeart/2018/5/layout/IconCircleLabelList"/>
-    <dgm:cxn modelId="{EE41A945-279C-EA41-8699-9DC24980F595}" type="presParOf" srcId="{1E760BE1-2127-A14F-A63C-1C40A8B7DC40}" destId="{0F74A996-B2D7-C54C-8018-6B023A098C04}" srcOrd="2" destOrd="0" presId="urn:microsoft.com/office/officeart/2018/5/layout/IconCircleLabelList"/>
-    <dgm:cxn modelId="{50F89C12-2FB6-E74D-83D0-F04CD4A0E61A}" type="presParOf" srcId="{1E760BE1-2127-A14F-A63C-1C40A8B7DC40}" destId="{9AFB4E09-231F-5E43-BF93-C13A94C5570C}" srcOrd="3" destOrd="0" presId="urn:microsoft.com/office/officeart/2018/5/layout/IconCircleLabelList"/>
-    <dgm:cxn modelId="{D5CF0226-7667-7941-A002-C953DC9C33AA}" type="presParOf" srcId="{9F3F715C-1D5B-4C94-BA9A-5DA4C541F4C3}" destId="{34DC3E1C-0F9B-8547-8A4B-A33D9AEC012F}" srcOrd="15" destOrd="0" presId="urn:microsoft.com/office/officeart/2018/5/layout/IconCircleLabelList"/>
-    <dgm:cxn modelId="{1DDD42E3-4B97-694E-9A5F-493226328A40}" type="presParOf" srcId="{9F3F715C-1D5B-4C94-BA9A-5DA4C541F4C3}" destId="{A1980D6A-FED6-E34D-9141-65F963186646}" srcOrd="16" destOrd="0" presId="urn:microsoft.com/office/officeart/2018/5/layout/IconCircleLabelList"/>
-    <dgm:cxn modelId="{864F77AC-701F-8B46-8737-B4857A5E20FA}" type="presParOf" srcId="{A1980D6A-FED6-E34D-9141-65F963186646}" destId="{07A09F4D-DA0C-DE43-9E3C-61DBC5F77745}" srcOrd="0" destOrd="0" presId="urn:microsoft.com/office/officeart/2018/5/layout/IconCircleLabelList"/>
-    <dgm:cxn modelId="{EA4AE280-938A-BE4E-B6D1-7A209D0C2946}" type="presParOf" srcId="{A1980D6A-FED6-E34D-9141-65F963186646}" destId="{D891CAAC-8523-CA47-B30D-90C47EB88371}" srcOrd="1" destOrd="0" presId="urn:microsoft.com/office/officeart/2018/5/layout/IconCircleLabelList"/>
-    <dgm:cxn modelId="{9A22AC84-E039-9646-8D4C-88D3ACDD0648}" type="presParOf" srcId="{A1980D6A-FED6-E34D-9141-65F963186646}" destId="{749A699E-AE2C-B844-AA79-DDD6BDBF25DE}" srcOrd="2" destOrd="0" presId="urn:microsoft.com/office/officeart/2018/5/layout/IconCircleLabelList"/>
-    <dgm:cxn modelId="{BCC45332-6BAE-5D4B-B2BF-CAAF10A43561}" type="presParOf" srcId="{A1980D6A-FED6-E34D-9141-65F963186646}" destId="{AA493F9F-B358-B745-98F3-F3248D5567AF}" srcOrd="3" destOrd="0" presId="urn:microsoft.com/office/officeart/2018/5/layout/IconCircleLabelList"/>
-    <dgm:cxn modelId="{9E967610-C003-FB48-992A-9F4EF485AA29}" type="presParOf" srcId="{9F3F715C-1D5B-4C94-BA9A-5DA4C541F4C3}" destId="{18F55E94-FE4C-9B45-8A71-6C5DB1EE1D0B}" srcOrd="17" destOrd="0" presId="urn:microsoft.com/office/officeart/2018/5/layout/IconCircleLabelList"/>
-    <dgm:cxn modelId="{3347F1C5-4918-2243-8323-1767BBA59A59}" type="presParOf" srcId="{9F3F715C-1D5B-4C94-BA9A-5DA4C541F4C3}" destId="{4A2BF61E-7327-8E47-9034-0522C0095C8A}" srcOrd="18" destOrd="0" presId="urn:microsoft.com/office/officeart/2018/5/layout/IconCircleLabelList"/>
-    <dgm:cxn modelId="{4CBC80F3-AC1D-BF46-B356-2361A380C359}" type="presParOf" srcId="{4A2BF61E-7327-8E47-9034-0522C0095C8A}" destId="{BC2B2AF3-1216-2045-B4F4-4C02B2C00E03}" srcOrd="0" destOrd="0" presId="urn:microsoft.com/office/officeart/2018/5/layout/IconCircleLabelList"/>
-    <dgm:cxn modelId="{6E7D1727-E157-B441-AC96-AD0F39739400}" type="presParOf" srcId="{4A2BF61E-7327-8E47-9034-0522C0095C8A}" destId="{F501A3F7-9351-8241-A4E1-4D9FB599F9FD}" srcOrd="1" destOrd="0" presId="urn:microsoft.com/office/officeart/2018/5/layout/IconCircleLabelList"/>
-    <dgm:cxn modelId="{5691460C-89C6-6A46-AEE3-7DBAF2096A8D}" type="presParOf" srcId="{4A2BF61E-7327-8E47-9034-0522C0095C8A}" destId="{87378372-F398-024C-917E-1ECBB3CF95AC}" srcOrd="2" destOrd="0" presId="urn:microsoft.com/office/officeart/2018/5/layout/IconCircleLabelList"/>
-    <dgm:cxn modelId="{28437555-34EA-FD40-9639-7D5E27A42A2E}" type="presParOf" srcId="{4A2BF61E-7327-8E47-9034-0522C0095C8A}" destId="{03247F0E-1DF2-CC46-971B-B6BF52381F46}" srcOrd="3" destOrd="0" presId="urn:microsoft.com/office/officeart/2018/5/layout/IconCircleLabelList"/>
-    <dgm:cxn modelId="{8AECF570-73BB-F443-A4D8-BC8F7EA85F30}" type="presParOf" srcId="{9F3F715C-1D5B-4C94-BA9A-5DA4C541F4C3}" destId="{07A43777-CC05-C44F-B659-BBB6F2B4B904}" srcOrd="19" destOrd="0" presId="urn:microsoft.com/office/officeart/2018/5/layout/IconCircleLabelList"/>
-    <dgm:cxn modelId="{35AF54A1-38DC-4548-8F28-AB278FF87FB6}" type="presParOf" srcId="{9F3F715C-1D5B-4C94-BA9A-5DA4C541F4C3}" destId="{C585E5F5-9A3E-834D-9370-6F2F21218421}" srcOrd="20" destOrd="0" presId="urn:microsoft.com/office/officeart/2018/5/layout/IconCircleLabelList"/>
-    <dgm:cxn modelId="{55B15C34-936A-274E-92CB-401BD7A6D900}" type="presParOf" srcId="{C585E5F5-9A3E-834D-9370-6F2F21218421}" destId="{468E30DE-2D59-BE42-9063-0B18308EE3E0}" srcOrd="0" destOrd="0" presId="urn:microsoft.com/office/officeart/2018/5/layout/IconCircleLabelList"/>
-    <dgm:cxn modelId="{4E657B48-A9CE-A248-9577-F79CBEAC239F}" type="presParOf" srcId="{C585E5F5-9A3E-834D-9370-6F2F21218421}" destId="{B5F62C57-EB9D-C449-AEB7-9E5098DBE8B5}" srcOrd="1" destOrd="0" presId="urn:microsoft.com/office/officeart/2018/5/layout/IconCircleLabelList"/>
-    <dgm:cxn modelId="{65FCBC84-CCE7-7547-9D32-BDD894B8E348}" type="presParOf" srcId="{C585E5F5-9A3E-834D-9370-6F2F21218421}" destId="{EA02DF3E-EF51-C648-8C5A-636603439AA9}" srcOrd="2" destOrd="0" presId="urn:microsoft.com/office/officeart/2018/5/layout/IconCircleLabelList"/>
-    <dgm:cxn modelId="{DA6DF6CB-EE74-9F48-BCDC-D348E79DDF88}" type="presParOf" srcId="{C585E5F5-9A3E-834D-9370-6F2F21218421}" destId="{7CD937BA-B017-B044-84F1-C5B813001676}" srcOrd="3" destOrd="0" presId="urn:microsoft.com/office/officeart/2018/5/layout/IconCircleLabelList"/>
+    <dgm:cxn modelId="{0C1518D3-4967-E54D-82DB-32A800480CA4}" type="presOf" srcId="{EDDD0289-9D91-B442-9559-5264AD5DDCBD}" destId="{AECCC8D5-EBF3-DD45-AB27-3FD82A1E64A7}" srcOrd="0" destOrd="0" presId="urn:microsoft.com/office/officeart/2018/5/layout/IconCircleLabelList"/>
+    <dgm:cxn modelId="{A0BAEEDD-1155-EC49-9EAC-5CC293D19347}" srcId="{FD87D28C-FF84-4B0F-8221-13EB1F2B325D}" destId="{45E5AF18-F769-D14A-A042-A1626A9C2190}" srcOrd="10" destOrd="0" parTransId="{765CB4CD-BA04-F746-97D2-F9E7A1038A3A}" sibTransId="{003B5E03-59D7-4047-BD2C-EE734AEEF9C4}"/>
+    <dgm:cxn modelId="{2B703BED-33C7-8245-9400-1BD1294F5158}" srcId="{FD87D28C-FF84-4B0F-8221-13EB1F2B325D}" destId="{22770D66-90E3-7641-9963-75AEAD12ED72}" srcOrd="9" destOrd="0" parTransId="{566DCD93-FE88-F648-B41E-11ABA3B37189}" sibTransId="{DED78E22-1D27-AC49-83A9-91A4D2CF2656}"/>
+    <dgm:cxn modelId="{1011A5F7-6AC5-1F4A-A4F7-2F7BB6022A40}" srcId="{FD87D28C-FF84-4B0F-8221-13EB1F2B325D}" destId="{0B733CDC-BA88-A04D-A155-AB256C46DC1E}" srcOrd="7" destOrd="0" parTransId="{41C2C6B3-5611-7E4C-BAE5-AF8592515964}" sibTransId="{3984063A-A7BB-B245-BC63-35CDD61D41D0}"/>
+    <dgm:cxn modelId="{95350E59-CB9C-5644-8880-AA5B3044B471}" type="presParOf" srcId="{9F3F715C-1D5B-4C94-BA9A-5DA4C541F4C3}" destId="{A0E5B60C-6F98-4E8B-B8B8-29277E86EFFE}" srcOrd="0" destOrd="0" presId="urn:microsoft.com/office/officeart/2018/5/layout/IconCircleLabelList"/>
+    <dgm:cxn modelId="{777024B5-100B-C24B-A1CB-7B49C4B7EE67}" type="presParOf" srcId="{A0E5B60C-6F98-4E8B-B8B8-29277E86EFFE}" destId="{5940A959-C107-4F2E-9F79-8F8320964FBF}" srcOrd="0" destOrd="0" presId="urn:microsoft.com/office/officeart/2018/5/layout/IconCircleLabelList"/>
+    <dgm:cxn modelId="{5FFE99FF-D2AC-D64F-A585-E8F4F83D9A78}" type="presParOf" srcId="{A0E5B60C-6F98-4E8B-B8B8-29277E86EFFE}" destId="{7BFBDDF5-5BA9-47CA-AD2A-948519A41052}" srcOrd="1" destOrd="0" presId="urn:microsoft.com/office/officeart/2018/5/layout/IconCircleLabelList"/>
+    <dgm:cxn modelId="{331E0AB0-AD10-B64E-8FD4-AC5A96FB369F}" type="presParOf" srcId="{A0E5B60C-6F98-4E8B-B8B8-29277E86EFFE}" destId="{14D14ADD-C397-4F26-B312-013283525744}" srcOrd="2" destOrd="0" presId="urn:microsoft.com/office/officeart/2018/5/layout/IconCircleLabelList"/>
+    <dgm:cxn modelId="{201ED6E8-33EF-754E-BAB1-B236A82634D0}" type="presParOf" srcId="{A0E5B60C-6F98-4E8B-B8B8-29277E86EFFE}" destId="{02FA3387-5CA8-42C1-96B9-901BBBA36702}" srcOrd="3" destOrd="0" presId="urn:microsoft.com/office/officeart/2018/5/layout/IconCircleLabelList"/>
+    <dgm:cxn modelId="{2BFA7AA5-BB8E-FC47-A49D-3E225CFA87B1}" type="presParOf" srcId="{9F3F715C-1D5B-4C94-BA9A-5DA4C541F4C3}" destId="{2B153C8F-A381-4650-BC74-FF1A6F2708FD}" srcOrd="1" destOrd="0" presId="urn:microsoft.com/office/officeart/2018/5/layout/IconCircleLabelList"/>
+    <dgm:cxn modelId="{EDF499C3-CA33-714D-A161-279919103CDD}" type="presParOf" srcId="{9F3F715C-1D5B-4C94-BA9A-5DA4C541F4C3}" destId="{0EC98E32-1452-4B48-AE76-7621EECB8718}" srcOrd="2" destOrd="0" presId="urn:microsoft.com/office/officeart/2018/5/layout/IconCircleLabelList"/>
+    <dgm:cxn modelId="{0EC5B936-F8CB-6E42-B846-5E9D66FE4A19}" type="presParOf" srcId="{0EC98E32-1452-4B48-AE76-7621EECB8718}" destId="{9F3E46B5-4B68-4C45-BDBC-00FEA3AE98BF}" srcOrd="0" destOrd="0" presId="urn:microsoft.com/office/officeart/2018/5/layout/IconCircleLabelList"/>
+    <dgm:cxn modelId="{E2733321-1A14-FE43-8D65-56EDE08F396C}" type="presParOf" srcId="{0EC98E32-1452-4B48-AE76-7621EECB8718}" destId="{E3EC4BD0-231D-44CB-91C6-DFD63DA8FCDA}" srcOrd="1" destOrd="0" presId="urn:microsoft.com/office/officeart/2018/5/layout/IconCircleLabelList"/>
+    <dgm:cxn modelId="{AF5E139D-DB65-124E-A492-31FCF0E3ED80}" type="presParOf" srcId="{0EC98E32-1452-4B48-AE76-7621EECB8718}" destId="{1288CA57-09E4-4297-AE66-712F3D47D568}" srcOrd="2" destOrd="0" presId="urn:microsoft.com/office/officeart/2018/5/layout/IconCircleLabelList"/>
+    <dgm:cxn modelId="{D97C35B5-DCDE-7F4E-A198-C5063CB9545A}" type="presParOf" srcId="{0EC98E32-1452-4B48-AE76-7621EECB8718}" destId="{E65ED937-BBC0-4C78-87D2-C91F19D771AF}" srcOrd="3" destOrd="0" presId="urn:microsoft.com/office/officeart/2018/5/layout/IconCircleLabelList"/>
+    <dgm:cxn modelId="{4BBEF4AC-45DF-3A4D-8B56-2EC64B13668C}" type="presParOf" srcId="{9F3F715C-1D5B-4C94-BA9A-5DA4C541F4C3}" destId="{80355ABE-6593-4819-AD42-8625652B8601}" srcOrd="3" destOrd="0" presId="urn:microsoft.com/office/officeart/2018/5/layout/IconCircleLabelList"/>
+    <dgm:cxn modelId="{E4ADCC87-AA87-A84C-A408-40CBD9C8D986}" type="presParOf" srcId="{9F3F715C-1D5B-4C94-BA9A-5DA4C541F4C3}" destId="{677B01C0-7951-43EE-9623-04737BC15AE3}" srcOrd="4" destOrd="0" presId="urn:microsoft.com/office/officeart/2018/5/layout/IconCircleLabelList"/>
+    <dgm:cxn modelId="{7A2B02ED-E21E-7E44-88B7-B0FD6D11F4E3}" type="presParOf" srcId="{677B01C0-7951-43EE-9623-04737BC15AE3}" destId="{0CCD5A54-E709-42D5-93CE-13C48DF7594E}" srcOrd="0" destOrd="0" presId="urn:microsoft.com/office/officeart/2018/5/layout/IconCircleLabelList"/>
+    <dgm:cxn modelId="{AA717778-D32E-A149-99F1-2910ECAE748A}" type="presParOf" srcId="{677B01C0-7951-43EE-9623-04737BC15AE3}" destId="{EF65853B-3DB8-48FA-998B-4013775780EF}" srcOrd="1" destOrd="0" presId="urn:microsoft.com/office/officeart/2018/5/layout/IconCircleLabelList"/>
+    <dgm:cxn modelId="{D25E7B12-3C7E-2548-9E2B-CAA32D9F7BFF}" type="presParOf" srcId="{677B01C0-7951-43EE-9623-04737BC15AE3}" destId="{E8CB5C3A-2012-4705-BF88-8D394FB6E35B}" srcOrd="2" destOrd="0" presId="urn:microsoft.com/office/officeart/2018/5/layout/IconCircleLabelList"/>
+    <dgm:cxn modelId="{85356108-34FB-9141-860F-786BD7C435C0}" type="presParOf" srcId="{677B01C0-7951-43EE-9623-04737BC15AE3}" destId="{F8DC8407-8B5F-461A-AAFF-3E2C683FAFEF}" srcOrd="3" destOrd="0" presId="urn:microsoft.com/office/officeart/2018/5/layout/IconCircleLabelList"/>
+    <dgm:cxn modelId="{4B7ABFA0-952E-3341-8C5E-262FD6BB3F42}" type="presParOf" srcId="{9F3F715C-1D5B-4C94-BA9A-5DA4C541F4C3}" destId="{BCDA37D0-ECDC-7646-A2EB-CC8B67FB275A}" srcOrd="5" destOrd="0" presId="urn:microsoft.com/office/officeart/2018/5/layout/IconCircleLabelList"/>
+    <dgm:cxn modelId="{92219633-0762-504C-842A-FFA500F54D34}" type="presParOf" srcId="{9F3F715C-1D5B-4C94-BA9A-5DA4C541F4C3}" destId="{FB72BB7F-FA3F-6E43-97A5-5967B5CFF376}" srcOrd="6" destOrd="0" presId="urn:microsoft.com/office/officeart/2018/5/layout/IconCircleLabelList"/>
+    <dgm:cxn modelId="{D92272AC-598D-814C-A3D2-9408D3A69564}" type="presParOf" srcId="{FB72BB7F-FA3F-6E43-97A5-5967B5CFF376}" destId="{5A34DD4C-6999-6841-B74F-075F36BA2821}" srcOrd="0" destOrd="0" presId="urn:microsoft.com/office/officeart/2018/5/layout/IconCircleLabelList"/>
+    <dgm:cxn modelId="{32E284E3-F7E9-524D-A7CD-702A6CCD57E2}" type="presParOf" srcId="{FB72BB7F-FA3F-6E43-97A5-5967B5CFF376}" destId="{487BF379-9465-3B4C-9F11-4C9124604080}" srcOrd="1" destOrd="0" presId="urn:microsoft.com/office/officeart/2018/5/layout/IconCircleLabelList"/>
+    <dgm:cxn modelId="{54BC84BB-72D4-A140-BE01-9B00680C871D}" type="presParOf" srcId="{FB72BB7F-FA3F-6E43-97A5-5967B5CFF376}" destId="{47546ADB-30C5-FA43-AD89-86DFE5AC08BB}" srcOrd="2" destOrd="0" presId="urn:microsoft.com/office/officeart/2018/5/layout/IconCircleLabelList"/>
+    <dgm:cxn modelId="{60E706D8-E32B-7349-A35A-21DCA4595263}" type="presParOf" srcId="{FB72BB7F-FA3F-6E43-97A5-5967B5CFF376}" destId="{A60B75D2-BD8E-7242-8EDE-3AE1C6DEF6B7}" srcOrd="3" destOrd="0" presId="urn:microsoft.com/office/officeart/2018/5/layout/IconCircleLabelList"/>
+    <dgm:cxn modelId="{8810A964-7A4B-AB49-A41E-77228E373BEF}" type="presParOf" srcId="{9F3F715C-1D5B-4C94-BA9A-5DA4C541F4C3}" destId="{BC72718D-2582-4A47-B4B4-805DA967C343}" srcOrd="7" destOrd="0" presId="urn:microsoft.com/office/officeart/2018/5/layout/IconCircleLabelList"/>
+    <dgm:cxn modelId="{9BEC34E1-8ECC-D04D-8224-2160E2820A4B}" type="presParOf" srcId="{9F3F715C-1D5B-4C94-BA9A-5DA4C541F4C3}" destId="{7475136F-AF53-4241-9A76-A1B0E713007F}" srcOrd="8" destOrd="0" presId="urn:microsoft.com/office/officeart/2018/5/layout/IconCircleLabelList"/>
+    <dgm:cxn modelId="{0C99E1B1-099C-174D-BC39-F276E84A7836}" type="presParOf" srcId="{7475136F-AF53-4241-9A76-A1B0E713007F}" destId="{CBCCD559-F106-C144-809B-D4F2126DD430}" srcOrd="0" destOrd="0" presId="urn:microsoft.com/office/officeart/2018/5/layout/IconCircleLabelList"/>
+    <dgm:cxn modelId="{479DF15F-06CE-4B49-B011-D2858A2053AE}" type="presParOf" srcId="{7475136F-AF53-4241-9A76-A1B0E713007F}" destId="{74FC51DE-4C2E-D448-BF4F-7C4F3CDB1179}" srcOrd="1" destOrd="0" presId="urn:microsoft.com/office/officeart/2018/5/layout/IconCircleLabelList"/>
+    <dgm:cxn modelId="{32066E67-0BFD-8A48-AB95-C1EB0D338C09}" type="presParOf" srcId="{7475136F-AF53-4241-9A76-A1B0E713007F}" destId="{D4B7ACD4-3F2D-1D44-8FB7-409710E590A2}" srcOrd="2" destOrd="0" presId="urn:microsoft.com/office/officeart/2018/5/layout/IconCircleLabelList"/>
+    <dgm:cxn modelId="{5911292C-536B-D34D-9E53-D14805FD1DA5}" type="presParOf" srcId="{7475136F-AF53-4241-9A76-A1B0E713007F}" destId="{AECCC8D5-EBF3-DD45-AB27-3FD82A1E64A7}" srcOrd="3" destOrd="0" presId="urn:microsoft.com/office/officeart/2018/5/layout/IconCircleLabelList"/>
+    <dgm:cxn modelId="{81C10B2A-778B-2945-B5AD-248BC140BD7D}" type="presParOf" srcId="{9F3F715C-1D5B-4C94-BA9A-5DA4C541F4C3}" destId="{7D7B802E-7D6B-CE40-AEF9-B2D358679BA0}" srcOrd="9" destOrd="0" presId="urn:microsoft.com/office/officeart/2018/5/layout/IconCircleLabelList"/>
+    <dgm:cxn modelId="{A1DE0F3E-2109-A348-8D37-B3F1C46CCEFB}" type="presParOf" srcId="{9F3F715C-1D5B-4C94-BA9A-5DA4C541F4C3}" destId="{1DD739CF-80A3-B542-AFD6-3F9C633CEEF1}" srcOrd="10" destOrd="0" presId="urn:microsoft.com/office/officeart/2018/5/layout/IconCircleLabelList"/>
+    <dgm:cxn modelId="{209F08B1-6E02-854F-A429-D891402D067C}" type="presParOf" srcId="{1DD739CF-80A3-B542-AFD6-3F9C633CEEF1}" destId="{D9D8234E-3B6A-EE49-AD2A-22C6E76A1DC1}" srcOrd="0" destOrd="0" presId="urn:microsoft.com/office/officeart/2018/5/layout/IconCircleLabelList"/>
+    <dgm:cxn modelId="{3F1F53D4-8A89-0542-AD2B-AC6787D259AE}" type="presParOf" srcId="{1DD739CF-80A3-B542-AFD6-3F9C633CEEF1}" destId="{F0FEAAE5-ED37-4C46-A6DD-3796AEA45423}" srcOrd="1" destOrd="0" presId="urn:microsoft.com/office/officeart/2018/5/layout/IconCircleLabelList"/>
+    <dgm:cxn modelId="{03DCB0BF-93FF-404F-80DA-F44D1BCE3868}" type="presParOf" srcId="{1DD739CF-80A3-B542-AFD6-3F9C633CEEF1}" destId="{A1F37936-0DF0-5E43-95DF-7C2EE00BFC73}" srcOrd="2" destOrd="0" presId="urn:microsoft.com/office/officeart/2018/5/layout/IconCircleLabelList"/>
+    <dgm:cxn modelId="{B697D4A3-B8FE-1B45-8C9D-7B5454F3DD88}" type="presParOf" srcId="{1DD739CF-80A3-B542-AFD6-3F9C633CEEF1}" destId="{137ED790-1C74-EB4C-B251-A11A544EAA76}" srcOrd="3" destOrd="0" presId="urn:microsoft.com/office/officeart/2018/5/layout/IconCircleLabelList"/>
+    <dgm:cxn modelId="{DD206704-F521-6441-9DD7-6FECA380D228}" type="presParOf" srcId="{9F3F715C-1D5B-4C94-BA9A-5DA4C541F4C3}" destId="{3DDAFB14-77D1-8349-8F36-F08FC1900954}" srcOrd="11" destOrd="0" presId="urn:microsoft.com/office/officeart/2018/5/layout/IconCircleLabelList"/>
+    <dgm:cxn modelId="{2541A9D5-2726-1D42-98F5-49438FDF861D}" type="presParOf" srcId="{9F3F715C-1D5B-4C94-BA9A-5DA4C541F4C3}" destId="{BB5E3426-2547-2F49-97DF-199CE554BB2E}" srcOrd="12" destOrd="0" presId="urn:microsoft.com/office/officeart/2018/5/layout/IconCircleLabelList"/>
+    <dgm:cxn modelId="{65F1FBD6-2C7A-0043-B869-6C4EF5E1C86B}" type="presParOf" srcId="{BB5E3426-2547-2F49-97DF-199CE554BB2E}" destId="{A8FEE83B-2B80-4F4C-84D8-FC0E17F96515}" srcOrd="0" destOrd="0" presId="urn:microsoft.com/office/officeart/2018/5/layout/IconCircleLabelList"/>
+    <dgm:cxn modelId="{79ABC78C-74F4-D949-9EF6-13895050C1F5}" type="presParOf" srcId="{BB5E3426-2547-2F49-97DF-199CE554BB2E}" destId="{46CBCB7B-5219-3340-A247-8EFB87616D5F}" srcOrd="1" destOrd="0" presId="urn:microsoft.com/office/officeart/2018/5/layout/IconCircleLabelList"/>
+    <dgm:cxn modelId="{7B564E89-8D66-F842-915D-EA37EF3DBD5D}" type="presParOf" srcId="{BB5E3426-2547-2F49-97DF-199CE554BB2E}" destId="{6718D0BE-6E47-904A-A22A-EF1FA28B6B4E}" srcOrd="2" destOrd="0" presId="urn:microsoft.com/office/officeart/2018/5/layout/IconCircleLabelList"/>
+    <dgm:cxn modelId="{93D58351-42BE-914C-A195-1AE055D72672}" type="presParOf" srcId="{BB5E3426-2547-2F49-97DF-199CE554BB2E}" destId="{71C14C53-163A-114E-AE8B-1F0CB2F00815}" srcOrd="3" destOrd="0" presId="urn:microsoft.com/office/officeart/2018/5/layout/IconCircleLabelList"/>
+    <dgm:cxn modelId="{BDCAD8F6-2DF6-E74B-96C6-15C95E1A92CF}" type="presParOf" srcId="{9F3F715C-1D5B-4C94-BA9A-5DA4C541F4C3}" destId="{4EF4FF86-82DB-E543-8609-CFD6C3CDC82D}" srcOrd="13" destOrd="0" presId="urn:microsoft.com/office/officeart/2018/5/layout/IconCircleLabelList"/>
+    <dgm:cxn modelId="{37217FFE-079D-2C49-9A7D-8035C9935840}" type="presParOf" srcId="{9F3F715C-1D5B-4C94-BA9A-5DA4C541F4C3}" destId="{2302EE07-F2CE-A642-AD46-F1AB46F48FB4}" srcOrd="14" destOrd="0" presId="urn:microsoft.com/office/officeart/2018/5/layout/IconCircleLabelList"/>
+    <dgm:cxn modelId="{E7A235F0-C24E-804E-BC0E-616514DF74CA}" type="presParOf" srcId="{2302EE07-F2CE-A642-AD46-F1AB46F48FB4}" destId="{862C165C-A96A-994C-B8EE-C550932D8D6C}" srcOrd="0" destOrd="0" presId="urn:microsoft.com/office/officeart/2018/5/layout/IconCircleLabelList"/>
+    <dgm:cxn modelId="{FF2BE023-DC72-9A4B-B877-0DAEBC1AB68D}" type="presParOf" srcId="{2302EE07-F2CE-A642-AD46-F1AB46F48FB4}" destId="{1CEC64C8-44EC-0C4A-9F80-17D1C887ADA3}" srcOrd="1" destOrd="0" presId="urn:microsoft.com/office/officeart/2018/5/layout/IconCircleLabelList"/>
+    <dgm:cxn modelId="{402CA6E0-7273-B748-B462-A2AF86DF55D9}" type="presParOf" srcId="{2302EE07-F2CE-A642-AD46-F1AB46F48FB4}" destId="{59D7EFDB-F2F4-0648-9CF6-DCB38093AE84}" srcOrd="2" destOrd="0" presId="urn:microsoft.com/office/officeart/2018/5/layout/IconCircleLabelList"/>
+    <dgm:cxn modelId="{FFC09B96-7D5E-3E44-BCC3-70C3A8E90EBF}" type="presParOf" srcId="{2302EE07-F2CE-A642-AD46-F1AB46F48FB4}" destId="{6668AFCF-964A-7F41-BFB4-C991A3DD3A63}" srcOrd="3" destOrd="0" presId="urn:microsoft.com/office/officeart/2018/5/layout/IconCircleLabelList"/>
+    <dgm:cxn modelId="{C9BB9F16-A077-F548-AFD6-990FF831A225}" type="presParOf" srcId="{9F3F715C-1D5B-4C94-BA9A-5DA4C541F4C3}" destId="{87D02980-2271-8B4E-A968-282BA10EB907}" srcOrd="15" destOrd="0" presId="urn:microsoft.com/office/officeart/2018/5/layout/IconCircleLabelList"/>
+    <dgm:cxn modelId="{CF0E2782-AED6-EE4E-BBEB-C586976FA105}" type="presParOf" srcId="{9F3F715C-1D5B-4C94-BA9A-5DA4C541F4C3}" destId="{1E760BE1-2127-A14F-A63C-1C40A8B7DC40}" srcOrd="16" destOrd="0" presId="urn:microsoft.com/office/officeart/2018/5/layout/IconCircleLabelList"/>
+    <dgm:cxn modelId="{4F748E57-827E-724E-8F42-5EE099E97176}" type="presParOf" srcId="{1E760BE1-2127-A14F-A63C-1C40A8B7DC40}" destId="{E350A52D-F9F7-0641-BB96-C07CAD368B6C}" srcOrd="0" destOrd="0" presId="urn:microsoft.com/office/officeart/2018/5/layout/IconCircleLabelList"/>
+    <dgm:cxn modelId="{BCC99F12-9B46-C04F-9175-E10AC7BD952F}" type="presParOf" srcId="{1E760BE1-2127-A14F-A63C-1C40A8B7DC40}" destId="{BA2ECD6C-3D7F-D44F-B9E0-AB2F7861189B}" srcOrd="1" destOrd="0" presId="urn:microsoft.com/office/officeart/2018/5/layout/IconCircleLabelList"/>
+    <dgm:cxn modelId="{70AB989A-D65F-8440-B1DD-41D5DEBB35D1}" type="presParOf" srcId="{1E760BE1-2127-A14F-A63C-1C40A8B7DC40}" destId="{0F74A996-B2D7-C54C-8018-6B023A098C04}" srcOrd="2" destOrd="0" presId="urn:microsoft.com/office/officeart/2018/5/layout/IconCircleLabelList"/>
+    <dgm:cxn modelId="{B14148B7-70E4-0747-B356-FC10DE244E41}" type="presParOf" srcId="{1E760BE1-2127-A14F-A63C-1C40A8B7DC40}" destId="{9AFB4E09-231F-5E43-BF93-C13A94C5570C}" srcOrd="3" destOrd="0" presId="urn:microsoft.com/office/officeart/2018/5/layout/IconCircleLabelList"/>
+    <dgm:cxn modelId="{9D3B37CA-3781-4B4D-939F-16546B688F09}" type="presParOf" srcId="{9F3F715C-1D5B-4C94-BA9A-5DA4C541F4C3}" destId="{34DC3E1C-0F9B-8547-8A4B-A33D9AEC012F}" srcOrd="17" destOrd="0" presId="urn:microsoft.com/office/officeart/2018/5/layout/IconCircleLabelList"/>
+    <dgm:cxn modelId="{2A4A5BB5-2624-2242-AC69-BE12AF716FB9}" type="presParOf" srcId="{9F3F715C-1D5B-4C94-BA9A-5DA4C541F4C3}" destId="{A1980D6A-FED6-E34D-9141-65F963186646}" srcOrd="18" destOrd="0" presId="urn:microsoft.com/office/officeart/2018/5/layout/IconCircleLabelList"/>
+    <dgm:cxn modelId="{A8077D19-EE67-934D-B2BB-248547540CD9}" type="presParOf" srcId="{A1980D6A-FED6-E34D-9141-65F963186646}" destId="{07A09F4D-DA0C-DE43-9E3C-61DBC5F77745}" srcOrd="0" destOrd="0" presId="urn:microsoft.com/office/officeart/2018/5/layout/IconCircleLabelList"/>
+    <dgm:cxn modelId="{A25A85BB-CAEE-FD48-A397-2E19828C608D}" type="presParOf" srcId="{A1980D6A-FED6-E34D-9141-65F963186646}" destId="{D891CAAC-8523-CA47-B30D-90C47EB88371}" srcOrd="1" destOrd="0" presId="urn:microsoft.com/office/officeart/2018/5/layout/IconCircleLabelList"/>
+    <dgm:cxn modelId="{8C7CA8F4-3211-3544-833C-73029F0662FF}" type="presParOf" srcId="{A1980D6A-FED6-E34D-9141-65F963186646}" destId="{749A699E-AE2C-B844-AA79-DDD6BDBF25DE}" srcOrd="2" destOrd="0" presId="urn:microsoft.com/office/officeart/2018/5/layout/IconCircleLabelList"/>
+    <dgm:cxn modelId="{DC412B87-8DBD-0741-B48D-466E07986106}" type="presParOf" srcId="{A1980D6A-FED6-E34D-9141-65F963186646}" destId="{AA493F9F-B358-B745-98F3-F3248D5567AF}" srcOrd="3" destOrd="0" presId="urn:microsoft.com/office/officeart/2018/5/layout/IconCircleLabelList"/>
+    <dgm:cxn modelId="{FFF72199-9E89-4143-AE7D-DDC22E6FCB38}" type="presParOf" srcId="{9F3F715C-1D5B-4C94-BA9A-5DA4C541F4C3}" destId="{18F55E94-FE4C-9B45-8A71-6C5DB1EE1D0B}" srcOrd="19" destOrd="0" presId="urn:microsoft.com/office/officeart/2018/5/layout/IconCircleLabelList"/>
+    <dgm:cxn modelId="{5CB3BDB9-750F-A146-82B2-30DE1E944AAA}" type="presParOf" srcId="{9F3F715C-1D5B-4C94-BA9A-5DA4C541F4C3}" destId="{4A2BF61E-7327-8E47-9034-0522C0095C8A}" srcOrd="20" destOrd="0" presId="urn:microsoft.com/office/officeart/2018/5/layout/IconCircleLabelList"/>
+    <dgm:cxn modelId="{677403CD-CDD5-D945-A5BA-5C2E6E136FF5}" type="presParOf" srcId="{4A2BF61E-7327-8E47-9034-0522C0095C8A}" destId="{BC2B2AF3-1216-2045-B4F4-4C02B2C00E03}" srcOrd="0" destOrd="0" presId="urn:microsoft.com/office/officeart/2018/5/layout/IconCircleLabelList"/>
+    <dgm:cxn modelId="{2FE87544-3174-5645-8BB6-3AB9CEFD0095}" type="presParOf" srcId="{4A2BF61E-7327-8E47-9034-0522C0095C8A}" destId="{F501A3F7-9351-8241-A4E1-4D9FB599F9FD}" srcOrd="1" destOrd="0" presId="urn:microsoft.com/office/officeart/2018/5/layout/IconCircleLabelList"/>
+    <dgm:cxn modelId="{480DEE2E-19D8-A947-B6FA-18C923C258A2}" type="presParOf" srcId="{4A2BF61E-7327-8E47-9034-0522C0095C8A}" destId="{87378372-F398-024C-917E-1ECBB3CF95AC}" srcOrd="2" destOrd="0" presId="urn:microsoft.com/office/officeart/2018/5/layout/IconCircleLabelList"/>
+    <dgm:cxn modelId="{7C2D6422-A135-7648-B75A-573B51F9570E}" type="presParOf" srcId="{4A2BF61E-7327-8E47-9034-0522C0095C8A}" destId="{03247F0E-1DF2-CC46-971B-B6BF52381F46}" srcOrd="3" destOrd="0" presId="urn:microsoft.com/office/officeart/2018/5/layout/IconCircleLabelList"/>
+    <dgm:cxn modelId="{CF0B17A3-FA3C-144C-903E-01215ED78E68}" type="presParOf" srcId="{9F3F715C-1D5B-4C94-BA9A-5DA4C541F4C3}" destId="{07A43777-CC05-C44F-B659-BBB6F2B4B904}" srcOrd="21" destOrd="0" presId="urn:microsoft.com/office/officeart/2018/5/layout/IconCircleLabelList"/>
+    <dgm:cxn modelId="{9E6ACD2E-E2F6-5A4B-9B75-E679B81DD6D0}" type="presParOf" srcId="{9F3F715C-1D5B-4C94-BA9A-5DA4C541F4C3}" destId="{C585E5F5-9A3E-834D-9370-6F2F21218421}" srcOrd="22" destOrd="0" presId="urn:microsoft.com/office/officeart/2018/5/layout/IconCircleLabelList"/>
+    <dgm:cxn modelId="{52DE8C33-EE18-5340-8E35-8A08BE5211B0}" type="presParOf" srcId="{C585E5F5-9A3E-834D-9370-6F2F21218421}" destId="{468E30DE-2D59-BE42-9063-0B18308EE3E0}" srcOrd="0" destOrd="0" presId="urn:microsoft.com/office/officeart/2018/5/layout/IconCircleLabelList"/>
+    <dgm:cxn modelId="{AB7F503D-2EC9-444D-904D-B1BDE6A94E28}" type="presParOf" srcId="{C585E5F5-9A3E-834D-9370-6F2F21218421}" destId="{B5F62C57-EB9D-C449-AEB7-9E5098DBE8B5}" srcOrd="1" destOrd="0" presId="urn:microsoft.com/office/officeart/2018/5/layout/IconCircleLabelList"/>
+    <dgm:cxn modelId="{2399384D-1FBD-3443-8FC9-2DB79C3F7E5C}" type="presParOf" srcId="{C585E5F5-9A3E-834D-9370-6F2F21218421}" destId="{EA02DF3E-EF51-C648-8C5A-636603439AA9}" srcOrd="2" destOrd="0" presId="urn:microsoft.com/office/officeart/2018/5/layout/IconCircleLabelList"/>
+    <dgm:cxn modelId="{D29B5BA1-AA10-BF44-B1A9-65AEA19B0199}" type="presParOf" srcId="{C585E5F5-9A3E-834D-9370-6F2F21218421}" destId="{7CD937BA-B017-B044-84F1-C5B813001676}" srcOrd="3" destOrd="0" presId="urn:microsoft.com/office/officeart/2018/5/layout/IconCircleLabelList"/>
   </dgm:cxnLst>
   <dgm:bg/>
   <dgm:whole/>
@@ -17437,7 +17530,7 @@
         <a:ext cx="1529296" cy="611718"/>
       </dsp:txXfrm>
     </dsp:sp>
-    <dsp:sp modelId="{A8FEE83B-2B80-4F4C-84D8-FC0E17F96515}">
+    <dsp:sp modelId="{D9D8234E-3B6A-EE49-AD2A-22C6E76A1DC1}">
       <dsp:nvSpPr>
         <dsp:cNvPr id="0" name=""/>
         <dsp:cNvSpPr/>
@@ -17477,7 +17570,7 @@
         <a:fontRef idx="minor"/>
       </dsp:style>
     </dsp:sp>
-    <dsp:sp modelId="{46CBCB7B-5219-3340-A247-8EFB87616D5F}">
+    <dsp:sp modelId="{F0FEAAE5-ED37-4C46-A6DD-3796AEA45423}">
       <dsp:nvSpPr>
         <dsp:cNvPr id="0" name=""/>
         <dsp:cNvSpPr/>
@@ -17533,7 +17626,7 @@
         </a:fontRef>
       </dsp:style>
     </dsp:sp>
-    <dsp:sp modelId="{71C14C53-163A-114E-AE8B-1F0CB2F00815}">
+    <dsp:sp modelId="{137ED790-1C74-EB4C-B251-A11A544EAA76}">
       <dsp:nvSpPr>
         <dsp:cNvPr id="0" name=""/>
         <dsp:cNvSpPr/>
@@ -17585,7 +17678,7 @@
           </a:pPr>
           <a:r>
             <a:rPr lang="en-GB" sz="1900" kern="1200" dirty="0"/>
-            <a:t>Heroku</a:t>
+            <a:t>Postman</a:t>
           </a:r>
         </a:p>
       </dsp:txBody>
@@ -17594,14 +17687,14 @@
         <a:ext cx="1529296" cy="611718"/>
       </dsp:txXfrm>
     </dsp:sp>
-    <dsp:sp modelId="{862C165C-A96A-994C-B8EE-C550932D8D6C}">
+    <dsp:sp modelId="{A8FEE83B-2B80-4F4C-84D8-FC0E17F96515}">
       <dsp:nvSpPr>
         <dsp:cNvPr id="0" name=""/>
         <dsp:cNvSpPr/>
       </dsp:nvSpPr>
       <dsp:spPr>
         <a:xfrm>
-          <a:off x="1197516" y="2369924"/>
+          <a:off x="299054" y="2369924"/>
           <a:ext cx="932871" cy="932871"/>
         </a:xfrm>
         <a:prstGeom prst="ellipse">
@@ -17634,14 +17727,14 @@
         <a:fontRef idx="minor"/>
       </dsp:style>
     </dsp:sp>
-    <dsp:sp modelId="{1CEC64C8-44EC-0C4A-9F80-17D1C887ADA3}">
+    <dsp:sp modelId="{46CBCB7B-5219-3340-A247-8EFB87616D5F}">
       <dsp:nvSpPr>
         <dsp:cNvPr id="0" name=""/>
         <dsp:cNvSpPr/>
       </dsp:nvSpPr>
       <dsp:spPr>
         <a:xfrm>
-          <a:off x="1396325" y="2568732"/>
+          <a:off x="497863" y="2568732"/>
           <a:ext cx="535253" cy="535253"/>
         </a:xfrm>
         <a:prstGeom prst="rect">
@@ -17690,6 +17783,163 @@
         </a:fontRef>
       </dsp:style>
     </dsp:sp>
+    <dsp:sp modelId="{71C14C53-163A-114E-AE8B-1F0CB2F00815}">
+      <dsp:nvSpPr>
+        <dsp:cNvPr id="0" name=""/>
+        <dsp:cNvSpPr/>
+      </dsp:nvSpPr>
+      <dsp:spPr>
+        <a:xfrm>
+          <a:off x="841" y="3593361"/>
+          <a:ext cx="1529296" cy="611718"/>
+        </a:xfrm>
+        <a:prstGeom prst="rect">
+          <a:avLst/>
+        </a:prstGeom>
+        <a:noFill/>
+        <a:ln>
+          <a:noFill/>
+        </a:ln>
+        <a:effectLst/>
+      </dsp:spPr>
+      <dsp:style>
+        <a:lnRef idx="0">
+          <a:scrgbClr r="0" g="0" b="0"/>
+        </a:lnRef>
+        <a:fillRef idx="0">
+          <a:scrgbClr r="0" g="0" b="0"/>
+        </a:fillRef>
+        <a:effectRef idx="0">
+          <a:scrgbClr r="0" g="0" b="0"/>
+        </a:effectRef>
+        <a:fontRef idx="minor"/>
+      </dsp:style>
+      <dsp:txBody>
+        <a:bodyPr spcFirstLastPara="0" vert="horz" wrap="square" lIns="0" tIns="0" rIns="0" bIns="0" numCol="1" spcCol="1270" anchor="t" anchorCtr="0">
+          <a:noAutofit/>
+        </a:bodyPr>
+        <a:lstStyle/>
+        <a:p>
+          <a:pPr marL="0" lvl="0" indent="0" algn="ctr" defTabSz="844550">
+            <a:lnSpc>
+              <a:spcPct val="100000"/>
+            </a:lnSpc>
+            <a:spcBef>
+              <a:spcPct val="0"/>
+            </a:spcBef>
+            <a:spcAft>
+              <a:spcPct val="35000"/>
+            </a:spcAft>
+            <a:buNone/>
+            <a:defRPr cap="all"/>
+          </a:pPr>
+          <a:r>
+            <a:rPr lang="en-GB" sz="1900" kern="1200" dirty="0"/>
+            <a:t>Heroku</a:t>
+          </a:r>
+        </a:p>
+      </dsp:txBody>
+      <dsp:txXfrm>
+        <a:off x="841" y="3593361"/>
+        <a:ext cx="1529296" cy="611718"/>
+      </dsp:txXfrm>
+    </dsp:sp>
+    <dsp:sp modelId="{862C165C-A96A-994C-B8EE-C550932D8D6C}">
+      <dsp:nvSpPr>
+        <dsp:cNvPr id="0" name=""/>
+        <dsp:cNvSpPr/>
+      </dsp:nvSpPr>
+      <dsp:spPr>
+        <a:xfrm>
+          <a:off x="2095978" y="2369924"/>
+          <a:ext cx="932871" cy="932871"/>
+        </a:xfrm>
+        <a:prstGeom prst="ellipse">
+          <a:avLst/>
+        </a:prstGeom>
+        <a:solidFill>
+          <a:schemeClr val="bg1">
+            <a:lumMod val="95000"/>
+            <a:hueOff val="0"/>
+            <a:satOff val="0"/>
+            <a:lumOff val="0"/>
+            <a:alphaOff val="0"/>
+          </a:schemeClr>
+        </a:solidFill>
+        <a:ln>
+          <a:noFill/>
+        </a:ln>
+        <a:effectLst/>
+      </dsp:spPr>
+      <dsp:style>
+        <a:lnRef idx="0">
+          <a:scrgbClr r="0" g="0" b="0"/>
+        </a:lnRef>
+        <a:fillRef idx="1">
+          <a:scrgbClr r="0" g="0" b="0"/>
+        </a:fillRef>
+        <a:effectRef idx="0">
+          <a:scrgbClr r="0" g="0" b="0"/>
+        </a:effectRef>
+        <a:fontRef idx="minor"/>
+      </dsp:style>
+    </dsp:sp>
+    <dsp:sp modelId="{1CEC64C8-44EC-0C4A-9F80-17D1C887ADA3}">
+      <dsp:nvSpPr>
+        <dsp:cNvPr id="0" name=""/>
+        <dsp:cNvSpPr/>
+      </dsp:nvSpPr>
+      <dsp:spPr>
+        <a:xfrm>
+          <a:off x="2294787" y="2568732"/>
+          <a:ext cx="535253" cy="535253"/>
+        </a:xfrm>
+        <a:prstGeom prst="rect">
+          <a:avLst/>
+        </a:prstGeom>
+        <a:blipFill>
+          <a:blip xmlns:r="http://schemas.openxmlformats.org/officeDocument/2006/relationships" r:embed="rId8">
+            <a:extLst>
+              <a:ext uri="{28A0092B-C50C-407E-A947-70E740481C1C}">
+                <a14:useLocalDpi xmlns:a14="http://schemas.microsoft.com/office/drawing/2010/main" val="0"/>
+              </a:ext>
+            </a:extLst>
+          </a:blip>
+          <a:srcRect/>
+          <a:stretch>
+            <a:fillRect/>
+          </a:stretch>
+        </a:blipFill>
+        <a:ln w="12700" cap="flat" cmpd="sng" algn="ctr">
+          <a:solidFill>
+            <a:schemeClr val="lt1">
+              <a:alpha val="0"/>
+              <a:hueOff val="0"/>
+              <a:satOff val="0"/>
+              <a:lumOff val="0"/>
+              <a:alphaOff val="0"/>
+            </a:schemeClr>
+          </a:solidFill>
+          <a:prstDash val="solid"/>
+          <a:miter lim="800000"/>
+        </a:ln>
+        <a:effectLst/>
+      </dsp:spPr>
+      <dsp:style>
+        <a:lnRef idx="2">
+          <a:scrgbClr r="0" g="0" b="0"/>
+        </a:lnRef>
+        <a:fillRef idx="1">
+          <a:scrgbClr r="0" g="0" b="0"/>
+        </a:fillRef>
+        <a:effectRef idx="0">
+          <a:scrgbClr r="0" g="0" b="0"/>
+        </a:effectRef>
+        <a:fontRef idx="minor">
+          <a:schemeClr val="lt1"/>
+        </a:fontRef>
+      </dsp:style>
+    </dsp:sp>
     <dsp:sp modelId="{6668AFCF-964A-7F41-BFB4-C991A3DD3A63}">
       <dsp:nvSpPr>
         <dsp:cNvPr id="0" name=""/>
@@ -17697,7 +17947,7 @@
       </dsp:nvSpPr>
       <dsp:spPr>
         <a:xfrm>
-          <a:off x="899303" y="3593361"/>
+          <a:off x="1797765" y="3593361"/>
           <a:ext cx="1529296" cy="611718"/>
         </a:xfrm>
         <a:prstGeom prst="rect">
@@ -17747,7 +17997,7 @@
         </a:p>
       </dsp:txBody>
       <dsp:txXfrm>
-        <a:off x="899303" y="3593361"/>
+        <a:off x="1797765" y="3593361"/>
         <a:ext cx="1529296" cy="611718"/>
       </dsp:txXfrm>
     </dsp:sp>
@@ -17758,7 +18008,7 @@
       </dsp:nvSpPr>
       <dsp:spPr>
         <a:xfrm>
-          <a:off x="2994440" y="2369924"/>
+          <a:off x="3892902" y="2369924"/>
           <a:ext cx="932871" cy="932871"/>
         </a:xfrm>
         <a:prstGeom prst="ellipse">
@@ -17798,14 +18048,14 @@
       </dsp:nvSpPr>
       <dsp:spPr>
         <a:xfrm>
-          <a:off x="3193249" y="2568732"/>
+          <a:off x="4091711" y="2568732"/>
           <a:ext cx="535253" cy="535253"/>
         </a:xfrm>
         <a:prstGeom prst="rect">
           <a:avLst/>
         </a:prstGeom>
         <a:blipFill>
-          <a:blip xmlns:r="http://schemas.openxmlformats.org/officeDocument/2006/relationships" r:embed="rId8">
+          <a:blip xmlns:r="http://schemas.openxmlformats.org/officeDocument/2006/relationships" r:embed="rId9">
             <a:extLst>
               <a:ext uri="{28A0092B-C50C-407E-A947-70E740481C1C}">
                 <a14:useLocalDpi xmlns:a14="http://schemas.microsoft.com/office/drawing/2010/main" val="0"/>
@@ -17854,7 +18104,7 @@
       </dsp:nvSpPr>
       <dsp:spPr>
         <a:xfrm>
-          <a:off x="2696227" y="3593361"/>
+          <a:off x="3594689" y="3593361"/>
           <a:ext cx="1529296" cy="611718"/>
         </a:xfrm>
         <a:prstGeom prst="rect">
@@ -17904,7 +18154,7 @@
         </a:p>
       </dsp:txBody>
       <dsp:txXfrm>
-        <a:off x="2696227" y="3593361"/>
+        <a:off x="3594689" y="3593361"/>
         <a:ext cx="1529296" cy="611718"/>
       </dsp:txXfrm>
     </dsp:sp>
@@ -17915,7 +18165,7 @@
       </dsp:nvSpPr>
       <dsp:spPr>
         <a:xfrm>
-          <a:off x="4791364" y="2369924"/>
+          <a:off x="5689826" y="2369924"/>
           <a:ext cx="932871" cy="932871"/>
         </a:xfrm>
         <a:prstGeom prst="ellipse">
@@ -17955,14 +18205,14 @@
       </dsp:nvSpPr>
       <dsp:spPr>
         <a:xfrm>
-          <a:off x="4990173" y="2568732"/>
+          <a:off x="5888634" y="2568732"/>
           <a:ext cx="535253" cy="535253"/>
         </a:xfrm>
         <a:prstGeom prst="rect">
           <a:avLst/>
         </a:prstGeom>
         <a:blipFill>
-          <a:blip xmlns:r="http://schemas.openxmlformats.org/officeDocument/2006/relationships" r:embed="rId9">
+          <a:blip xmlns:r="http://schemas.openxmlformats.org/officeDocument/2006/relationships" r:embed="rId10">
             <a:extLst>
               <a:ext uri="{28A0092B-C50C-407E-A947-70E740481C1C}">
                 <a14:useLocalDpi xmlns:a14="http://schemas.microsoft.com/office/drawing/2010/main" val="0"/>
@@ -18011,7 +18261,7 @@
       </dsp:nvSpPr>
       <dsp:spPr>
         <a:xfrm>
-          <a:off x="4493151" y="3593361"/>
+          <a:off x="5391613" y="3593361"/>
           <a:ext cx="1529296" cy="611718"/>
         </a:xfrm>
         <a:prstGeom prst="rect">
@@ -18061,7 +18311,7 @@
         </a:p>
       </dsp:txBody>
       <dsp:txXfrm>
-        <a:off x="4493151" y="3593361"/>
+        <a:off x="5391613" y="3593361"/>
         <a:ext cx="1529296" cy="611718"/>
       </dsp:txXfrm>
     </dsp:sp>
@@ -18072,7 +18322,7 @@
       </dsp:nvSpPr>
       <dsp:spPr>
         <a:xfrm>
-          <a:off x="6588288" y="2369924"/>
+          <a:off x="7486750" y="2369924"/>
           <a:ext cx="932871" cy="932871"/>
         </a:xfrm>
         <a:prstGeom prst="ellipse">
@@ -18112,14 +18362,14 @@
       </dsp:nvSpPr>
       <dsp:spPr>
         <a:xfrm>
-          <a:off x="6787096" y="2568732"/>
+          <a:off x="7685558" y="2568732"/>
           <a:ext cx="535253" cy="535253"/>
         </a:xfrm>
         <a:prstGeom prst="rect">
           <a:avLst/>
         </a:prstGeom>
         <a:blipFill>
-          <a:blip xmlns:r="http://schemas.openxmlformats.org/officeDocument/2006/relationships" r:embed="rId10">
+          <a:blip xmlns:r="http://schemas.openxmlformats.org/officeDocument/2006/relationships" r:embed="rId11">
             <a:extLst>
               <a:ext uri="{28A0092B-C50C-407E-A947-70E740481C1C}">
                 <a14:useLocalDpi xmlns:a14="http://schemas.microsoft.com/office/drawing/2010/main" val="0"/>
@@ -18168,7 +18418,7 @@
       </dsp:nvSpPr>
       <dsp:spPr>
         <a:xfrm>
-          <a:off x="6290075" y="3593361"/>
+          <a:off x="7188537" y="3593361"/>
           <a:ext cx="1529296" cy="611718"/>
         </a:xfrm>
         <a:prstGeom prst="rect">
@@ -18218,7 +18468,7 @@
         </a:p>
       </dsp:txBody>
       <dsp:txXfrm>
-        <a:off x="6290075" y="3593361"/>
+        <a:off x="7188537" y="3593361"/>
         <a:ext cx="1529296" cy="611718"/>
       </dsp:txXfrm>
     </dsp:sp>
@@ -18229,7 +18479,7 @@
       </dsp:nvSpPr>
       <dsp:spPr>
         <a:xfrm>
-          <a:off x="8385212" y="2369924"/>
+          <a:off x="9283674" y="2369924"/>
           <a:ext cx="932871" cy="932871"/>
         </a:xfrm>
         <a:prstGeom prst="ellipse">
@@ -18269,14 +18519,14 @@
       </dsp:nvSpPr>
       <dsp:spPr>
         <a:xfrm>
-          <a:off x="8584020" y="2568732"/>
+          <a:off x="9482482" y="2568732"/>
           <a:ext cx="535253" cy="535253"/>
         </a:xfrm>
         <a:prstGeom prst="rect">
           <a:avLst/>
         </a:prstGeom>
         <a:blipFill>
-          <a:blip xmlns:r="http://schemas.openxmlformats.org/officeDocument/2006/relationships" r:embed="rId11">
+          <a:blip xmlns:r="http://schemas.openxmlformats.org/officeDocument/2006/relationships" r:embed="rId12">
             <a:extLst>
               <a:ext uri="{28A0092B-C50C-407E-A947-70E740481C1C}">
                 <a14:useLocalDpi xmlns:a14="http://schemas.microsoft.com/office/drawing/2010/main" val="0"/>
@@ -18325,7 +18575,7 @@
       </dsp:nvSpPr>
       <dsp:spPr>
         <a:xfrm>
-          <a:off x="8086999" y="3593361"/>
+          <a:off x="8985461" y="3593361"/>
           <a:ext cx="1529296" cy="611718"/>
         </a:xfrm>
         <a:prstGeom prst="rect">
@@ -18375,7 +18625,7 @@
         </a:p>
       </dsp:txBody>
       <dsp:txXfrm>
-        <a:off x="8086999" y="3593361"/>
+        <a:off x="8985461" y="3593361"/>
         <a:ext cx="1529296" cy="611718"/>
       </dsp:txXfrm>
     </dsp:sp>
@@ -35316,7 +35566,7 @@
             <p:ph idx="1"/>
             <p:extLst>
               <p:ext uri="{D42A27DB-BD31-4B8C-83A1-F6EECF244321}">
-                <p14:modId xmlns:p14="http://schemas.microsoft.com/office/powerpoint/2010/main" val="3873072431"/>
+                <p14:modId xmlns:p14="http://schemas.microsoft.com/office/powerpoint/2010/main" val="4269576471"/>
               </p:ext>
             </p:extLst>
           </p:nvPr>

--- a/docs/pptx/Android Project - Group 1 - Becerra Stauner Taxil.pptx
+++ b/docs/pptx/Android Project - Group 1 - Becerra Stauner Taxil.pptx
@@ -9886,6 +9886,11 @@
         <a:bodyPr/>
         <a:lstStyle/>
         <a:p>
+          <a:pPr>
+            <a:lnSpc>
+              <a:spcPct val="100000"/>
+            </a:lnSpc>
+          </a:pPr>
           <a:r>
             <a:rPr lang="en-US" dirty="0"/>
             <a:t>Daily Stand-up meeting (15 minutes max)</a:t>
@@ -9915,6 +9920,178 @@
         </a:p>
       </dgm:t>
     </dgm:pt>
+    <dgm:pt modelId="{043FCE7C-C8E1-5D48-9871-F5AA4F7D9CA8}">
+      <dgm:prSet/>
+      <dgm:spPr/>
+      <dgm:t>
+        <a:bodyPr/>
+        <a:lstStyle/>
+        <a:p>
+          <a:pPr>
+            <a:lnSpc>
+              <a:spcPct val="100000"/>
+            </a:lnSpc>
+          </a:pPr>
+          <a:r>
+            <a:rPr lang="en-GB" dirty="0"/>
+            <a:t>Itération</a:t>
+          </a:r>
+        </a:p>
+      </dgm:t>
+    </dgm:pt>
+    <dgm:pt modelId="{5AF6CB3F-206C-A84D-8C61-C5FDCC84CD2E}" type="parTrans" cxnId="{3035D544-F370-2F41-A0CF-2C4740C13F40}">
+      <dgm:prSet/>
+      <dgm:spPr/>
+      <dgm:t>
+        <a:bodyPr/>
+        <a:lstStyle/>
+        <a:p>
+          <a:endParaRPr lang="en-GB"/>
+        </a:p>
+      </dgm:t>
+    </dgm:pt>
+    <dgm:pt modelId="{E500BAEE-FD6F-8349-BC3D-637BC8CC0DC7}" type="sibTrans" cxnId="{3035D544-F370-2F41-A0CF-2C4740C13F40}">
+      <dgm:prSet/>
+      <dgm:spPr/>
+      <dgm:t>
+        <a:bodyPr/>
+        <a:lstStyle/>
+        <a:p>
+          <a:endParaRPr lang="en-GB"/>
+        </a:p>
+      </dgm:t>
+    </dgm:pt>
+    <dgm:pt modelId="{5C8F6ABD-3A7A-F74B-99C7-3D4E741D8856}">
+      <dgm:prSet/>
+      <dgm:spPr/>
+      <dgm:t>
+        <a:bodyPr/>
+        <a:lstStyle/>
+        <a:p>
+          <a:pPr>
+            <a:lnSpc>
+              <a:spcPct val="100000"/>
+            </a:lnSpc>
+          </a:pPr>
+          <a:r>
+            <a:rPr lang="en-GB" dirty="0"/>
+            <a:t>Affinage du Backlog (1 h/</a:t>
+          </a:r>
+          <a:r>
+            <a:rPr lang="en-GB" dirty="0" err="1"/>
+            <a:t>semaine</a:t>
+          </a:r>
+          <a:r>
+            <a:rPr lang="en-GB" dirty="0"/>
+            <a:t>)</a:t>
+          </a:r>
+        </a:p>
+      </dgm:t>
+    </dgm:pt>
+    <dgm:pt modelId="{7F57570E-074F-484A-8C4E-E641C2D737E0}" type="parTrans" cxnId="{0CB1DA97-5E85-E74A-923A-7308FAD48D50}">
+      <dgm:prSet/>
+      <dgm:spPr/>
+      <dgm:t>
+        <a:bodyPr/>
+        <a:lstStyle/>
+        <a:p>
+          <a:endParaRPr lang="en-GB"/>
+        </a:p>
+      </dgm:t>
+    </dgm:pt>
+    <dgm:pt modelId="{3F72239F-4314-F148-88B7-AFA88138066C}" type="sibTrans" cxnId="{0CB1DA97-5E85-E74A-923A-7308FAD48D50}">
+      <dgm:prSet/>
+      <dgm:spPr/>
+      <dgm:t>
+        <a:bodyPr/>
+        <a:lstStyle/>
+        <a:p>
+          <a:endParaRPr lang="en-GB"/>
+        </a:p>
+      </dgm:t>
+    </dgm:pt>
+    <dgm:pt modelId="{7D6DD366-454D-9F4C-BCD7-A35D820A7151}">
+      <dgm:prSet/>
+      <dgm:spPr/>
+      <dgm:t>
+        <a:bodyPr/>
+        <a:lstStyle/>
+        <a:p>
+          <a:pPr>
+            <a:lnSpc>
+              <a:spcPct val="100000"/>
+            </a:lnSpc>
+          </a:pPr>
+          <a:r>
+            <a:rPr lang="en-GB" dirty="0"/>
+            <a:t>Sprint Review (2 h)</a:t>
+          </a:r>
+        </a:p>
+      </dgm:t>
+    </dgm:pt>
+    <dgm:pt modelId="{D9238FC9-4547-EB45-A117-DA8194C567C8}" type="parTrans" cxnId="{046EDC1C-E325-FB4A-B1B3-4C13D23E3441}">
+      <dgm:prSet/>
+      <dgm:spPr/>
+      <dgm:t>
+        <a:bodyPr/>
+        <a:lstStyle/>
+        <a:p>
+          <a:endParaRPr lang="en-GB"/>
+        </a:p>
+      </dgm:t>
+    </dgm:pt>
+    <dgm:pt modelId="{F9CCB09F-51EA-264F-A4FD-9052FEE78A83}" type="sibTrans" cxnId="{046EDC1C-E325-FB4A-B1B3-4C13D23E3441}">
+      <dgm:prSet/>
+      <dgm:spPr/>
+      <dgm:t>
+        <a:bodyPr/>
+        <a:lstStyle/>
+        <a:p>
+          <a:endParaRPr lang="en-GB"/>
+        </a:p>
+      </dgm:t>
+    </dgm:pt>
+    <dgm:pt modelId="{565ED5F0-40E5-5946-B466-95A73FAECBCC}">
+      <dgm:prSet/>
+      <dgm:spPr/>
+      <dgm:t>
+        <a:bodyPr/>
+        <a:lstStyle/>
+        <a:p>
+          <a:pPr>
+            <a:lnSpc>
+              <a:spcPct val="100000"/>
+            </a:lnSpc>
+          </a:pPr>
+          <a:r>
+            <a:rPr lang="en-GB" dirty="0"/>
+            <a:t>Sprint retrospective (2h)</a:t>
+          </a:r>
+        </a:p>
+      </dgm:t>
+    </dgm:pt>
+    <dgm:pt modelId="{CC06148E-1DE5-0548-A402-85D352BEF617}" type="parTrans" cxnId="{0551ED0D-2A5A-4341-B4AF-8B66718A5124}">
+      <dgm:prSet/>
+      <dgm:spPr/>
+      <dgm:t>
+        <a:bodyPr/>
+        <a:lstStyle/>
+        <a:p>
+          <a:endParaRPr lang="en-GB"/>
+        </a:p>
+      </dgm:t>
+    </dgm:pt>
+    <dgm:pt modelId="{8073409D-1904-5B41-BE7D-4D8322A745AC}" type="sibTrans" cxnId="{0551ED0D-2A5A-4341-B4AF-8B66718A5124}">
+      <dgm:prSet/>
+      <dgm:spPr/>
+      <dgm:t>
+        <a:bodyPr/>
+        <a:lstStyle/>
+        <a:p>
+          <a:endParaRPr lang="en-GB"/>
+        </a:p>
+      </dgm:t>
+    </dgm:pt>
     <dgm:pt modelId="{CDFF021D-9CF1-4B82-A811-60335E6239C2}">
       <dgm:prSet/>
       <dgm:spPr/>
@@ -9922,14 +10099,20 @@
         <a:bodyPr/>
         <a:lstStyle/>
         <a:p>
+          <a:pPr>
+            <a:lnSpc>
+              <a:spcPct val="100000"/>
+            </a:lnSpc>
+          </a:pPr>
           <a:r>
-            <a:rPr lang="en-US" dirty="0"/>
-            <a:t>2 sprints de 2 </a:t>
+            <a:rPr lang="en-GB"/>
+            <a:t>Planification </a:t>
           </a:r>
           <a:r>
-            <a:rPr lang="fr-FR" noProof="0" dirty="0"/>
-            <a:t>semaines</a:t>
+            <a:rPr lang="en-GB" dirty="0"/>
+            <a:t>d'un sprint (4h)</a:t>
           </a:r>
+          <a:endParaRPr lang="fr-FR" noProof="0" dirty="0"/>
         </a:p>
       </dgm:t>
     </dgm:pt>
@@ -9955,21 +10138,31 @@
         </a:p>
       </dgm:t>
     </dgm:pt>
-    <dgm:pt modelId="{043FCE7C-C8E1-5D48-9871-F5AA4F7D9CA8}">
+    <dgm:pt modelId="{8F432FCD-DBB2-A54C-9E1A-00015C17A2B9}">
       <dgm:prSet/>
       <dgm:spPr/>
       <dgm:t>
         <a:bodyPr/>
         <a:lstStyle/>
         <a:p>
+          <a:pPr>
+            <a:lnSpc>
+              <a:spcPct val="100000"/>
+            </a:lnSpc>
+          </a:pPr>
           <a:r>
-            <a:rPr lang="en-GB" dirty="0"/>
-            <a:t>Itération</a:t>
+            <a:rPr lang="en-US"/>
+            <a:t>2 sprints de 2 </a:t>
           </a:r>
+          <a:r>
+            <a:rPr lang="fr-FR" noProof="0"/>
+            <a:t>semaines</a:t>
+          </a:r>
+          <a:endParaRPr lang="en-GB"/>
         </a:p>
       </dgm:t>
     </dgm:pt>
-    <dgm:pt modelId="{5AF6CB3F-206C-A84D-8C61-C5FDCC84CD2E}" type="parTrans" cxnId="{3035D544-F370-2F41-A0CF-2C4740C13F40}">
+    <dgm:pt modelId="{488AF5C6-D3E2-E343-96D2-DC0FDCDDECD8}" type="parTrans" cxnId="{3E2A6256-F728-4A42-AB21-C36D3B912D9D}">
       <dgm:prSet/>
       <dgm:spPr/>
       <dgm:t>
@@ -9980,9 +10173,16 @@
         </a:p>
       </dgm:t>
     </dgm:pt>
-    <dgm:pt modelId="{E500BAEE-FD6F-8349-BC3D-637BC8CC0DC7}" type="sibTrans" cxnId="{3035D544-F370-2F41-A0CF-2C4740C13F40}">
+    <dgm:pt modelId="{389B140D-B3C2-D64B-A8AF-EF6A00F452E4}" type="sibTrans" cxnId="{3E2A6256-F728-4A42-AB21-C36D3B912D9D}">
       <dgm:prSet/>
       <dgm:spPr/>
+      <dgm:t>
+        <a:bodyPr/>
+        <a:lstStyle/>
+        <a:p>
+          <a:endParaRPr lang="en-GB"/>
+        </a:p>
+      </dgm:t>
     </dgm:pt>
     <dgm:pt modelId="{A9DF08AA-A2F9-45DB-AF8E-97E30629A693}" type="pres">
       <dgm:prSet presAssocID="{BBB8A40D-B674-4986-9F24-F65B1E4D8B59}" presName="root" presStyleCnt="0">
@@ -9993,12 +10193,12 @@
       </dgm:prSet>
       <dgm:spPr/>
     </dgm:pt>
-    <dgm:pt modelId="{45B5C870-DE58-49F2-A260-B4F78E284FEF}" type="pres">
-      <dgm:prSet presAssocID="{61F579B3-B836-4D05-8FE0-2E0EDD069145}" presName="compNode" presStyleCnt="0"/>
+    <dgm:pt modelId="{FBC68AB0-62E2-DD44-BB67-DF515F90D1A3}" type="pres">
+      <dgm:prSet presAssocID="{043FCE7C-C8E1-5D48-9871-F5AA4F7D9CA8}" presName="compNode" presStyleCnt="0"/>
       <dgm:spPr/>
     </dgm:pt>
-    <dgm:pt modelId="{09AC2737-744F-423E-9BFA-48E3CFAE0227}" type="pres">
-      <dgm:prSet presAssocID="{61F579B3-B836-4D05-8FE0-2E0EDD069145}" presName="iconRect" presStyleLbl="node1" presStyleIdx="0" presStyleCnt="3"/>
+    <dgm:pt modelId="{56F14012-8417-A342-B00B-DB0CC2B78140}" type="pres">
+      <dgm:prSet presAssocID="{043FCE7C-C8E1-5D48-9871-F5AA4F7D9CA8}" presName="iconRect" presStyleLbl="node1" presStyleIdx="0" presStyleCnt="7"/>
       <dgm:spPr>
         <a:blipFill>
           <a:blip xmlns:r="http://schemas.openxmlformats.org/officeDocument/2006/relationships" r:embed="rId1">
@@ -10006,11 +10206,9 @@
               <a:ext uri="{28A0092B-C50C-407E-A947-70E740481C1C}">
                 <a14:useLocalDpi xmlns:a14="http://schemas.microsoft.com/office/drawing/2010/main" val="0"/>
               </a:ext>
-              <a:ext uri="{96DAC541-7B7A-43D3-8B79-37D633B846F1}">
-                <asvg:svgBlip xmlns:asvg="http://schemas.microsoft.com/office/drawing/2016/SVG/main" r:embed="rId2"/>
-              </a:ext>
             </a:extLst>
           </a:blip>
+          <a:srcRect/>
           <a:stretch>
             <a:fillRect/>
           </a:stretch>
@@ -10019,18 +10217,13 @@
           <a:noFill/>
         </a:ln>
       </dgm:spPr>
-      <dgm:extLst>
-        <a:ext uri="{E40237B7-FDA0-4F09-8148-C483321AD2D9}">
-          <dgm14:cNvPr xmlns:dgm14="http://schemas.microsoft.com/office/drawing/2010/diagram" id="0" name="" descr="Meeting"/>
-        </a:ext>
-      </dgm:extLst>
-    </dgm:pt>
-    <dgm:pt modelId="{E11F0B44-1E04-47B1-BA14-097A1FBD7F92}" type="pres">
-      <dgm:prSet presAssocID="{61F579B3-B836-4D05-8FE0-2E0EDD069145}" presName="spaceRect" presStyleCnt="0"/>
+    </dgm:pt>
+    <dgm:pt modelId="{2332E576-DD8E-E64F-A518-443897AE362C}" type="pres">
+      <dgm:prSet presAssocID="{043FCE7C-C8E1-5D48-9871-F5AA4F7D9CA8}" presName="spaceRect" presStyleCnt="0"/>
       <dgm:spPr/>
     </dgm:pt>
-    <dgm:pt modelId="{C4CCB1AE-45D0-4EC6-B319-A5579D134041}" type="pres">
-      <dgm:prSet presAssocID="{61F579B3-B836-4D05-8FE0-2E0EDD069145}" presName="textRect" presStyleLbl="revTx" presStyleIdx="0" presStyleCnt="3">
+    <dgm:pt modelId="{909AD810-A5E5-2E42-B300-897A0D2BA3E8}" type="pres">
+      <dgm:prSet presAssocID="{043FCE7C-C8E1-5D48-9871-F5AA4F7D9CA8}" presName="textRect" presStyleLbl="revTx" presStyleIdx="0" presStyleCnt="7">
         <dgm:presLayoutVars>
           <dgm:chMax val="1"/>
           <dgm:chPref val="1"/>
@@ -10038,16 +10231,55 @@
       </dgm:prSet>
       <dgm:spPr/>
     </dgm:pt>
-    <dgm:pt modelId="{B6321C8D-2125-4B18-BBF7-CD61139C9ADC}" type="pres">
-      <dgm:prSet presAssocID="{3C9CFB7F-9F9C-4F00-B491-A93A2A78D551}" presName="sibTrans" presStyleCnt="0"/>
+    <dgm:pt modelId="{66909292-43C9-AA4B-9224-5773BF342C22}" type="pres">
+      <dgm:prSet presAssocID="{E500BAEE-FD6F-8349-BC3D-637BC8CC0DC7}" presName="sibTrans" presStyleCnt="0"/>
       <dgm:spPr/>
     </dgm:pt>
-    <dgm:pt modelId="{EC6EAB49-C0F9-4DCB-B626-09A61A809A5A}" type="pres">
-      <dgm:prSet presAssocID="{CDFF021D-9CF1-4B82-A811-60335E6239C2}" presName="compNode" presStyleCnt="0"/>
+    <dgm:pt modelId="{42A05099-3CB8-7E4A-940E-5DC3CA164C2F}" type="pres">
+      <dgm:prSet presAssocID="{8F432FCD-DBB2-A54C-9E1A-00015C17A2B9}" presName="compNode" presStyleCnt="0"/>
       <dgm:spPr/>
     </dgm:pt>
-    <dgm:pt modelId="{5DC95D4F-9757-458A-8480-061842ECA0A6}" type="pres">
-      <dgm:prSet presAssocID="{CDFF021D-9CF1-4B82-A811-60335E6239C2}" presName="iconRect" presStyleLbl="node1" presStyleIdx="1" presStyleCnt="3"/>
+    <dgm:pt modelId="{036A7665-B318-8A43-9E25-4B9AEB80649E}" type="pres">
+      <dgm:prSet presAssocID="{8F432FCD-DBB2-A54C-9E1A-00015C17A2B9}" presName="iconRect" presStyleLbl="node1" presStyleIdx="1" presStyleCnt="7"/>
+      <dgm:spPr>
+        <a:blipFill>
+          <a:blip xmlns:r="http://schemas.openxmlformats.org/officeDocument/2006/relationships" r:embed="rId2">
+            <a:extLst>
+              <a:ext uri="{28A0092B-C50C-407E-A947-70E740481C1C}">
+                <a14:useLocalDpi xmlns:a14="http://schemas.microsoft.com/office/drawing/2010/main" val="0"/>
+              </a:ext>
+            </a:extLst>
+          </a:blip>
+          <a:srcRect/>
+          <a:stretch>
+            <a:fillRect/>
+          </a:stretch>
+        </a:blipFill>
+      </dgm:spPr>
+    </dgm:pt>
+    <dgm:pt modelId="{F0EDC422-FD97-DF4A-BE38-62FE39D08FF6}" type="pres">
+      <dgm:prSet presAssocID="{8F432FCD-DBB2-A54C-9E1A-00015C17A2B9}" presName="spaceRect" presStyleCnt="0"/>
+      <dgm:spPr/>
+    </dgm:pt>
+    <dgm:pt modelId="{6B72ED14-9230-D044-9579-EB586B3020E4}" type="pres">
+      <dgm:prSet presAssocID="{8F432FCD-DBB2-A54C-9E1A-00015C17A2B9}" presName="textRect" presStyleLbl="revTx" presStyleIdx="1" presStyleCnt="7">
+        <dgm:presLayoutVars>
+          <dgm:chMax val="1"/>
+          <dgm:chPref val="1"/>
+        </dgm:presLayoutVars>
+      </dgm:prSet>
+      <dgm:spPr/>
+    </dgm:pt>
+    <dgm:pt modelId="{D419191A-D579-4948-97DE-D4E6EB37DE76}" type="pres">
+      <dgm:prSet presAssocID="{389B140D-B3C2-D64B-A8AF-EF6A00F452E4}" presName="sibTrans" presStyleCnt="0"/>
+      <dgm:spPr/>
+    </dgm:pt>
+    <dgm:pt modelId="{45B5C870-DE58-49F2-A260-B4F78E284FEF}" type="pres">
+      <dgm:prSet presAssocID="{61F579B3-B836-4D05-8FE0-2E0EDD069145}" presName="compNode" presStyleCnt="0"/>
+      <dgm:spPr/>
+    </dgm:pt>
+    <dgm:pt modelId="{09AC2737-744F-423E-9BFA-48E3CFAE0227}" type="pres">
+      <dgm:prSet presAssocID="{61F579B3-B836-4D05-8FE0-2E0EDD069145}" presName="iconRect" presStyleLbl="node1" presStyleIdx="2" presStyleCnt="7"/>
       <dgm:spPr>
         <a:blipFill>
           <a:blip xmlns:r="http://schemas.openxmlformats.org/officeDocument/2006/relationships" r:embed="rId3">
@@ -10070,16 +10302,16 @@
       </dgm:spPr>
       <dgm:extLst>
         <a:ext uri="{E40237B7-FDA0-4F09-8148-C483321AD2D9}">
-          <dgm14:cNvPr xmlns:dgm14="http://schemas.microsoft.com/office/drawing/2010/diagram" id="0" name="" descr="Tick"/>
+          <dgm14:cNvPr xmlns:dgm14="http://schemas.microsoft.com/office/drawing/2010/diagram" id="0" name="" descr="Meeting"/>
         </a:ext>
       </dgm:extLst>
     </dgm:pt>
-    <dgm:pt modelId="{D7AAFF5B-9B3B-4B6F-B971-11AC2ABB68C6}" type="pres">
-      <dgm:prSet presAssocID="{CDFF021D-9CF1-4B82-A811-60335E6239C2}" presName="spaceRect" presStyleCnt="0"/>
+    <dgm:pt modelId="{E11F0B44-1E04-47B1-BA14-097A1FBD7F92}" type="pres">
+      <dgm:prSet presAssocID="{61F579B3-B836-4D05-8FE0-2E0EDD069145}" presName="spaceRect" presStyleCnt="0"/>
       <dgm:spPr/>
     </dgm:pt>
-    <dgm:pt modelId="{AE1F7720-AB2A-4C42-86CF-0E1B87242623}" type="pres">
-      <dgm:prSet presAssocID="{CDFF021D-9CF1-4B82-A811-60335E6239C2}" presName="textRect" presStyleLbl="revTx" presStyleIdx="1" presStyleCnt="3">
+    <dgm:pt modelId="{C4CCB1AE-45D0-4EC6-B319-A5579D134041}" type="pres">
+      <dgm:prSet presAssocID="{61F579B3-B836-4D05-8FE0-2E0EDD069145}" presName="textRect" presStyleLbl="revTx" presStyleIdx="2" presStyleCnt="7">
         <dgm:presLayoutVars>
           <dgm:chMax val="1"/>
           <dgm:chPref val="1"/>
@@ -10087,16 +10319,16 @@
       </dgm:prSet>
       <dgm:spPr/>
     </dgm:pt>
-    <dgm:pt modelId="{29D8E12A-D0A0-CA40-96F6-63C8D571FDAE}" type="pres">
-      <dgm:prSet presAssocID="{77C12B7D-E5CF-469A-BF7B-71597F8B8652}" presName="sibTrans" presStyleCnt="0"/>
+    <dgm:pt modelId="{B6321C8D-2125-4B18-BBF7-CD61139C9ADC}" type="pres">
+      <dgm:prSet presAssocID="{3C9CFB7F-9F9C-4F00-B491-A93A2A78D551}" presName="sibTrans" presStyleCnt="0"/>
       <dgm:spPr/>
     </dgm:pt>
-    <dgm:pt modelId="{FBC68AB0-62E2-DD44-BB67-DF515F90D1A3}" type="pres">
-      <dgm:prSet presAssocID="{043FCE7C-C8E1-5D48-9871-F5AA4F7D9CA8}" presName="compNode" presStyleCnt="0"/>
+    <dgm:pt modelId="{EC6EAB49-C0F9-4DCB-B626-09A61A809A5A}" type="pres">
+      <dgm:prSet presAssocID="{CDFF021D-9CF1-4B82-A811-60335E6239C2}" presName="compNode" presStyleCnt="0"/>
       <dgm:spPr/>
     </dgm:pt>
-    <dgm:pt modelId="{56F14012-8417-A342-B00B-DB0CC2B78140}" type="pres">
-      <dgm:prSet presAssocID="{043FCE7C-C8E1-5D48-9871-F5AA4F7D9CA8}" presName="iconRect" presStyleLbl="node1" presStyleIdx="2" presStyleCnt="3"/>
+    <dgm:pt modelId="{5DC95D4F-9757-458A-8480-061842ECA0A6}" type="pres">
+      <dgm:prSet presAssocID="{CDFF021D-9CF1-4B82-A811-60335E6239C2}" presName="iconRect" presStyleLbl="node1" presStyleIdx="3" presStyleCnt="7"/>
       <dgm:spPr>
         <a:blipFill>
           <a:blip xmlns:r="http://schemas.openxmlformats.org/officeDocument/2006/relationships" r:embed="rId5">
@@ -10116,12 +10348,12 @@
         </a:ln>
       </dgm:spPr>
     </dgm:pt>
-    <dgm:pt modelId="{2332E576-DD8E-E64F-A518-443897AE362C}" type="pres">
-      <dgm:prSet presAssocID="{043FCE7C-C8E1-5D48-9871-F5AA4F7D9CA8}" presName="spaceRect" presStyleCnt="0"/>
+    <dgm:pt modelId="{D7AAFF5B-9B3B-4B6F-B971-11AC2ABB68C6}" type="pres">
+      <dgm:prSet presAssocID="{CDFF021D-9CF1-4B82-A811-60335E6239C2}" presName="spaceRect" presStyleCnt="0"/>
       <dgm:spPr/>
     </dgm:pt>
-    <dgm:pt modelId="{909AD810-A5E5-2E42-B300-897A0D2BA3E8}" type="pres">
-      <dgm:prSet presAssocID="{043FCE7C-C8E1-5D48-9871-F5AA4F7D9CA8}" presName="textRect" presStyleLbl="revTx" presStyleIdx="2" presStyleCnt="3">
+    <dgm:pt modelId="{AE1F7720-AB2A-4C42-86CF-0E1B87242623}" type="pres">
+      <dgm:prSet presAssocID="{CDFF021D-9CF1-4B82-A811-60335E6239C2}" presName="textRect" presStyleLbl="revTx" presStyleIdx="3" presStyleCnt="7">
         <dgm:presLayoutVars>
           <dgm:chMax val="1"/>
           <dgm:chPref val="1"/>
@@ -10129,29 +10361,174 @@
       </dgm:prSet>
       <dgm:spPr/>
     </dgm:pt>
+    <dgm:pt modelId="{78D9693C-B4DD-6641-936C-7C2657676EDD}" type="pres">
+      <dgm:prSet presAssocID="{77C12B7D-E5CF-469A-BF7B-71597F8B8652}" presName="sibTrans" presStyleCnt="0"/>
+      <dgm:spPr/>
+    </dgm:pt>
+    <dgm:pt modelId="{DD6D21C3-94A6-5C4C-80D9-9EC892EF3D3E}" type="pres">
+      <dgm:prSet presAssocID="{5C8F6ABD-3A7A-F74B-99C7-3D4E741D8856}" presName="compNode" presStyleCnt="0"/>
+      <dgm:spPr/>
+    </dgm:pt>
+    <dgm:pt modelId="{E83545AB-FF86-F240-B567-C1E053682799}" type="pres">
+      <dgm:prSet presAssocID="{5C8F6ABD-3A7A-F74B-99C7-3D4E741D8856}" presName="iconRect" presStyleLbl="node1" presStyleIdx="4" presStyleCnt="7"/>
+      <dgm:spPr>
+        <a:blipFill>
+          <a:blip xmlns:r="http://schemas.openxmlformats.org/officeDocument/2006/relationships" r:embed="rId6">
+            <a:extLst>
+              <a:ext uri="{28A0092B-C50C-407E-A947-70E740481C1C}">
+                <a14:useLocalDpi xmlns:a14="http://schemas.microsoft.com/office/drawing/2010/main" val="0"/>
+              </a:ext>
+            </a:extLst>
+          </a:blip>
+          <a:srcRect/>
+          <a:stretch>
+            <a:fillRect/>
+          </a:stretch>
+        </a:blipFill>
+      </dgm:spPr>
+    </dgm:pt>
+    <dgm:pt modelId="{D7ADA9CB-D064-BF46-8A48-971127C37D9A}" type="pres">
+      <dgm:prSet presAssocID="{5C8F6ABD-3A7A-F74B-99C7-3D4E741D8856}" presName="spaceRect" presStyleCnt="0"/>
+      <dgm:spPr/>
+    </dgm:pt>
+    <dgm:pt modelId="{2FA737D5-66F9-C747-B00B-8B52FCD72BFE}" type="pres">
+      <dgm:prSet presAssocID="{5C8F6ABD-3A7A-F74B-99C7-3D4E741D8856}" presName="textRect" presStyleLbl="revTx" presStyleIdx="4" presStyleCnt="7">
+        <dgm:presLayoutVars>
+          <dgm:chMax val="1"/>
+          <dgm:chPref val="1"/>
+        </dgm:presLayoutVars>
+      </dgm:prSet>
+      <dgm:spPr/>
+    </dgm:pt>
+    <dgm:pt modelId="{3CA51B50-2C1D-1944-9C24-DAA9F29D5EE6}" type="pres">
+      <dgm:prSet presAssocID="{3F72239F-4314-F148-88B7-AFA88138066C}" presName="sibTrans" presStyleCnt="0"/>
+      <dgm:spPr/>
+    </dgm:pt>
+    <dgm:pt modelId="{0649CB86-B2AA-D242-A2A9-47AAD410F19D}" type="pres">
+      <dgm:prSet presAssocID="{7D6DD366-454D-9F4C-BCD7-A35D820A7151}" presName="compNode" presStyleCnt="0"/>
+      <dgm:spPr/>
+    </dgm:pt>
+    <dgm:pt modelId="{004813C7-36BF-9B48-AB9F-4FC12B482047}" type="pres">
+      <dgm:prSet presAssocID="{7D6DD366-454D-9F4C-BCD7-A35D820A7151}" presName="iconRect" presStyleLbl="node1" presStyleIdx="5" presStyleCnt="7"/>
+      <dgm:spPr>
+        <a:blipFill>
+          <a:blip xmlns:r="http://schemas.openxmlformats.org/officeDocument/2006/relationships" r:embed="rId7">
+            <a:extLst>
+              <a:ext uri="{28A0092B-C50C-407E-A947-70E740481C1C}">
+                <a14:useLocalDpi xmlns:a14="http://schemas.microsoft.com/office/drawing/2010/main" val="0"/>
+              </a:ext>
+            </a:extLst>
+          </a:blip>
+          <a:srcRect/>
+          <a:stretch>
+            <a:fillRect/>
+          </a:stretch>
+        </a:blipFill>
+      </dgm:spPr>
+    </dgm:pt>
+    <dgm:pt modelId="{51BE33C2-AC9B-DE41-8D0B-A38866063059}" type="pres">
+      <dgm:prSet presAssocID="{7D6DD366-454D-9F4C-BCD7-A35D820A7151}" presName="spaceRect" presStyleCnt="0"/>
+      <dgm:spPr/>
+    </dgm:pt>
+    <dgm:pt modelId="{73927776-A107-C14D-A8AA-692FA83D71BA}" type="pres">
+      <dgm:prSet presAssocID="{7D6DD366-454D-9F4C-BCD7-A35D820A7151}" presName="textRect" presStyleLbl="revTx" presStyleIdx="5" presStyleCnt="7">
+        <dgm:presLayoutVars>
+          <dgm:chMax val="1"/>
+          <dgm:chPref val="1"/>
+        </dgm:presLayoutVars>
+      </dgm:prSet>
+      <dgm:spPr/>
+    </dgm:pt>
+    <dgm:pt modelId="{ADB2771C-64FF-9545-96D3-1820E2CB69FC}" type="pres">
+      <dgm:prSet presAssocID="{F9CCB09F-51EA-264F-A4FD-9052FEE78A83}" presName="sibTrans" presStyleCnt="0"/>
+      <dgm:spPr/>
+    </dgm:pt>
+    <dgm:pt modelId="{0D8C4EBF-301D-D24F-B015-923D4A69EE2F}" type="pres">
+      <dgm:prSet presAssocID="{565ED5F0-40E5-5946-B466-95A73FAECBCC}" presName="compNode" presStyleCnt="0"/>
+      <dgm:spPr/>
+    </dgm:pt>
+    <dgm:pt modelId="{C3E5983A-5B4B-E94A-812C-453B0565F0D2}" type="pres">
+      <dgm:prSet presAssocID="{565ED5F0-40E5-5946-B466-95A73FAECBCC}" presName="iconRect" presStyleLbl="node1" presStyleIdx="6" presStyleCnt="7"/>
+      <dgm:spPr>
+        <a:blipFill>
+          <a:blip xmlns:r="http://schemas.openxmlformats.org/officeDocument/2006/relationships" r:embed="rId8">
+            <a:extLst>
+              <a:ext uri="{28A0092B-C50C-407E-A947-70E740481C1C}">
+                <a14:useLocalDpi xmlns:a14="http://schemas.microsoft.com/office/drawing/2010/main" val="0"/>
+              </a:ext>
+            </a:extLst>
+          </a:blip>
+          <a:srcRect/>
+          <a:stretch>
+            <a:fillRect/>
+          </a:stretch>
+        </a:blipFill>
+      </dgm:spPr>
+    </dgm:pt>
+    <dgm:pt modelId="{61841DFF-7420-9043-99A1-7F8C1AC53A0A}" type="pres">
+      <dgm:prSet presAssocID="{565ED5F0-40E5-5946-B466-95A73FAECBCC}" presName="spaceRect" presStyleCnt="0"/>
+      <dgm:spPr/>
+    </dgm:pt>
+    <dgm:pt modelId="{B8E4A9D7-EF35-3D40-8637-DFCDE47C4EA6}" type="pres">
+      <dgm:prSet presAssocID="{565ED5F0-40E5-5946-B466-95A73FAECBCC}" presName="textRect" presStyleLbl="revTx" presStyleIdx="6" presStyleCnt="7">
+        <dgm:presLayoutVars>
+          <dgm:chMax val="1"/>
+          <dgm:chPref val="1"/>
+        </dgm:presLayoutVars>
+      </dgm:prSet>
+      <dgm:spPr/>
+    </dgm:pt>
   </dgm:ptLst>
   <dgm:cxnLst>
     <dgm:cxn modelId="{C2A8FE04-ECEE-4513-9975-313C84DBD49C}" type="presOf" srcId="{BBB8A40D-B674-4986-9F24-F65B1E4D8B59}" destId="{A9DF08AA-A2F9-45DB-AF8E-97E30629A693}" srcOrd="0" destOrd="0" presId="urn:microsoft.com/office/officeart/2018/2/layout/IconLabelList"/>
-    <dgm:cxn modelId="{3035D544-F370-2F41-A0CF-2C4740C13F40}" srcId="{BBB8A40D-B674-4986-9F24-F65B1E4D8B59}" destId="{043FCE7C-C8E1-5D48-9871-F5AA4F7D9CA8}" srcOrd="2" destOrd="0" parTransId="{5AF6CB3F-206C-A84D-8C61-C5FDCC84CD2E}" sibTransId="{E500BAEE-FD6F-8349-BC3D-637BC8CC0DC7}"/>
-    <dgm:cxn modelId="{8F25AD48-594D-4618-AB10-1A74E15F96AB}" type="presOf" srcId="{CDFF021D-9CF1-4B82-A811-60335E6239C2}" destId="{AE1F7720-AB2A-4C42-86CF-0E1B87242623}" srcOrd="0" destOrd="0" presId="urn:microsoft.com/office/officeart/2018/2/layout/IconLabelList"/>
-    <dgm:cxn modelId="{6EA2796B-D55A-4F6C-99A6-3226F3A9217E}" srcId="{BBB8A40D-B674-4986-9F24-F65B1E4D8B59}" destId="{CDFF021D-9CF1-4B82-A811-60335E6239C2}" srcOrd="1" destOrd="0" parTransId="{F04D3ADB-2C6C-47E4-AAD6-BF8576367972}" sibTransId="{77C12B7D-E5CF-469A-BF7B-71597F8B8652}"/>
-    <dgm:cxn modelId="{DF76FFA2-149C-4999-A617-7A74651F902F}" srcId="{BBB8A40D-B674-4986-9F24-F65B1E4D8B59}" destId="{61F579B3-B836-4D05-8FE0-2E0EDD069145}" srcOrd="0" destOrd="0" parTransId="{A5BC4481-62F1-4B7C-B615-A977AEF483E7}" sibTransId="{3C9CFB7F-9F9C-4F00-B491-A93A2A78D551}"/>
-    <dgm:cxn modelId="{3867B3D0-1872-43EF-BBBD-5E5ED403FEB4}" type="presOf" srcId="{61F579B3-B836-4D05-8FE0-2E0EDD069145}" destId="{C4CCB1AE-45D0-4EC6-B319-A5579D134041}" srcOrd="0" destOrd="0" presId="urn:microsoft.com/office/officeart/2018/2/layout/IconLabelList"/>
-    <dgm:cxn modelId="{252FFDF8-2E6A-5A4F-9745-8236DFF70252}" type="presOf" srcId="{043FCE7C-C8E1-5D48-9871-F5AA4F7D9CA8}" destId="{909AD810-A5E5-2E42-B300-897A0D2BA3E8}" srcOrd="0" destOrd="0" presId="urn:microsoft.com/office/officeart/2018/2/layout/IconLabelList"/>
-    <dgm:cxn modelId="{6989247C-627B-4969-A96C-2285E5470671}" type="presParOf" srcId="{A9DF08AA-A2F9-45DB-AF8E-97E30629A693}" destId="{45B5C870-DE58-49F2-A260-B4F78E284FEF}" srcOrd="0" destOrd="0" presId="urn:microsoft.com/office/officeart/2018/2/layout/IconLabelList"/>
-    <dgm:cxn modelId="{EA61E663-727F-4128-8352-B31322038AAE}" type="presParOf" srcId="{45B5C870-DE58-49F2-A260-B4F78E284FEF}" destId="{09AC2737-744F-423E-9BFA-48E3CFAE0227}" srcOrd="0" destOrd="0" presId="urn:microsoft.com/office/officeart/2018/2/layout/IconLabelList"/>
-    <dgm:cxn modelId="{D70899D8-CB5D-4085-A955-03F21439EC91}" type="presParOf" srcId="{45B5C870-DE58-49F2-A260-B4F78E284FEF}" destId="{E11F0B44-1E04-47B1-BA14-097A1FBD7F92}" srcOrd="1" destOrd="0" presId="urn:microsoft.com/office/officeart/2018/2/layout/IconLabelList"/>
-    <dgm:cxn modelId="{E62B71F5-ED12-4918-A670-522C6D674516}" type="presParOf" srcId="{45B5C870-DE58-49F2-A260-B4F78E284FEF}" destId="{C4CCB1AE-45D0-4EC6-B319-A5579D134041}" srcOrd="2" destOrd="0" presId="urn:microsoft.com/office/officeart/2018/2/layout/IconLabelList"/>
-    <dgm:cxn modelId="{3369FB5E-3FB5-4821-B87C-D4F7B82D814C}" type="presParOf" srcId="{A9DF08AA-A2F9-45DB-AF8E-97E30629A693}" destId="{B6321C8D-2125-4B18-BBF7-CD61139C9ADC}" srcOrd="1" destOrd="0" presId="urn:microsoft.com/office/officeart/2018/2/layout/IconLabelList"/>
-    <dgm:cxn modelId="{23DF122C-BFAE-4782-9CE6-937B949701A7}" type="presParOf" srcId="{A9DF08AA-A2F9-45DB-AF8E-97E30629A693}" destId="{EC6EAB49-C0F9-4DCB-B626-09A61A809A5A}" srcOrd="2" destOrd="0" presId="urn:microsoft.com/office/officeart/2018/2/layout/IconLabelList"/>
-    <dgm:cxn modelId="{2218A749-D253-40E1-A1A5-B1EDD1C24C1A}" type="presParOf" srcId="{EC6EAB49-C0F9-4DCB-B626-09A61A809A5A}" destId="{5DC95D4F-9757-458A-8480-061842ECA0A6}" srcOrd="0" destOrd="0" presId="urn:microsoft.com/office/officeart/2018/2/layout/IconLabelList"/>
-    <dgm:cxn modelId="{CA368DF9-C399-4718-A76F-9453CF5C9F57}" type="presParOf" srcId="{EC6EAB49-C0F9-4DCB-B626-09A61A809A5A}" destId="{D7AAFF5B-9B3B-4B6F-B971-11AC2ABB68C6}" srcOrd="1" destOrd="0" presId="urn:microsoft.com/office/officeart/2018/2/layout/IconLabelList"/>
-    <dgm:cxn modelId="{A2B6208A-8BDC-4CB6-A647-AA61F16E574F}" type="presParOf" srcId="{EC6EAB49-C0F9-4DCB-B626-09A61A809A5A}" destId="{AE1F7720-AB2A-4C42-86CF-0E1B87242623}" srcOrd="2" destOrd="0" presId="urn:microsoft.com/office/officeart/2018/2/layout/IconLabelList"/>
-    <dgm:cxn modelId="{4A1FE7D8-BF7A-3949-BDAD-834E21A024C1}" type="presParOf" srcId="{A9DF08AA-A2F9-45DB-AF8E-97E30629A693}" destId="{29D8E12A-D0A0-CA40-96F6-63C8D571FDAE}" srcOrd="3" destOrd="0" presId="urn:microsoft.com/office/officeart/2018/2/layout/IconLabelList"/>
-    <dgm:cxn modelId="{A9E45F89-A771-D744-BFE2-A189461761FD}" type="presParOf" srcId="{A9DF08AA-A2F9-45DB-AF8E-97E30629A693}" destId="{FBC68AB0-62E2-DD44-BB67-DF515F90D1A3}" srcOrd="4" destOrd="0" presId="urn:microsoft.com/office/officeart/2018/2/layout/IconLabelList"/>
-    <dgm:cxn modelId="{1AA273B5-7013-BB4C-A667-FE7E67551D76}" type="presParOf" srcId="{FBC68AB0-62E2-DD44-BB67-DF515F90D1A3}" destId="{56F14012-8417-A342-B00B-DB0CC2B78140}" srcOrd="0" destOrd="0" presId="urn:microsoft.com/office/officeart/2018/2/layout/IconLabelList"/>
-    <dgm:cxn modelId="{28C6D9D5-ACF7-9545-814B-584FE6E92ED5}" type="presParOf" srcId="{FBC68AB0-62E2-DD44-BB67-DF515F90D1A3}" destId="{2332E576-DD8E-E64F-A518-443897AE362C}" srcOrd="1" destOrd="0" presId="urn:microsoft.com/office/officeart/2018/2/layout/IconLabelList"/>
-    <dgm:cxn modelId="{650FAF30-71EA-9247-AC0A-4C3C08618EAB}" type="presParOf" srcId="{FBC68AB0-62E2-DD44-BB67-DF515F90D1A3}" destId="{909AD810-A5E5-2E42-B300-897A0D2BA3E8}" srcOrd="2" destOrd="0" presId="urn:microsoft.com/office/officeart/2018/2/layout/IconLabelList"/>
+    <dgm:cxn modelId="{2518D10A-C5BE-824A-976A-ED1BE62989B8}" type="presOf" srcId="{7D6DD366-454D-9F4C-BCD7-A35D820A7151}" destId="{73927776-A107-C14D-A8AA-692FA83D71BA}" srcOrd="0" destOrd="0" presId="urn:microsoft.com/office/officeart/2018/2/layout/IconLabelList"/>
+    <dgm:cxn modelId="{0551ED0D-2A5A-4341-B4AF-8B66718A5124}" srcId="{BBB8A40D-B674-4986-9F24-F65B1E4D8B59}" destId="{565ED5F0-40E5-5946-B466-95A73FAECBCC}" srcOrd="6" destOrd="0" parTransId="{CC06148E-1DE5-0548-A402-85D352BEF617}" sibTransId="{8073409D-1904-5B41-BE7D-4D8322A745AC}"/>
+    <dgm:cxn modelId="{E0453914-4C19-BE45-80DA-85685F56C993}" type="presOf" srcId="{8F432FCD-DBB2-A54C-9E1A-00015C17A2B9}" destId="{6B72ED14-9230-D044-9579-EB586B3020E4}" srcOrd="0" destOrd="0" presId="urn:microsoft.com/office/officeart/2018/2/layout/IconLabelList"/>
+    <dgm:cxn modelId="{046EDC1C-E325-FB4A-B1B3-4C13D23E3441}" srcId="{BBB8A40D-B674-4986-9F24-F65B1E4D8B59}" destId="{7D6DD366-454D-9F4C-BCD7-A35D820A7151}" srcOrd="5" destOrd="0" parTransId="{D9238FC9-4547-EB45-A117-DA8194C567C8}" sibTransId="{F9CCB09F-51EA-264F-A4FD-9052FEE78A83}"/>
+    <dgm:cxn modelId="{3035D544-F370-2F41-A0CF-2C4740C13F40}" srcId="{BBB8A40D-B674-4986-9F24-F65B1E4D8B59}" destId="{043FCE7C-C8E1-5D48-9871-F5AA4F7D9CA8}" srcOrd="0" destOrd="0" parTransId="{5AF6CB3F-206C-A84D-8C61-C5FDCC84CD2E}" sibTransId="{E500BAEE-FD6F-8349-BC3D-637BC8CC0DC7}"/>
+    <dgm:cxn modelId="{70D8364E-6F93-F744-BD01-7D2BE89F9278}" type="presOf" srcId="{CDFF021D-9CF1-4B82-A811-60335E6239C2}" destId="{AE1F7720-AB2A-4C42-86CF-0E1B87242623}" srcOrd="0" destOrd="0" presId="urn:microsoft.com/office/officeart/2018/2/layout/IconLabelList"/>
+    <dgm:cxn modelId="{3E2A6256-F728-4A42-AB21-C36D3B912D9D}" srcId="{BBB8A40D-B674-4986-9F24-F65B1E4D8B59}" destId="{8F432FCD-DBB2-A54C-9E1A-00015C17A2B9}" srcOrd="1" destOrd="0" parTransId="{488AF5C6-D3E2-E343-96D2-DC0FDCDDECD8}" sibTransId="{389B140D-B3C2-D64B-A8AF-EF6A00F452E4}"/>
+    <dgm:cxn modelId="{6EA2796B-D55A-4F6C-99A6-3226F3A9217E}" srcId="{BBB8A40D-B674-4986-9F24-F65B1E4D8B59}" destId="{CDFF021D-9CF1-4B82-A811-60335E6239C2}" srcOrd="3" destOrd="0" parTransId="{F04D3ADB-2C6C-47E4-AAD6-BF8576367972}" sibTransId="{77C12B7D-E5CF-469A-BF7B-71597F8B8652}"/>
+    <dgm:cxn modelId="{1E68457D-6E14-824C-9616-D82EDC9B3852}" type="presOf" srcId="{565ED5F0-40E5-5946-B466-95A73FAECBCC}" destId="{B8E4A9D7-EF35-3D40-8637-DFCDE47C4EA6}" srcOrd="0" destOrd="0" presId="urn:microsoft.com/office/officeart/2018/2/layout/IconLabelList"/>
+    <dgm:cxn modelId="{FAC7198A-7DCE-1647-8E91-BA25E7079DF2}" type="presOf" srcId="{043FCE7C-C8E1-5D48-9871-F5AA4F7D9CA8}" destId="{909AD810-A5E5-2E42-B300-897A0D2BA3E8}" srcOrd="0" destOrd="0" presId="urn:microsoft.com/office/officeart/2018/2/layout/IconLabelList"/>
+    <dgm:cxn modelId="{0CB1DA97-5E85-E74A-923A-7308FAD48D50}" srcId="{BBB8A40D-B674-4986-9F24-F65B1E4D8B59}" destId="{5C8F6ABD-3A7A-F74B-99C7-3D4E741D8856}" srcOrd="4" destOrd="0" parTransId="{7F57570E-074F-484A-8C4E-E641C2D737E0}" sibTransId="{3F72239F-4314-F148-88B7-AFA88138066C}"/>
+    <dgm:cxn modelId="{390C4E9F-6BA0-BC44-B27B-01A1D500AFF5}" type="presOf" srcId="{5C8F6ABD-3A7A-F74B-99C7-3D4E741D8856}" destId="{2FA737D5-66F9-C747-B00B-8B52FCD72BFE}" srcOrd="0" destOrd="0" presId="urn:microsoft.com/office/officeart/2018/2/layout/IconLabelList"/>
+    <dgm:cxn modelId="{DF76FFA2-149C-4999-A617-7A74651F902F}" srcId="{BBB8A40D-B674-4986-9F24-F65B1E4D8B59}" destId="{61F579B3-B836-4D05-8FE0-2E0EDD069145}" srcOrd="2" destOrd="0" parTransId="{A5BC4481-62F1-4B7C-B615-A977AEF483E7}" sibTransId="{3C9CFB7F-9F9C-4F00-B491-A93A2A78D551}"/>
+    <dgm:cxn modelId="{991C93D3-82F2-4B46-BD8A-323C560F2596}" type="presOf" srcId="{61F579B3-B836-4D05-8FE0-2E0EDD069145}" destId="{C4CCB1AE-45D0-4EC6-B319-A5579D134041}" srcOrd="0" destOrd="0" presId="urn:microsoft.com/office/officeart/2018/2/layout/IconLabelList"/>
+    <dgm:cxn modelId="{9E5B6EEB-6A7B-ED4E-8F09-64852E69C838}" type="presParOf" srcId="{A9DF08AA-A2F9-45DB-AF8E-97E30629A693}" destId="{FBC68AB0-62E2-DD44-BB67-DF515F90D1A3}" srcOrd="0" destOrd="0" presId="urn:microsoft.com/office/officeart/2018/2/layout/IconLabelList"/>
+    <dgm:cxn modelId="{6E0C5EE0-BAF8-D34C-ABEC-B3902F2A3A5E}" type="presParOf" srcId="{FBC68AB0-62E2-DD44-BB67-DF515F90D1A3}" destId="{56F14012-8417-A342-B00B-DB0CC2B78140}" srcOrd="0" destOrd="0" presId="urn:microsoft.com/office/officeart/2018/2/layout/IconLabelList"/>
+    <dgm:cxn modelId="{FD278CC3-DAE0-624D-B044-9F0601D1DF81}" type="presParOf" srcId="{FBC68AB0-62E2-DD44-BB67-DF515F90D1A3}" destId="{2332E576-DD8E-E64F-A518-443897AE362C}" srcOrd="1" destOrd="0" presId="urn:microsoft.com/office/officeart/2018/2/layout/IconLabelList"/>
+    <dgm:cxn modelId="{AEFFC67B-1BC2-D946-86D7-430F1146D79C}" type="presParOf" srcId="{FBC68AB0-62E2-DD44-BB67-DF515F90D1A3}" destId="{909AD810-A5E5-2E42-B300-897A0D2BA3E8}" srcOrd="2" destOrd="0" presId="urn:microsoft.com/office/officeart/2018/2/layout/IconLabelList"/>
+    <dgm:cxn modelId="{293B8247-1E88-4045-8E3F-79FA6DD809E2}" type="presParOf" srcId="{A9DF08AA-A2F9-45DB-AF8E-97E30629A693}" destId="{66909292-43C9-AA4B-9224-5773BF342C22}" srcOrd="1" destOrd="0" presId="urn:microsoft.com/office/officeart/2018/2/layout/IconLabelList"/>
+    <dgm:cxn modelId="{10D3FDD5-EEEB-1F43-B91E-BCE5FFF0B1C3}" type="presParOf" srcId="{A9DF08AA-A2F9-45DB-AF8E-97E30629A693}" destId="{42A05099-3CB8-7E4A-940E-5DC3CA164C2F}" srcOrd="2" destOrd="0" presId="urn:microsoft.com/office/officeart/2018/2/layout/IconLabelList"/>
+    <dgm:cxn modelId="{923E1BBD-034A-1B44-A832-E1735E7C12A7}" type="presParOf" srcId="{42A05099-3CB8-7E4A-940E-5DC3CA164C2F}" destId="{036A7665-B318-8A43-9E25-4B9AEB80649E}" srcOrd="0" destOrd="0" presId="urn:microsoft.com/office/officeart/2018/2/layout/IconLabelList"/>
+    <dgm:cxn modelId="{B14B2A80-EBDD-6948-BF5B-C265AE37CBDD}" type="presParOf" srcId="{42A05099-3CB8-7E4A-940E-5DC3CA164C2F}" destId="{F0EDC422-FD97-DF4A-BE38-62FE39D08FF6}" srcOrd="1" destOrd="0" presId="urn:microsoft.com/office/officeart/2018/2/layout/IconLabelList"/>
+    <dgm:cxn modelId="{B0B01B05-06B4-2D4D-BAC1-F6BC37AD1D9A}" type="presParOf" srcId="{42A05099-3CB8-7E4A-940E-5DC3CA164C2F}" destId="{6B72ED14-9230-D044-9579-EB586B3020E4}" srcOrd="2" destOrd="0" presId="urn:microsoft.com/office/officeart/2018/2/layout/IconLabelList"/>
+    <dgm:cxn modelId="{08BCB476-48A2-D843-B0CE-4A74D9467C24}" type="presParOf" srcId="{A9DF08AA-A2F9-45DB-AF8E-97E30629A693}" destId="{D419191A-D579-4948-97DE-D4E6EB37DE76}" srcOrd="3" destOrd="0" presId="urn:microsoft.com/office/officeart/2018/2/layout/IconLabelList"/>
+    <dgm:cxn modelId="{653E8B11-3622-8246-9B18-78911CB4DBAC}" type="presParOf" srcId="{A9DF08AA-A2F9-45DB-AF8E-97E30629A693}" destId="{45B5C870-DE58-49F2-A260-B4F78E284FEF}" srcOrd="4" destOrd="0" presId="urn:microsoft.com/office/officeart/2018/2/layout/IconLabelList"/>
+    <dgm:cxn modelId="{86658D80-2FC4-7448-B9B4-086346078E38}" type="presParOf" srcId="{45B5C870-DE58-49F2-A260-B4F78E284FEF}" destId="{09AC2737-744F-423E-9BFA-48E3CFAE0227}" srcOrd="0" destOrd="0" presId="urn:microsoft.com/office/officeart/2018/2/layout/IconLabelList"/>
+    <dgm:cxn modelId="{EC23FC50-4B28-7A4D-95D5-6CA90EA4C79C}" type="presParOf" srcId="{45B5C870-DE58-49F2-A260-B4F78E284FEF}" destId="{E11F0B44-1E04-47B1-BA14-097A1FBD7F92}" srcOrd="1" destOrd="0" presId="urn:microsoft.com/office/officeart/2018/2/layout/IconLabelList"/>
+    <dgm:cxn modelId="{458519EC-105B-824D-A8DB-98702D1CA6B5}" type="presParOf" srcId="{45B5C870-DE58-49F2-A260-B4F78E284FEF}" destId="{C4CCB1AE-45D0-4EC6-B319-A5579D134041}" srcOrd="2" destOrd="0" presId="urn:microsoft.com/office/officeart/2018/2/layout/IconLabelList"/>
+    <dgm:cxn modelId="{4B3EC8F7-6A5C-CD48-B091-7BE1AE9AF1BC}" type="presParOf" srcId="{A9DF08AA-A2F9-45DB-AF8E-97E30629A693}" destId="{B6321C8D-2125-4B18-BBF7-CD61139C9ADC}" srcOrd="5" destOrd="0" presId="urn:microsoft.com/office/officeart/2018/2/layout/IconLabelList"/>
+    <dgm:cxn modelId="{D7F75B0A-6E48-384E-BAD5-1E42FB0992E1}" type="presParOf" srcId="{A9DF08AA-A2F9-45DB-AF8E-97E30629A693}" destId="{EC6EAB49-C0F9-4DCB-B626-09A61A809A5A}" srcOrd="6" destOrd="0" presId="urn:microsoft.com/office/officeart/2018/2/layout/IconLabelList"/>
+    <dgm:cxn modelId="{61895C81-E1C2-804D-A80B-DC16420ADA12}" type="presParOf" srcId="{EC6EAB49-C0F9-4DCB-B626-09A61A809A5A}" destId="{5DC95D4F-9757-458A-8480-061842ECA0A6}" srcOrd="0" destOrd="0" presId="urn:microsoft.com/office/officeart/2018/2/layout/IconLabelList"/>
+    <dgm:cxn modelId="{AA651E9A-2AA1-CC4F-9F10-6A5EF3BD95B7}" type="presParOf" srcId="{EC6EAB49-C0F9-4DCB-B626-09A61A809A5A}" destId="{D7AAFF5B-9B3B-4B6F-B971-11AC2ABB68C6}" srcOrd="1" destOrd="0" presId="urn:microsoft.com/office/officeart/2018/2/layout/IconLabelList"/>
+    <dgm:cxn modelId="{5B06C5B4-B795-124C-AEE1-7412CEED2F38}" type="presParOf" srcId="{EC6EAB49-C0F9-4DCB-B626-09A61A809A5A}" destId="{AE1F7720-AB2A-4C42-86CF-0E1B87242623}" srcOrd="2" destOrd="0" presId="urn:microsoft.com/office/officeart/2018/2/layout/IconLabelList"/>
+    <dgm:cxn modelId="{AF1E8F84-10F0-994F-8797-976E77D47FBA}" type="presParOf" srcId="{A9DF08AA-A2F9-45DB-AF8E-97E30629A693}" destId="{78D9693C-B4DD-6641-936C-7C2657676EDD}" srcOrd="7" destOrd="0" presId="urn:microsoft.com/office/officeart/2018/2/layout/IconLabelList"/>
+    <dgm:cxn modelId="{EF330CCF-EFB8-AB4F-A6E0-BDC230AE0726}" type="presParOf" srcId="{A9DF08AA-A2F9-45DB-AF8E-97E30629A693}" destId="{DD6D21C3-94A6-5C4C-80D9-9EC892EF3D3E}" srcOrd="8" destOrd="0" presId="urn:microsoft.com/office/officeart/2018/2/layout/IconLabelList"/>
+    <dgm:cxn modelId="{41DF4D87-83B6-2C44-A425-52AB44724AFB}" type="presParOf" srcId="{DD6D21C3-94A6-5C4C-80D9-9EC892EF3D3E}" destId="{E83545AB-FF86-F240-B567-C1E053682799}" srcOrd="0" destOrd="0" presId="urn:microsoft.com/office/officeart/2018/2/layout/IconLabelList"/>
+    <dgm:cxn modelId="{9F4127BC-608A-AA46-8223-7E14100837B3}" type="presParOf" srcId="{DD6D21C3-94A6-5C4C-80D9-9EC892EF3D3E}" destId="{D7ADA9CB-D064-BF46-8A48-971127C37D9A}" srcOrd="1" destOrd="0" presId="urn:microsoft.com/office/officeart/2018/2/layout/IconLabelList"/>
+    <dgm:cxn modelId="{1670066F-D4A1-9E4F-837E-C3FA02C98E09}" type="presParOf" srcId="{DD6D21C3-94A6-5C4C-80D9-9EC892EF3D3E}" destId="{2FA737D5-66F9-C747-B00B-8B52FCD72BFE}" srcOrd="2" destOrd="0" presId="urn:microsoft.com/office/officeart/2018/2/layout/IconLabelList"/>
+    <dgm:cxn modelId="{B3F5AA7E-3B49-E649-8959-F597AFB8AAC3}" type="presParOf" srcId="{A9DF08AA-A2F9-45DB-AF8E-97E30629A693}" destId="{3CA51B50-2C1D-1944-9C24-DAA9F29D5EE6}" srcOrd="9" destOrd="0" presId="urn:microsoft.com/office/officeart/2018/2/layout/IconLabelList"/>
+    <dgm:cxn modelId="{C1AFEE96-B223-634D-899B-2C1C3E4D99B4}" type="presParOf" srcId="{A9DF08AA-A2F9-45DB-AF8E-97E30629A693}" destId="{0649CB86-B2AA-D242-A2A9-47AAD410F19D}" srcOrd="10" destOrd="0" presId="urn:microsoft.com/office/officeart/2018/2/layout/IconLabelList"/>
+    <dgm:cxn modelId="{3B3C39F1-253B-5E43-B2D9-680E84DFE1B2}" type="presParOf" srcId="{0649CB86-B2AA-D242-A2A9-47AAD410F19D}" destId="{004813C7-36BF-9B48-AB9F-4FC12B482047}" srcOrd="0" destOrd="0" presId="urn:microsoft.com/office/officeart/2018/2/layout/IconLabelList"/>
+    <dgm:cxn modelId="{9D28B64B-410F-7746-A400-02FA56CA3028}" type="presParOf" srcId="{0649CB86-B2AA-D242-A2A9-47AAD410F19D}" destId="{51BE33C2-AC9B-DE41-8D0B-A38866063059}" srcOrd="1" destOrd="0" presId="urn:microsoft.com/office/officeart/2018/2/layout/IconLabelList"/>
+    <dgm:cxn modelId="{80CEF7A1-B7CD-6E40-B0C5-B735C26EADAD}" type="presParOf" srcId="{0649CB86-B2AA-D242-A2A9-47AAD410F19D}" destId="{73927776-A107-C14D-A8AA-692FA83D71BA}" srcOrd="2" destOrd="0" presId="urn:microsoft.com/office/officeart/2018/2/layout/IconLabelList"/>
+    <dgm:cxn modelId="{098284A6-DDBC-644B-BDFA-29D0DC379955}" type="presParOf" srcId="{A9DF08AA-A2F9-45DB-AF8E-97E30629A693}" destId="{ADB2771C-64FF-9545-96D3-1820E2CB69FC}" srcOrd="11" destOrd="0" presId="urn:microsoft.com/office/officeart/2018/2/layout/IconLabelList"/>
+    <dgm:cxn modelId="{8C00FFBA-8794-4640-9605-8AA895D08C82}" type="presParOf" srcId="{A9DF08AA-A2F9-45DB-AF8E-97E30629A693}" destId="{0D8C4EBF-301D-D24F-B015-923D4A69EE2F}" srcOrd="12" destOrd="0" presId="urn:microsoft.com/office/officeart/2018/2/layout/IconLabelList"/>
+    <dgm:cxn modelId="{1A8D2390-1437-C242-B340-FF57B3933375}" type="presParOf" srcId="{0D8C4EBF-301D-D24F-B015-923D4A69EE2F}" destId="{C3E5983A-5B4B-E94A-812C-453B0565F0D2}" srcOrd="0" destOrd="0" presId="urn:microsoft.com/office/officeart/2018/2/layout/IconLabelList"/>
+    <dgm:cxn modelId="{D4586D64-9A6D-7643-B1B0-84439648E2E8}" type="presParOf" srcId="{0D8C4EBF-301D-D24F-B015-923D4A69EE2F}" destId="{61841DFF-7420-9043-99A1-7F8C1AC53A0A}" srcOrd="1" destOrd="0" presId="urn:microsoft.com/office/officeart/2018/2/layout/IconLabelList"/>
+    <dgm:cxn modelId="{975F734D-314D-2C40-84C2-645F85A1C52D}" type="presParOf" srcId="{0D8C4EBF-301D-D24F-B015-923D4A69EE2F}" destId="{B8E4A9D7-EF35-3D40-8637-DFCDE47C4EA6}" srcOrd="2" destOrd="0" presId="urn:microsoft.com/office/officeart/2018/2/layout/IconLabelList"/>
   </dgm:cxnLst>
   <dgm:bg/>
   <dgm:whole/>
@@ -15642,15 +16019,15 @@
       <dsp:cNvGrpSpPr/>
     </dsp:nvGrpSpPr>
     <dsp:grpSpPr/>
-    <dsp:sp modelId="{09AC2737-744F-423E-9BFA-48E3CFAE0227}">
+    <dsp:sp modelId="{56F14012-8417-A342-B00B-DB0CC2B78140}">
       <dsp:nvSpPr>
         <dsp:cNvPr id="0" name=""/>
         <dsp:cNvSpPr/>
       </dsp:nvSpPr>
       <dsp:spPr>
         <a:xfrm>
-          <a:off x="1212569" y="987878"/>
-          <a:ext cx="1300252" cy="1300252"/>
+          <a:off x="1121354" y="415485"/>
+          <a:ext cx="692138" cy="692138"/>
         </a:xfrm>
         <a:prstGeom prst="rect">
           <a:avLst/>
@@ -15661,11 +16038,9 @@
               <a:ext uri="{28A0092B-C50C-407E-A947-70E740481C1C}">
                 <a14:useLocalDpi xmlns:a14="http://schemas.microsoft.com/office/drawing/2010/main" val="0"/>
               </a:ext>
-              <a:ext uri="{96DAC541-7B7A-43D3-8B79-37D633B846F1}">
-                <asvg:svgBlip xmlns:asvg="http://schemas.microsoft.com/office/drawing/2016/SVG/main" r:embed="rId2"/>
-              </a:ext>
             </a:extLst>
           </a:blip>
+          <a:srcRect/>
           <a:stretch>
             <a:fillRect/>
           </a:stretch>
@@ -15692,15 +16067,15 @@
         </a:fontRef>
       </dsp:style>
     </dsp:sp>
-    <dsp:sp modelId="{C4CCB1AE-45D0-4EC6-B319-A5579D134041}">
+    <dsp:sp modelId="{909AD810-A5E5-2E42-B300-897A0D2BA3E8}">
       <dsp:nvSpPr>
         <dsp:cNvPr id="0" name=""/>
         <dsp:cNvSpPr/>
       </dsp:nvSpPr>
       <dsp:spPr>
         <a:xfrm>
-          <a:off x="417971" y="2644665"/>
-          <a:ext cx="2889450" cy="720000"/>
+          <a:off x="698380" y="1368776"/>
+          <a:ext cx="1538085" cy="615234"/>
         </a:xfrm>
         <a:prstGeom prst="rect">
           <a:avLst/>
@@ -15729,9 +16104,9 @@
         </a:bodyPr>
         <a:lstStyle/>
         <a:p>
-          <a:pPr marL="0" lvl="0" indent="0" algn="ctr" defTabSz="1066800">
+          <a:pPr marL="0" lvl="0" indent="0" algn="ctr" defTabSz="577850">
             <a:lnSpc>
-              <a:spcPct val="90000"/>
+              <a:spcPct val="100000"/>
             </a:lnSpc>
             <a:spcBef>
               <a:spcPct val="0"/>
@@ -15742,25 +16117,146 @@
             <a:buNone/>
           </a:pPr>
           <a:r>
-            <a:rPr lang="en-US" sz="2400" kern="1200" dirty="0"/>
-            <a:t>Daily Stand-up meeting (15 minutes max)</a:t>
+            <a:rPr lang="en-GB" sz="1300" kern="1200" dirty="0"/>
+            <a:t>Itération</a:t>
           </a:r>
         </a:p>
       </dsp:txBody>
       <dsp:txXfrm>
-        <a:off x="417971" y="2644665"/>
-        <a:ext cx="2889450" cy="720000"/>
+        <a:off x="698380" y="1368776"/>
+        <a:ext cx="1538085" cy="615234"/>
       </dsp:txXfrm>
     </dsp:sp>
-    <dsp:sp modelId="{5DC95D4F-9757-458A-8480-061842ECA0A6}">
+    <dsp:sp modelId="{036A7665-B318-8A43-9E25-4B9AEB80649E}">
       <dsp:nvSpPr>
         <dsp:cNvPr id="0" name=""/>
         <dsp:cNvSpPr/>
       </dsp:nvSpPr>
       <dsp:spPr>
         <a:xfrm>
-          <a:off x="4607673" y="987878"/>
-          <a:ext cx="1300252" cy="1300252"/>
+          <a:off x="2928605" y="415485"/>
+          <a:ext cx="692138" cy="692138"/>
+        </a:xfrm>
+        <a:prstGeom prst="rect">
+          <a:avLst/>
+        </a:prstGeom>
+        <a:blipFill>
+          <a:blip xmlns:r="http://schemas.openxmlformats.org/officeDocument/2006/relationships" r:embed="rId2">
+            <a:extLst>
+              <a:ext uri="{28A0092B-C50C-407E-A947-70E740481C1C}">
+                <a14:useLocalDpi xmlns:a14="http://schemas.microsoft.com/office/drawing/2010/main" val="0"/>
+              </a:ext>
+            </a:extLst>
+          </a:blip>
+          <a:srcRect/>
+          <a:stretch>
+            <a:fillRect/>
+          </a:stretch>
+        </a:blipFill>
+        <a:ln w="12700" cap="flat" cmpd="sng" algn="ctr">
+          <a:solidFill>
+            <a:schemeClr val="lt1">
+              <a:alpha val="0"/>
+              <a:hueOff val="0"/>
+              <a:satOff val="0"/>
+              <a:lumOff val="0"/>
+              <a:alphaOff val="0"/>
+            </a:schemeClr>
+          </a:solidFill>
+          <a:prstDash val="solid"/>
+          <a:miter lim="800000"/>
+        </a:ln>
+        <a:effectLst/>
+      </dsp:spPr>
+      <dsp:style>
+        <a:lnRef idx="2">
+          <a:scrgbClr r="0" g="0" b="0"/>
+        </a:lnRef>
+        <a:fillRef idx="1">
+          <a:scrgbClr r="0" g="0" b="0"/>
+        </a:fillRef>
+        <a:effectRef idx="0">
+          <a:scrgbClr r="0" g="0" b="0"/>
+        </a:effectRef>
+        <a:fontRef idx="minor">
+          <a:schemeClr val="lt1"/>
+        </a:fontRef>
+      </dsp:style>
+    </dsp:sp>
+    <dsp:sp modelId="{6B72ED14-9230-D044-9579-EB586B3020E4}">
+      <dsp:nvSpPr>
+        <dsp:cNvPr id="0" name=""/>
+        <dsp:cNvSpPr/>
+      </dsp:nvSpPr>
+      <dsp:spPr>
+        <a:xfrm>
+          <a:off x="2505631" y="1368776"/>
+          <a:ext cx="1538085" cy="615234"/>
+        </a:xfrm>
+        <a:prstGeom prst="rect">
+          <a:avLst/>
+        </a:prstGeom>
+        <a:noFill/>
+        <a:ln>
+          <a:noFill/>
+        </a:ln>
+        <a:effectLst/>
+      </dsp:spPr>
+      <dsp:style>
+        <a:lnRef idx="0">
+          <a:scrgbClr r="0" g="0" b="0"/>
+        </a:lnRef>
+        <a:fillRef idx="0">
+          <a:scrgbClr r="0" g="0" b="0"/>
+        </a:fillRef>
+        <a:effectRef idx="0">
+          <a:scrgbClr r="0" g="0" b="0"/>
+        </a:effectRef>
+        <a:fontRef idx="minor"/>
+      </dsp:style>
+      <dsp:txBody>
+        <a:bodyPr spcFirstLastPara="0" vert="horz" wrap="square" lIns="0" tIns="0" rIns="0" bIns="0" numCol="1" spcCol="1270" anchor="t" anchorCtr="0">
+          <a:noAutofit/>
+        </a:bodyPr>
+        <a:lstStyle/>
+        <a:p>
+          <a:pPr marL="0" lvl="0" indent="0" algn="ctr" defTabSz="577850">
+            <a:lnSpc>
+              <a:spcPct val="100000"/>
+            </a:lnSpc>
+            <a:spcBef>
+              <a:spcPct val="0"/>
+            </a:spcBef>
+            <a:spcAft>
+              <a:spcPct val="35000"/>
+            </a:spcAft>
+            <a:buNone/>
+          </a:pPr>
+          <a:r>
+            <a:rPr lang="en-US" sz="1300" kern="1200"/>
+            <a:t>2 sprints de 2 </a:t>
+          </a:r>
+          <a:r>
+            <a:rPr lang="fr-FR" sz="1300" kern="1200" noProof="0"/>
+            <a:t>semaines</a:t>
+          </a:r>
+          <a:endParaRPr lang="en-GB" sz="1300" kern="1200"/>
+        </a:p>
+      </dsp:txBody>
+      <dsp:txXfrm>
+        <a:off x="2505631" y="1368776"/>
+        <a:ext cx="1538085" cy="615234"/>
+      </dsp:txXfrm>
+    </dsp:sp>
+    <dsp:sp modelId="{09AC2737-744F-423E-9BFA-48E3CFAE0227}">
+      <dsp:nvSpPr>
+        <dsp:cNvPr id="0" name=""/>
+        <dsp:cNvSpPr/>
+      </dsp:nvSpPr>
+      <dsp:spPr>
+        <a:xfrm>
+          <a:off x="4735856" y="415485"/>
+          <a:ext cx="692138" cy="692138"/>
         </a:xfrm>
         <a:prstGeom prst="rect">
           <a:avLst/>
@@ -15802,15 +16298,15 @@
         </a:fontRef>
       </dsp:style>
     </dsp:sp>
-    <dsp:sp modelId="{AE1F7720-AB2A-4C42-86CF-0E1B87242623}">
+    <dsp:sp modelId="{C4CCB1AE-45D0-4EC6-B319-A5579D134041}">
       <dsp:nvSpPr>
         <dsp:cNvPr id="0" name=""/>
         <dsp:cNvSpPr/>
       </dsp:nvSpPr>
       <dsp:spPr>
         <a:xfrm>
-          <a:off x="3813075" y="2644665"/>
-          <a:ext cx="2889450" cy="720000"/>
+          <a:off x="4312882" y="1368776"/>
+          <a:ext cx="1538085" cy="615234"/>
         </a:xfrm>
         <a:prstGeom prst="rect">
           <a:avLst/>
@@ -15839,9 +16335,9 @@
         </a:bodyPr>
         <a:lstStyle/>
         <a:p>
-          <a:pPr marL="0" lvl="0" indent="0" algn="ctr" defTabSz="1066800">
+          <a:pPr marL="0" lvl="0" indent="0" algn="ctr" defTabSz="577850">
             <a:lnSpc>
-              <a:spcPct val="90000"/>
+              <a:spcPct val="100000"/>
             </a:lnSpc>
             <a:spcBef>
               <a:spcPct val="0"/>
@@ -15852,29 +16348,25 @@
             <a:buNone/>
           </a:pPr>
           <a:r>
-            <a:rPr lang="en-US" sz="2400" kern="1200" dirty="0"/>
-            <a:t>2 sprints de 2 </a:t>
-          </a:r>
-          <a:r>
-            <a:rPr lang="fr-FR" sz="2400" kern="1200" noProof="0" dirty="0"/>
-            <a:t>semaines</a:t>
+            <a:rPr lang="en-US" sz="1300" kern="1200" dirty="0"/>
+            <a:t>Daily Stand-up meeting (15 minutes max)</a:t>
           </a:r>
         </a:p>
       </dsp:txBody>
       <dsp:txXfrm>
-        <a:off x="3813075" y="2644665"/>
-        <a:ext cx="2889450" cy="720000"/>
+        <a:off x="4312882" y="1368776"/>
+        <a:ext cx="1538085" cy="615234"/>
       </dsp:txXfrm>
     </dsp:sp>
-    <dsp:sp modelId="{56F14012-8417-A342-B00B-DB0CC2B78140}">
+    <dsp:sp modelId="{5DC95D4F-9757-458A-8480-061842ECA0A6}">
       <dsp:nvSpPr>
         <dsp:cNvPr id="0" name=""/>
         <dsp:cNvSpPr/>
       </dsp:nvSpPr>
       <dsp:spPr>
         <a:xfrm>
-          <a:off x="8002777" y="987878"/>
-          <a:ext cx="1300252" cy="1300252"/>
+          <a:off x="6543107" y="415485"/>
+          <a:ext cx="692138" cy="692138"/>
         </a:xfrm>
         <a:prstGeom prst="rect">
           <a:avLst/>
@@ -15914,15 +16406,15 @@
         </a:fontRef>
       </dsp:style>
     </dsp:sp>
-    <dsp:sp modelId="{909AD810-A5E5-2E42-B300-897A0D2BA3E8}">
+    <dsp:sp modelId="{AE1F7720-AB2A-4C42-86CF-0E1B87242623}">
       <dsp:nvSpPr>
         <dsp:cNvPr id="0" name=""/>
         <dsp:cNvSpPr/>
       </dsp:nvSpPr>
       <dsp:spPr>
         <a:xfrm>
-          <a:off x="7208178" y="2644665"/>
-          <a:ext cx="2889450" cy="720000"/>
+          <a:off x="6120133" y="1368776"/>
+          <a:ext cx="1538085" cy="615234"/>
         </a:xfrm>
         <a:prstGeom prst="rect">
           <a:avLst/>
@@ -15951,9 +16443,9 @@
         </a:bodyPr>
         <a:lstStyle/>
         <a:p>
-          <a:pPr marL="0" lvl="0" indent="0" algn="ctr" defTabSz="1066800">
+          <a:pPr marL="0" lvl="0" indent="0" algn="ctr" defTabSz="577850">
             <a:lnSpc>
-              <a:spcPct val="90000"/>
+              <a:spcPct val="100000"/>
             </a:lnSpc>
             <a:spcBef>
               <a:spcPct val="0"/>
@@ -15964,14 +16456,375 @@
             <a:buNone/>
           </a:pPr>
           <a:r>
-            <a:rPr lang="en-GB" sz="2400" kern="1200" dirty="0"/>
-            <a:t>Itération</a:t>
+            <a:rPr lang="en-GB" sz="1300" kern="1200"/>
+            <a:t>Planification </a:t>
+          </a:r>
+          <a:r>
+            <a:rPr lang="en-GB" sz="1300" kern="1200" dirty="0"/>
+            <a:t>d'un sprint (4h)</a:t>
+          </a:r>
+          <a:endParaRPr lang="fr-FR" sz="1300" kern="1200" noProof="0" dirty="0"/>
+        </a:p>
+      </dsp:txBody>
+      <dsp:txXfrm>
+        <a:off x="6120133" y="1368776"/>
+        <a:ext cx="1538085" cy="615234"/>
+      </dsp:txXfrm>
+    </dsp:sp>
+    <dsp:sp modelId="{E83545AB-FF86-F240-B567-C1E053682799}">
+      <dsp:nvSpPr>
+        <dsp:cNvPr id="0" name=""/>
+        <dsp:cNvSpPr/>
+      </dsp:nvSpPr>
+      <dsp:spPr>
+        <a:xfrm>
+          <a:off x="2024979" y="2368532"/>
+          <a:ext cx="692138" cy="692138"/>
+        </a:xfrm>
+        <a:prstGeom prst="rect">
+          <a:avLst/>
+        </a:prstGeom>
+        <a:blipFill>
+          <a:blip xmlns:r="http://schemas.openxmlformats.org/officeDocument/2006/relationships" r:embed="rId6">
+            <a:extLst>
+              <a:ext uri="{28A0092B-C50C-407E-A947-70E740481C1C}">
+                <a14:useLocalDpi xmlns:a14="http://schemas.microsoft.com/office/drawing/2010/main" val="0"/>
+              </a:ext>
+            </a:extLst>
+          </a:blip>
+          <a:srcRect/>
+          <a:stretch>
+            <a:fillRect/>
+          </a:stretch>
+        </a:blipFill>
+        <a:ln w="12700" cap="flat" cmpd="sng" algn="ctr">
+          <a:solidFill>
+            <a:schemeClr val="lt1">
+              <a:alpha val="0"/>
+              <a:hueOff val="0"/>
+              <a:satOff val="0"/>
+              <a:lumOff val="0"/>
+              <a:alphaOff val="0"/>
+            </a:schemeClr>
+          </a:solidFill>
+          <a:prstDash val="solid"/>
+          <a:miter lim="800000"/>
+        </a:ln>
+        <a:effectLst/>
+      </dsp:spPr>
+      <dsp:style>
+        <a:lnRef idx="2">
+          <a:scrgbClr r="0" g="0" b="0"/>
+        </a:lnRef>
+        <a:fillRef idx="1">
+          <a:scrgbClr r="0" g="0" b="0"/>
+        </a:fillRef>
+        <a:effectRef idx="0">
+          <a:scrgbClr r="0" g="0" b="0"/>
+        </a:effectRef>
+        <a:fontRef idx="minor">
+          <a:schemeClr val="lt1"/>
+        </a:fontRef>
+      </dsp:style>
+    </dsp:sp>
+    <dsp:sp modelId="{2FA737D5-66F9-C747-B00B-8B52FCD72BFE}">
+      <dsp:nvSpPr>
+        <dsp:cNvPr id="0" name=""/>
+        <dsp:cNvSpPr/>
+      </dsp:nvSpPr>
+      <dsp:spPr>
+        <a:xfrm>
+          <a:off x="1602006" y="3321824"/>
+          <a:ext cx="1538085" cy="615234"/>
+        </a:xfrm>
+        <a:prstGeom prst="rect">
+          <a:avLst/>
+        </a:prstGeom>
+        <a:noFill/>
+        <a:ln>
+          <a:noFill/>
+        </a:ln>
+        <a:effectLst/>
+      </dsp:spPr>
+      <dsp:style>
+        <a:lnRef idx="0">
+          <a:scrgbClr r="0" g="0" b="0"/>
+        </a:lnRef>
+        <a:fillRef idx="0">
+          <a:scrgbClr r="0" g="0" b="0"/>
+        </a:fillRef>
+        <a:effectRef idx="0">
+          <a:scrgbClr r="0" g="0" b="0"/>
+        </a:effectRef>
+        <a:fontRef idx="minor"/>
+      </dsp:style>
+      <dsp:txBody>
+        <a:bodyPr spcFirstLastPara="0" vert="horz" wrap="square" lIns="0" tIns="0" rIns="0" bIns="0" numCol="1" spcCol="1270" anchor="t" anchorCtr="0">
+          <a:noAutofit/>
+        </a:bodyPr>
+        <a:lstStyle/>
+        <a:p>
+          <a:pPr marL="0" lvl="0" indent="0" algn="ctr" defTabSz="577850">
+            <a:lnSpc>
+              <a:spcPct val="100000"/>
+            </a:lnSpc>
+            <a:spcBef>
+              <a:spcPct val="0"/>
+            </a:spcBef>
+            <a:spcAft>
+              <a:spcPct val="35000"/>
+            </a:spcAft>
+            <a:buNone/>
+          </a:pPr>
+          <a:r>
+            <a:rPr lang="en-GB" sz="1300" kern="1200" dirty="0"/>
+            <a:t>Affinage du Backlog (1 h/</a:t>
+          </a:r>
+          <a:r>
+            <a:rPr lang="en-GB" sz="1300" kern="1200" dirty="0" err="1"/>
+            <a:t>semaine</a:t>
+          </a:r>
+          <a:r>
+            <a:rPr lang="en-GB" sz="1300" kern="1200" dirty="0"/>
+            <a:t>)</a:t>
           </a:r>
         </a:p>
       </dsp:txBody>
       <dsp:txXfrm>
-        <a:off x="7208178" y="2644665"/>
-        <a:ext cx="2889450" cy="720000"/>
+        <a:off x="1602006" y="3321824"/>
+        <a:ext cx="1538085" cy="615234"/>
+      </dsp:txXfrm>
+    </dsp:sp>
+    <dsp:sp modelId="{004813C7-36BF-9B48-AB9F-4FC12B482047}">
+      <dsp:nvSpPr>
+        <dsp:cNvPr id="0" name=""/>
+        <dsp:cNvSpPr/>
+      </dsp:nvSpPr>
+      <dsp:spPr>
+        <a:xfrm>
+          <a:off x="3832230" y="2368532"/>
+          <a:ext cx="692138" cy="692138"/>
+        </a:xfrm>
+        <a:prstGeom prst="rect">
+          <a:avLst/>
+        </a:prstGeom>
+        <a:blipFill>
+          <a:blip xmlns:r="http://schemas.openxmlformats.org/officeDocument/2006/relationships" r:embed="rId7">
+            <a:extLst>
+              <a:ext uri="{28A0092B-C50C-407E-A947-70E740481C1C}">
+                <a14:useLocalDpi xmlns:a14="http://schemas.microsoft.com/office/drawing/2010/main" val="0"/>
+              </a:ext>
+            </a:extLst>
+          </a:blip>
+          <a:srcRect/>
+          <a:stretch>
+            <a:fillRect/>
+          </a:stretch>
+        </a:blipFill>
+        <a:ln w="12700" cap="flat" cmpd="sng" algn="ctr">
+          <a:solidFill>
+            <a:schemeClr val="lt1">
+              <a:alpha val="0"/>
+              <a:hueOff val="0"/>
+              <a:satOff val="0"/>
+              <a:lumOff val="0"/>
+              <a:alphaOff val="0"/>
+            </a:schemeClr>
+          </a:solidFill>
+          <a:prstDash val="solid"/>
+          <a:miter lim="800000"/>
+        </a:ln>
+        <a:effectLst/>
+      </dsp:spPr>
+      <dsp:style>
+        <a:lnRef idx="2">
+          <a:scrgbClr r="0" g="0" b="0"/>
+        </a:lnRef>
+        <a:fillRef idx="1">
+          <a:scrgbClr r="0" g="0" b="0"/>
+        </a:fillRef>
+        <a:effectRef idx="0">
+          <a:scrgbClr r="0" g="0" b="0"/>
+        </a:effectRef>
+        <a:fontRef idx="minor">
+          <a:schemeClr val="lt1"/>
+        </a:fontRef>
+      </dsp:style>
+    </dsp:sp>
+    <dsp:sp modelId="{73927776-A107-C14D-A8AA-692FA83D71BA}">
+      <dsp:nvSpPr>
+        <dsp:cNvPr id="0" name=""/>
+        <dsp:cNvSpPr/>
+      </dsp:nvSpPr>
+      <dsp:spPr>
+        <a:xfrm>
+          <a:off x="3409257" y="3321824"/>
+          <a:ext cx="1538085" cy="615234"/>
+        </a:xfrm>
+        <a:prstGeom prst="rect">
+          <a:avLst/>
+        </a:prstGeom>
+        <a:noFill/>
+        <a:ln>
+          <a:noFill/>
+        </a:ln>
+        <a:effectLst/>
+      </dsp:spPr>
+      <dsp:style>
+        <a:lnRef idx="0">
+          <a:scrgbClr r="0" g="0" b="0"/>
+        </a:lnRef>
+        <a:fillRef idx="0">
+          <a:scrgbClr r="0" g="0" b="0"/>
+        </a:fillRef>
+        <a:effectRef idx="0">
+          <a:scrgbClr r="0" g="0" b="0"/>
+        </a:effectRef>
+        <a:fontRef idx="minor"/>
+      </dsp:style>
+      <dsp:txBody>
+        <a:bodyPr spcFirstLastPara="0" vert="horz" wrap="square" lIns="0" tIns="0" rIns="0" bIns="0" numCol="1" spcCol="1270" anchor="t" anchorCtr="0">
+          <a:noAutofit/>
+        </a:bodyPr>
+        <a:lstStyle/>
+        <a:p>
+          <a:pPr marL="0" lvl="0" indent="0" algn="ctr" defTabSz="577850">
+            <a:lnSpc>
+              <a:spcPct val="100000"/>
+            </a:lnSpc>
+            <a:spcBef>
+              <a:spcPct val="0"/>
+            </a:spcBef>
+            <a:spcAft>
+              <a:spcPct val="35000"/>
+            </a:spcAft>
+            <a:buNone/>
+          </a:pPr>
+          <a:r>
+            <a:rPr lang="en-GB" sz="1300" kern="1200" dirty="0"/>
+            <a:t>Sprint Review (2 h)</a:t>
+          </a:r>
+        </a:p>
+      </dsp:txBody>
+      <dsp:txXfrm>
+        <a:off x="3409257" y="3321824"/>
+        <a:ext cx="1538085" cy="615234"/>
+      </dsp:txXfrm>
+    </dsp:sp>
+    <dsp:sp modelId="{C3E5983A-5B4B-E94A-812C-453B0565F0D2}">
+      <dsp:nvSpPr>
+        <dsp:cNvPr id="0" name=""/>
+        <dsp:cNvSpPr/>
+      </dsp:nvSpPr>
+      <dsp:spPr>
+        <a:xfrm>
+          <a:off x="5639481" y="2368532"/>
+          <a:ext cx="692138" cy="692138"/>
+        </a:xfrm>
+        <a:prstGeom prst="rect">
+          <a:avLst/>
+        </a:prstGeom>
+        <a:blipFill>
+          <a:blip xmlns:r="http://schemas.openxmlformats.org/officeDocument/2006/relationships" r:embed="rId8">
+            <a:extLst>
+              <a:ext uri="{28A0092B-C50C-407E-A947-70E740481C1C}">
+                <a14:useLocalDpi xmlns:a14="http://schemas.microsoft.com/office/drawing/2010/main" val="0"/>
+              </a:ext>
+            </a:extLst>
+          </a:blip>
+          <a:srcRect/>
+          <a:stretch>
+            <a:fillRect/>
+          </a:stretch>
+        </a:blipFill>
+        <a:ln w="12700" cap="flat" cmpd="sng" algn="ctr">
+          <a:solidFill>
+            <a:schemeClr val="lt1">
+              <a:alpha val="0"/>
+              <a:hueOff val="0"/>
+              <a:satOff val="0"/>
+              <a:lumOff val="0"/>
+              <a:alphaOff val="0"/>
+            </a:schemeClr>
+          </a:solidFill>
+          <a:prstDash val="solid"/>
+          <a:miter lim="800000"/>
+        </a:ln>
+        <a:effectLst/>
+      </dsp:spPr>
+      <dsp:style>
+        <a:lnRef idx="2">
+          <a:scrgbClr r="0" g="0" b="0"/>
+        </a:lnRef>
+        <a:fillRef idx="1">
+          <a:scrgbClr r="0" g="0" b="0"/>
+        </a:fillRef>
+        <a:effectRef idx="0">
+          <a:scrgbClr r="0" g="0" b="0"/>
+        </a:effectRef>
+        <a:fontRef idx="minor">
+          <a:schemeClr val="lt1"/>
+        </a:fontRef>
+      </dsp:style>
+    </dsp:sp>
+    <dsp:sp modelId="{B8E4A9D7-EF35-3D40-8637-DFCDE47C4EA6}">
+      <dsp:nvSpPr>
+        <dsp:cNvPr id="0" name=""/>
+        <dsp:cNvSpPr/>
+      </dsp:nvSpPr>
+      <dsp:spPr>
+        <a:xfrm>
+          <a:off x="5216508" y="3321824"/>
+          <a:ext cx="1538085" cy="615234"/>
+        </a:xfrm>
+        <a:prstGeom prst="rect">
+          <a:avLst/>
+        </a:prstGeom>
+        <a:noFill/>
+        <a:ln>
+          <a:noFill/>
+        </a:ln>
+        <a:effectLst/>
+      </dsp:spPr>
+      <dsp:style>
+        <a:lnRef idx="0">
+          <a:scrgbClr r="0" g="0" b="0"/>
+        </a:lnRef>
+        <a:fillRef idx="0">
+          <a:scrgbClr r="0" g="0" b="0"/>
+        </a:fillRef>
+        <a:effectRef idx="0">
+          <a:scrgbClr r="0" g="0" b="0"/>
+        </a:effectRef>
+        <a:fontRef idx="minor"/>
+      </dsp:style>
+      <dsp:txBody>
+        <a:bodyPr spcFirstLastPara="0" vert="horz" wrap="square" lIns="0" tIns="0" rIns="0" bIns="0" numCol="1" spcCol="1270" anchor="t" anchorCtr="0">
+          <a:noAutofit/>
+        </a:bodyPr>
+        <a:lstStyle/>
+        <a:p>
+          <a:pPr marL="0" lvl="0" indent="0" algn="ctr" defTabSz="577850">
+            <a:lnSpc>
+              <a:spcPct val="100000"/>
+            </a:lnSpc>
+            <a:spcBef>
+              <a:spcPct val="0"/>
+            </a:spcBef>
+            <a:spcAft>
+              <a:spcPct val="35000"/>
+            </a:spcAft>
+            <a:buNone/>
+          </a:pPr>
+          <a:r>
+            <a:rPr lang="en-GB" sz="1300" kern="1200" dirty="0"/>
+            <a:t>Sprint retrospective (2h)</a:t>
+          </a:r>
+        </a:p>
+      </dsp:txBody>
+      <dsp:txXfrm>
+        <a:off x="5216508" y="3321824"/>
+        <a:ext cx="1538085" cy="615234"/>
       </dsp:txXfrm>
     </dsp:sp>
   </dsp:spTree>
@@ -34769,14 +35622,14 @@
             <p:ph idx="1"/>
             <p:extLst>
               <p:ext uri="{D42A27DB-BD31-4B8C-83A1-F6EECF244321}">
-                <p14:modId xmlns:p14="http://schemas.microsoft.com/office/powerpoint/2010/main" val="4183218695"/>
+                <p14:modId xmlns:p14="http://schemas.microsoft.com/office/powerpoint/2010/main" val="1290543757"/>
               </p:ext>
             </p:extLst>
           </p:nvPr>
         </p:nvGraphicFramePr>
         <p:xfrm>
-          <a:off x="838200" y="1828800"/>
-          <a:ext cx="10515600" cy="4352544"/>
+          <a:off x="1916175" y="1948268"/>
+          <a:ext cx="8356600" cy="4352544"/>
         </p:xfrm>
         <a:graphic>
           <a:graphicData uri="http://schemas.openxmlformats.org/drawingml/2006/diagram">

--- a/docs/pptx/Android Project - Group 1 - Becerra Stauner Taxil.pptx
+++ b/docs/pptx/Android Project - Group 1 - Becerra Stauner Taxil.pptx
@@ -5,25 +5,23 @@
     <p:sldMasterId id="2147483648" r:id="rId1"/>
   </p:sldMasterIdLst>
   <p:notesMasterIdLst>
-    <p:notesMasterId r:id="rId18"/>
+    <p:notesMasterId r:id="rId16"/>
   </p:notesMasterIdLst>
   <p:sldIdLst>
     <p:sldId id="256" r:id="rId2"/>
     <p:sldId id="275" r:id="rId3"/>
-    <p:sldId id="276" r:id="rId4"/>
-    <p:sldId id="277" r:id="rId5"/>
-    <p:sldId id="257" r:id="rId6"/>
-    <p:sldId id="270" r:id="rId7"/>
-    <p:sldId id="261" r:id="rId8"/>
-    <p:sldId id="273" r:id="rId9"/>
-    <p:sldId id="258" r:id="rId10"/>
-    <p:sldId id="263" r:id="rId11"/>
-    <p:sldId id="264" r:id="rId12"/>
-    <p:sldId id="266" r:id="rId13"/>
-    <p:sldId id="267" r:id="rId14"/>
-    <p:sldId id="272" r:id="rId15"/>
-    <p:sldId id="274" r:id="rId16"/>
-    <p:sldId id="260" r:id="rId17"/>
+    <p:sldId id="277" r:id="rId4"/>
+    <p:sldId id="257" r:id="rId5"/>
+    <p:sldId id="270" r:id="rId6"/>
+    <p:sldId id="261" r:id="rId7"/>
+    <p:sldId id="273" r:id="rId8"/>
+    <p:sldId id="258" r:id="rId9"/>
+    <p:sldId id="263" r:id="rId10"/>
+    <p:sldId id="266" r:id="rId11"/>
+    <p:sldId id="267" r:id="rId12"/>
+    <p:sldId id="272" r:id="rId13"/>
+    <p:sldId id="274" r:id="rId14"/>
+    <p:sldId id="260" r:id="rId15"/>
   </p:sldIdLst>
   <p:sldSz cx="12192000" cy="6858000"/>
   <p:notesSz cx="6858000" cy="9144000"/>
@@ -9975,7 +9973,7 @@
           </a:pPr>
           <a:r>
             <a:rPr lang="en-GB" dirty="0"/>
-            <a:t>Affinage du Backlog (1 h/</a:t>
+            <a:t>Affinage du Backlog (15 min/</a:t>
           </a:r>
           <a:r>
             <a:rPr lang="en-GB" dirty="0" err="1"/>
@@ -10024,7 +10022,7 @@
           </a:pPr>
           <a:r>
             <a:rPr lang="en-GB" dirty="0"/>
-            <a:t>Sprint Review (2 h)</a:t>
+            <a:t>Sprint Review (30 minutes)</a:t>
           </a:r>
         </a:p>
       </dgm:t>
@@ -10065,7 +10063,7 @@
           </a:pPr>
           <a:r>
             <a:rPr lang="en-GB" dirty="0"/>
-            <a:t>Sprint retrospective (2h)</a:t>
+            <a:t>Sprint retrospective (30 minutes)</a:t>
           </a:r>
         </a:p>
       </dgm:t>
@@ -10105,12 +10103,8 @@
             </a:lnSpc>
           </a:pPr>
           <a:r>
-            <a:rPr lang="en-GB"/>
-            <a:t>Planification </a:t>
-          </a:r>
-          <a:r>
             <a:rPr lang="en-GB" dirty="0"/>
-            <a:t>d'un sprint (4h)</a:t>
+            <a:t>Planification d'un sprint (1h)</a:t>
           </a:r>
           <a:endParaRPr lang="fr-FR" noProof="0" dirty="0"/>
         </a:p>
@@ -10562,6 +10556,9 @@
         <a:lstStyle/>
         <a:p>
           <a:pPr>
+            <a:lnSpc>
+              <a:spcPct val="100000"/>
+            </a:lnSpc>
             <a:defRPr cap="all"/>
           </a:pPr>
           <a:r>
@@ -10601,6 +10598,9 @@
         <a:lstStyle/>
         <a:p>
           <a:pPr>
+            <a:lnSpc>
+              <a:spcPct val="100000"/>
+            </a:lnSpc>
             <a:defRPr cap="all"/>
           </a:pPr>
           <a:r>
@@ -10640,6 +10640,9 @@
         <a:lstStyle/>
         <a:p>
           <a:pPr>
+            <a:lnSpc>
+              <a:spcPct val="100000"/>
+            </a:lnSpc>
             <a:defRPr cap="all"/>
           </a:pPr>
           <a:r>
@@ -10671,6 +10674,90 @@
         </a:p>
       </dgm:t>
     </dgm:pt>
+    <dgm:pt modelId="{FA5392E5-D12A-7E40-B474-0628A0B1C568}">
+      <dgm:prSet/>
+      <dgm:spPr/>
+      <dgm:t>
+        <a:bodyPr/>
+        <a:lstStyle/>
+        <a:p>
+          <a:pPr>
+            <a:lnSpc>
+              <a:spcPct val="100000"/>
+            </a:lnSpc>
+            <a:defRPr cap="all"/>
+          </a:pPr>
+          <a:r>
+            <a:rPr lang="en-GB" dirty="0"/>
+            <a:t>AWS</a:t>
+          </a:r>
+        </a:p>
+      </dgm:t>
+    </dgm:pt>
+    <dgm:pt modelId="{574BA8CE-9F20-EC47-8341-A5C4A5DEA945}" type="parTrans" cxnId="{D5312E54-6977-3F4A-B178-FE2833EBDF30}">
+      <dgm:prSet/>
+      <dgm:spPr/>
+      <dgm:t>
+        <a:bodyPr/>
+        <a:lstStyle/>
+        <a:p>
+          <a:endParaRPr lang="en-GB"/>
+        </a:p>
+      </dgm:t>
+    </dgm:pt>
+    <dgm:pt modelId="{04FEA08A-AF38-2D42-B15B-74C94006143E}" type="sibTrans" cxnId="{D5312E54-6977-3F4A-B178-FE2833EBDF30}">
+      <dgm:prSet/>
+      <dgm:spPr/>
+      <dgm:t>
+        <a:bodyPr/>
+        <a:lstStyle/>
+        <a:p>
+          <a:endParaRPr lang="en-GB"/>
+        </a:p>
+      </dgm:t>
+    </dgm:pt>
+    <dgm:pt modelId="{1AE59C31-BBF1-1F4B-9845-44BA7CC4D0D5}">
+      <dgm:prSet/>
+      <dgm:spPr/>
+      <dgm:t>
+        <a:bodyPr/>
+        <a:lstStyle/>
+        <a:p>
+          <a:pPr>
+            <a:lnSpc>
+              <a:spcPct val="100000"/>
+            </a:lnSpc>
+            <a:defRPr cap="all"/>
+          </a:pPr>
+          <a:r>
+            <a:rPr lang="en-GB" dirty="0"/>
+            <a:t>SQLite</a:t>
+          </a:r>
+        </a:p>
+      </dgm:t>
+    </dgm:pt>
+    <dgm:pt modelId="{BE655C91-8AD4-C140-A561-C089EB118296}" type="parTrans" cxnId="{A2523506-7FB5-1544-A450-487201DBA5F8}">
+      <dgm:prSet/>
+      <dgm:spPr/>
+      <dgm:t>
+        <a:bodyPr/>
+        <a:lstStyle/>
+        <a:p>
+          <a:endParaRPr lang="en-GB"/>
+        </a:p>
+      </dgm:t>
+    </dgm:pt>
+    <dgm:pt modelId="{7200943C-0E86-5A4E-BC3D-398DFE0B67C9}" type="sibTrans" cxnId="{A2523506-7FB5-1544-A450-487201DBA5F8}">
+      <dgm:prSet/>
+      <dgm:spPr/>
+      <dgm:t>
+        <a:bodyPr/>
+        <a:lstStyle/>
+        <a:p>
+          <a:endParaRPr lang="en-GB"/>
+        </a:p>
+      </dgm:t>
+    </dgm:pt>
     <dgm:pt modelId="{9F3F715C-1D5B-4C94-BA9A-5DA4C541F4C3}" type="pres">
       <dgm:prSet presAssocID="{FD87D28C-FF84-4B0F-8221-13EB1F2B325D}" presName="root" presStyleCnt="0">
         <dgm:presLayoutVars>
@@ -10685,11 +10772,11 @@
       <dgm:spPr/>
     </dgm:pt>
     <dgm:pt modelId="{5940A959-C107-4F2E-9F79-8F8320964FBF}" type="pres">
-      <dgm:prSet presAssocID="{EC4BF26E-E2E1-4A26-935B-5AAA490B24A6}" presName="iconBgRect" presStyleLbl="bgShp" presStyleIdx="0" presStyleCnt="3"/>
+      <dgm:prSet presAssocID="{EC4BF26E-E2E1-4A26-935B-5AAA490B24A6}" presName="iconBgRect" presStyleLbl="bgShp" presStyleIdx="0" presStyleCnt="5"/>
       <dgm:spPr/>
     </dgm:pt>
     <dgm:pt modelId="{7BFBDDF5-5BA9-47CA-AD2A-948519A41052}" type="pres">
-      <dgm:prSet presAssocID="{EC4BF26E-E2E1-4A26-935B-5AAA490B24A6}" presName="iconRect" presStyleLbl="node1" presStyleIdx="0" presStyleCnt="3"/>
+      <dgm:prSet presAssocID="{EC4BF26E-E2E1-4A26-935B-5AAA490B24A6}" presName="iconRect" presStyleLbl="node1" presStyleIdx="0" presStyleCnt="5"/>
       <dgm:spPr>
         <a:blipFill>
           <a:blip xmlns:r="http://schemas.openxmlformats.org/officeDocument/2006/relationships" r:embed="rId1">
@@ -10714,7 +10801,7 @@
       <dgm:spPr/>
     </dgm:pt>
     <dgm:pt modelId="{02FA3387-5CA8-42C1-96B9-901BBBA36702}" type="pres">
-      <dgm:prSet presAssocID="{EC4BF26E-E2E1-4A26-935B-5AAA490B24A6}" presName="textRect" presStyleLbl="revTx" presStyleIdx="0" presStyleCnt="3">
+      <dgm:prSet presAssocID="{EC4BF26E-E2E1-4A26-935B-5AAA490B24A6}" presName="textRect" presStyleLbl="revTx" presStyleIdx="0" presStyleCnt="5">
         <dgm:presLayoutVars>
           <dgm:chMax val="1"/>
           <dgm:chPref val="1"/>
@@ -10726,16 +10813,16 @@
       <dgm:prSet presAssocID="{0D273C92-F090-4E8E-A9A9-4181B67391AF}" presName="sibTrans" presStyleCnt="0"/>
       <dgm:spPr/>
     </dgm:pt>
-    <dgm:pt modelId="{0EC98E32-1452-4B48-AE76-7621EECB8718}" type="pres">
-      <dgm:prSet presAssocID="{F80AC925-2F72-489E-B3EF-928739DAAAA1}" presName="compNode" presStyleCnt="0"/>
+    <dgm:pt modelId="{16979EDC-055E-6C4C-8C34-D6B93B88C2C9}" type="pres">
+      <dgm:prSet presAssocID="{FA5392E5-D12A-7E40-B474-0628A0B1C568}" presName="compNode" presStyleCnt="0"/>
       <dgm:spPr/>
     </dgm:pt>
-    <dgm:pt modelId="{9F3E46B5-4B68-4C45-BDBC-00FEA3AE98BF}" type="pres">
-      <dgm:prSet presAssocID="{F80AC925-2F72-489E-B3EF-928739DAAAA1}" presName="iconBgRect" presStyleLbl="bgShp" presStyleIdx="1" presStyleCnt="3"/>
+    <dgm:pt modelId="{BF397FB6-87DE-DE42-9034-FB78D8B96465}" type="pres">
+      <dgm:prSet presAssocID="{FA5392E5-D12A-7E40-B474-0628A0B1C568}" presName="iconBgRect" presStyleLbl="bgShp" presStyleIdx="1" presStyleCnt="5"/>
       <dgm:spPr/>
     </dgm:pt>
-    <dgm:pt modelId="{E3EC4BD0-231D-44CB-91C6-DFD63DA8FCDA}" type="pres">
-      <dgm:prSet presAssocID="{F80AC925-2F72-489E-B3EF-928739DAAAA1}" presName="iconRect" presStyleLbl="node1" presStyleIdx="1" presStyleCnt="3"/>
+    <dgm:pt modelId="{D311B37C-FE7D-1649-910C-41ED85D4DCCC}" type="pres">
+      <dgm:prSet presAssocID="{FA5392E5-D12A-7E40-B474-0628A0B1C568}" presName="iconRect" presStyleLbl="node1" presStyleIdx="1" presStyleCnt="5"/>
       <dgm:spPr>
         <a:blipFill>
           <a:blip xmlns:r="http://schemas.openxmlformats.org/officeDocument/2006/relationships" r:embed="rId2">
@@ -10743,8 +10830,51 @@
               <a:ext uri="{28A0092B-C50C-407E-A947-70E740481C1C}">
                 <a14:useLocalDpi xmlns:a14="http://schemas.microsoft.com/office/drawing/2010/main" val="0"/>
               </a:ext>
+            </a:extLst>
+          </a:blip>
+          <a:srcRect/>
+          <a:stretch>
+            <a:fillRect/>
+          </a:stretch>
+        </a:blipFill>
+      </dgm:spPr>
+    </dgm:pt>
+    <dgm:pt modelId="{187DFD1A-90AE-104D-9FA4-90BFF7FA7616}" type="pres">
+      <dgm:prSet presAssocID="{FA5392E5-D12A-7E40-B474-0628A0B1C568}" presName="spaceRect" presStyleCnt="0"/>
+      <dgm:spPr/>
+    </dgm:pt>
+    <dgm:pt modelId="{F6969644-F13F-1042-9950-48859BCA5819}" type="pres">
+      <dgm:prSet presAssocID="{FA5392E5-D12A-7E40-B474-0628A0B1C568}" presName="textRect" presStyleLbl="revTx" presStyleIdx="1" presStyleCnt="5">
+        <dgm:presLayoutVars>
+          <dgm:chMax val="1"/>
+          <dgm:chPref val="1"/>
+        </dgm:presLayoutVars>
+      </dgm:prSet>
+      <dgm:spPr/>
+    </dgm:pt>
+    <dgm:pt modelId="{0FF3804C-A0D5-C844-AD7E-69E79E382DA9}" type="pres">
+      <dgm:prSet presAssocID="{04FEA08A-AF38-2D42-B15B-74C94006143E}" presName="sibTrans" presStyleCnt="0"/>
+      <dgm:spPr/>
+    </dgm:pt>
+    <dgm:pt modelId="{0EC98E32-1452-4B48-AE76-7621EECB8718}" type="pres">
+      <dgm:prSet presAssocID="{F80AC925-2F72-489E-B3EF-928739DAAAA1}" presName="compNode" presStyleCnt="0"/>
+      <dgm:spPr/>
+    </dgm:pt>
+    <dgm:pt modelId="{9F3E46B5-4B68-4C45-BDBC-00FEA3AE98BF}" type="pres">
+      <dgm:prSet presAssocID="{F80AC925-2F72-489E-B3EF-928739DAAAA1}" presName="iconBgRect" presStyleLbl="bgShp" presStyleIdx="2" presStyleCnt="5"/>
+      <dgm:spPr/>
+    </dgm:pt>
+    <dgm:pt modelId="{E3EC4BD0-231D-44CB-91C6-DFD63DA8FCDA}" type="pres">
+      <dgm:prSet presAssocID="{F80AC925-2F72-489E-B3EF-928739DAAAA1}" presName="iconRect" presStyleLbl="node1" presStyleIdx="2" presStyleCnt="5" custAng="10800000"/>
+      <dgm:spPr>
+        <a:blipFill>
+          <a:blip xmlns:r="http://schemas.openxmlformats.org/officeDocument/2006/relationships" r:embed="rId3">
+            <a:extLst>
+              <a:ext uri="{28A0092B-C50C-407E-A947-70E740481C1C}">
+                <a14:useLocalDpi xmlns:a14="http://schemas.microsoft.com/office/drawing/2010/main" val="0"/>
+              </a:ext>
               <a:ext uri="{96DAC541-7B7A-43D3-8B79-37D633B846F1}">
-                <asvg:svgBlip xmlns:asvg="http://schemas.microsoft.com/office/drawing/2016/SVG/main" r:embed="rId3"/>
+                <asvg:svgBlip xmlns:asvg="http://schemas.microsoft.com/office/drawing/2016/SVG/main" r:embed="rId4"/>
               </a:ext>
             </a:extLst>
           </a:blip>
@@ -10767,7 +10897,7 @@
       <dgm:spPr/>
     </dgm:pt>
     <dgm:pt modelId="{E65ED937-BBC0-4C78-87D2-C91F19D771AF}" type="pres">
-      <dgm:prSet presAssocID="{F80AC925-2F72-489E-B3EF-928739DAAAA1}" presName="textRect" presStyleLbl="revTx" presStyleIdx="1" presStyleCnt="3">
+      <dgm:prSet presAssocID="{F80AC925-2F72-489E-B3EF-928739DAAAA1}" presName="textRect" presStyleLbl="revTx" presStyleIdx="2" presStyleCnt="5">
         <dgm:presLayoutVars>
           <dgm:chMax val="1"/>
           <dgm:chPref val="1"/>
@@ -10784,20 +10914,20 @@
       <dgm:spPr/>
     </dgm:pt>
     <dgm:pt modelId="{0CCD5A54-E709-42D5-93CE-13C48DF7594E}" type="pres">
-      <dgm:prSet presAssocID="{BDA15D35-6003-47F9-8489-F2805A70E435}" presName="iconBgRect" presStyleLbl="bgShp" presStyleIdx="2" presStyleCnt="3"/>
+      <dgm:prSet presAssocID="{BDA15D35-6003-47F9-8489-F2805A70E435}" presName="iconBgRect" presStyleLbl="bgShp" presStyleIdx="3" presStyleCnt="5"/>
       <dgm:spPr/>
     </dgm:pt>
     <dgm:pt modelId="{EF65853B-3DB8-48FA-998B-4013775780EF}" type="pres">
-      <dgm:prSet presAssocID="{BDA15D35-6003-47F9-8489-F2805A70E435}" presName="iconRect" presStyleLbl="node1" presStyleIdx="2" presStyleCnt="3"/>
+      <dgm:prSet presAssocID="{BDA15D35-6003-47F9-8489-F2805A70E435}" presName="iconRect" presStyleLbl="node1" presStyleIdx="3" presStyleCnt="5"/>
       <dgm:spPr>
         <a:blipFill>
-          <a:blip xmlns:r="http://schemas.openxmlformats.org/officeDocument/2006/relationships" r:embed="rId4">
+          <a:blip xmlns:r="http://schemas.openxmlformats.org/officeDocument/2006/relationships" r:embed="rId5">
             <a:extLst>
               <a:ext uri="{28A0092B-C50C-407E-A947-70E740481C1C}">
                 <a14:useLocalDpi xmlns:a14="http://schemas.microsoft.com/office/drawing/2010/main" val="0"/>
               </a:ext>
               <a:ext uri="{96DAC541-7B7A-43D3-8B79-37D633B846F1}">
-                <asvg:svgBlip xmlns:asvg="http://schemas.microsoft.com/office/drawing/2016/SVG/main" r:embed="rId5"/>
+                <asvg:svgBlip xmlns:asvg="http://schemas.microsoft.com/office/drawing/2016/SVG/main" r:embed="rId6"/>
               </a:ext>
             </a:extLst>
           </a:blip>
@@ -10820,7 +10950,7 @@
       <dgm:spPr/>
     </dgm:pt>
     <dgm:pt modelId="{F8DC8407-8B5F-461A-AAFF-3E2C683FAFEF}" type="pres">
-      <dgm:prSet presAssocID="{BDA15D35-6003-47F9-8489-F2805A70E435}" presName="textRect" presStyleLbl="revTx" presStyleIdx="2" presStyleCnt="3">
+      <dgm:prSet presAssocID="{BDA15D35-6003-47F9-8489-F2805A70E435}" presName="textRect" presStyleLbl="revTx" presStyleIdx="3" presStyleCnt="5">
         <dgm:presLayoutVars>
           <dgm:chMax val="1"/>
           <dgm:chPref val="1"/>
@@ -10828,32 +10958,91 @@
       </dgm:prSet>
       <dgm:spPr/>
     </dgm:pt>
+    <dgm:pt modelId="{44FA4F4F-1E99-C140-8690-B05C726EC6FB}" type="pres">
+      <dgm:prSet presAssocID="{DE653631-E7CB-432D-9068-6B5FA06B3AD2}" presName="sibTrans" presStyleCnt="0"/>
+      <dgm:spPr/>
+    </dgm:pt>
+    <dgm:pt modelId="{74D0F90B-0B02-944B-BDEE-5468981D57F3}" type="pres">
+      <dgm:prSet presAssocID="{1AE59C31-BBF1-1F4B-9845-44BA7CC4D0D5}" presName="compNode" presStyleCnt="0"/>
+      <dgm:spPr/>
+    </dgm:pt>
+    <dgm:pt modelId="{04058B3C-927C-6440-A0DB-5DF36E1C6E1C}" type="pres">
+      <dgm:prSet presAssocID="{1AE59C31-BBF1-1F4B-9845-44BA7CC4D0D5}" presName="iconBgRect" presStyleLbl="bgShp" presStyleIdx="4" presStyleCnt="5"/>
+      <dgm:spPr/>
+    </dgm:pt>
+    <dgm:pt modelId="{A7115AC8-352F-F74E-AD32-F7D108CF7734}" type="pres">
+      <dgm:prSet presAssocID="{1AE59C31-BBF1-1F4B-9845-44BA7CC4D0D5}" presName="iconRect" presStyleLbl="node1" presStyleIdx="4" presStyleCnt="5"/>
+      <dgm:spPr>
+        <a:blipFill>
+          <a:blip xmlns:r="http://schemas.openxmlformats.org/officeDocument/2006/relationships" r:embed="rId7">
+            <a:extLst>
+              <a:ext uri="{28A0092B-C50C-407E-A947-70E740481C1C}">
+                <a14:useLocalDpi xmlns:a14="http://schemas.microsoft.com/office/drawing/2010/main" val="0"/>
+              </a:ext>
+            </a:extLst>
+          </a:blip>
+          <a:srcRect/>
+          <a:stretch>
+            <a:fillRect/>
+          </a:stretch>
+        </a:blipFill>
+      </dgm:spPr>
+    </dgm:pt>
+    <dgm:pt modelId="{13831E0E-DFB3-7948-B506-27CE62A4D250}" type="pres">
+      <dgm:prSet presAssocID="{1AE59C31-BBF1-1F4B-9845-44BA7CC4D0D5}" presName="spaceRect" presStyleCnt="0"/>
+      <dgm:spPr/>
+    </dgm:pt>
+    <dgm:pt modelId="{4425F1D1-29CE-DB4A-80E0-5D6F346F655B}" type="pres">
+      <dgm:prSet presAssocID="{1AE59C31-BBF1-1F4B-9845-44BA7CC4D0D5}" presName="textRect" presStyleLbl="revTx" presStyleIdx="4" presStyleCnt="5">
+        <dgm:presLayoutVars>
+          <dgm:chMax val="1"/>
+          <dgm:chPref val="1"/>
+        </dgm:presLayoutVars>
+      </dgm:prSet>
+      <dgm:spPr/>
+    </dgm:pt>
   </dgm:ptLst>
   <dgm:cxnLst>
+    <dgm:cxn modelId="{EFC58005-1D17-A44E-846C-F353FC781586}" type="presOf" srcId="{F80AC925-2F72-489E-B3EF-928739DAAAA1}" destId="{E65ED937-BBC0-4C78-87D2-C91F19D771AF}" srcOrd="0" destOrd="0" presId="urn:microsoft.com/office/officeart/2018/5/layout/IconCircleLabelList"/>
+    <dgm:cxn modelId="{A2523506-7FB5-1544-A450-487201DBA5F8}" srcId="{FD87D28C-FF84-4B0F-8221-13EB1F2B325D}" destId="{1AE59C31-BBF1-1F4B-9845-44BA7CC4D0D5}" srcOrd="4" destOrd="0" parTransId="{BE655C91-8AD4-C140-A561-C089EB118296}" sibTransId="{7200943C-0E86-5A4E-BC3D-398DFE0B67C9}"/>
+    <dgm:cxn modelId="{A36C5F0C-7667-7346-8CF1-1D7890EA05AB}" type="presOf" srcId="{EC4BF26E-E2E1-4A26-935B-5AAA490B24A6}" destId="{02FA3387-5CA8-42C1-96B9-901BBBA36702}" srcOrd="0" destOrd="0" presId="urn:microsoft.com/office/officeart/2018/5/layout/IconCircleLabelList"/>
     <dgm:cxn modelId="{1CE8322A-2FB8-4356-9123-3ACF68222CA7}" type="presOf" srcId="{FD87D28C-FF84-4B0F-8221-13EB1F2B325D}" destId="{9F3F715C-1D5B-4C94-BA9A-5DA4C541F4C3}" srcOrd="0" destOrd="0" presId="urn:microsoft.com/office/officeart/2018/5/layout/IconCircleLabelList"/>
-    <dgm:cxn modelId="{5D269332-FDAF-45F5-AD22-ABB50F53DBF9}" srcId="{FD87D28C-FF84-4B0F-8221-13EB1F2B325D}" destId="{F80AC925-2F72-489E-B3EF-928739DAAAA1}" srcOrd="1" destOrd="0" parTransId="{35BE1E63-3D32-40E2-860E-2238C4E20578}" sibTransId="{24ED7FAC-83AD-4F87-8885-B7078D18592F}"/>
-    <dgm:cxn modelId="{51D9923C-7A3F-4A03-88F2-C77B044AC5A4}" type="presOf" srcId="{BDA15D35-6003-47F9-8489-F2805A70E435}" destId="{F8DC8407-8B5F-461A-AAFF-3E2C683FAFEF}" srcOrd="0" destOrd="0" presId="urn:microsoft.com/office/officeart/2018/5/layout/IconCircleLabelList"/>
+    <dgm:cxn modelId="{5D269332-FDAF-45F5-AD22-ABB50F53DBF9}" srcId="{FD87D28C-FF84-4B0F-8221-13EB1F2B325D}" destId="{F80AC925-2F72-489E-B3EF-928739DAAAA1}" srcOrd="2" destOrd="0" parTransId="{35BE1E63-3D32-40E2-860E-2238C4E20578}" sibTransId="{24ED7FAC-83AD-4F87-8885-B7078D18592F}"/>
+    <dgm:cxn modelId="{D5312E54-6977-3F4A-B178-FE2833EBDF30}" srcId="{FD87D28C-FF84-4B0F-8221-13EB1F2B325D}" destId="{FA5392E5-D12A-7E40-B474-0628A0B1C568}" srcOrd="1" destOrd="0" parTransId="{574BA8CE-9F20-EC47-8341-A5C4A5DEA945}" sibTransId="{04FEA08A-AF38-2D42-B15B-74C94006143E}"/>
     <dgm:cxn modelId="{EFD7975C-BABC-41D2-9520-952250F4E7B8}" srcId="{FD87D28C-FF84-4B0F-8221-13EB1F2B325D}" destId="{EC4BF26E-E2E1-4A26-935B-5AAA490B24A6}" srcOrd="0" destOrd="0" parTransId="{4F7EF0E1-4EED-4FBA-8417-8A0C4D89598A}" sibTransId="{0D273C92-F090-4E8E-A9A9-4181B67391AF}"/>
-    <dgm:cxn modelId="{ECA67B84-059B-41FE-BE79-E1752D9515A3}" type="presOf" srcId="{EC4BF26E-E2E1-4A26-935B-5AAA490B24A6}" destId="{02FA3387-5CA8-42C1-96B9-901BBBA36702}" srcOrd="0" destOrd="0" presId="urn:microsoft.com/office/officeart/2018/5/layout/IconCircleLabelList"/>
-    <dgm:cxn modelId="{6FD11192-B08F-47BC-8F25-CCE15483EA23}" type="presOf" srcId="{F80AC925-2F72-489E-B3EF-928739DAAAA1}" destId="{E65ED937-BBC0-4C78-87D2-C91F19D771AF}" srcOrd="0" destOrd="0" presId="urn:microsoft.com/office/officeart/2018/5/layout/IconCircleLabelList"/>
-    <dgm:cxn modelId="{30728AC1-7E1D-4828-A053-8762125E3816}" srcId="{FD87D28C-FF84-4B0F-8221-13EB1F2B325D}" destId="{BDA15D35-6003-47F9-8489-F2805A70E435}" srcOrd="2" destOrd="0" parTransId="{53844731-6714-4311-9E9E-AAAE23EA290A}" sibTransId="{DE653631-E7CB-432D-9068-6B5FA06B3AD2}"/>
-    <dgm:cxn modelId="{E9E87449-4D13-40B1-8378-EAB1E4AF272F}" type="presParOf" srcId="{9F3F715C-1D5B-4C94-BA9A-5DA4C541F4C3}" destId="{A0E5B60C-6F98-4E8B-B8B8-29277E86EFFE}" srcOrd="0" destOrd="0" presId="urn:microsoft.com/office/officeart/2018/5/layout/IconCircleLabelList"/>
-    <dgm:cxn modelId="{4E79BAF9-19CF-46E3-B782-CF8125C85CCE}" type="presParOf" srcId="{A0E5B60C-6F98-4E8B-B8B8-29277E86EFFE}" destId="{5940A959-C107-4F2E-9F79-8F8320964FBF}" srcOrd="0" destOrd="0" presId="urn:microsoft.com/office/officeart/2018/5/layout/IconCircleLabelList"/>
-    <dgm:cxn modelId="{0C9A4EF8-9BB5-47AE-8FD7-73B7CDA09EE8}" type="presParOf" srcId="{A0E5B60C-6F98-4E8B-B8B8-29277E86EFFE}" destId="{7BFBDDF5-5BA9-47CA-AD2A-948519A41052}" srcOrd="1" destOrd="0" presId="urn:microsoft.com/office/officeart/2018/5/layout/IconCircleLabelList"/>
-    <dgm:cxn modelId="{35A099CB-52D9-4EF2-90DD-31155AF0C0AC}" type="presParOf" srcId="{A0E5B60C-6F98-4E8B-B8B8-29277E86EFFE}" destId="{14D14ADD-C397-4F26-B312-013283525744}" srcOrd="2" destOrd="0" presId="urn:microsoft.com/office/officeart/2018/5/layout/IconCircleLabelList"/>
-    <dgm:cxn modelId="{ABBA1D05-A8B4-4A9A-A2A2-43F8E71E314B}" type="presParOf" srcId="{A0E5B60C-6F98-4E8B-B8B8-29277E86EFFE}" destId="{02FA3387-5CA8-42C1-96B9-901BBBA36702}" srcOrd="3" destOrd="0" presId="urn:microsoft.com/office/officeart/2018/5/layout/IconCircleLabelList"/>
-    <dgm:cxn modelId="{0BDC31F9-3CA8-4B65-A301-6F17ACBF7D69}" type="presParOf" srcId="{9F3F715C-1D5B-4C94-BA9A-5DA4C541F4C3}" destId="{2B153C8F-A381-4650-BC74-FF1A6F2708FD}" srcOrd="1" destOrd="0" presId="urn:microsoft.com/office/officeart/2018/5/layout/IconCircleLabelList"/>
-    <dgm:cxn modelId="{484E1B41-BE95-4855-9AA3-C8FBC049B8A1}" type="presParOf" srcId="{9F3F715C-1D5B-4C94-BA9A-5DA4C541F4C3}" destId="{0EC98E32-1452-4B48-AE76-7621EECB8718}" srcOrd="2" destOrd="0" presId="urn:microsoft.com/office/officeart/2018/5/layout/IconCircleLabelList"/>
-    <dgm:cxn modelId="{BC72C5FF-E30B-47AB-9BFD-A5B1C5CCB273}" type="presParOf" srcId="{0EC98E32-1452-4B48-AE76-7621EECB8718}" destId="{9F3E46B5-4B68-4C45-BDBC-00FEA3AE98BF}" srcOrd="0" destOrd="0" presId="urn:microsoft.com/office/officeart/2018/5/layout/IconCircleLabelList"/>
-    <dgm:cxn modelId="{D96BE74E-29F5-4D5E-AE53-440C66AD6BE7}" type="presParOf" srcId="{0EC98E32-1452-4B48-AE76-7621EECB8718}" destId="{E3EC4BD0-231D-44CB-91C6-DFD63DA8FCDA}" srcOrd="1" destOrd="0" presId="urn:microsoft.com/office/officeart/2018/5/layout/IconCircleLabelList"/>
-    <dgm:cxn modelId="{2A8FDBFC-D305-4A6B-91F9-079FB1BB07F3}" type="presParOf" srcId="{0EC98E32-1452-4B48-AE76-7621EECB8718}" destId="{1288CA57-09E4-4297-AE66-712F3D47D568}" srcOrd="2" destOrd="0" presId="urn:microsoft.com/office/officeart/2018/5/layout/IconCircleLabelList"/>
-    <dgm:cxn modelId="{704861C6-5E75-4FA5-8570-A835BF08F397}" type="presParOf" srcId="{0EC98E32-1452-4B48-AE76-7621EECB8718}" destId="{E65ED937-BBC0-4C78-87D2-C91F19D771AF}" srcOrd="3" destOrd="0" presId="urn:microsoft.com/office/officeart/2018/5/layout/IconCircleLabelList"/>
-    <dgm:cxn modelId="{22D0E0BD-101E-4CE5-8E11-748B70C3EB5B}" type="presParOf" srcId="{9F3F715C-1D5B-4C94-BA9A-5DA4C541F4C3}" destId="{80355ABE-6593-4819-AD42-8625652B8601}" srcOrd="3" destOrd="0" presId="urn:microsoft.com/office/officeart/2018/5/layout/IconCircleLabelList"/>
-    <dgm:cxn modelId="{18CF12DC-D274-4A73-B6FD-A1ED73FEBB1B}" type="presParOf" srcId="{9F3F715C-1D5B-4C94-BA9A-5DA4C541F4C3}" destId="{677B01C0-7951-43EE-9623-04737BC15AE3}" srcOrd="4" destOrd="0" presId="urn:microsoft.com/office/officeart/2018/5/layout/IconCircleLabelList"/>
-    <dgm:cxn modelId="{67D2FEA6-39A8-438A-8FC1-1918B60CC1F7}" type="presParOf" srcId="{677B01C0-7951-43EE-9623-04737BC15AE3}" destId="{0CCD5A54-E709-42D5-93CE-13C48DF7594E}" srcOrd="0" destOrd="0" presId="urn:microsoft.com/office/officeart/2018/5/layout/IconCircleLabelList"/>
-    <dgm:cxn modelId="{6F0FC80A-97EE-43ED-B05D-05CF19840CB3}" type="presParOf" srcId="{677B01C0-7951-43EE-9623-04737BC15AE3}" destId="{EF65853B-3DB8-48FA-998B-4013775780EF}" srcOrd="1" destOrd="0" presId="urn:microsoft.com/office/officeart/2018/5/layout/IconCircleLabelList"/>
-    <dgm:cxn modelId="{7BFE1A72-566F-4C09-84E4-747758A81394}" type="presParOf" srcId="{677B01C0-7951-43EE-9623-04737BC15AE3}" destId="{E8CB5C3A-2012-4705-BF88-8D394FB6E35B}" srcOrd="2" destOrd="0" presId="urn:microsoft.com/office/officeart/2018/5/layout/IconCircleLabelList"/>
-    <dgm:cxn modelId="{FD9C39D7-4EBE-4B40-9517-5EC0D5FB5F83}" type="presParOf" srcId="{677B01C0-7951-43EE-9623-04737BC15AE3}" destId="{F8DC8407-8B5F-461A-AAFF-3E2C683FAFEF}" srcOrd="3" destOrd="0" presId="urn:microsoft.com/office/officeart/2018/5/layout/IconCircleLabelList"/>
+    <dgm:cxn modelId="{57488E5F-4588-C24A-AC48-4D72F3DE7144}" type="presOf" srcId="{1AE59C31-BBF1-1F4B-9845-44BA7CC4D0D5}" destId="{4425F1D1-29CE-DB4A-80E0-5D6F346F655B}" srcOrd="0" destOrd="0" presId="urn:microsoft.com/office/officeart/2018/5/layout/IconCircleLabelList"/>
+    <dgm:cxn modelId="{873E4A7E-3A07-A648-81BF-46C09C29B6BF}" type="presOf" srcId="{FA5392E5-D12A-7E40-B474-0628A0B1C568}" destId="{F6969644-F13F-1042-9950-48859BCA5819}" srcOrd="0" destOrd="0" presId="urn:microsoft.com/office/officeart/2018/5/layout/IconCircleLabelList"/>
+    <dgm:cxn modelId="{30728AC1-7E1D-4828-A053-8762125E3816}" srcId="{FD87D28C-FF84-4B0F-8221-13EB1F2B325D}" destId="{BDA15D35-6003-47F9-8489-F2805A70E435}" srcOrd="3" destOrd="0" parTransId="{53844731-6714-4311-9E9E-AAAE23EA290A}" sibTransId="{DE653631-E7CB-432D-9068-6B5FA06B3AD2}"/>
+    <dgm:cxn modelId="{A36204F7-9554-BA42-9134-61437C6815C8}" type="presOf" srcId="{BDA15D35-6003-47F9-8489-F2805A70E435}" destId="{F8DC8407-8B5F-461A-AAFF-3E2C683FAFEF}" srcOrd="0" destOrd="0" presId="urn:microsoft.com/office/officeart/2018/5/layout/IconCircleLabelList"/>
+    <dgm:cxn modelId="{54CFEB48-C620-9148-9145-F19D3FBDC295}" type="presParOf" srcId="{9F3F715C-1D5B-4C94-BA9A-5DA4C541F4C3}" destId="{A0E5B60C-6F98-4E8B-B8B8-29277E86EFFE}" srcOrd="0" destOrd="0" presId="urn:microsoft.com/office/officeart/2018/5/layout/IconCircleLabelList"/>
+    <dgm:cxn modelId="{65A10DB2-9BFA-054A-B68D-53D8DD44BC73}" type="presParOf" srcId="{A0E5B60C-6F98-4E8B-B8B8-29277E86EFFE}" destId="{5940A959-C107-4F2E-9F79-8F8320964FBF}" srcOrd="0" destOrd="0" presId="urn:microsoft.com/office/officeart/2018/5/layout/IconCircleLabelList"/>
+    <dgm:cxn modelId="{64B36025-9651-DE4D-BA5C-60A52B6ECEB5}" type="presParOf" srcId="{A0E5B60C-6F98-4E8B-B8B8-29277E86EFFE}" destId="{7BFBDDF5-5BA9-47CA-AD2A-948519A41052}" srcOrd="1" destOrd="0" presId="urn:microsoft.com/office/officeart/2018/5/layout/IconCircleLabelList"/>
+    <dgm:cxn modelId="{E3A7F399-EFD3-2541-8750-996F0FE0A8A6}" type="presParOf" srcId="{A0E5B60C-6F98-4E8B-B8B8-29277E86EFFE}" destId="{14D14ADD-C397-4F26-B312-013283525744}" srcOrd="2" destOrd="0" presId="urn:microsoft.com/office/officeart/2018/5/layout/IconCircleLabelList"/>
+    <dgm:cxn modelId="{B8DAA289-1F5E-ED4D-80CC-2275A5800652}" type="presParOf" srcId="{A0E5B60C-6F98-4E8B-B8B8-29277E86EFFE}" destId="{02FA3387-5CA8-42C1-96B9-901BBBA36702}" srcOrd="3" destOrd="0" presId="urn:microsoft.com/office/officeart/2018/5/layout/IconCircleLabelList"/>
+    <dgm:cxn modelId="{DEE263EF-F45E-E542-B800-CE1949EF82C6}" type="presParOf" srcId="{9F3F715C-1D5B-4C94-BA9A-5DA4C541F4C3}" destId="{2B153C8F-A381-4650-BC74-FF1A6F2708FD}" srcOrd="1" destOrd="0" presId="urn:microsoft.com/office/officeart/2018/5/layout/IconCircleLabelList"/>
+    <dgm:cxn modelId="{8F4F8429-2F23-2046-9703-9BBEC3B73D45}" type="presParOf" srcId="{9F3F715C-1D5B-4C94-BA9A-5DA4C541F4C3}" destId="{16979EDC-055E-6C4C-8C34-D6B93B88C2C9}" srcOrd="2" destOrd="0" presId="urn:microsoft.com/office/officeart/2018/5/layout/IconCircleLabelList"/>
+    <dgm:cxn modelId="{4D9B93DE-A635-E74F-88AC-E957B118FC34}" type="presParOf" srcId="{16979EDC-055E-6C4C-8C34-D6B93B88C2C9}" destId="{BF397FB6-87DE-DE42-9034-FB78D8B96465}" srcOrd="0" destOrd="0" presId="urn:microsoft.com/office/officeart/2018/5/layout/IconCircleLabelList"/>
+    <dgm:cxn modelId="{D6DB7F12-91F4-0848-97AE-C3A5AFA36F88}" type="presParOf" srcId="{16979EDC-055E-6C4C-8C34-D6B93B88C2C9}" destId="{D311B37C-FE7D-1649-910C-41ED85D4DCCC}" srcOrd="1" destOrd="0" presId="urn:microsoft.com/office/officeart/2018/5/layout/IconCircleLabelList"/>
+    <dgm:cxn modelId="{938010D7-A710-F24D-9F0B-604FF9E83027}" type="presParOf" srcId="{16979EDC-055E-6C4C-8C34-D6B93B88C2C9}" destId="{187DFD1A-90AE-104D-9FA4-90BFF7FA7616}" srcOrd="2" destOrd="0" presId="urn:microsoft.com/office/officeart/2018/5/layout/IconCircleLabelList"/>
+    <dgm:cxn modelId="{8158ACC0-060F-A84F-8A98-E55D1D706B5C}" type="presParOf" srcId="{16979EDC-055E-6C4C-8C34-D6B93B88C2C9}" destId="{F6969644-F13F-1042-9950-48859BCA5819}" srcOrd="3" destOrd="0" presId="urn:microsoft.com/office/officeart/2018/5/layout/IconCircleLabelList"/>
+    <dgm:cxn modelId="{25AB925C-494A-AF44-8F7F-08C349042D1A}" type="presParOf" srcId="{9F3F715C-1D5B-4C94-BA9A-5DA4C541F4C3}" destId="{0FF3804C-A0D5-C844-AD7E-69E79E382DA9}" srcOrd="3" destOrd="0" presId="urn:microsoft.com/office/officeart/2018/5/layout/IconCircleLabelList"/>
+    <dgm:cxn modelId="{E93FE615-8841-994E-9C2A-B894EE9BCCA1}" type="presParOf" srcId="{9F3F715C-1D5B-4C94-BA9A-5DA4C541F4C3}" destId="{0EC98E32-1452-4B48-AE76-7621EECB8718}" srcOrd="4" destOrd="0" presId="urn:microsoft.com/office/officeart/2018/5/layout/IconCircleLabelList"/>
+    <dgm:cxn modelId="{8FF9DB2F-F055-3642-8923-447FC3ED01F7}" type="presParOf" srcId="{0EC98E32-1452-4B48-AE76-7621EECB8718}" destId="{9F3E46B5-4B68-4C45-BDBC-00FEA3AE98BF}" srcOrd="0" destOrd="0" presId="urn:microsoft.com/office/officeart/2018/5/layout/IconCircleLabelList"/>
+    <dgm:cxn modelId="{1FF15A29-652D-F54F-A289-6CF9D9A3098C}" type="presParOf" srcId="{0EC98E32-1452-4B48-AE76-7621EECB8718}" destId="{E3EC4BD0-231D-44CB-91C6-DFD63DA8FCDA}" srcOrd="1" destOrd="0" presId="urn:microsoft.com/office/officeart/2018/5/layout/IconCircleLabelList"/>
+    <dgm:cxn modelId="{3DB8E240-6619-CD4B-9BBE-8A4E9DDEF1C4}" type="presParOf" srcId="{0EC98E32-1452-4B48-AE76-7621EECB8718}" destId="{1288CA57-09E4-4297-AE66-712F3D47D568}" srcOrd="2" destOrd="0" presId="urn:microsoft.com/office/officeart/2018/5/layout/IconCircleLabelList"/>
+    <dgm:cxn modelId="{013260FE-2524-D849-A5EA-789F87A5BFAC}" type="presParOf" srcId="{0EC98E32-1452-4B48-AE76-7621EECB8718}" destId="{E65ED937-BBC0-4C78-87D2-C91F19D771AF}" srcOrd="3" destOrd="0" presId="urn:microsoft.com/office/officeart/2018/5/layout/IconCircleLabelList"/>
+    <dgm:cxn modelId="{FF54B2F6-D858-684D-A1C7-B741FAB601CF}" type="presParOf" srcId="{9F3F715C-1D5B-4C94-BA9A-5DA4C541F4C3}" destId="{80355ABE-6593-4819-AD42-8625652B8601}" srcOrd="5" destOrd="0" presId="urn:microsoft.com/office/officeart/2018/5/layout/IconCircleLabelList"/>
+    <dgm:cxn modelId="{68FBD73B-D8A3-0D47-B18A-E7A018D78E1F}" type="presParOf" srcId="{9F3F715C-1D5B-4C94-BA9A-5DA4C541F4C3}" destId="{677B01C0-7951-43EE-9623-04737BC15AE3}" srcOrd="6" destOrd="0" presId="urn:microsoft.com/office/officeart/2018/5/layout/IconCircleLabelList"/>
+    <dgm:cxn modelId="{34DCCFAB-9854-954B-A56F-2922234F26E2}" type="presParOf" srcId="{677B01C0-7951-43EE-9623-04737BC15AE3}" destId="{0CCD5A54-E709-42D5-93CE-13C48DF7594E}" srcOrd="0" destOrd="0" presId="urn:microsoft.com/office/officeart/2018/5/layout/IconCircleLabelList"/>
+    <dgm:cxn modelId="{FE73CC7E-34B7-E44C-A0C2-1D6E2E4077FC}" type="presParOf" srcId="{677B01C0-7951-43EE-9623-04737BC15AE3}" destId="{EF65853B-3DB8-48FA-998B-4013775780EF}" srcOrd="1" destOrd="0" presId="urn:microsoft.com/office/officeart/2018/5/layout/IconCircleLabelList"/>
+    <dgm:cxn modelId="{CC3D23E5-AD29-2647-8A4F-16C5B58EB1BD}" type="presParOf" srcId="{677B01C0-7951-43EE-9623-04737BC15AE3}" destId="{E8CB5C3A-2012-4705-BF88-8D394FB6E35B}" srcOrd="2" destOrd="0" presId="urn:microsoft.com/office/officeart/2018/5/layout/IconCircleLabelList"/>
+    <dgm:cxn modelId="{8FA4C968-EBFD-724E-87A6-D964288A4A74}" type="presParOf" srcId="{677B01C0-7951-43EE-9623-04737BC15AE3}" destId="{F8DC8407-8B5F-461A-AAFF-3E2C683FAFEF}" srcOrd="3" destOrd="0" presId="urn:microsoft.com/office/officeart/2018/5/layout/IconCircleLabelList"/>
+    <dgm:cxn modelId="{B717B6D5-0490-9E46-8C9E-36010A4DD997}" type="presParOf" srcId="{9F3F715C-1D5B-4C94-BA9A-5DA4C541F4C3}" destId="{44FA4F4F-1E99-C140-8690-B05C726EC6FB}" srcOrd="7" destOrd="0" presId="urn:microsoft.com/office/officeart/2018/5/layout/IconCircleLabelList"/>
+    <dgm:cxn modelId="{0C61DB09-93F3-424F-AC0C-9AD9C3A9DAA1}" type="presParOf" srcId="{9F3F715C-1D5B-4C94-BA9A-5DA4C541F4C3}" destId="{74D0F90B-0B02-944B-BDEE-5468981D57F3}" srcOrd="8" destOrd="0" presId="urn:microsoft.com/office/officeart/2018/5/layout/IconCircleLabelList"/>
+    <dgm:cxn modelId="{41DCE798-30BF-EC4A-A395-4EC9BF8E5D83}" type="presParOf" srcId="{74D0F90B-0B02-944B-BDEE-5468981D57F3}" destId="{04058B3C-927C-6440-A0DB-5DF36E1C6E1C}" srcOrd="0" destOrd="0" presId="urn:microsoft.com/office/officeart/2018/5/layout/IconCircleLabelList"/>
+    <dgm:cxn modelId="{329389D5-CABA-D543-908B-EB465E7CC554}" type="presParOf" srcId="{74D0F90B-0B02-944B-BDEE-5468981D57F3}" destId="{A7115AC8-352F-F74E-AD32-F7D108CF7734}" srcOrd="1" destOrd="0" presId="urn:microsoft.com/office/officeart/2018/5/layout/IconCircleLabelList"/>
+    <dgm:cxn modelId="{FE769200-B4F5-3B40-B873-46025CA3FB88}" type="presParOf" srcId="{74D0F90B-0B02-944B-BDEE-5468981D57F3}" destId="{13831E0E-DFB3-7948-B506-27CE62A4D250}" srcOrd="2" destOrd="0" presId="urn:microsoft.com/office/officeart/2018/5/layout/IconCircleLabelList"/>
+    <dgm:cxn modelId="{3FB542D5-2587-DC4C-854B-481F41CF7B63}" type="presParOf" srcId="{74D0F90B-0B02-944B-BDEE-5468981D57F3}" destId="{4425F1D1-29CE-DB4A-80E0-5D6F346F655B}" srcOrd="3" destOrd="0" presId="urn:microsoft.com/office/officeart/2018/5/layout/IconCircleLabelList"/>
   </dgm:cxnLst>
   <dgm:bg/>
   <dgm:whole/>
@@ -10887,12 +11076,16 @@
         <a:lstStyle/>
         <a:p>
           <a:pPr>
+            <a:lnSpc>
+              <a:spcPct val="100000"/>
+            </a:lnSpc>
             <a:defRPr cap="all"/>
           </a:pPr>
           <a:r>
-            <a:rPr lang="en-US" dirty="0"/>
-            <a:t>Connexion au Cloud (serveur Node.js)</a:t>
+            <a:rPr lang="en-US" dirty="0" err="1"/>
+            <a:t>Synchronisation</a:t>
           </a:r>
+          <a:endParaRPr lang="en-US" dirty="0"/>
         </a:p>
       </dgm:t>
     </dgm:pt>
@@ -10926,6 +11119,9 @@
         <a:lstStyle/>
         <a:p>
           <a:pPr>
+            <a:lnSpc>
+              <a:spcPct val="100000"/>
+            </a:lnSpc>
             <a:defRPr cap="all"/>
           </a:pPr>
           <a:r>
@@ -10957,6 +11153,38 @@
         </a:p>
       </dgm:t>
     </dgm:pt>
+    <dgm:pt modelId="{D40F5AE4-E210-B341-AD56-2DD979715109}">
+      <dgm:prSet/>
+      <dgm:spPr/>
+      <dgm:t>
+        <a:bodyPr/>
+        <a:lstStyle/>
+        <a:p>
+          <a:pPr>
+            <a:lnSpc>
+              <a:spcPct val="100000"/>
+            </a:lnSpc>
+            <a:defRPr cap="all"/>
+          </a:pPr>
+          <a:r>
+            <a:rPr lang="en-GB" dirty="0" err="1"/>
+            <a:t>Intégration</a:t>
+          </a:r>
+          <a:r>
+            <a:rPr lang="en-GB" dirty="0"/>
+            <a:t>  SQLite</a:t>
+          </a:r>
+        </a:p>
+      </dgm:t>
+    </dgm:pt>
+    <dgm:pt modelId="{C4C2368D-0796-314D-8B7A-50C3F9454D7C}" type="parTrans" cxnId="{1D78F5FC-8EB9-D34B-A550-6B00343FCCD7}">
+      <dgm:prSet/>
+      <dgm:spPr/>
+    </dgm:pt>
+    <dgm:pt modelId="{5109DF24-5E88-BC46-9409-0E89F3AE73E5}" type="sibTrans" cxnId="{1D78F5FC-8EB9-D34B-A550-6B00343FCCD7}">
+      <dgm:prSet/>
+      <dgm:spPr/>
+    </dgm:pt>
     <dgm:pt modelId="{6526B177-D662-4668-8616-808237069116}" type="pres">
       <dgm:prSet presAssocID="{D8E3ACF6-9AC1-4F4C-9329-1C4C9399793F}" presName="root" presStyleCnt="0">
         <dgm:presLayoutVars>
@@ -10966,12 +11194,12 @@
       </dgm:prSet>
       <dgm:spPr/>
     </dgm:pt>
-    <dgm:pt modelId="{6A45BB02-34D0-45A9-A3CD-C2F327B37303}" type="pres">
-      <dgm:prSet presAssocID="{9CC1CE27-C069-4351-912E-3147FB2D0848}" presName="compNode" presStyleCnt="0"/>
+    <dgm:pt modelId="{3CA07B93-7824-43E9-9C31-686A9A1FC5D2}" type="pres">
+      <dgm:prSet presAssocID="{165B078C-F46E-4B3E-8F53-5AB2383E83A2}" presName="compNode" presStyleCnt="0"/>
       <dgm:spPr/>
     </dgm:pt>
-    <dgm:pt modelId="{8E70F587-1058-4FDD-B731-9E8A2A3748C1}" type="pres">
-      <dgm:prSet presAssocID="{9CC1CE27-C069-4351-912E-3147FB2D0848}" presName="iconBgRect" presStyleLbl="bgShp" presStyleIdx="0" presStyleCnt="2"/>
+    <dgm:pt modelId="{C1315EA1-150D-454B-BCC8-DC57E9F59A2D}" type="pres">
+      <dgm:prSet presAssocID="{165B078C-F46E-4B3E-8F53-5AB2383E83A2}" presName="iconBgRect" presStyleLbl="bgShp" presStyleIdx="0" presStyleCnt="3"/>
       <dgm:spPr>
         <a:prstGeom prst="round2DiagRect">
           <a:avLst>
@@ -10981,8 +11209,8 @@
         </a:prstGeom>
       </dgm:spPr>
     </dgm:pt>
-    <dgm:pt modelId="{189449CC-CB03-43F6-8662-8BCB68BA7EF8}" type="pres">
-      <dgm:prSet presAssocID="{9CC1CE27-C069-4351-912E-3147FB2D0848}" presName="iconRect" presStyleLbl="node1" presStyleIdx="0" presStyleCnt="2"/>
+    <dgm:pt modelId="{7735099F-5919-42D8-9737-7BC77FF473E9}" type="pres">
+      <dgm:prSet presAssocID="{165B078C-F46E-4B3E-8F53-5AB2383E83A2}" presName="iconRect" presStyleLbl="node1" presStyleIdx="0" presStyleCnt="3"/>
       <dgm:spPr>
         <a:blipFill>
           <a:blip xmlns:r="http://schemas.openxmlformats.org/officeDocument/2006/relationships" r:embed="rId1">
@@ -11005,16 +11233,16 @@
       </dgm:spPr>
       <dgm:extLst>
         <a:ext uri="{E40237B7-FDA0-4F09-8148-C483321AD2D9}">
-          <dgm14:cNvPr xmlns:dgm14="http://schemas.microsoft.com/office/drawing/2010/diagram" id="0" name="" descr="Syncing Cloud"/>
+          <dgm14:cNvPr xmlns:dgm14="http://schemas.microsoft.com/office/drawing/2010/diagram" id="0" name="" descr="Cloud"/>
         </a:ext>
       </dgm:extLst>
     </dgm:pt>
-    <dgm:pt modelId="{677C534D-04AA-49E4-A7DB-6F36B4A0D3E4}" type="pres">
-      <dgm:prSet presAssocID="{9CC1CE27-C069-4351-912E-3147FB2D0848}" presName="spaceRect" presStyleCnt="0"/>
+    <dgm:pt modelId="{EB98A12B-DCC8-4A08-9E25-9BDDA701BFBC}" type="pres">
+      <dgm:prSet presAssocID="{165B078C-F46E-4B3E-8F53-5AB2383E83A2}" presName="spaceRect" presStyleCnt="0"/>
       <dgm:spPr/>
     </dgm:pt>
-    <dgm:pt modelId="{C5EEE785-D9E6-4B7D-8516-E66E12928DC9}" type="pres">
-      <dgm:prSet presAssocID="{9CC1CE27-C069-4351-912E-3147FB2D0848}" presName="textRect" presStyleLbl="revTx" presStyleIdx="0" presStyleCnt="2">
+    <dgm:pt modelId="{75561DDA-19B8-48F7-ADC5-501164833489}" type="pres">
+      <dgm:prSet presAssocID="{165B078C-F46E-4B3E-8F53-5AB2383E83A2}" presName="textRect" presStyleLbl="revTx" presStyleIdx="0" presStyleCnt="3">
         <dgm:presLayoutVars>
           <dgm:chMax val="1"/>
           <dgm:chPref val="1"/>
@@ -11022,16 +11250,16 @@
       </dgm:prSet>
       <dgm:spPr/>
     </dgm:pt>
-    <dgm:pt modelId="{FF6A1433-5008-42B3-8191-F6E998040096}" type="pres">
-      <dgm:prSet presAssocID="{B8E6390C-25D4-4CFA-A443-14E6C55124DE}" presName="sibTrans" presStyleCnt="0"/>
+    <dgm:pt modelId="{BDCF288E-D401-4B4C-A218-E2A56BB2E369}" type="pres">
+      <dgm:prSet presAssocID="{A8F95CEC-2A20-497B-A60D-F10D0FC96728}" presName="sibTrans" presStyleCnt="0"/>
       <dgm:spPr/>
     </dgm:pt>
-    <dgm:pt modelId="{3CA07B93-7824-43E9-9C31-686A9A1FC5D2}" type="pres">
-      <dgm:prSet presAssocID="{165B078C-F46E-4B3E-8F53-5AB2383E83A2}" presName="compNode" presStyleCnt="0"/>
+    <dgm:pt modelId="{DC70122C-4CA7-144C-AB0A-B3D7C43F07D7}" type="pres">
+      <dgm:prSet presAssocID="{D40F5AE4-E210-B341-AD56-2DD979715109}" presName="compNode" presStyleCnt="0"/>
       <dgm:spPr/>
     </dgm:pt>
-    <dgm:pt modelId="{C1315EA1-150D-454B-BCC8-DC57E9F59A2D}" type="pres">
-      <dgm:prSet presAssocID="{165B078C-F46E-4B3E-8F53-5AB2383E83A2}" presName="iconBgRect" presStyleLbl="bgShp" presStyleIdx="1" presStyleCnt="2"/>
+    <dgm:pt modelId="{65E09D9F-84D0-1C42-9C70-9D8DBFD1D277}" type="pres">
+      <dgm:prSet presAssocID="{D40F5AE4-E210-B341-AD56-2DD979715109}" presName="iconBgRect" presStyleLbl="bgShp" presStyleIdx="1" presStyleCnt="3"/>
       <dgm:spPr>
         <a:prstGeom prst="round2DiagRect">
           <a:avLst>
@@ -11041,8 +11269,8 @@
         </a:prstGeom>
       </dgm:spPr>
     </dgm:pt>
-    <dgm:pt modelId="{7735099F-5919-42D8-9737-7BC77FF473E9}" type="pres">
-      <dgm:prSet presAssocID="{165B078C-F46E-4B3E-8F53-5AB2383E83A2}" presName="iconRect" presStyleLbl="node1" presStyleIdx="1" presStyleCnt="2"/>
+    <dgm:pt modelId="{F7B6A7D7-3FF4-D141-9E06-0799D324A460}" type="pres">
+      <dgm:prSet presAssocID="{D40F5AE4-E210-B341-AD56-2DD979715109}" presName="iconRect" presStyleLbl="node1" presStyleIdx="1" presStyleCnt="3"/>
       <dgm:spPr>
         <a:blipFill>
           <a:blip xmlns:r="http://schemas.openxmlformats.org/officeDocument/2006/relationships" r:embed="rId3">
@@ -11050,8 +11278,58 @@
               <a:ext uri="{28A0092B-C50C-407E-A947-70E740481C1C}">
                 <a14:useLocalDpi xmlns:a14="http://schemas.microsoft.com/office/drawing/2010/main" val="0"/>
               </a:ext>
+            </a:extLst>
+          </a:blip>
+          <a:srcRect/>
+          <a:stretch>
+            <a:fillRect/>
+          </a:stretch>
+        </a:blipFill>
+      </dgm:spPr>
+    </dgm:pt>
+    <dgm:pt modelId="{DEE1361B-F2BC-E24E-B56B-80E8A0991CB4}" type="pres">
+      <dgm:prSet presAssocID="{D40F5AE4-E210-B341-AD56-2DD979715109}" presName="spaceRect" presStyleCnt="0"/>
+      <dgm:spPr/>
+    </dgm:pt>
+    <dgm:pt modelId="{0CE943D4-E86E-F344-8472-38D48EF4E318}" type="pres">
+      <dgm:prSet presAssocID="{D40F5AE4-E210-B341-AD56-2DD979715109}" presName="textRect" presStyleLbl="revTx" presStyleIdx="1" presStyleCnt="3">
+        <dgm:presLayoutVars>
+          <dgm:chMax val="1"/>
+          <dgm:chPref val="1"/>
+        </dgm:presLayoutVars>
+      </dgm:prSet>
+      <dgm:spPr/>
+    </dgm:pt>
+    <dgm:pt modelId="{3E60554C-FBD7-6B47-B1C2-AD6DD8A645FA}" type="pres">
+      <dgm:prSet presAssocID="{5109DF24-5E88-BC46-9409-0E89F3AE73E5}" presName="sibTrans" presStyleCnt="0"/>
+      <dgm:spPr/>
+    </dgm:pt>
+    <dgm:pt modelId="{6A45BB02-34D0-45A9-A3CD-C2F327B37303}" type="pres">
+      <dgm:prSet presAssocID="{9CC1CE27-C069-4351-912E-3147FB2D0848}" presName="compNode" presStyleCnt="0"/>
+      <dgm:spPr/>
+    </dgm:pt>
+    <dgm:pt modelId="{8E70F587-1058-4FDD-B731-9E8A2A3748C1}" type="pres">
+      <dgm:prSet presAssocID="{9CC1CE27-C069-4351-912E-3147FB2D0848}" presName="iconBgRect" presStyleLbl="bgShp" presStyleIdx="2" presStyleCnt="3"/>
+      <dgm:spPr>
+        <a:prstGeom prst="round2DiagRect">
+          <a:avLst>
+            <a:gd name="adj1" fmla="val 29727"/>
+            <a:gd name="adj2" fmla="val 0"/>
+          </a:avLst>
+        </a:prstGeom>
+      </dgm:spPr>
+    </dgm:pt>
+    <dgm:pt modelId="{189449CC-CB03-43F6-8662-8BCB68BA7EF8}" type="pres">
+      <dgm:prSet presAssocID="{9CC1CE27-C069-4351-912E-3147FB2D0848}" presName="iconRect" presStyleLbl="node1" presStyleIdx="2" presStyleCnt="3"/>
+      <dgm:spPr>
+        <a:blipFill>
+          <a:blip xmlns:r="http://schemas.openxmlformats.org/officeDocument/2006/relationships" r:embed="rId4">
+            <a:extLst>
+              <a:ext uri="{28A0092B-C50C-407E-A947-70E740481C1C}">
+                <a14:useLocalDpi xmlns:a14="http://schemas.microsoft.com/office/drawing/2010/main" val="0"/>
+              </a:ext>
               <a:ext uri="{96DAC541-7B7A-43D3-8B79-37D633B846F1}">
-                <asvg:svgBlip xmlns:asvg="http://schemas.microsoft.com/office/drawing/2016/SVG/main" r:embed="rId4"/>
+                <asvg:svgBlip xmlns:asvg="http://schemas.microsoft.com/office/drawing/2016/SVG/main" r:embed="rId5"/>
               </a:ext>
             </a:extLst>
           </a:blip>
@@ -11065,16 +11343,16 @@
       </dgm:spPr>
       <dgm:extLst>
         <a:ext uri="{E40237B7-FDA0-4F09-8148-C483321AD2D9}">
-          <dgm14:cNvPr xmlns:dgm14="http://schemas.microsoft.com/office/drawing/2010/diagram" id="0" name="" descr="Cloud"/>
+          <dgm14:cNvPr xmlns:dgm14="http://schemas.microsoft.com/office/drawing/2010/diagram" id="0" name="" descr="Syncing Cloud"/>
         </a:ext>
       </dgm:extLst>
     </dgm:pt>
-    <dgm:pt modelId="{EB98A12B-DCC8-4A08-9E25-9BDDA701BFBC}" type="pres">
-      <dgm:prSet presAssocID="{165B078C-F46E-4B3E-8F53-5AB2383E83A2}" presName="spaceRect" presStyleCnt="0"/>
+    <dgm:pt modelId="{677C534D-04AA-49E4-A7DB-6F36B4A0D3E4}" type="pres">
+      <dgm:prSet presAssocID="{9CC1CE27-C069-4351-912E-3147FB2D0848}" presName="spaceRect" presStyleCnt="0"/>
       <dgm:spPr/>
     </dgm:pt>
-    <dgm:pt modelId="{75561DDA-19B8-48F7-ADC5-501164833489}" type="pres">
-      <dgm:prSet presAssocID="{165B078C-F46E-4B3E-8F53-5AB2383E83A2}" presName="textRect" presStyleLbl="revTx" presStyleIdx="1" presStyleCnt="2">
+    <dgm:pt modelId="{C5EEE785-D9E6-4B7D-8516-E66E12928DC9}" type="pres">
+      <dgm:prSet presAssocID="{9CC1CE27-C069-4351-912E-3147FB2D0848}" presName="textRect" presStyleLbl="revTx" presStyleIdx="2" presStyleCnt="3">
         <dgm:presLayoutVars>
           <dgm:chMax val="1"/>
           <dgm:chPref val="1"/>
@@ -11084,22 +11362,30 @@
     </dgm:pt>
   </dgm:ptLst>
   <dgm:cxnLst>
+    <dgm:cxn modelId="{A608F10B-9E8C-D941-B87B-72955D700D53}" type="presOf" srcId="{D40F5AE4-E210-B341-AD56-2DD979715109}" destId="{0CE943D4-E86E-F344-8472-38D48EF4E318}" srcOrd="0" destOrd="0" presId="urn:microsoft.com/office/officeart/2018/5/layout/IconLeafLabelList"/>
     <dgm:cxn modelId="{2783723B-571A-4B1D-9A98-368956551283}" type="presOf" srcId="{D8E3ACF6-9AC1-4F4C-9329-1C4C9399793F}" destId="{6526B177-D662-4668-8616-808237069116}" srcOrd="0" destOrd="0" presId="urn:microsoft.com/office/officeart/2018/5/layout/IconLeafLabelList"/>
-    <dgm:cxn modelId="{E8DAF84F-395A-47C8-9F03-1C3C9A1EC268}" type="presOf" srcId="{9CC1CE27-C069-4351-912E-3147FB2D0848}" destId="{C5EEE785-D9E6-4B7D-8516-E66E12928DC9}" srcOrd="0" destOrd="0" presId="urn:microsoft.com/office/officeart/2018/5/layout/IconLeafLabelList"/>
-    <dgm:cxn modelId="{50517A97-F70D-4653-A65F-751D25B02267}" type="presOf" srcId="{165B078C-F46E-4B3E-8F53-5AB2383E83A2}" destId="{75561DDA-19B8-48F7-ADC5-501164833489}" srcOrd="0" destOrd="0" presId="urn:microsoft.com/office/officeart/2018/5/layout/IconLeafLabelList"/>
-    <dgm:cxn modelId="{69FA76A6-9935-43C1-AEB6-5A3E4678966D}" srcId="{D8E3ACF6-9AC1-4F4C-9329-1C4C9399793F}" destId="{165B078C-F46E-4B3E-8F53-5AB2383E83A2}" srcOrd="1" destOrd="0" parTransId="{7369D1CF-3F0A-431E-9EB4-972766E9AD6D}" sibTransId="{A8F95CEC-2A20-497B-A60D-F10D0FC96728}"/>
-    <dgm:cxn modelId="{1E0497DF-27B0-485E-B4DB-555D72F17716}" srcId="{D8E3ACF6-9AC1-4F4C-9329-1C4C9399793F}" destId="{9CC1CE27-C069-4351-912E-3147FB2D0848}" srcOrd="0" destOrd="0" parTransId="{E2A41484-3415-4B3E-8760-95515578C245}" sibTransId="{B8E6390C-25D4-4CFA-A443-14E6C55124DE}"/>
-    <dgm:cxn modelId="{140DAE49-C8B0-4FC6-9DA8-5D2DAA62A712}" type="presParOf" srcId="{6526B177-D662-4668-8616-808237069116}" destId="{6A45BB02-34D0-45A9-A3CD-C2F327B37303}" srcOrd="0" destOrd="0" presId="urn:microsoft.com/office/officeart/2018/5/layout/IconLeafLabelList"/>
-    <dgm:cxn modelId="{604D6224-D54E-4F46-BDB3-3F8BEDC25C58}" type="presParOf" srcId="{6A45BB02-34D0-45A9-A3CD-C2F327B37303}" destId="{8E70F587-1058-4FDD-B731-9E8A2A3748C1}" srcOrd="0" destOrd="0" presId="urn:microsoft.com/office/officeart/2018/5/layout/IconLeafLabelList"/>
-    <dgm:cxn modelId="{8746C3F0-E880-4153-854F-8878758B7BDC}" type="presParOf" srcId="{6A45BB02-34D0-45A9-A3CD-C2F327B37303}" destId="{189449CC-CB03-43F6-8662-8BCB68BA7EF8}" srcOrd="1" destOrd="0" presId="urn:microsoft.com/office/officeart/2018/5/layout/IconLeafLabelList"/>
-    <dgm:cxn modelId="{E2660F93-39EF-4293-9990-441DA2C7847D}" type="presParOf" srcId="{6A45BB02-34D0-45A9-A3CD-C2F327B37303}" destId="{677C534D-04AA-49E4-A7DB-6F36B4A0D3E4}" srcOrd="2" destOrd="0" presId="urn:microsoft.com/office/officeart/2018/5/layout/IconLeafLabelList"/>
-    <dgm:cxn modelId="{AF37B13F-8700-4F08-BA43-CB774EBC9E2F}" type="presParOf" srcId="{6A45BB02-34D0-45A9-A3CD-C2F327B37303}" destId="{C5EEE785-D9E6-4B7D-8516-E66E12928DC9}" srcOrd="3" destOrd="0" presId="urn:microsoft.com/office/officeart/2018/5/layout/IconLeafLabelList"/>
-    <dgm:cxn modelId="{468529F8-0FC8-42C2-9577-0C755A60904D}" type="presParOf" srcId="{6526B177-D662-4668-8616-808237069116}" destId="{FF6A1433-5008-42B3-8191-F6E998040096}" srcOrd="1" destOrd="0" presId="urn:microsoft.com/office/officeart/2018/5/layout/IconLeafLabelList"/>
-    <dgm:cxn modelId="{A2EDB597-9F8C-455D-BECF-7B7E5DA10B13}" type="presParOf" srcId="{6526B177-D662-4668-8616-808237069116}" destId="{3CA07B93-7824-43E9-9C31-686A9A1FC5D2}" srcOrd="2" destOrd="0" presId="urn:microsoft.com/office/officeart/2018/5/layout/IconLeafLabelList"/>
-    <dgm:cxn modelId="{363E0D8E-E476-4607-B81B-EF6FB7B124E5}" type="presParOf" srcId="{3CA07B93-7824-43E9-9C31-686A9A1FC5D2}" destId="{C1315EA1-150D-454B-BCC8-DC57E9F59A2D}" srcOrd="0" destOrd="0" presId="urn:microsoft.com/office/officeart/2018/5/layout/IconLeafLabelList"/>
-    <dgm:cxn modelId="{39A09C82-F000-4CF6-A32B-01C6B2974902}" type="presParOf" srcId="{3CA07B93-7824-43E9-9C31-686A9A1FC5D2}" destId="{7735099F-5919-42D8-9737-7BC77FF473E9}" srcOrd="1" destOrd="0" presId="urn:microsoft.com/office/officeart/2018/5/layout/IconLeafLabelList"/>
-    <dgm:cxn modelId="{BD9799AE-6FC3-4613-A3B7-E4CAAAB9D5AC}" type="presParOf" srcId="{3CA07B93-7824-43E9-9C31-686A9A1FC5D2}" destId="{EB98A12B-DCC8-4A08-9E25-9BDDA701BFBC}" srcOrd="2" destOrd="0" presId="urn:microsoft.com/office/officeart/2018/5/layout/IconLeafLabelList"/>
-    <dgm:cxn modelId="{1B9DCD9B-49CA-4D67-95AE-42A4E77AA7E2}" type="presParOf" srcId="{3CA07B93-7824-43E9-9C31-686A9A1FC5D2}" destId="{75561DDA-19B8-48F7-ADC5-501164833489}" srcOrd="3" destOrd="0" presId="urn:microsoft.com/office/officeart/2018/5/layout/IconLeafLabelList"/>
+    <dgm:cxn modelId="{16DF648B-0A0B-B641-A5B1-394698D5EE8D}" type="presOf" srcId="{9CC1CE27-C069-4351-912E-3147FB2D0848}" destId="{C5EEE785-D9E6-4B7D-8516-E66E12928DC9}" srcOrd="0" destOrd="0" presId="urn:microsoft.com/office/officeart/2018/5/layout/IconLeafLabelList"/>
+    <dgm:cxn modelId="{69FA76A6-9935-43C1-AEB6-5A3E4678966D}" srcId="{D8E3ACF6-9AC1-4F4C-9329-1C4C9399793F}" destId="{165B078C-F46E-4B3E-8F53-5AB2383E83A2}" srcOrd="0" destOrd="0" parTransId="{7369D1CF-3F0A-431E-9EB4-972766E9AD6D}" sibTransId="{A8F95CEC-2A20-497B-A60D-F10D0FC96728}"/>
+    <dgm:cxn modelId="{117470C8-78EE-F54F-9E7B-6A61B403AB6B}" type="presOf" srcId="{165B078C-F46E-4B3E-8F53-5AB2383E83A2}" destId="{75561DDA-19B8-48F7-ADC5-501164833489}" srcOrd="0" destOrd="0" presId="urn:microsoft.com/office/officeart/2018/5/layout/IconLeafLabelList"/>
+    <dgm:cxn modelId="{1E0497DF-27B0-485E-B4DB-555D72F17716}" srcId="{D8E3ACF6-9AC1-4F4C-9329-1C4C9399793F}" destId="{9CC1CE27-C069-4351-912E-3147FB2D0848}" srcOrd="2" destOrd="0" parTransId="{E2A41484-3415-4B3E-8760-95515578C245}" sibTransId="{B8E6390C-25D4-4CFA-A443-14E6C55124DE}"/>
+    <dgm:cxn modelId="{1D78F5FC-8EB9-D34B-A550-6B00343FCCD7}" srcId="{D8E3ACF6-9AC1-4F4C-9329-1C4C9399793F}" destId="{D40F5AE4-E210-B341-AD56-2DD979715109}" srcOrd="1" destOrd="0" parTransId="{C4C2368D-0796-314D-8B7A-50C3F9454D7C}" sibTransId="{5109DF24-5E88-BC46-9409-0E89F3AE73E5}"/>
+    <dgm:cxn modelId="{E726D4C7-1B2A-B041-9A4A-F6560B88A230}" type="presParOf" srcId="{6526B177-D662-4668-8616-808237069116}" destId="{3CA07B93-7824-43E9-9C31-686A9A1FC5D2}" srcOrd="0" destOrd="0" presId="urn:microsoft.com/office/officeart/2018/5/layout/IconLeafLabelList"/>
+    <dgm:cxn modelId="{7375016D-8668-6B47-8EAD-8BEA2F15C7B0}" type="presParOf" srcId="{3CA07B93-7824-43E9-9C31-686A9A1FC5D2}" destId="{C1315EA1-150D-454B-BCC8-DC57E9F59A2D}" srcOrd="0" destOrd="0" presId="urn:microsoft.com/office/officeart/2018/5/layout/IconLeafLabelList"/>
+    <dgm:cxn modelId="{17E705AE-EAD4-CD4C-8A4D-E876F6E0C4EC}" type="presParOf" srcId="{3CA07B93-7824-43E9-9C31-686A9A1FC5D2}" destId="{7735099F-5919-42D8-9737-7BC77FF473E9}" srcOrd="1" destOrd="0" presId="urn:microsoft.com/office/officeart/2018/5/layout/IconLeafLabelList"/>
+    <dgm:cxn modelId="{DF32E8CC-DA35-8A45-99B0-5AB84ED34645}" type="presParOf" srcId="{3CA07B93-7824-43E9-9C31-686A9A1FC5D2}" destId="{EB98A12B-DCC8-4A08-9E25-9BDDA701BFBC}" srcOrd="2" destOrd="0" presId="urn:microsoft.com/office/officeart/2018/5/layout/IconLeafLabelList"/>
+    <dgm:cxn modelId="{FA4D2304-9FD8-FF43-80BF-0F59B0F9A8ED}" type="presParOf" srcId="{3CA07B93-7824-43E9-9C31-686A9A1FC5D2}" destId="{75561DDA-19B8-48F7-ADC5-501164833489}" srcOrd="3" destOrd="0" presId="urn:microsoft.com/office/officeart/2018/5/layout/IconLeafLabelList"/>
+    <dgm:cxn modelId="{6AED0227-AF73-2146-8250-DD14D43BADE5}" type="presParOf" srcId="{6526B177-D662-4668-8616-808237069116}" destId="{BDCF288E-D401-4B4C-A218-E2A56BB2E369}" srcOrd="1" destOrd="0" presId="urn:microsoft.com/office/officeart/2018/5/layout/IconLeafLabelList"/>
+    <dgm:cxn modelId="{68CF7E1F-3DEF-2747-AAA2-A7E8882B1D8C}" type="presParOf" srcId="{6526B177-D662-4668-8616-808237069116}" destId="{DC70122C-4CA7-144C-AB0A-B3D7C43F07D7}" srcOrd="2" destOrd="0" presId="urn:microsoft.com/office/officeart/2018/5/layout/IconLeafLabelList"/>
+    <dgm:cxn modelId="{226B8592-3E22-BA4B-AB47-C163DD6B1513}" type="presParOf" srcId="{DC70122C-4CA7-144C-AB0A-B3D7C43F07D7}" destId="{65E09D9F-84D0-1C42-9C70-9D8DBFD1D277}" srcOrd="0" destOrd="0" presId="urn:microsoft.com/office/officeart/2018/5/layout/IconLeafLabelList"/>
+    <dgm:cxn modelId="{C2C75F5E-8E5D-F046-9024-51E69CFEED11}" type="presParOf" srcId="{DC70122C-4CA7-144C-AB0A-B3D7C43F07D7}" destId="{F7B6A7D7-3FF4-D141-9E06-0799D324A460}" srcOrd="1" destOrd="0" presId="urn:microsoft.com/office/officeart/2018/5/layout/IconLeafLabelList"/>
+    <dgm:cxn modelId="{4DE51BEA-3F55-2C46-8B35-606855E83A8E}" type="presParOf" srcId="{DC70122C-4CA7-144C-AB0A-B3D7C43F07D7}" destId="{DEE1361B-F2BC-E24E-B56B-80E8A0991CB4}" srcOrd="2" destOrd="0" presId="urn:microsoft.com/office/officeart/2018/5/layout/IconLeafLabelList"/>
+    <dgm:cxn modelId="{7E04635D-9BE7-3D45-93C8-8611F9DD92DD}" type="presParOf" srcId="{DC70122C-4CA7-144C-AB0A-B3D7C43F07D7}" destId="{0CE943D4-E86E-F344-8472-38D48EF4E318}" srcOrd="3" destOrd="0" presId="urn:microsoft.com/office/officeart/2018/5/layout/IconLeafLabelList"/>
+    <dgm:cxn modelId="{75C4ECA6-5CB2-4B4A-9000-9E6648F8D8A8}" type="presParOf" srcId="{6526B177-D662-4668-8616-808237069116}" destId="{3E60554C-FBD7-6B47-B1C2-AD6DD8A645FA}" srcOrd="3" destOrd="0" presId="urn:microsoft.com/office/officeart/2018/5/layout/IconLeafLabelList"/>
+    <dgm:cxn modelId="{3E7ED943-AD37-6A48-85C6-341573A07516}" type="presParOf" srcId="{6526B177-D662-4668-8616-808237069116}" destId="{6A45BB02-34D0-45A9-A3CD-C2F327B37303}" srcOrd="4" destOrd="0" presId="urn:microsoft.com/office/officeart/2018/5/layout/IconLeafLabelList"/>
+    <dgm:cxn modelId="{F3F30637-7D4C-874E-9934-8ED122220462}" type="presParOf" srcId="{6A45BB02-34D0-45A9-A3CD-C2F327B37303}" destId="{8E70F587-1058-4FDD-B731-9E8A2A3748C1}" srcOrd="0" destOrd="0" presId="urn:microsoft.com/office/officeart/2018/5/layout/IconLeafLabelList"/>
+    <dgm:cxn modelId="{82CB4A4D-62CA-6845-8241-75C66A739F76}" type="presParOf" srcId="{6A45BB02-34D0-45A9-A3CD-C2F327B37303}" destId="{189449CC-CB03-43F6-8662-8BCB68BA7EF8}" srcOrd="1" destOrd="0" presId="urn:microsoft.com/office/officeart/2018/5/layout/IconLeafLabelList"/>
+    <dgm:cxn modelId="{6C53A212-EEB1-C84C-9CCA-A796FC922229}" type="presParOf" srcId="{6A45BB02-34D0-45A9-A3CD-C2F327B37303}" destId="{677C534D-04AA-49E4-A7DB-6F36B4A0D3E4}" srcOrd="2" destOrd="0" presId="urn:microsoft.com/office/officeart/2018/5/layout/IconLeafLabelList"/>
+    <dgm:cxn modelId="{AD14B571-EFB0-0747-916B-EB25804444B2}" type="presParOf" srcId="{6A45BB02-34D0-45A9-A3CD-C2F327B37303}" destId="{C5EEE785-D9E6-4B7D-8516-E66E12928DC9}" srcOrd="3" destOrd="0" presId="urn:microsoft.com/office/officeart/2018/5/layout/IconLeafLabelList"/>
   </dgm:cxnLst>
   <dgm:bg/>
   <dgm:whole/>
@@ -16456,12 +16742,8 @@
             <a:buNone/>
           </a:pPr>
           <a:r>
-            <a:rPr lang="en-GB" sz="1300" kern="1200"/>
-            <a:t>Planification </a:t>
-          </a:r>
-          <a:r>
             <a:rPr lang="en-GB" sz="1300" kern="1200" dirty="0"/>
-            <a:t>d'un sprint (4h)</a:t>
+            <a:t>Planification d'un sprint (1h)</a:t>
           </a:r>
           <a:endParaRPr lang="fr-FR" sz="1300" kern="1200" noProof="0" dirty="0"/>
         </a:p>
@@ -16578,7 +16860,7 @@
           </a:pPr>
           <a:r>
             <a:rPr lang="en-GB" sz="1300" kern="1200" dirty="0"/>
-            <a:t>Affinage du Backlog (1 h/</a:t>
+            <a:t>Affinage du Backlog (15 min/</a:t>
           </a:r>
           <a:r>
             <a:rPr lang="en-GB" sz="1300" kern="1200" dirty="0" err="1"/>
@@ -16702,7 +16984,7 @@
           </a:pPr>
           <a:r>
             <a:rPr lang="en-GB" sz="1300" kern="1200" dirty="0"/>
-            <a:t>Sprint Review (2 h)</a:t>
+            <a:t>Sprint Review (30 minutes)</a:t>
           </a:r>
         </a:p>
       </dsp:txBody>
@@ -16818,7 +17100,7 @@
           </a:pPr>
           <a:r>
             <a:rPr lang="en-GB" sz="1300" kern="1200" dirty="0"/>
-            <a:t>Sprint retrospective (2h)</a:t>
+            <a:t>Sprint retrospective (30 minutes)</a:t>
           </a:r>
         </a:p>
       </dsp:txBody>
@@ -16846,8 +17128,8 @@
       </dsp:nvSpPr>
       <dsp:spPr>
         <a:xfrm>
-          <a:off x="679050" y="581261"/>
-          <a:ext cx="1887187" cy="1887187"/>
+          <a:off x="478800" y="1098761"/>
+          <a:ext cx="1098000" cy="1098000"/>
         </a:xfrm>
         <a:prstGeom prst="ellipse">
           <a:avLst/>
@@ -16886,8 +17168,8 @@
       </dsp:nvSpPr>
       <dsp:spPr>
         <a:xfrm>
-          <a:off x="1081237" y="983449"/>
-          <a:ext cx="1082812" cy="1082812"/>
+          <a:off x="712800" y="1332762"/>
+          <a:ext cx="630000" cy="630000"/>
         </a:xfrm>
         <a:prstGeom prst="rect">
           <a:avLst/>
@@ -16934,8 +17216,8 @@
       </dsp:nvSpPr>
       <dsp:spPr>
         <a:xfrm>
-          <a:off x="75768" y="3056262"/>
-          <a:ext cx="3093750" cy="720000"/>
+          <a:off x="127800" y="2538762"/>
+          <a:ext cx="1800000" cy="720000"/>
         </a:xfrm>
         <a:prstGeom prst="rect">
           <a:avLst/>
@@ -16964,9 +17246,9 @@
         </a:bodyPr>
         <a:lstStyle/>
         <a:p>
-          <a:pPr marL="0" lvl="0" indent="0" algn="ctr" defTabSz="1111250">
+          <a:pPr marL="0" lvl="0" indent="0" algn="ctr" defTabSz="666750">
             <a:lnSpc>
-              <a:spcPct val="90000"/>
+              <a:spcPct val="100000"/>
             </a:lnSpc>
             <a:spcBef>
               <a:spcPct val="0"/>
@@ -16978,25 +17260,25 @@
             <a:defRPr cap="all"/>
           </a:pPr>
           <a:r>
-            <a:rPr lang="en-US" sz="2500" kern="1200" dirty="0"/>
+            <a:rPr lang="en-US" sz="1500" kern="1200" dirty="0"/>
             <a:t>Serveur Node.js</a:t>
           </a:r>
         </a:p>
       </dsp:txBody>
       <dsp:txXfrm>
-        <a:off x="75768" y="3056262"/>
-        <a:ext cx="3093750" cy="720000"/>
+        <a:off x="127800" y="2538762"/>
+        <a:ext cx="1800000" cy="720000"/>
       </dsp:txXfrm>
     </dsp:sp>
-    <dsp:sp modelId="{9F3E46B5-4B68-4C45-BDBC-00FEA3AE98BF}">
+    <dsp:sp modelId="{BF397FB6-87DE-DE42-9034-FB78D8B96465}">
       <dsp:nvSpPr>
         <dsp:cNvPr id="0" name=""/>
         <dsp:cNvSpPr/>
       </dsp:nvSpPr>
       <dsp:spPr>
         <a:xfrm>
-          <a:off x="4314206" y="581261"/>
-          <a:ext cx="1887187" cy="1887187"/>
+          <a:off x="2593800" y="1098761"/>
+          <a:ext cx="1098000" cy="1098000"/>
         </a:xfrm>
         <a:prstGeom prst="ellipse">
           <a:avLst/>
@@ -17028,15 +17310,15 @@
         <a:fontRef idx="minor"/>
       </dsp:style>
     </dsp:sp>
-    <dsp:sp modelId="{E3EC4BD0-231D-44CB-91C6-DFD63DA8FCDA}">
+    <dsp:sp modelId="{D311B37C-FE7D-1649-910C-41ED85D4DCCC}">
       <dsp:nvSpPr>
         <dsp:cNvPr id="0" name=""/>
         <dsp:cNvSpPr/>
       </dsp:nvSpPr>
       <dsp:spPr>
         <a:xfrm>
-          <a:off x="4716393" y="983449"/>
-          <a:ext cx="1082812" cy="1082812"/>
+          <a:off x="2827800" y="1332761"/>
+          <a:ext cx="630000" cy="630000"/>
         </a:xfrm>
         <a:prstGeom prst="rect">
           <a:avLst/>
@@ -17047,8 +17329,165 @@
               <a:ext uri="{28A0092B-C50C-407E-A947-70E740481C1C}">
                 <a14:useLocalDpi xmlns:a14="http://schemas.microsoft.com/office/drawing/2010/main" val="0"/>
               </a:ext>
+            </a:extLst>
+          </a:blip>
+          <a:srcRect/>
+          <a:stretch>
+            <a:fillRect/>
+          </a:stretch>
+        </a:blipFill>
+        <a:ln w="12700" cap="flat" cmpd="sng" algn="ctr">
+          <a:solidFill>
+            <a:schemeClr val="lt1">
+              <a:alpha val="0"/>
+              <a:hueOff val="0"/>
+              <a:satOff val="0"/>
+              <a:lumOff val="0"/>
+              <a:alphaOff val="0"/>
+            </a:schemeClr>
+          </a:solidFill>
+          <a:prstDash val="solid"/>
+          <a:miter lim="800000"/>
+        </a:ln>
+        <a:effectLst/>
+      </dsp:spPr>
+      <dsp:style>
+        <a:lnRef idx="2">
+          <a:scrgbClr r="0" g="0" b="0"/>
+        </a:lnRef>
+        <a:fillRef idx="1">
+          <a:scrgbClr r="0" g="0" b="0"/>
+        </a:fillRef>
+        <a:effectRef idx="0">
+          <a:scrgbClr r="0" g="0" b="0"/>
+        </a:effectRef>
+        <a:fontRef idx="minor">
+          <a:schemeClr val="lt1"/>
+        </a:fontRef>
+      </dsp:style>
+    </dsp:sp>
+    <dsp:sp modelId="{F6969644-F13F-1042-9950-48859BCA5819}">
+      <dsp:nvSpPr>
+        <dsp:cNvPr id="0" name=""/>
+        <dsp:cNvSpPr/>
+      </dsp:nvSpPr>
+      <dsp:spPr>
+        <a:xfrm>
+          <a:off x="2242800" y="2538762"/>
+          <a:ext cx="1800000" cy="720000"/>
+        </a:xfrm>
+        <a:prstGeom prst="rect">
+          <a:avLst/>
+        </a:prstGeom>
+        <a:noFill/>
+        <a:ln>
+          <a:noFill/>
+        </a:ln>
+        <a:effectLst/>
+      </dsp:spPr>
+      <dsp:style>
+        <a:lnRef idx="0">
+          <a:scrgbClr r="0" g="0" b="0"/>
+        </a:lnRef>
+        <a:fillRef idx="0">
+          <a:scrgbClr r="0" g="0" b="0"/>
+        </a:fillRef>
+        <a:effectRef idx="0">
+          <a:scrgbClr r="0" g="0" b="0"/>
+        </a:effectRef>
+        <a:fontRef idx="minor"/>
+      </dsp:style>
+      <dsp:txBody>
+        <a:bodyPr spcFirstLastPara="0" vert="horz" wrap="square" lIns="0" tIns="0" rIns="0" bIns="0" numCol="1" spcCol="1270" anchor="t" anchorCtr="0">
+          <a:noAutofit/>
+        </a:bodyPr>
+        <a:lstStyle/>
+        <a:p>
+          <a:pPr marL="0" lvl="0" indent="0" algn="ctr" defTabSz="666750">
+            <a:lnSpc>
+              <a:spcPct val="100000"/>
+            </a:lnSpc>
+            <a:spcBef>
+              <a:spcPct val="0"/>
+            </a:spcBef>
+            <a:spcAft>
+              <a:spcPct val="35000"/>
+            </a:spcAft>
+            <a:buNone/>
+            <a:defRPr cap="all"/>
+          </a:pPr>
+          <a:r>
+            <a:rPr lang="en-GB" sz="1500" kern="1200" dirty="0"/>
+            <a:t>AWS</a:t>
+          </a:r>
+        </a:p>
+      </dsp:txBody>
+      <dsp:txXfrm>
+        <a:off x="2242800" y="2538762"/>
+        <a:ext cx="1800000" cy="720000"/>
+      </dsp:txXfrm>
+    </dsp:sp>
+    <dsp:sp modelId="{9F3E46B5-4B68-4C45-BDBC-00FEA3AE98BF}">
+      <dsp:nvSpPr>
+        <dsp:cNvPr id="0" name=""/>
+        <dsp:cNvSpPr/>
+      </dsp:nvSpPr>
+      <dsp:spPr>
+        <a:xfrm>
+          <a:off x="4708800" y="1098761"/>
+          <a:ext cx="1098000" cy="1098000"/>
+        </a:xfrm>
+        <a:prstGeom prst="ellipse">
+          <a:avLst/>
+        </a:prstGeom>
+        <a:solidFill>
+          <a:schemeClr val="bg1">
+            <a:lumMod val="95000"/>
+            <a:hueOff val="0"/>
+            <a:satOff val="0"/>
+            <a:lumOff val="0"/>
+            <a:alphaOff val="0"/>
+          </a:schemeClr>
+        </a:solidFill>
+        <a:ln>
+          <a:noFill/>
+        </a:ln>
+        <a:effectLst/>
+      </dsp:spPr>
+      <dsp:style>
+        <a:lnRef idx="0">
+          <a:scrgbClr r="0" g="0" b="0"/>
+        </a:lnRef>
+        <a:fillRef idx="1">
+          <a:scrgbClr r="0" g="0" b="0"/>
+        </a:fillRef>
+        <a:effectRef idx="0">
+          <a:scrgbClr r="0" g="0" b="0"/>
+        </a:effectRef>
+        <a:fontRef idx="minor"/>
+      </dsp:style>
+    </dsp:sp>
+    <dsp:sp modelId="{E3EC4BD0-231D-44CB-91C6-DFD63DA8FCDA}">
+      <dsp:nvSpPr>
+        <dsp:cNvPr id="0" name=""/>
+        <dsp:cNvSpPr/>
+      </dsp:nvSpPr>
+      <dsp:spPr>
+        <a:xfrm rot="10800000">
+          <a:off x="4942800" y="1332761"/>
+          <a:ext cx="630000" cy="630000"/>
+        </a:xfrm>
+        <a:prstGeom prst="rect">
+          <a:avLst/>
+        </a:prstGeom>
+        <a:blipFill>
+          <a:blip xmlns:r="http://schemas.openxmlformats.org/officeDocument/2006/relationships" r:embed="rId3">
+            <a:extLst>
+              <a:ext uri="{28A0092B-C50C-407E-A947-70E740481C1C}">
+                <a14:useLocalDpi xmlns:a14="http://schemas.microsoft.com/office/drawing/2010/main" val="0"/>
+              </a:ext>
               <a:ext uri="{96DAC541-7B7A-43D3-8B79-37D633B846F1}">
-                <asvg:svgBlip xmlns:asvg="http://schemas.microsoft.com/office/drawing/2016/SVG/main" r:embed="rId3"/>
+                <asvg:svgBlip xmlns:asvg="http://schemas.microsoft.com/office/drawing/2016/SVG/main" r:embed="rId4"/>
               </a:ext>
             </a:extLst>
           </a:blip>
@@ -17079,6 +17518,640 @@
       </dsp:style>
     </dsp:sp>
     <dsp:sp modelId="{E65ED937-BBC0-4C78-87D2-C91F19D771AF}">
+      <dsp:nvSpPr>
+        <dsp:cNvPr id="0" name=""/>
+        <dsp:cNvSpPr/>
+      </dsp:nvSpPr>
+      <dsp:spPr>
+        <a:xfrm>
+          <a:off x="4357800" y="2538762"/>
+          <a:ext cx="1800000" cy="720000"/>
+        </a:xfrm>
+        <a:prstGeom prst="rect">
+          <a:avLst/>
+        </a:prstGeom>
+        <a:noFill/>
+        <a:ln>
+          <a:noFill/>
+        </a:ln>
+        <a:effectLst/>
+      </dsp:spPr>
+      <dsp:style>
+        <a:lnRef idx="0">
+          <a:scrgbClr r="0" g="0" b="0"/>
+        </a:lnRef>
+        <a:fillRef idx="0">
+          <a:scrgbClr r="0" g="0" b="0"/>
+        </a:fillRef>
+        <a:effectRef idx="0">
+          <a:scrgbClr r="0" g="0" b="0"/>
+        </a:effectRef>
+        <a:fontRef idx="minor"/>
+      </dsp:style>
+      <dsp:txBody>
+        <a:bodyPr spcFirstLastPara="0" vert="horz" wrap="square" lIns="0" tIns="0" rIns="0" bIns="0" numCol="1" spcCol="1270" anchor="t" anchorCtr="0">
+          <a:noAutofit/>
+        </a:bodyPr>
+        <a:lstStyle/>
+        <a:p>
+          <a:pPr marL="0" lvl="0" indent="0" algn="ctr" defTabSz="666750">
+            <a:lnSpc>
+              <a:spcPct val="100000"/>
+            </a:lnSpc>
+            <a:spcBef>
+              <a:spcPct val="0"/>
+            </a:spcBef>
+            <a:spcAft>
+              <a:spcPct val="35000"/>
+            </a:spcAft>
+            <a:buNone/>
+            <a:defRPr cap="all"/>
+          </a:pPr>
+          <a:r>
+            <a:rPr lang="en-US" sz="1500" kern="1200" dirty="0"/>
+            <a:t>Interface Utilisateur</a:t>
+          </a:r>
+        </a:p>
+      </dsp:txBody>
+      <dsp:txXfrm>
+        <a:off x="4357800" y="2538762"/>
+        <a:ext cx="1800000" cy="720000"/>
+      </dsp:txXfrm>
+    </dsp:sp>
+    <dsp:sp modelId="{0CCD5A54-E709-42D5-93CE-13C48DF7594E}">
+      <dsp:nvSpPr>
+        <dsp:cNvPr id="0" name=""/>
+        <dsp:cNvSpPr/>
+      </dsp:nvSpPr>
+      <dsp:spPr>
+        <a:xfrm>
+          <a:off x="6823800" y="1098761"/>
+          <a:ext cx="1098000" cy="1098000"/>
+        </a:xfrm>
+        <a:prstGeom prst="ellipse">
+          <a:avLst/>
+        </a:prstGeom>
+        <a:solidFill>
+          <a:schemeClr val="bg1">
+            <a:lumMod val="95000"/>
+            <a:hueOff val="0"/>
+            <a:satOff val="0"/>
+            <a:lumOff val="0"/>
+            <a:alphaOff val="0"/>
+          </a:schemeClr>
+        </a:solidFill>
+        <a:ln>
+          <a:noFill/>
+        </a:ln>
+        <a:effectLst/>
+      </dsp:spPr>
+      <dsp:style>
+        <a:lnRef idx="0">
+          <a:scrgbClr r="0" g="0" b="0"/>
+        </a:lnRef>
+        <a:fillRef idx="1">
+          <a:scrgbClr r="0" g="0" b="0"/>
+        </a:fillRef>
+        <a:effectRef idx="0">
+          <a:scrgbClr r="0" g="0" b="0"/>
+        </a:effectRef>
+        <a:fontRef idx="minor"/>
+      </dsp:style>
+    </dsp:sp>
+    <dsp:sp modelId="{EF65853B-3DB8-48FA-998B-4013775780EF}">
+      <dsp:nvSpPr>
+        <dsp:cNvPr id="0" name=""/>
+        <dsp:cNvSpPr/>
+      </dsp:nvSpPr>
+      <dsp:spPr>
+        <a:xfrm>
+          <a:off x="7057800" y="1332761"/>
+          <a:ext cx="630000" cy="630000"/>
+        </a:xfrm>
+        <a:prstGeom prst="rect">
+          <a:avLst/>
+        </a:prstGeom>
+        <a:blipFill>
+          <a:blip xmlns:r="http://schemas.openxmlformats.org/officeDocument/2006/relationships" r:embed="rId5">
+            <a:extLst>
+              <a:ext uri="{28A0092B-C50C-407E-A947-70E740481C1C}">
+                <a14:useLocalDpi xmlns:a14="http://schemas.microsoft.com/office/drawing/2010/main" val="0"/>
+              </a:ext>
+              <a:ext uri="{96DAC541-7B7A-43D3-8B79-37D633B846F1}">
+                <asvg:svgBlip xmlns:asvg="http://schemas.microsoft.com/office/drawing/2016/SVG/main" r:embed="rId6"/>
+              </a:ext>
+            </a:extLst>
+          </a:blip>
+          <a:stretch>
+            <a:fillRect/>
+          </a:stretch>
+        </a:blipFill>
+        <a:ln w="12700" cap="flat" cmpd="sng" algn="ctr">
+          <a:noFill/>
+          <a:prstDash val="solid"/>
+          <a:miter lim="800000"/>
+        </a:ln>
+        <a:effectLst/>
+      </dsp:spPr>
+      <dsp:style>
+        <a:lnRef idx="2">
+          <a:scrgbClr r="0" g="0" b="0"/>
+        </a:lnRef>
+        <a:fillRef idx="1">
+          <a:scrgbClr r="0" g="0" b="0"/>
+        </a:fillRef>
+        <a:effectRef idx="0">
+          <a:scrgbClr r="0" g="0" b="0"/>
+        </a:effectRef>
+        <a:fontRef idx="minor">
+          <a:schemeClr val="lt1"/>
+        </a:fontRef>
+      </dsp:style>
+    </dsp:sp>
+    <dsp:sp modelId="{F8DC8407-8B5F-461A-AAFF-3E2C683FAFEF}">
+      <dsp:nvSpPr>
+        <dsp:cNvPr id="0" name=""/>
+        <dsp:cNvSpPr/>
+      </dsp:nvSpPr>
+      <dsp:spPr>
+        <a:xfrm>
+          <a:off x="6472800" y="2538762"/>
+          <a:ext cx="1800000" cy="720000"/>
+        </a:xfrm>
+        <a:prstGeom prst="rect">
+          <a:avLst/>
+        </a:prstGeom>
+        <a:noFill/>
+        <a:ln>
+          <a:noFill/>
+        </a:ln>
+        <a:effectLst/>
+      </dsp:spPr>
+      <dsp:style>
+        <a:lnRef idx="0">
+          <a:scrgbClr r="0" g="0" b="0"/>
+        </a:lnRef>
+        <a:fillRef idx="0">
+          <a:scrgbClr r="0" g="0" b="0"/>
+        </a:fillRef>
+        <a:effectRef idx="0">
+          <a:scrgbClr r="0" g="0" b="0"/>
+        </a:effectRef>
+        <a:fontRef idx="minor"/>
+      </dsp:style>
+      <dsp:txBody>
+        <a:bodyPr spcFirstLastPara="0" vert="horz" wrap="square" lIns="0" tIns="0" rIns="0" bIns="0" numCol="1" spcCol="1270" anchor="t" anchorCtr="0">
+          <a:noAutofit/>
+        </a:bodyPr>
+        <a:lstStyle/>
+        <a:p>
+          <a:pPr marL="0" lvl="0" indent="0" algn="ctr" defTabSz="666750">
+            <a:lnSpc>
+              <a:spcPct val="100000"/>
+            </a:lnSpc>
+            <a:spcBef>
+              <a:spcPct val="0"/>
+            </a:spcBef>
+            <a:spcAft>
+              <a:spcPct val="35000"/>
+            </a:spcAft>
+            <a:buNone/>
+            <a:defRPr cap="all"/>
+          </a:pPr>
+          <a:r>
+            <a:rPr lang="en-US" sz="1500" kern="1200" dirty="0"/>
+            <a:t>Navigation entre les activités Android</a:t>
+          </a:r>
+        </a:p>
+      </dsp:txBody>
+      <dsp:txXfrm>
+        <a:off x="6472800" y="2538762"/>
+        <a:ext cx="1800000" cy="720000"/>
+      </dsp:txXfrm>
+    </dsp:sp>
+    <dsp:sp modelId="{04058B3C-927C-6440-A0DB-5DF36E1C6E1C}">
+      <dsp:nvSpPr>
+        <dsp:cNvPr id="0" name=""/>
+        <dsp:cNvSpPr/>
+      </dsp:nvSpPr>
+      <dsp:spPr>
+        <a:xfrm>
+          <a:off x="8938800" y="1098761"/>
+          <a:ext cx="1098000" cy="1098000"/>
+        </a:xfrm>
+        <a:prstGeom prst="ellipse">
+          <a:avLst/>
+        </a:prstGeom>
+        <a:solidFill>
+          <a:schemeClr val="bg1">
+            <a:lumMod val="95000"/>
+            <a:hueOff val="0"/>
+            <a:satOff val="0"/>
+            <a:lumOff val="0"/>
+            <a:alphaOff val="0"/>
+          </a:schemeClr>
+        </a:solidFill>
+        <a:ln>
+          <a:noFill/>
+        </a:ln>
+        <a:effectLst/>
+      </dsp:spPr>
+      <dsp:style>
+        <a:lnRef idx="0">
+          <a:scrgbClr r="0" g="0" b="0"/>
+        </a:lnRef>
+        <a:fillRef idx="1">
+          <a:scrgbClr r="0" g="0" b="0"/>
+        </a:fillRef>
+        <a:effectRef idx="0">
+          <a:scrgbClr r="0" g="0" b="0"/>
+        </a:effectRef>
+        <a:fontRef idx="minor"/>
+      </dsp:style>
+    </dsp:sp>
+    <dsp:sp modelId="{A7115AC8-352F-F74E-AD32-F7D108CF7734}">
+      <dsp:nvSpPr>
+        <dsp:cNvPr id="0" name=""/>
+        <dsp:cNvSpPr/>
+      </dsp:nvSpPr>
+      <dsp:spPr>
+        <a:xfrm>
+          <a:off x="9172800" y="1332761"/>
+          <a:ext cx="630000" cy="630000"/>
+        </a:xfrm>
+        <a:prstGeom prst="rect">
+          <a:avLst/>
+        </a:prstGeom>
+        <a:blipFill>
+          <a:blip xmlns:r="http://schemas.openxmlformats.org/officeDocument/2006/relationships" r:embed="rId7">
+            <a:extLst>
+              <a:ext uri="{28A0092B-C50C-407E-A947-70E740481C1C}">
+                <a14:useLocalDpi xmlns:a14="http://schemas.microsoft.com/office/drawing/2010/main" val="0"/>
+              </a:ext>
+            </a:extLst>
+          </a:blip>
+          <a:srcRect/>
+          <a:stretch>
+            <a:fillRect/>
+          </a:stretch>
+        </a:blipFill>
+        <a:ln w="12700" cap="flat" cmpd="sng" algn="ctr">
+          <a:solidFill>
+            <a:schemeClr val="lt1">
+              <a:alpha val="0"/>
+              <a:hueOff val="0"/>
+              <a:satOff val="0"/>
+              <a:lumOff val="0"/>
+              <a:alphaOff val="0"/>
+            </a:schemeClr>
+          </a:solidFill>
+          <a:prstDash val="solid"/>
+          <a:miter lim="800000"/>
+        </a:ln>
+        <a:effectLst/>
+      </dsp:spPr>
+      <dsp:style>
+        <a:lnRef idx="2">
+          <a:scrgbClr r="0" g="0" b="0"/>
+        </a:lnRef>
+        <a:fillRef idx="1">
+          <a:scrgbClr r="0" g="0" b="0"/>
+        </a:fillRef>
+        <a:effectRef idx="0">
+          <a:scrgbClr r="0" g="0" b="0"/>
+        </a:effectRef>
+        <a:fontRef idx="minor">
+          <a:schemeClr val="lt1"/>
+        </a:fontRef>
+      </dsp:style>
+    </dsp:sp>
+    <dsp:sp modelId="{4425F1D1-29CE-DB4A-80E0-5D6F346F655B}">
+      <dsp:nvSpPr>
+        <dsp:cNvPr id="0" name=""/>
+        <dsp:cNvSpPr/>
+      </dsp:nvSpPr>
+      <dsp:spPr>
+        <a:xfrm>
+          <a:off x="8587800" y="2538762"/>
+          <a:ext cx="1800000" cy="720000"/>
+        </a:xfrm>
+        <a:prstGeom prst="rect">
+          <a:avLst/>
+        </a:prstGeom>
+        <a:noFill/>
+        <a:ln>
+          <a:noFill/>
+        </a:ln>
+        <a:effectLst/>
+      </dsp:spPr>
+      <dsp:style>
+        <a:lnRef idx="0">
+          <a:scrgbClr r="0" g="0" b="0"/>
+        </a:lnRef>
+        <a:fillRef idx="0">
+          <a:scrgbClr r="0" g="0" b="0"/>
+        </a:fillRef>
+        <a:effectRef idx="0">
+          <a:scrgbClr r="0" g="0" b="0"/>
+        </a:effectRef>
+        <a:fontRef idx="minor"/>
+      </dsp:style>
+      <dsp:txBody>
+        <a:bodyPr spcFirstLastPara="0" vert="horz" wrap="square" lIns="0" tIns="0" rIns="0" bIns="0" numCol="1" spcCol="1270" anchor="t" anchorCtr="0">
+          <a:noAutofit/>
+        </a:bodyPr>
+        <a:lstStyle/>
+        <a:p>
+          <a:pPr marL="0" lvl="0" indent="0" algn="ctr" defTabSz="666750">
+            <a:lnSpc>
+              <a:spcPct val="100000"/>
+            </a:lnSpc>
+            <a:spcBef>
+              <a:spcPct val="0"/>
+            </a:spcBef>
+            <a:spcAft>
+              <a:spcPct val="35000"/>
+            </a:spcAft>
+            <a:buNone/>
+            <a:defRPr cap="all"/>
+          </a:pPr>
+          <a:r>
+            <a:rPr lang="en-GB" sz="1500" kern="1200" dirty="0"/>
+            <a:t>SQLite</a:t>
+          </a:r>
+        </a:p>
+      </dsp:txBody>
+      <dsp:txXfrm>
+        <a:off x="8587800" y="2538762"/>
+        <a:ext cx="1800000" cy="720000"/>
+      </dsp:txXfrm>
+    </dsp:sp>
+  </dsp:spTree>
+</dsp:drawing>
+</file>
+
+<file path=ppt/diagrams/drawing8.xml><?xml version="1.0" encoding="utf-8"?>
+<dsp:drawing xmlns:dgm="http://schemas.openxmlformats.org/drawingml/2006/diagram" xmlns:dsp="http://schemas.microsoft.com/office/drawing/2008/diagram" xmlns:a="http://schemas.openxmlformats.org/drawingml/2006/main">
+  <dsp:spTree>
+    <dsp:nvGrpSpPr>
+      <dsp:cNvPr id="0" name=""/>
+      <dsp:cNvGrpSpPr/>
+    </dsp:nvGrpSpPr>
+    <dsp:grpSpPr/>
+    <dsp:sp modelId="{C1315EA1-150D-454B-BCC8-DC57E9F59A2D}">
+      <dsp:nvSpPr>
+        <dsp:cNvPr id="0" name=""/>
+        <dsp:cNvSpPr/>
+      </dsp:nvSpPr>
+      <dsp:spPr>
+        <a:xfrm>
+          <a:off x="679050" y="581261"/>
+          <a:ext cx="1887187" cy="1887187"/>
+        </a:xfrm>
+        <a:prstGeom prst="round2DiagRect">
+          <a:avLst>
+            <a:gd name="adj1" fmla="val 29727"/>
+            <a:gd name="adj2" fmla="val 0"/>
+          </a:avLst>
+        </a:prstGeom>
+        <a:solidFill>
+          <a:schemeClr val="bg1">
+            <a:lumMod val="95000"/>
+            <a:hueOff val="0"/>
+            <a:satOff val="0"/>
+            <a:lumOff val="0"/>
+            <a:alphaOff val="0"/>
+          </a:schemeClr>
+        </a:solidFill>
+        <a:ln>
+          <a:noFill/>
+        </a:ln>
+        <a:effectLst/>
+      </dsp:spPr>
+      <dsp:style>
+        <a:lnRef idx="0">
+          <a:scrgbClr r="0" g="0" b="0"/>
+        </a:lnRef>
+        <a:fillRef idx="1">
+          <a:scrgbClr r="0" g="0" b="0"/>
+        </a:fillRef>
+        <a:effectRef idx="0">
+          <a:scrgbClr r="0" g="0" b="0"/>
+        </a:effectRef>
+        <a:fontRef idx="minor"/>
+      </dsp:style>
+    </dsp:sp>
+    <dsp:sp modelId="{7735099F-5919-42D8-9737-7BC77FF473E9}">
+      <dsp:nvSpPr>
+        <dsp:cNvPr id="0" name=""/>
+        <dsp:cNvSpPr/>
+      </dsp:nvSpPr>
+      <dsp:spPr>
+        <a:xfrm>
+          <a:off x="1081237" y="983449"/>
+          <a:ext cx="1082812" cy="1082812"/>
+        </a:xfrm>
+        <a:prstGeom prst="rect">
+          <a:avLst/>
+        </a:prstGeom>
+        <a:blipFill>
+          <a:blip xmlns:r="http://schemas.openxmlformats.org/officeDocument/2006/relationships" r:embed="rId1">
+            <a:extLst>
+              <a:ext uri="{28A0092B-C50C-407E-A947-70E740481C1C}">
+                <a14:useLocalDpi xmlns:a14="http://schemas.microsoft.com/office/drawing/2010/main" val="0"/>
+              </a:ext>
+              <a:ext uri="{96DAC541-7B7A-43D3-8B79-37D633B846F1}">
+                <asvg:svgBlip xmlns:asvg="http://schemas.microsoft.com/office/drawing/2016/SVG/main" r:embed="rId2"/>
+              </a:ext>
+            </a:extLst>
+          </a:blip>
+          <a:stretch>
+            <a:fillRect/>
+          </a:stretch>
+        </a:blipFill>
+        <a:ln w="12700" cap="flat" cmpd="sng" algn="ctr">
+          <a:noFill/>
+          <a:prstDash val="solid"/>
+          <a:miter lim="800000"/>
+        </a:ln>
+        <a:effectLst/>
+      </dsp:spPr>
+      <dsp:style>
+        <a:lnRef idx="2">
+          <a:scrgbClr r="0" g="0" b="0"/>
+        </a:lnRef>
+        <a:fillRef idx="1">
+          <a:scrgbClr r="0" g="0" b="0"/>
+        </a:fillRef>
+        <a:effectRef idx="0">
+          <a:scrgbClr r="0" g="0" b="0"/>
+        </a:effectRef>
+        <a:fontRef idx="minor">
+          <a:schemeClr val="lt1"/>
+        </a:fontRef>
+      </dsp:style>
+    </dsp:sp>
+    <dsp:sp modelId="{75561DDA-19B8-48F7-ADC5-501164833489}">
+      <dsp:nvSpPr>
+        <dsp:cNvPr id="0" name=""/>
+        <dsp:cNvSpPr/>
+      </dsp:nvSpPr>
+      <dsp:spPr>
+        <a:xfrm>
+          <a:off x="75768" y="3056262"/>
+          <a:ext cx="3093750" cy="720000"/>
+        </a:xfrm>
+        <a:prstGeom prst="rect">
+          <a:avLst/>
+        </a:prstGeom>
+        <a:noFill/>
+        <a:ln>
+          <a:noFill/>
+        </a:ln>
+        <a:effectLst/>
+      </dsp:spPr>
+      <dsp:style>
+        <a:lnRef idx="0">
+          <a:scrgbClr r="0" g="0" b="0"/>
+        </a:lnRef>
+        <a:fillRef idx="0">
+          <a:scrgbClr r="0" g="0" b="0"/>
+        </a:fillRef>
+        <a:effectRef idx="0">
+          <a:scrgbClr r="0" g="0" b="0"/>
+        </a:effectRef>
+        <a:fontRef idx="minor"/>
+      </dsp:style>
+      <dsp:txBody>
+        <a:bodyPr spcFirstLastPara="0" vert="horz" wrap="square" lIns="0" tIns="0" rIns="0" bIns="0" numCol="1" spcCol="1270" anchor="t" anchorCtr="0">
+          <a:noAutofit/>
+        </a:bodyPr>
+        <a:lstStyle/>
+        <a:p>
+          <a:pPr marL="0" lvl="0" indent="0" algn="ctr" defTabSz="1022350">
+            <a:lnSpc>
+              <a:spcPct val="100000"/>
+            </a:lnSpc>
+            <a:spcBef>
+              <a:spcPct val="0"/>
+            </a:spcBef>
+            <a:spcAft>
+              <a:spcPct val="35000"/>
+            </a:spcAft>
+            <a:buNone/>
+            <a:defRPr cap="all"/>
+          </a:pPr>
+          <a:r>
+            <a:rPr lang="en-US" sz="2300" kern="1200" dirty="0"/>
+            <a:t>Récupération des articles du Cloud</a:t>
+          </a:r>
+        </a:p>
+      </dsp:txBody>
+      <dsp:txXfrm>
+        <a:off x="75768" y="3056262"/>
+        <a:ext cx="3093750" cy="720000"/>
+      </dsp:txXfrm>
+    </dsp:sp>
+    <dsp:sp modelId="{65E09D9F-84D0-1C42-9C70-9D8DBFD1D277}">
+      <dsp:nvSpPr>
+        <dsp:cNvPr id="0" name=""/>
+        <dsp:cNvSpPr/>
+      </dsp:nvSpPr>
+      <dsp:spPr>
+        <a:xfrm>
+          <a:off x="4314206" y="581261"/>
+          <a:ext cx="1887187" cy="1887187"/>
+        </a:xfrm>
+        <a:prstGeom prst="round2DiagRect">
+          <a:avLst>
+            <a:gd name="adj1" fmla="val 29727"/>
+            <a:gd name="adj2" fmla="val 0"/>
+          </a:avLst>
+        </a:prstGeom>
+        <a:solidFill>
+          <a:schemeClr val="bg1">
+            <a:lumMod val="95000"/>
+            <a:hueOff val="0"/>
+            <a:satOff val="0"/>
+            <a:lumOff val="0"/>
+            <a:alphaOff val="0"/>
+          </a:schemeClr>
+        </a:solidFill>
+        <a:ln>
+          <a:noFill/>
+        </a:ln>
+        <a:effectLst/>
+      </dsp:spPr>
+      <dsp:style>
+        <a:lnRef idx="0">
+          <a:scrgbClr r="0" g="0" b="0"/>
+        </a:lnRef>
+        <a:fillRef idx="1">
+          <a:scrgbClr r="0" g="0" b="0"/>
+        </a:fillRef>
+        <a:effectRef idx="0">
+          <a:scrgbClr r="0" g="0" b="0"/>
+        </a:effectRef>
+        <a:fontRef idx="minor"/>
+      </dsp:style>
+    </dsp:sp>
+    <dsp:sp modelId="{F7B6A7D7-3FF4-D141-9E06-0799D324A460}">
+      <dsp:nvSpPr>
+        <dsp:cNvPr id="0" name=""/>
+        <dsp:cNvSpPr/>
+      </dsp:nvSpPr>
+      <dsp:spPr>
+        <a:xfrm>
+          <a:off x="4716393" y="983449"/>
+          <a:ext cx="1082812" cy="1082812"/>
+        </a:xfrm>
+        <a:prstGeom prst="rect">
+          <a:avLst/>
+        </a:prstGeom>
+        <a:blipFill>
+          <a:blip xmlns:r="http://schemas.openxmlformats.org/officeDocument/2006/relationships" r:embed="rId3">
+            <a:extLst>
+              <a:ext uri="{28A0092B-C50C-407E-A947-70E740481C1C}">
+                <a14:useLocalDpi xmlns:a14="http://schemas.microsoft.com/office/drawing/2010/main" val="0"/>
+              </a:ext>
+            </a:extLst>
+          </a:blip>
+          <a:srcRect/>
+          <a:stretch>
+            <a:fillRect/>
+          </a:stretch>
+        </a:blipFill>
+        <a:ln w="12700" cap="flat" cmpd="sng" algn="ctr">
+          <a:solidFill>
+            <a:schemeClr val="lt1">
+              <a:alpha val="0"/>
+              <a:hueOff val="0"/>
+              <a:satOff val="0"/>
+              <a:lumOff val="0"/>
+              <a:alphaOff val="0"/>
+            </a:schemeClr>
+          </a:solidFill>
+          <a:prstDash val="solid"/>
+          <a:miter lim="800000"/>
+        </a:ln>
+        <a:effectLst/>
+      </dsp:spPr>
+      <dsp:style>
+        <a:lnRef idx="2">
+          <a:scrgbClr r="0" g="0" b="0"/>
+        </a:lnRef>
+        <a:fillRef idx="1">
+          <a:scrgbClr r="0" g="0" b="0"/>
+        </a:fillRef>
+        <a:effectRef idx="0">
+          <a:scrgbClr r="0" g="0" b="0"/>
+        </a:effectRef>
+        <a:fontRef idx="minor">
+          <a:schemeClr val="lt1"/>
+        </a:fontRef>
+      </dsp:style>
+    </dsp:sp>
+    <dsp:sp modelId="{0CE943D4-E86E-F344-8472-38D48EF4E318}">
       <dsp:nvSpPr>
         <dsp:cNvPr id="0" name=""/>
         <dsp:cNvSpPr/>
@@ -17115,9 +18188,9 @@
         </a:bodyPr>
         <a:lstStyle/>
         <a:p>
-          <a:pPr marL="0" lvl="0" indent="0" algn="ctr" defTabSz="1111250">
+          <a:pPr marL="0" lvl="0" indent="0" algn="ctr" defTabSz="1022350">
             <a:lnSpc>
-              <a:spcPct val="90000"/>
+              <a:spcPct val="100000"/>
             </a:lnSpc>
             <a:spcBef>
               <a:spcPct val="0"/>
@@ -17129,8 +18202,12 @@
             <a:defRPr cap="all"/>
           </a:pPr>
           <a:r>
-            <a:rPr lang="en-US" sz="2500" kern="1200" dirty="0"/>
-            <a:t>Interface Utilisateur</a:t>
+            <a:rPr lang="en-GB" sz="2300" kern="1200" dirty="0" err="1"/>
+            <a:t>Intégration</a:t>
+          </a:r>
+          <a:r>
+            <a:rPr lang="en-GB" sz="2300" kern="1200" dirty="0"/>
+            <a:t>  SQLite</a:t>
           </a:r>
         </a:p>
       </dsp:txBody>
@@ -17139,7 +18216,7 @@
         <a:ext cx="3093750" cy="720000"/>
       </dsp:txXfrm>
     </dsp:sp>
-    <dsp:sp modelId="{0CCD5A54-E709-42D5-93CE-13C48DF7594E}">
+    <dsp:sp modelId="{8E70F587-1058-4FDD-B731-9E8A2A3748C1}">
       <dsp:nvSpPr>
         <dsp:cNvPr id="0" name=""/>
         <dsp:cNvSpPr/>
@@ -17149,8 +18226,11 @@
           <a:off x="7949362" y="581261"/>
           <a:ext cx="1887187" cy="1887187"/>
         </a:xfrm>
-        <a:prstGeom prst="ellipse">
-          <a:avLst/>
+        <a:prstGeom prst="round2DiagRect">
+          <a:avLst>
+            <a:gd name="adj1" fmla="val 29727"/>
+            <a:gd name="adj2" fmla="val 0"/>
+          </a:avLst>
         </a:prstGeom>
         <a:solidFill>
           <a:schemeClr val="bg1">
@@ -17179,7 +18259,7 @@
         <a:fontRef idx="minor"/>
       </dsp:style>
     </dsp:sp>
-    <dsp:sp modelId="{EF65853B-3DB8-48FA-998B-4013775780EF}">
+    <dsp:sp modelId="{189449CC-CB03-43F6-8662-8BCB68BA7EF8}">
       <dsp:nvSpPr>
         <dsp:cNvPr id="0" name=""/>
         <dsp:cNvSpPr/>
@@ -17229,7 +18309,7 @@
         </a:fontRef>
       </dsp:style>
     </dsp:sp>
-    <dsp:sp modelId="{F8DC8407-8B5F-461A-AAFF-3E2C683FAFEF}">
+    <dsp:sp modelId="{C5EEE785-D9E6-4B7D-8516-E66E12928DC9}">
       <dsp:nvSpPr>
         <dsp:cNvPr id="0" name=""/>
         <dsp:cNvSpPr/>
@@ -17266,9 +18346,9 @@
         </a:bodyPr>
         <a:lstStyle/>
         <a:p>
-          <a:pPr marL="0" lvl="0" indent="0" algn="ctr" defTabSz="1111250">
+          <a:pPr marL="0" lvl="0" indent="0" algn="ctr" defTabSz="1022350">
             <a:lnSpc>
-              <a:spcPct val="90000"/>
+              <a:spcPct val="100000"/>
             </a:lnSpc>
             <a:spcBef>
               <a:spcPct val="0"/>
@@ -17280,334 +18360,15 @@
             <a:defRPr cap="all"/>
           </a:pPr>
           <a:r>
-            <a:rPr lang="en-US" sz="2500" kern="1200" dirty="0"/>
-            <a:t>Navigation entre les activités Android</a:t>
+            <a:rPr lang="en-US" sz="2300" kern="1200" dirty="0" err="1"/>
+            <a:t>Synchronisation</a:t>
           </a:r>
+          <a:endParaRPr lang="en-US" sz="2300" kern="1200" dirty="0"/>
         </a:p>
       </dsp:txBody>
       <dsp:txXfrm>
         <a:off x="7346081" y="3056262"/>
         <a:ext cx="3093750" cy="720000"/>
-      </dsp:txXfrm>
-    </dsp:sp>
-  </dsp:spTree>
-</dsp:drawing>
-</file>
-
-<file path=ppt/diagrams/drawing8.xml><?xml version="1.0" encoding="utf-8"?>
-<dsp:drawing xmlns:dgm="http://schemas.openxmlformats.org/drawingml/2006/diagram" xmlns:dsp="http://schemas.microsoft.com/office/drawing/2008/diagram" xmlns:a="http://schemas.openxmlformats.org/drawingml/2006/main">
-  <dsp:spTree>
-    <dsp:nvGrpSpPr>
-      <dsp:cNvPr id="0" name=""/>
-      <dsp:cNvGrpSpPr/>
-    </dsp:nvGrpSpPr>
-    <dsp:grpSpPr/>
-    <dsp:sp modelId="{8E70F587-1058-4FDD-B731-9E8A2A3748C1}">
-      <dsp:nvSpPr>
-        <dsp:cNvPr id="0" name=""/>
-        <dsp:cNvSpPr/>
-      </dsp:nvSpPr>
-      <dsp:spPr>
-        <a:xfrm>
-          <a:off x="2044800" y="378761"/>
-          <a:ext cx="2196000" cy="2196000"/>
-        </a:xfrm>
-        <a:prstGeom prst="round2DiagRect">
-          <a:avLst>
-            <a:gd name="adj1" fmla="val 29727"/>
-            <a:gd name="adj2" fmla="val 0"/>
-          </a:avLst>
-        </a:prstGeom>
-        <a:solidFill>
-          <a:schemeClr val="bg1">
-            <a:lumMod val="95000"/>
-            <a:hueOff val="0"/>
-            <a:satOff val="0"/>
-            <a:lumOff val="0"/>
-            <a:alphaOff val="0"/>
-          </a:schemeClr>
-        </a:solidFill>
-        <a:ln>
-          <a:noFill/>
-        </a:ln>
-        <a:effectLst/>
-      </dsp:spPr>
-      <dsp:style>
-        <a:lnRef idx="0">
-          <a:scrgbClr r="0" g="0" b="0"/>
-        </a:lnRef>
-        <a:fillRef idx="1">
-          <a:scrgbClr r="0" g="0" b="0"/>
-        </a:fillRef>
-        <a:effectRef idx="0">
-          <a:scrgbClr r="0" g="0" b="0"/>
-        </a:effectRef>
-        <a:fontRef idx="minor"/>
-      </dsp:style>
-    </dsp:sp>
-    <dsp:sp modelId="{189449CC-CB03-43F6-8662-8BCB68BA7EF8}">
-      <dsp:nvSpPr>
-        <dsp:cNvPr id="0" name=""/>
-        <dsp:cNvSpPr/>
-      </dsp:nvSpPr>
-      <dsp:spPr>
-        <a:xfrm>
-          <a:off x="2512800" y="846761"/>
-          <a:ext cx="1260000" cy="1260000"/>
-        </a:xfrm>
-        <a:prstGeom prst="rect">
-          <a:avLst/>
-        </a:prstGeom>
-        <a:blipFill>
-          <a:blip xmlns:r="http://schemas.openxmlformats.org/officeDocument/2006/relationships" r:embed="rId1">
-            <a:extLst>
-              <a:ext uri="{28A0092B-C50C-407E-A947-70E740481C1C}">
-                <a14:useLocalDpi xmlns:a14="http://schemas.microsoft.com/office/drawing/2010/main" val="0"/>
-              </a:ext>
-              <a:ext uri="{96DAC541-7B7A-43D3-8B79-37D633B846F1}">
-                <asvg:svgBlip xmlns:asvg="http://schemas.microsoft.com/office/drawing/2016/SVG/main" r:embed="rId2"/>
-              </a:ext>
-            </a:extLst>
-          </a:blip>
-          <a:stretch>
-            <a:fillRect/>
-          </a:stretch>
-        </a:blipFill>
-        <a:ln w="12700" cap="flat" cmpd="sng" algn="ctr">
-          <a:noFill/>
-          <a:prstDash val="solid"/>
-          <a:miter lim="800000"/>
-        </a:ln>
-        <a:effectLst/>
-      </dsp:spPr>
-      <dsp:style>
-        <a:lnRef idx="2">
-          <a:scrgbClr r="0" g="0" b="0"/>
-        </a:lnRef>
-        <a:fillRef idx="1">
-          <a:scrgbClr r="0" g="0" b="0"/>
-        </a:fillRef>
-        <a:effectRef idx="0">
-          <a:scrgbClr r="0" g="0" b="0"/>
-        </a:effectRef>
-        <a:fontRef idx="minor">
-          <a:schemeClr val="lt1"/>
-        </a:fontRef>
-      </dsp:style>
-    </dsp:sp>
-    <dsp:sp modelId="{C5EEE785-D9E6-4B7D-8516-E66E12928DC9}">
-      <dsp:nvSpPr>
-        <dsp:cNvPr id="0" name=""/>
-        <dsp:cNvSpPr/>
-      </dsp:nvSpPr>
-      <dsp:spPr>
-        <a:xfrm>
-          <a:off x="1342800" y="3258762"/>
-          <a:ext cx="3600000" cy="720000"/>
-        </a:xfrm>
-        <a:prstGeom prst="rect">
-          <a:avLst/>
-        </a:prstGeom>
-        <a:noFill/>
-        <a:ln>
-          <a:noFill/>
-        </a:ln>
-        <a:effectLst/>
-      </dsp:spPr>
-      <dsp:style>
-        <a:lnRef idx="0">
-          <a:scrgbClr r="0" g="0" b="0"/>
-        </a:lnRef>
-        <a:fillRef idx="0">
-          <a:scrgbClr r="0" g="0" b="0"/>
-        </a:fillRef>
-        <a:effectRef idx="0">
-          <a:scrgbClr r="0" g="0" b="0"/>
-        </a:effectRef>
-        <a:fontRef idx="minor"/>
-      </dsp:style>
-      <dsp:txBody>
-        <a:bodyPr spcFirstLastPara="0" vert="horz" wrap="square" lIns="0" tIns="0" rIns="0" bIns="0" numCol="1" spcCol="1270" anchor="t" anchorCtr="0">
-          <a:noAutofit/>
-        </a:bodyPr>
-        <a:lstStyle/>
-        <a:p>
-          <a:pPr marL="0" lvl="0" indent="0" algn="ctr" defTabSz="1111250">
-            <a:lnSpc>
-              <a:spcPct val="90000"/>
-            </a:lnSpc>
-            <a:spcBef>
-              <a:spcPct val="0"/>
-            </a:spcBef>
-            <a:spcAft>
-              <a:spcPct val="35000"/>
-            </a:spcAft>
-            <a:buNone/>
-            <a:defRPr cap="all"/>
-          </a:pPr>
-          <a:r>
-            <a:rPr lang="en-US" sz="2500" kern="1200" dirty="0"/>
-            <a:t>Connexion au Cloud (serveur Node.js)</a:t>
-          </a:r>
-        </a:p>
-      </dsp:txBody>
-      <dsp:txXfrm>
-        <a:off x="1342800" y="3258762"/>
-        <a:ext cx="3600000" cy="720000"/>
-      </dsp:txXfrm>
-    </dsp:sp>
-    <dsp:sp modelId="{C1315EA1-150D-454B-BCC8-DC57E9F59A2D}">
-      <dsp:nvSpPr>
-        <dsp:cNvPr id="0" name=""/>
-        <dsp:cNvSpPr/>
-      </dsp:nvSpPr>
-      <dsp:spPr>
-        <a:xfrm>
-          <a:off x="6274800" y="378761"/>
-          <a:ext cx="2196000" cy="2196000"/>
-        </a:xfrm>
-        <a:prstGeom prst="round2DiagRect">
-          <a:avLst>
-            <a:gd name="adj1" fmla="val 29727"/>
-            <a:gd name="adj2" fmla="val 0"/>
-          </a:avLst>
-        </a:prstGeom>
-        <a:solidFill>
-          <a:schemeClr val="bg1">
-            <a:lumMod val="95000"/>
-            <a:hueOff val="0"/>
-            <a:satOff val="0"/>
-            <a:lumOff val="0"/>
-            <a:alphaOff val="0"/>
-          </a:schemeClr>
-        </a:solidFill>
-        <a:ln>
-          <a:noFill/>
-        </a:ln>
-        <a:effectLst/>
-      </dsp:spPr>
-      <dsp:style>
-        <a:lnRef idx="0">
-          <a:scrgbClr r="0" g="0" b="0"/>
-        </a:lnRef>
-        <a:fillRef idx="1">
-          <a:scrgbClr r="0" g="0" b="0"/>
-        </a:fillRef>
-        <a:effectRef idx="0">
-          <a:scrgbClr r="0" g="0" b="0"/>
-        </a:effectRef>
-        <a:fontRef idx="minor"/>
-      </dsp:style>
-    </dsp:sp>
-    <dsp:sp modelId="{7735099F-5919-42D8-9737-7BC77FF473E9}">
-      <dsp:nvSpPr>
-        <dsp:cNvPr id="0" name=""/>
-        <dsp:cNvSpPr/>
-      </dsp:nvSpPr>
-      <dsp:spPr>
-        <a:xfrm>
-          <a:off x="6742800" y="846761"/>
-          <a:ext cx="1260000" cy="1260000"/>
-        </a:xfrm>
-        <a:prstGeom prst="rect">
-          <a:avLst/>
-        </a:prstGeom>
-        <a:blipFill>
-          <a:blip xmlns:r="http://schemas.openxmlformats.org/officeDocument/2006/relationships" r:embed="rId3">
-            <a:extLst>
-              <a:ext uri="{28A0092B-C50C-407E-A947-70E740481C1C}">
-                <a14:useLocalDpi xmlns:a14="http://schemas.microsoft.com/office/drawing/2010/main" val="0"/>
-              </a:ext>
-              <a:ext uri="{96DAC541-7B7A-43D3-8B79-37D633B846F1}">
-                <asvg:svgBlip xmlns:asvg="http://schemas.microsoft.com/office/drawing/2016/SVG/main" r:embed="rId4"/>
-              </a:ext>
-            </a:extLst>
-          </a:blip>
-          <a:stretch>
-            <a:fillRect/>
-          </a:stretch>
-        </a:blipFill>
-        <a:ln w="12700" cap="flat" cmpd="sng" algn="ctr">
-          <a:noFill/>
-          <a:prstDash val="solid"/>
-          <a:miter lim="800000"/>
-        </a:ln>
-        <a:effectLst/>
-      </dsp:spPr>
-      <dsp:style>
-        <a:lnRef idx="2">
-          <a:scrgbClr r="0" g="0" b="0"/>
-        </a:lnRef>
-        <a:fillRef idx="1">
-          <a:scrgbClr r="0" g="0" b="0"/>
-        </a:fillRef>
-        <a:effectRef idx="0">
-          <a:scrgbClr r="0" g="0" b="0"/>
-        </a:effectRef>
-        <a:fontRef idx="minor">
-          <a:schemeClr val="lt1"/>
-        </a:fontRef>
-      </dsp:style>
-    </dsp:sp>
-    <dsp:sp modelId="{75561DDA-19B8-48F7-ADC5-501164833489}">
-      <dsp:nvSpPr>
-        <dsp:cNvPr id="0" name=""/>
-        <dsp:cNvSpPr/>
-      </dsp:nvSpPr>
-      <dsp:spPr>
-        <a:xfrm>
-          <a:off x="5572800" y="3258762"/>
-          <a:ext cx="3600000" cy="720000"/>
-        </a:xfrm>
-        <a:prstGeom prst="rect">
-          <a:avLst/>
-        </a:prstGeom>
-        <a:noFill/>
-        <a:ln>
-          <a:noFill/>
-        </a:ln>
-        <a:effectLst/>
-      </dsp:spPr>
-      <dsp:style>
-        <a:lnRef idx="0">
-          <a:scrgbClr r="0" g="0" b="0"/>
-        </a:lnRef>
-        <a:fillRef idx="0">
-          <a:scrgbClr r="0" g="0" b="0"/>
-        </a:fillRef>
-        <a:effectRef idx="0">
-          <a:scrgbClr r="0" g="0" b="0"/>
-        </a:effectRef>
-        <a:fontRef idx="minor"/>
-      </dsp:style>
-      <dsp:txBody>
-        <a:bodyPr spcFirstLastPara="0" vert="horz" wrap="square" lIns="0" tIns="0" rIns="0" bIns="0" numCol="1" spcCol="1270" anchor="t" anchorCtr="0">
-          <a:noAutofit/>
-        </a:bodyPr>
-        <a:lstStyle/>
-        <a:p>
-          <a:pPr marL="0" lvl="0" indent="0" algn="ctr" defTabSz="1111250">
-            <a:lnSpc>
-              <a:spcPct val="90000"/>
-            </a:lnSpc>
-            <a:spcBef>
-              <a:spcPct val="0"/>
-            </a:spcBef>
-            <a:spcAft>
-              <a:spcPct val="35000"/>
-            </a:spcAft>
-            <a:buNone/>
-            <a:defRPr cap="all"/>
-          </a:pPr>
-          <a:r>
-            <a:rPr lang="en-US" sz="2500" kern="1200" dirty="0"/>
-            <a:t>Récupération des articles du Cloud</a:t>
-          </a:r>
-        </a:p>
-      </dsp:txBody>
-      <dsp:txXfrm>
-        <a:off x="5572800" y="3258762"/>
-        <a:ext cx="3600000" cy="720000"/>
       </dsp:txXfrm>
     </dsp:sp>
   </dsp:spTree>
@@ -31304,7 +32065,7 @@
           <a:p>
             <a:fld id="{B4885187-4350-C14B-9475-870BEF49B041}" type="slidenum">
               <a:rPr lang="en-FR" smtClean="0"/>
-              <a:t>4</a:t>
+              <a:t>3</a:t>
             </a:fld>
             <a:endParaRPr lang="en-FR"/>
           </a:p>
@@ -31388,7 +32149,7 @@
           <a:p>
             <a:fld id="{B4885187-4350-C14B-9475-870BEF49B041}" type="slidenum">
               <a:rPr lang="en-FR" smtClean="0"/>
-              <a:t>6</a:t>
+              <a:t>5</a:t>
             </a:fld>
             <a:endParaRPr lang="en-FR"/>
           </a:p>
@@ -31472,7 +32233,7 @@
           <a:p>
             <a:fld id="{B4885187-4350-C14B-9475-870BEF49B041}" type="slidenum">
               <a:rPr lang="en-FR" smtClean="0"/>
-              <a:t>8</a:t>
+              <a:t>7</a:t>
             </a:fld>
             <a:endParaRPr lang="en-FR"/>
           </a:p>
@@ -31556,7 +32317,7 @@
           <a:p>
             <a:fld id="{B4885187-4350-C14B-9475-870BEF49B041}" type="slidenum">
               <a:rPr lang="en-FR" smtClean="0"/>
-              <a:t>14</a:t>
+              <a:t>12</a:t>
             </a:fld>
             <a:endParaRPr lang="en-FR"/>
           </a:p>
@@ -31640,7 +32401,7 @@
           <a:p>
             <a:fld id="{B4885187-4350-C14B-9475-870BEF49B041}" type="slidenum">
               <a:rPr lang="en-FR" smtClean="0"/>
-              <a:t>16</a:t>
+              <a:t>14</a:t>
             </a:fld>
             <a:endParaRPr lang="en-FR"/>
           </a:p>
@@ -35512,254 +36273,6 @@
       </p:grpSpPr>
       <p:sp useBgFill="1">
         <p:nvSpPr>
-          <p:cNvPr id="16" name="Rectangle 13">
-            <a:extLst>
-              <a:ext uri="{FF2B5EF4-FFF2-40B4-BE49-F238E27FC236}">
-                <a16:creationId xmlns:a16="http://schemas.microsoft.com/office/drawing/2014/main" id="{955A2079-FA98-4876-80F0-72364A7D2EA4}"/>
-              </a:ext>
-              <a:ext uri="{C183D7F6-B498-43B3-948B-1728B52AA6E4}">
-                <adec:decorative xmlns:adec="http://schemas.microsoft.com/office/drawing/2017/decorative" val="1"/>
-              </a:ext>
-            </a:extLst>
-          </p:cNvPr>
-          <p:cNvSpPr>
-            <a:spLocks noGrp="1" noRot="1" noChangeAspect="1" noMove="1" noResize="1" noEditPoints="1" noAdjustHandles="1" noChangeArrowheads="1" noChangeShapeType="1" noTextEdit="1"/>
-          </p:cNvSpPr>
-          <p:nvPr>
-            <p:extLst>
-              <p:ext uri="{386F3935-93C4-4BCD-93E2-E3B085C9AB24}">
-                <p16:designElem xmlns:p16="http://schemas.microsoft.com/office/powerpoint/2015/main" val="1"/>
-              </p:ext>
-            </p:extLst>
-          </p:nvPr>
-        </p:nvSpPr>
-        <p:spPr>
-          <a:xfrm>
-            <a:off x="-1" y="0"/>
-            <a:ext cx="12188952" cy="6858000"/>
-          </a:xfrm>
-          <a:prstGeom prst="rect">
-            <a:avLst/>
-          </a:prstGeom>
-          <a:ln>
-            <a:noFill/>
-          </a:ln>
-        </p:spPr>
-        <p:style>
-          <a:lnRef idx="2">
-            <a:schemeClr val="accent1">
-              <a:shade val="50000"/>
-            </a:schemeClr>
-          </a:lnRef>
-          <a:fillRef idx="1">
-            <a:schemeClr val="accent1"/>
-          </a:fillRef>
-          <a:effectRef idx="0">
-            <a:schemeClr val="accent1"/>
-          </a:effectRef>
-          <a:fontRef idx="minor">
-            <a:schemeClr val="lt1"/>
-          </a:fontRef>
-        </p:style>
-        <p:txBody>
-          <a:bodyPr rtlCol="0" anchor="ctr"/>
-          <a:lstStyle/>
-          <a:p>
-            <a:pPr algn="ctr"/>
-            <a:endParaRPr lang="en-US" dirty="0"/>
-          </a:p>
-        </p:txBody>
-      </p:sp>
-      <p:sp>
-        <p:nvSpPr>
-          <p:cNvPr id="2" name="Title 1">
-            <a:extLst>
-              <a:ext uri="{FF2B5EF4-FFF2-40B4-BE49-F238E27FC236}">
-                <a16:creationId xmlns:a16="http://schemas.microsoft.com/office/drawing/2014/main" id="{06768ECD-3B0D-6F48-9FAF-FC30AC00B150}"/>
-              </a:ext>
-            </a:extLst>
-          </p:cNvPr>
-          <p:cNvSpPr>
-            <a:spLocks noGrp="1"/>
-          </p:cNvSpPr>
-          <p:nvPr>
-            <p:ph type="title"/>
-          </p:nvPr>
-        </p:nvSpPr>
-        <p:spPr>
-          <a:xfrm>
-            <a:off x="838200" y="557188"/>
-            <a:ext cx="10515600" cy="1133499"/>
-          </a:xfrm>
-        </p:spPr>
-        <p:txBody>
-          <a:bodyPr>
-            <a:normAutofit/>
-          </a:bodyPr>
-          <a:lstStyle/>
-          <a:p>
-            <a:pPr algn="ctr"/>
-            <a:r>
-              <a:rPr lang="en-FR" sz="5200"/>
-              <a:t>Agile : Implémentation</a:t>
-            </a:r>
-          </a:p>
-        </p:txBody>
-      </p:sp>
-      <p:graphicFrame>
-        <p:nvGraphicFramePr>
-          <p:cNvPr id="5" name="Content Placeholder 2">
-            <a:extLst>
-              <a:ext uri="{FF2B5EF4-FFF2-40B4-BE49-F238E27FC236}">
-                <a16:creationId xmlns:a16="http://schemas.microsoft.com/office/drawing/2014/main" id="{E23904AC-AAF8-4D83-B9AF-6C709288F8AE}"/>
-              </a:ext>
-            </a:extLst>
-          </p:cNvPr>
-          <p:cNvGraphicFramePr>
-            <a:graphicFrameLocks noGrp="1"/>
-          </p:cNvGraphicFramePr>
-          <p:nvPr>
-            <p:ph idx="1"/>
-            <p:extLst>
-              <p:ext uri="{D42A27DB-BD31-4B8C-83A1-F6EECF244321}">
-                <p14:modId xmlns:p14="http://schemas.microsoft.com/office/powerpoint/2010/main" val="1290543757"/>
-              </p:ext>
-            </p:extLst>
-          </p:nvPr>
-        </p:nvGraphicFramePr>
-        <p:xfrm>
-          <a:off x="1916175" y="1948268"/>
-          <a:ext cx="8356600" cy="4352544"/>
-        </p:xfrm>
-        <a:graphic>
-          <a:graphicData uri="http://schemas.openxmlformats.org/drawingml/2006/diagram">
-            <dgm:relIds xmlns:dgm="http://schemas.openxmlformats.org/drawingml/2006/diagram" xmlns:r="http://schemas.openxmlformats.org/officeDocument/2006/relationships" r:dm="rId2" r:lo="rId3" r:qs="rId4" r:cs="rId5"/>
-          </a:graphicData>
-        </a:graphic>
-      </p:graphicFrame>
-    </p:spTree>
-    <p:extLst>
-      <p:ext uri="{BB962C8B-B14F-4D97-AF65-F5344CB8AC3E}">
-        <p14:creationId xmlns:p14="http://schemas.microsoft.com/office/powerpoint/2010/main" val="2224361249"/>
-      </p:ext>
-    </p:extLst>
-  </p:cSld>
-  <p:clrMapOvr>
-    <a:masterClrMapping/>
-  </p:clrMapOvr>
-</p:sld>
-</file>
-
-<file path=ppt/slides/slide11.xml><?xml version="1.0" encoding="utf-8"?>
-<p:sld xmlns:a="http://schemas.openxmlformats.org/drawingml/2006/main" xmlns:r="http://schemas.openxmlformats.org/officeDocument/2006/relationships" xmlns:p="http://schemas.openxmlformats.org/presentationml/2006/main">
-  <p:cSld>
-    <p:spTree>
-      <p:nvGrpSpPr>
-        <p:cNvPr id="1" name=""/>
-        <p:cNvGrpSpPr/>
-        <p:nvPr/>
-      </p:nvGrpSpPr>
-      <p:grpSpPr>
-        <a:xfrm>
-          <a:off x="0" y="0"/>
-          <a:ext cx="0" cy="0"/>
-          <a:chOff x="0" y="0"/>
-          <a:chExt cx="0" cy="0"/>
-        </a:xfrm>
-      </p:grpSpPr>
-      <p:sp>
-        <p:nvSpPr>
-          <p:cNvPr id="2" name="Title 1">
-            <a:extLst>
-              <a:ext uri="{FF2B5EF4-FFF2-40B4-BE49-F238E27FC236}">
-                <a16:creationId xmlns:a16="http://schemas.microsoft.com/office/drawing/2014/main" id="{06768ECD-3B0D-6F48-9FAF-FC30AC00B150}"/>
-              </a:ext>
-            </a:extLst>
-          </p:cNvPr>
-          <p:cNvSpPr>
-            <a:spLocks noGrp="1"/>
-          </p:cNvSpPr>
-          <p:nvPr>
-            <p:ph type="title"/>
-          </p:nvPr>
-        </p:nvSpPr>
-        <p:spPr/>
-        <p:txBody>
-          <a:bodyPr/>
-          <a:lstStyle/>
-          <a:p>
-            <a:r>
-              <a:rPr lang="en-FR"/>
-              <a:t>Agile : Backlog</a:t>
-            </a:r>
-          </a:p>
-        </p:txBody>
-      </p:sp>
-      <p:sp>
-        <p:nvSpPr>
-          <p:cNvPr id="3" name="Content Placeholder 2">
-            <a:extLst>
-              <a:ext uri="{FF2B5EF4-FFF2-40B4-BE49-F238E27FC236}">
-                <a16:creationId xmlns:a16="http://schemas.microsoft.com/office/drawing/2014/main" id="{B70D4BB2-3075-CF41-A580-53BBD08CB6D4}"/>
-              </a:ext>
-            </a:extLst>
-          </p:cNvPr>
-          <p:cNvSpPr>
-            <a:spLocks noGrp="1"/>
-          </p:cNvSpPr>
-          <p:nvPr>
-            <p:ph idx="1"/>
-          </p:nvPr>
-        </p:nvSpPr>
-        <p:spPr/>
-        <p:txBody>
-          <a:bodyPr/>
-          <a:lstStyle/>
-          <a:p>
-            <a:endParaRPr lang="en-FR"/>
-          </a:p>
-        </p:txBody>
-      </p:sp>
-    </p:spTree>
-    <p:extLst>
-      <p:ext uri="{BB962C8B-B14F-4D97-AF65-F5344CB8AC3E}">
-        <p14:creationId xmlns:p14="http://schemas.microsoft.com/office/powerpoint/2010/main" val="1767619586"/>
-      </p:ext>
-    </p:extLst>
-  </p:cSld>
-  <p:clrMapOvr>
-    <a:masterClrMapping/>
-  </p:clrMapOvr>
-</p:sld>
-</file>
-
-<file path=ppt/slides/slide12.xml><?xml version="1.0" encoding="utf-8"?>
-<p:sld xmlns:a="http://schemas.openxmlformats.org/drawingml/2006/main" xmlns:r="http://schemas.openxmlformats.org/officeDocument/2006/relationships" xmlns:p="http://schemas.openxmlformats.org/presentationml/2006/main">
-  <p:cSld>
-    <p:bg>
-      <p:bgPr>
-        <a:solidFill>
-          <a:schemeClr val="bg1"/>
-        </a:solidFill>
-        <a:effectLst/>
-      </p:bgPr>
-    </p:bg>
-    <p:spTree>
-      <p:nvGrpSpPr>
-        <p:cNvPr id="1" name=""/>
-        <p:cNvGrpSpPr/>
-        <p:nvPr/>
-      </p:nvGrpSpPr>
-      <p:grpSpPr>
-        <a:xfrm>
-          <a:off x="0" y="0"/>
-          <a:ext cx="0" cy="0"/>
-          <a:chOff x="0" y="0"/>
-          <a:chExt cx="0" cy="0"/>
-        </a:xfrm>
-      </p:grpSpPr>
-      <p:sp useBgFill="1">
-        <p:nvSpPr>
           <p:cNvPr id="15" name="Rectangle 8">
             <a:extLst>
               <a:ext uri="{FF2B5EF4-FFF2-40B4-BE49-F238E27FC236}">
@@ -36014,7 +36527,7 @@
             <p:ph idx="1"/>
             <p:extLst>
               <p:ext uri="{D42A27DB-BD31-4B8C-83A1-F6EECF244321}">
-                <p14:modId xmlns:p14="http://schemas.microsoft.com/office/powerpoint/2010/main" val="1727983895"/>
+                <p14:modId xmlns:p14="http://schemas.microsoft.com/office/powerpoint/2010/main" val="3658812714"/>
               </p:ext>
             </p:extLst>
           </p:nvPr>
@@ -36042,7 +36555,7 @@
 </p:sld>
 </file>
 
-<file path=ppt/slides/slide13.xml><?xml version="1.0" encoding="utf-8"?>
+<file path=ppt/slides/slide11.xml><?xml version="1.0" encoding="utf-8"?>
 <p:sld xmlns:a="http://schemas.openxmlformats.org/drawingml/2006/main" xmlns:r="http://schemas.openxmlformats.org/officeDocument/2006/relationships" xmlns:p="http://schemas.openxmlformats.org/presentationml/2006/main">
   <p:cSld>
     <p:bg>
@@ -36323,7 +36836,7 @@
             <p:ph idx="1"/>
             <p:extLst>
               <p:ext uri="{D42A27DB-BD31-4B8C-83A1-F6EECF244321}">
-                <p14:modId xmlns:p14="http://schemas.microsoft.com/office/powerpoint/2010/main" val="815637731"/>
+                <p14:modId xmlns:p14="http://schemas.microsoft.com/office/powerpoint/2010/main" val="220364614"/>
               </p:ext>
             </p:extLst>
           </p:nvPr>
@@ -36351,7 +36864,7 @@
 </p:sld>
 </file>
 
-<file path=ppt/slides/slide14.xml><?xml version="1.0" encoding="utf-8"?>
+<file path=ppt/slides/slide12.xml><?xml version="1.0" encoding="utf-8"?>
 <p:sld xmlns:a="http://schemas.openxmlformats.org/drawingml/2006/main" xmlns:r="http://schemas.openxmlformats.org/officeDocument/2006/relationships" xmlns:p="http://schemas.openxmlformats.org/presentationml/2006/main">
   <p:cSld>
     <p:spTree>
@@ -36447,7 +36960,7 @@
 </p:sld>
 </file>
 
-<file path=ppt/slides/slide15.xml><?xml version="1.0" encoding="utf-8"?>
+<file path=ppt/slides/slide13.xml><?xml version="1.0" encoding="utf-8"?>
 <p:sld xmlns:a="http://schemas.openxmlformats.org/drawingml/2006/main" xmlns:r="http://schemas.openxmlformats.org/officeDocument/2006/relationships" xmlns:p="http://schemas.openxmlformats.org/presentationml/2006/main">
   <p:cSld>
     <p:bg>
@@ -37873,7 +38386,7 @@
 </p:sld>
 </file>
 
-<file path=ppt/slides/slide16.xml><?xml version="1.0" encoding="utf-8"?>
+<file path=ppt/slides/slide14.xml><?xml version="1.0" encoding="utf-8"?>
 <p:sld xmlns:a="http://schemas.openxmlformats.org/drawingml/2006/main" xmlns:r="http://schemas.openxmlformats.org/officeDocument/2006/relationships" xmlns:p="http://schemas.openxmlformats.org/presentationml/2006/main">
   <p:cSld>
     <p:bg>
@@ -38192,7 +38705,7 @@
           <a:lstStyle/>
           <a:p>
             <a:r>
-              <a:rPr lang="en-FR"/>
+              <a:rPr lang="en-FR" dirty="0"/>
               <a:t>Sommaire</a:t>
             </a:r>
           </a:p>
@@ -38227,49 +38740,49 @@
           <a:lstStyle/>
           <a:p>
             <a:r>
-              <a:rPr lang="en-FR" sz="2000"/>
+              <a:rPr lang="fr-FR" sz="2000" dirty="0"/>
               <a:t>Introduction</a:t>
             </a:r>
           </a:p>
           <a:p>
             <a:r>
-              <a:rPr lang="en-FR" sz="2000"/>
+              <a:rPr lang="fr-FR" sz="2000" dirty="0"/>
               <a:t>Architecture</a:t>
             </a:r>
           </a:p>
           <a:p>
             <a:r>
-              <a:rPr lang="en-FR" sz="2000"/>
+              <a:rPr lang="fr-FR" sz="2000" dirty="0"/>
               <a:t>API Rest</a:t>
             </a:r>
           </a:p>
           <a:p>
             <a:r>
-              <a:rPr lang="en-FR" sz="2000"/>
+              <a:rPr lang="fr-FR" sz="2000" dirty="0"/>
               <a:t>Stockage Cloud</a:t>
             </a:r>
           </a:p>
           <a:p>
             <a:r>
-              <a:rPr lang="en-FR" sz="2000"/>
+              <a:rPr lang="fr-FR" sz="2000" dirty="0"/>
               <a:t>Stockage Local</a:t>
             </a:r>
           </a:p>
           <a:p>
             <a:r>
-              <a:rPr lang="en-FR" sz="2000"/>
+              <a:rPr lang="fr-FR" sz="2000" dirty="0"/>
               <a:t>Interface Utilisateur</a:t>
             </a:r>
           </a:p>
           <a:p>
             <a:r>
-              <a:rPr lang="en-FR" sz="2000"/>
+              <a:rPr lang="fr-FR" sz="2000" dirty="0"/>
               <a:t>Méthodologie Agile</a:t>
             </a:r>
           </a:p>
           <a:p>
             <a:r>
-              <a:rPr lang="en-FR" sz="2000"/>
+              <a:rPr lang="fr-FR" sz="2000" dirty="0"/>
               <a:t>Conclusion</a:t>
             </a:r>
           </a:p>
@@ -38392,134 +38905,6 @@
           <p:cNvPr id="2" name="Title 1">
             <a:extLst>
               <a:ext uri="{FF2B5EF4-FFF2-40B4-BE49-F238E27FC236}">
-                <a16:creationId xmlns:a16="http://schemas.microsoft.com/office/drawing/2014/main" id="{82084E61-48D8-1542-9F84-2B7626CD6C3E}"/>
-              </a:ext>
-            </a:extLst>
-          </p:cNvPr>
-          <p:cNvSpPr>
-            <a:spLocks noGrp="1"/>
-          </p:cNvSpPr>
-          <p:nvPr>
-            <p:ph type="title"/>
-          </p:nvPr>
-        </p:nvSpPr>
-        <p:spPr/>
-        <p:txBody>
-          <a:bodyPr/>
-          <a:lstStyle/>
-          <a:p>
-            <a:r>
-              <a:rPr lang="en-FR"/>
-              <a:t>Introduction</a:t>
-            </a:r>
-          </a:p>
-        </p:txBody>
-      </p:sp>
-      <p:sp>
-        <p:nvSpPr>
-          <p:cNvPr id="3" name="Content Placeholder 2">
-            <a:extLst>
-              <a:ext uri="{FF2B5EF4-FFF2-40B4-BE49-F238E27FC236}">
-                <a16:creationId xmlns:a16="http://schemas.microsoft.com/office/drawing/2014/main" id="{91FC42A6-52AB-5A4C-931C-30E67EA14EB8}"/>
-              </a:ext>
-            </a:extLst>
-          </p:cNvPr>
-          <p:cNvSpPr>
-            <a:spLocks noGrp="1"/>
-          </p:cNvSpPr>
-          <p:nvPr>
-            <p:ph idx="1"/>
-          </p:nvPr>
-        </p:nvSpPr>
-        <p:spPr/>
-        <p:txBody>
-          <a:bodyPr/>
-          <a:lstStyle/>
-          <a:p>
-            <a:r>
-              <a:rPr lang="en-FR"/>
-              <a:t>ThinkIt</a:t>
-            </a:r>
-          </a:p>
-          <a:p>
-            <a:r>
-              <a:rPr lang="en-FR"/>
-              <a:t>Java</a:t>
-            </a:r>
-          </a:p>
-          <a:p>
-            <a:r>
-              <a:rPr lang="en-FR"/>
-              <a:t>Compte utlisateur</a:t>
-            </a:r>
-          </a:p>
-          <a:p>
-            <a:r>
-              <a:rPr lang="en-FR"/>
-              <a:t>Article Jounalistique</a:t>
-            </a:r>
-          </a:p>
-          <a:p>
-            <a:r>
-              <a:rPr lang="en-FR"/>
-              <a:t>Authentification</a:t>
-            </a:r>
-          </a:p>
-          <a:p>
-            <a:r>
-              <a:rPr lang="en-FR"/>
-              <a:t>Stockage Local</a:t>
-            </a:r>
-          </a:p>
-          <a:p>
-            <a:r>
-              <a:rPr lang="en-FR"/>
-              <a:t>Stockage Cloud</a:t>
-            </a:r>
-          </a:p>
-          <a:p>
-            <a:r>
-              <a:rPr lang="en-FR"/>
-              <a:t>Synchronisation</a:t>
-            </a:r>
-          </a:p>
-        </p:txBody>
-      </p:sp>
-    </p:spTree>
-    <p:extLst>
-      <p:ext uri="{BB962C8B-B14F-4D97-AF65-F5344CB8AC3E}">
-        <p14:creationId xmlns:p14="http://schemas.microsoft.com/office/powerpoint/2010/main" val="3805339049"/>
-      </p:ext>
-    </p:extLst>
-  </p:cSld>
-  <p:clrMapOvr>
-    <a:masterClrMapping/>
-  </p:clrMapOvr>
-</p:sld>
-</file>
-
-<file path=ppt/slides/slide4.xml><?xml version="1.0" encoding="utf-8"?>
-<p:sld xmlns:a="http://schemas.openxmlformats.org/drawingml/2006/main" xmlns:r="http://schemas.openxmlformats.org/officeDocument/2006/relationships" xmlns:p="http://schemas.openxmlformats.org/presentationml/2006/main">
-  <p:cSld>
-    <p:spTree>
-      <p:nvGrpSpPr>
-        <p:cNvPr id="1" name=""/>
-        <p:cNvGrpSpPr/>
-        <p:nvPr/>
-      </p:nvGrpSpPr>
-      <p:grpSpPr>
-        <a:xfrm>
-          <a:off x="0" y="0"/>
-          <a:ext cx="0" cy="0"/>
-          <a:chOff x="0" y="0"/>
-          <a:chExt cx="0" cy="0"/>
-        </a:xfrm>
-      </p:grpSpPr>
-      <p:sp>
-        <p:nvSpPr>
-          <p:cNvPr id="2" name="Title 1">
-            <a:extLst>
-              <a:ext uri="{FF2B5EF4-FFF2-40B4-BE49-F238E27FC236}">
                 <a16:creationId xmlns:a16="http://schemas.microsoft.com/office/drawing/2014/main" id="{139E5225-2027-414F-94A1-9601630B7A5A}"/>
               </a:ext>
             </a:extLst>
@@ -38566,7 +38951,7 @@
             <p:ph idx="1"/>
             <p:extLst>
               <p:ext uri="{D42A27DB-BD31-4B8C-83A1-F6EECF244321}">
-                <p14:modId xmlns:p14="http://schemas.microsoft.com/office/powerpoint/2010/main" val="1200193659"/>
+                <p14:modId xmlns:p14="http://schemas.microsoft.com/office/powerpoint/2010/main" val="1396176581"/>
               </p:ext>
             </p:extLst>
           </p:nvPr>
@@ -38594,7 +38979,7 @@
 </p:sld>
 </file>
 
-<file path=ppt/slides/slide5.xml><?xml version="1.0" encoding="utf-8"?>
+<file path=ppt/slides/slide4.xml><?xml version="1.0" encoding="utf-8"?>
 <p:sld xmlns:a="http://schemas.openxmlformats.org/drawingml/2006/main" xmlns:r="http://schemas.openxmlformats.org/officeDocument/2006/relationships" xmlns:p="http://schemas.openxmlformats.org/presentationml/2006/main">
   <p:cSld>
     <p:spTree>
@@ -38682,7 +39067,7 @@
 </p:sld>
 </file>
 
-<file path=ppt/slides/slide6.xml><?xml version="1.0" encoding="utf-8"?>
+<file path=ppt/slides/slide5.xml><?xml version="1.0" encoding="utf-8"?>
 <p:sld xmlns:a="http://schemas.openxmlformats.org/drawingml/2006/main" xmlns:r="http://schemas.openxmlformats.org/officeDocument/2006/relationships" xmlns:p="http://schemas.openxmlformats.org/presentationml/2006/main">
   <p:cSld>
     <p:spTree>
@@ -38778,7 +39163,7 @@
 </p:sld>
 </file>
 
-<file path=ppt/slides/slide7.xml><?xml version="1.0" encoding="utf-8"?>
+<file path=ppt/slides/slide6.xml><?xml version="1.0" encoding="utf-8"?>
 <p:sld xmlns:a="http://schemas.openxmlformats.org/drawingml/2006/main" xmlns:r="http://schemas.openxmlformats.org/officeDocument/2006/relationships" xmlns:p="http://schemas.openxmlformats.org/presentationml/2006/main">
   <p:cSld>
     <p:bg>
@@ -39079,7 +39464,7 @@
 </p:sld>
 </file>
 
-<file path=ppt/slides/slide8.xml><?xml version="1.0" encoding="utf-8"?>
+<file path=ppt/slides/slide7.xml><?xml version="1.0" encoding="utf-8"?>
 <p:sld xmlns:a="http://schemas.openxmlformats.org/drawingml/2006/main" xmlns:r="http://schemas.openxmlformats.org/officeDocument/2006/relationships" xmlns:p="http://schemas.openxmlformats.org/presentationml/2006/main">
   <p:cSld>
     <p:spTree>
@@ -39175,7 +39560,7 @@
 </p:sld>
 </file>
 
-<file path=ppt/slides/slide9.xml><?xml version="1.0" encoding="utf-8"?>
+<file path=ppt/slides/slide8.xml><?xml version="1.0" encoding="utf-8"?>
 <p:sld xmlns:a="http://schemas.openxmlformats.org/drawingml/2006/main" xmlns:r="http://schemas.openxmlformats.org/officeDocument/2006/relationships" xmlns:p="http://schemas.openxmlformats.org/presentationml/2006/main">
   <p:cSld>
     <p:bg>
@@ -39339,6 +39724,171 @@
     <p:extLst>
       <p:ext uri="{BB962C8B-B14F-4D97-AF65-F5344CB8AC3E}">
         <p14:creationId xmlns:p14="http://schemas.microsoft.com/office/powerpoint/2010/main" val="2730535944"/>
+      </p:ext>
+    </p:extLst>
+  </p:cSld>
+  <p:clrMapOvr>
+    <a:masterClrMapping/>
+  </p:clrMapOvr>
+</p:sld>
+</file>
+
+<file path=ppt/slides/slide9.xml><?xml version="1.0" encoding="utf-8"?>
+<p:sld xmlns:a="http://schemas.openxmlformats.org/drawingml/2006/main" xmlns:r="http://schemas.openxmlformats.org/officeDocument/2006/relationships" xmlns:p="http://schemas.openxmlformats.org/presentationml/2006/main">
+  <p:cSld>
+    <p:bg>
+      <p:bgPr>
+        <a:solidFill>
+          <a:schemeClr val="bg1"/>
+        </a:solidFill>
+        <a:effectLst/>
+      </p:bgPr>
+    </p:bg>
+    <p:spTree>
+      <p:nvGrpSpPr>
+        <p:cNvPr id="1" name=""/>
+        <p:cNvGrpSpPr/>
+        <p:nvPr/>
+      </p:nvGrpSpPr>
+      <p:grpSpPr>
+        <a:xfrm>
+          <a:off x="0" y="0"/>
+          <a:ext cx="0" cy="0"/>
+          <a:chOff x="0" y="0"/>
+          <a:chExt cx="0" cy="0"/>
+        </a:xfrm>
+      </p:grpSpPr>
+      <p:sp useBgFill="1">
+        <p:nvSpPr>
+          <p:cNvPr id="16" name="Rectangle 13">
+            <a:extLst>
+              <a:ext uri="{FF2B5EF4-FFF2-40B4-BE49-F238E27FC236}">
+                <a16:creationId xmlns:a16="http://schemas.microsoft.com/office/drawing/2014/main" id="{955A2079-FA98-4876-80F0-72364A7D2EA4}"/>
+              </a:ext>
+              <a:ext uri="{C183D7F6-B498-43B3-948B-1728B52AA6E4}">
+                <adec:decorative xmlns:adec="http://schemas.microsoft.com/office/drawing/2017/decorative" val="1"/>
+              </a:ext>
+            </a:extLst>
+          </p:cNvPr>
+          <p:cNvSpPr>
+            <a:spLocks noGrp="1" noRot="1" noChangeAspect="1" noMove="1" noResize="1" noEditPoints="1" noAdjustHandles="1" noChangeArrowheads="1" noChangeShapeType="1" noTextEdit="1"/>
+          </p:cNvSpPr>
+          <p:nvPr>
+            <p:extLst>
+              <p:ext uri="{386F3935-93C4-4BCD-93E2-E3B085C9AB24}">
+                <p16:designElem xmlns:p16="http://schemas.microsoft.com/office/powerpoint/2015/main" val="1"/>
+              </p:ext>
+            </p:extLst>
+          </p:nvPr>
+        </p:nvSpPr>
+        <p:spPr>
+          <a:xfrm>
+            <a:off x="-1" y="0"/>
+            <a:ext cx="12188952" cy="6858000"/>
+          </a:xfrm>
+          <a:prstGeom prst="rect">
+            <a:avLst/>
+          </a:prstGeom>
+          <a:ln>
+            <a:noFill/>
+          </a:ln>
+        </p:spPr>
+        <p:style>
+          <a:lnRef idx="2">
+            <a:schemeClr val="accent1">
+              <a:shade val="50000"/>
+            </a:schemeClr>
+          </a:lnRef>
+          <a:fillRef idx="1">
+            <a:schemeClr val="accent1"/>
+          </a:fillRef>
+          <a:effectRef idx="0">
+            <a:schemeClr val="accent1"/>
+          </a:effectRef>
+          <a:fontRef idx="minor">
+            <a:schemeClr val="lt1"/>
+          </a:fontRef>
+        </p:style>
+        <p:txBody>
+          <a:bodyPr rtlCol="0" anchor="ctr"/>
+          <a:lstStyle/>
+          <a:p>
+            <a:pPr algn="ctr"/>
+            <a:endParaRPr lang="en-US" dirty="0"/>
+          </a:p>
+        </p:txBody>
+      </p:sp>
+      <p:sp>
+        <p:nvSpPr>
+          <p:cNvPr id="2" name="Title 1">
+            <a:extLst>
+              <a:ext uri="{FF2B5EF4-FFF2-40B4-BE49-F238E27FC236}">
+                <a16:creationId xmlns:a16="http://schemas.microsoft.com/office/drawing/2014/main" id="{06768ECD-3B0D-6F48-9FAF-FC30AC00B150}"/>
+              </a:ext>
+            </a:extLst>
+          </p:cNvPr>
+          <p:cNvSpPr>
+            <a:spLocks noGrp="1"/>
+          </p:cNvSpPr>
+          <p:nvPr>
+            <p:ph type="title"/>
+          </p:nvPr>
+        </p:nvSpPr>
+        <p:spPr>
+          <a:xfrm>
+            <a:off x="838200" y="557188"/>
+            <a:ext cx="10515600" cy="1133499"/>
+          </a:xfrm>
+        </p:spPr>
+        <p:txBody>
+          <a:bodyPr>
+            <a:normAutofit/>
+          </a:bodyPr>
+          <a:lstStyle/>
+          <a:p>
+            <a:pPr algn="ctr"/>
+            <a:r>
+              <a:rPr lang="en-FR" sz="5200"/>
+              <a:t>Agile : Implémentation</a:t>
+            </a:r>
+          </a:p>
+        </p:txBody>
+      </p:sp>
+      <p:graphicFrame>
+        <p:nvGraphicFramePr>
+          <p:cNvPr id="5" name="Content Placeholder 2">
+            <a:extLst>
+              <a:ext uri="{FF2B5EF4-FFF2-40B4-BE49-F238E27FC236}">
+                <a16:creationId xmlns:a16="http://schemas.microsoft.com/office/drawing/2014/main" id="{E23904AC-AAF8-4D83-B9AF-6C709288F8AE}"/>
+              </a:ext>
+            </a:extLst>
+          </p:cNvPr>
+          <p:cNvGraphicFramePr>
+            <a:graphicFrameLocks noGrp="1"/>
+          </p:cNvGraphicFramePr>
+          <p:nvPr>
+            <p:ph idx="1"/>
+            <p:extLst>
+              <p:ext uri="{D42A27DB-BD31-4B8C-83A1-F6EECF244321}">
+                <p14:modId xmlns:p14="http://schemas.microsoft.com/office/powerpoint/2010/main" val="1316632190"/>
+              </p:ext>
+            </p:extLst>
+          </p:nvPr>
+        </p:nvGraphicFramePr>
+        <p:xfrm>
+          <a:off x="1916175" y="1948268"/>
+          <a:ext cx="8356600" cy="4352544"/>
+        </p:xfrm>
+        <a:graphic>
+          <a:graphicData uri="http://schemas.openxmlformats.org/drawingml/2006/diagram">
+            <dgm:relIds xmlns:dgm="http://schemas.openxmlformats.org/drawingml/2006/diagram" xmlns:r="http://schemas.openxmlformats.org/officeDocument/2006/relationships" r:dm="rId2" r:lo="rId3" r:qs="rId4" r:cs="rId5"/>
+          </a:graphicData>
+        </a:graphic>
+      </p:graphicFrame>
+    </p:spTree>
+    <p:extLst>
+      <p:ext uri="{BB962C8B-B14F-4D97-AF65-F5344CB8AC3E}">
+        <p14:creationId xmlns:p14="http://schemas.microsoft.com/office/powerpoint/2010/main" val="2224361249"/>
       </p:ext>
     </p:extLst>
   </p:cSld>
